--- a/Unusually Formal Method.pptx
+++ b/Unusually Formal Method.pptx
@@ -5,10 +5,10 @@
     <p:sldMasterId id="2147483648" r:id="rId4"/>
   </p:sldMasterIdLst>
   <p:notesMasterIdLst>
-    <p:notesMasterId r:id="rId21"/>
+    <p:notesMasterId r:id="rId19"/>
   </p:notesMasterIdLst>
   <p:handoutMasterIdLst>
-    <p:handoutMasterId r:id="rId22"/>
+    <p:handoutMasterId r:id="rId20"/>
   </p:handoutMasterIdLst>
   <p:sldIdLst>
     <p:sldId id="256" r:id="rId5"/>
@@ -16,17 +16,15 @@
     <p:sldId id="258" r:id="rId7"/>
     <p:sldId id="273" r:id="rId8"/>
     <p:sldId id="274" r:id="rId9"/>
-    <p:sldId id="262" r:id="rId10"/>
+    <p:sldId id="276" r:id="rId10"/>
     <p:sldId id="269" r:id="rId11"/>
-    <p:sldId id="265" r:id="rId12"/>
-    <p:sldId id="264" r:id="rId13"/>
-    <p:sldId id="263" r:id="rId14"/>
-    <p:sldId id="270" r:id="rId15"/>
-    <p:sldId id="259" r:id="rId16"/>
+    <p:sldId id="264" r:id="rId12"/>
+    <p:sldId id="275" r:id="rId13"/>
+    <p:sldId id="277" r:id="rId14"/>
+    <p:sldId id="278" r:id="rId15"/>
+    <p:sldId id="279" r:id="rId16"/>
     <p:sldId id="260" r:id="rId17"/>
-    <p:sldId id="261" r:id="rId18"/>
-    <p:sldId id="266" r:id="rId19"/>
-    <p:sldId id="271" r:id="rId20"/>
+    <p:sldId id="266" r:id="rId18"/>
   </p:sldIdLst>
   <p:sldSz cx="12192000" cy="6858000"/>
   <p:notesSz cx="6858000" cy="9144000"/>
@@ -134,3577 +132,6 @@
     </p:ext>
   </p:extLst>
 </p:presentation>
-</file>
-
-<file path=ppt/diagrams/colors1.xml><?xml version="1.0" encoding="utf-8"?>
-<dgm:colorsDef xmlns:dgm="http://schemas.openxmlformats.org/drawingml/2006/diagram" xmlns:a="http://schemas.openxmlformats.org/drawingml/2006/main" uniqueId="urn:microsoft.com/office/officeart/2005/8/colors/accent1_2">
-  <dgm:title val=""/>
-  <dgm:desc val=""/>
-  <dgm:catLst>
-    <dgm:cat type="accent1" pri="11200"/>
-  </dgm:catLst>
-  <dgm:styleLbl name="node0">
-    <dgm:fillClrLst meth="repeat">
-      <a:schemeClr val="accent1"/>
-    </dgm:fillClrLst>
-    <dgm:linClrLst meth="repeat">
-      <a:schemeClr val="lt1"/>
-    </dgm:linClrLst>
-    <dgm:effectClrLst/>
-    <dgm:txLinClrLst/>
-    <dgm:txFillClrLst/>
-    <dgm:txEffectClrLst/>
-  </dgm:styleLbl>
-  <dgm:styleLbl name="alignNode1">
-    <dgm:fillClrLst meth="repeat">
-      <a:schemeClr val="accent1"/>
-    </dgm:fillClrLst>
-    <dgm:linClrLst meth="repeat">
-      <a:schemeClr val="accent1"/>
-    </dgm:linClrLst>
-    <dgm:effectClrLst/>
-    <dgm:txLinClrLst/>
-    <dgm:txFillClrLst/>
-    <dgm:txEffectClrLst/>
-  </dgm:styleLbl>
-  <dgm:styleLbl name="node1">
-    <dgm:fillClrLst meth="repeat">
-      <a:schemeClr val="accent1"/>
-    </dgm:fillClrLst>
-    <dgm:linClrLst meth="repeat">
-      <a:schemeClr val="lt1"/>
-    </dgm:linClrLst>
-    <dgm:effectClrLst/>
-    <dgm:txLinClrLst/>
-    <dgm:txFillClrLst/>
-    <dgm:txEffectClrLst/>
-  </dgm:styleLbl>
-  <dgm:styleLbl name="lnNode1">
-    <dgm:fillClrLst meth="repeat">
-      <a:schemeClr val="accent1"/>
-    </dgm:fillClrLst>
-    <dgm:linClrLst meth="repeat">
-      <a:schemeClr val="lt1"/>
-    </dgm:linClrLst>
-    <dgm:effectClrLst/>
-    <dgm:txLinClrLst/>
-    <dgm:txFillClrLst/>
-    <dgm:txEffectClrLst/>
-  </dgm:styleLbl>
-  <dgm:styleLbl name="vennNode1">
-    <dgm:fillClrLst meth="repeat">
-      <a:schemeClr val="accent1">
-        <a:alpha val="50000"/>
-      </a:schemeClr>
-    </dgm:fillClrLst>
-    <dgm:linClrLst meth="repeat">
-      <a:schemeClr val="lt1"/>
-    </dgm:linClrLst>
-    <dgm:effectClrLst/>
-    <dgm:txLinClrLst/>
-    <dgm:txFillClrLst/>
-    <dgm:txEffectClrLst/>
-  </dgm:styleLbl>
-  <dgm:styleLbl name="node2">
-    <dgm:fillClrLst meth="repeat">
-      <a:schemeClr val="accent1"/>
-    </dgm:fillClrLst>
-    <dgm:linClrLst meth="repeat">
-      <a:schemeClr val="lt1"/>
-    </dgm:linClrLst>
-    <dgm:effectClrLst/>
-    <dgm:txLinClrLst/>
-    <dgm:txFillClrLst/>
-    <dgm:txEffectClrLst/>
-  </dgm:styleLbl>
-  <dgm:styleLbl name="node3">
-    <dgm:fillClrLst meth="repeat">
-      <a:schemeClr val="accent1"/>
-    </dgm:fillClrLst>
-    <dgm:linClrLst meth="repeat">
-      <a:schemeClr val="lt1"/>
-    </dgm:linClrLst>
-    <dgm:effectClrLst/>
-    <dgm:txLinClrLst/>
-    <dgm:txFillClrLst/>
-    <dgm:txEffectClrLst/>
-  </dgm:styleLbl>
-  <dgm:styleLbl name="node4">
-    <dgm:fillClrLst meth="repeat">
-      <a:schemeClr val="accent1"/>
-    </dgm:fillClrLst>
-    <dgm:linClrLst meth="repeat">
-      <a:schemeClr val="lt1"/>
-    </dgm:linClrLst>
-    <dgm:effectClrLst/>
-    <dgm:txLinClrLst/>
-    <dgm:txFillClrLst/>
-    <dgm:txEffectClrLst/>
-  </dgm:styleLbl>
-  <dgm:styleLbl name="fgImgPlace1">
-    <dgm:fillClrLst meth="repeat">
-      <a:schemeClr val="accent1">
-        <a:tint val="50000"/>
-      </a:schemeClr>
-    </dgm:fillClrLst>
-    <dgm:linClrLst meth="repeat">
-      <a:schemeClr val="lt1"/>
-    </dgm:linClrLst>
-    <dgm:effectClrLst/>
-    <dgm:txLinClrLst/>
-    <dgm:txFillClrLst meth="repeat">
-      <a:schemeClr val="lt1"/>
-    </dgm:txFillClrLst>
-    <dgm:txEffectClrLst/>
-  </dgm:styleLbl>
-  <dgm:styleLbl name="alignImgPlace1">
-    <dgm:fillClrLst meth="repeat">
-      <a:schemeClr val="accent1">
-        <a:tint val="50000"/>
-      </a:schemeClr>
-    </dgm:fillClrLst>
-    <dgm:linClrLst meth="repeat">
-      <a:schemeClr val="lt1"/>
-    </dgm:linClrLst>
-    <dgm:effectClrLst/>
-    <dgm:txLinClrLst/>
-    <dgm:txFillClrLst meth="repeat">
-      <a:schemeClr val="lt1"/>
-    </dgm:txFillClrLst>
-    <dgm:txEffectClrLst/>
-  </dgm:styleLbl>
-  <dgm:styleLbl name="bgImgPlace1">
-    <dgm:fillClrLst meth="repeat">
-      <a:schemeClr val="accent1">
-        <a:tint val="50000"/>
-      </a:schemeClr>
-    </dgm:fillClrLst>
-    <dgm:linClrLst meth="repeat">
-      <a:schemeClr val="lt1"/>
-    </dgm:linClrLst>
-    <dgm:effectClrLst/>
-    <dgm:txLinClrLst/>
-    <dgm:txFillClrLst meth="repeat">
-      <a:schemeClr val="lt1"/>
-    </dgm:txFillClrLst>
-    <dgm:txEffectClrLst/>
-  </dgm:styleLbl>
-  <dgm:styleLbl name="sibTrans2D1">
-    <dgm:fillClrLst meth="repeat">
-      <a:schemeClr val="accent1">
-        <a:tint val="60000"/>
-      </a:schemeClr>
-    </dgm:fillClrLst>
-    <dgm:linClrLst meth="repeat">
-      <a:schemeClr val="accent1">
-        <a:tint val="60000"/>
-      </a:schemeClr>
-    </dgm:linClrLst>
-    <dgm:effectClrLst/>
-    <dgm:txLinClrLst/>
-    <dgm:txFillClrLst/>
-    <dgm:txEffectClrLst/>
-  </dgm:styleLbl>
-  <dgm:styleLbl name="fgSibTrans2D1">
-    <dgm:fillClrLst meth="repeat">
-      <a:schemeClr val="accent1">
-        <a:tint val="60000"/>
-      </a:schemeClr>
-    </dgm:fillClrLst>
-    <dgm:linClrLst meth="repeat">
-      <a:schemeClr val="accent1">
-        <a:tint val="60000"/>
-      </a:schemeClr>
-    </dgm:linClrLst>
-    <dgm:effectClrLst/>
-    <dgm:txLinClrLst/>
-    <dgm:txFillClrLst/>
-    <dgm:txEffectClrLst/>
-  </dgm:styleLbl>
-  <dgm:styleLbl name="bgSibTrans2D1">
-    <dgm:fillClrLst meth="repeat">
-      <a:schemeClr val="accent1">
-        <a:tint val="60000"/>
-      </a:schemeClr>
-    </dgm:fillClrLst>
-    <dgm:linClrLst meth="repeat">
-      <a:schemeClr val="accent1">
-        <a:tint val="60000"/>
-      </a:schemeClr>
-    </dgm:linClrLst>
-    <dgm:effectClrLst/>
-    <dgm:txLinClrLst/>
-    <dgm:txFillClrLst/>
-    <dgm:txEffectClrLst/>
-  </dgm:styleLbl>
-  <dgm:styleLbl name="sibTrans1D1">
-    <dgm:fillClrLst meth="repeat">
-      <a:schemeClr val="accent1"/>
-    </dgm:fillClrLst>
-    <dgm:linClrLst meth="repeat">
-      <a:schemeClr val="accent1"/>
-    </dgm:linClrLst>
-    <dgm:effectClrLst/>
-    <dgm:txLinClrLst/>
-    <dgm:txFillClrLst meth="repeat">
-      <a:schemeClr val="tx1"/>
-    </dgm:txFillClrLst>
-    <dgm:txEffectClrLst/>
-  </dgm:styleLbl>
-  <dgm:styleLbl name="callout">
-    <dgm:fillClrLst meth="repeat">
-      <a:schemeClr val="accent1"/>
-    </dgm:fillClrLst>
-    <dgm:linClrLst meth="repeat">
-      <a:schemeClr val="accent1">
-        <a:tint val="50000"/>
-      </a:schemeClr>
-    </dgm:linClrLst>
-    <dgm:effectClrLst/>
-    <dgm:txLinClrLst/>
-    <dgm:txFillClrLst meth="repeat">
-      <a:schemeClr val="tx1"/>
-    </dgm:txFillClrLst>
-    <dgm:txEffectClrLst/>
-  </dgm:styleLbl>
-  <dgm:styleLbl name="asst0">
-    <dgm:fillClrLst meth="repeat">
-      <a:schemeClr val="accent1"/>
-    </dgm:fillClrLst>
-    <dgm:linClrLst meth="repeat">
-      <a:schemeClr val="lt1"/>
-    </dgm:linClrLst>
-    <dgm:effectClrLst/>
-    <dgm:txLinClrLst/>
-    <dgm:txFillClrLst/>
-    <dgm:txEffectClrLst/>
-  </dgm:styleLbl>
-  <dgm:styleLbl name="asst1">
-    <dgm:fillClrLst meth="repeat">
-      <a:schemeClr val="accent1"/>
-    </dgm:fillClrLst>
-    <dgm:linClrLst meth="repeat">
-      <a:schemeClr val="lt1"/>
-    </dgm:linClrLst>
-    <dgm:effectClrLst/>
-    <dgm:txLinClrLst/>
-    <dgm:txFillClrLst/>
-    <dgm:txEffectClrLst/>
-  </dgm:styleLbl>
-  <dgm:styleLbl name="asst2">
-    <dgm:fillClrLst meth="repeat">
-      <a:schemeClr val="accent1"/>
-    </dgm:fillClrLst>
-    <dgm:linClrLst meth="repeat">
-      <a:schemeClr val="lt1"/>
-    </dgm:linClrLst>
-    <dgm:effectClrLst/>
-    <dgm:txLinClrLst/>
-    <dgm:txFillClrLst/>
-    <dgm:txEffectClrLst/>
-  </dgm:styleLbl>
-  <dgm:styleLbl name="asst3">
-    <dgm:fillClrLst meth="repeat">
-      <a:schemeClr val="accent1"/>
-    </dgm:fillClrLst>
-    <dgm:linClrLst meth="repeat">
-      <a:schemeClr val="lt1"/>
-    </dgm:linClrLst>
-    <dgm:effectClrLst/>
-    <dgm:txLinClrLst/>
-    <dgm:txFillClrLst/>
-    <dgm:txEffectClrLst/>
-  </dgm:styleLbl>
-  <dgm:styleLbl name="asst4">
-    <dgm:fillClrLst meth="repeat">
-      <a:schemeClr val="accent1"/>
-    </dgm:fillClrLst>
-    <dgm:linClrLst meth="repeat">
-      <a:schemeClr val="lt1"/>
-    </dgm:linClrLst>
-    <dgm:effectClrLst/>
-    <dgm:txLinClrLst/>
-    <dgm:txFillClrLst/>
-    <dgm:txEffectClrLst/>
-  </dgm:styleLbl>
-  <dgm:styleLbl name="parChTrans2D1">
-    <dgm:fillClrLst meth="repeat">
-      <a:schemeClr val="accent1">
-        <a:tint val="60000"/>
-      </a:schemeClr>
-    </dgm:fillClrLst>
-    <dgm:linClrLst meth="repeat">
-      <a:schemeClr val="accent1">
-        <a:tint val="60000"/>
-      </a:schemeClr>
-    </dgm:linClrLst>
-    <dgm:effectClrLst/>
-    <dgm:txLinClrLst/>
-    <dgm:txFillClrLst meth="repeat">
-      <a:schemeClr val="lt1"/>
-    </dgm:txFillClrLst>
-    <dgm:txEffectClrLst/>
-  </dgm:styleLbl>
-  <dgm:styleLbl name="parChTrans2D2">
-    <dgm:fillClrLst meth="repeat">
-      <a:schemeClr val="accent1"/>
-    </dgm:fillClrLst>
-    <dgm:linClrLst meth="repeat">
-      <a:schemeClr val="accent1"/>
-    </dgm:linClrLst>
-    <dgm:effectClrLst/>
-    <dgm:txLinClrLst/>
-    <dgm:txFillClrLst meth="repeat">
-      <a:schemeClr val="lt1"/>
-    </dgm:txFillClrLst>
-    <dgm:txEffectClrLst/>
-  </dgm:styleLbl>
-  <dgm:styleLbl name="parChTrans2D3">
-    <dgm:fillClrLst meth="repeat">
-      <a:schemeClr val="accent1"/>
-    </dgm:fillClrLst>
-    <dgm:linClrLst meth="repeat">
-      <a:schemeClr val="accent1"/>
-    </dgm:linClrLst>
-    <dgm:effectClrLst/>
-    <dgm:txLinClrLst/>
-    <dgm:txFillClrLst meth="repeat">
-      <a:schemeClr val="lt1"/>
-    </dgm:txFillClrLst>
-    <dgm:txEffectClrLst/>
-  </dgm:styleLbl>
-  <dgm:styleLbl name="parChTrans2D4">
-    <dgm:fillClrLst meth="repeat">
-      <a:schemeClr val="accent1"/>
-    </dgm:fillClrLst>
-    <dgm:linClrLst meth="repeat">
-      <a:schemeClr val="accent1"/>
-    </dgm:linClrLst>
-    <dgm:effectClrLst/>
-    <dgm:txLinClrLst/>
-    <dgm:txFillClrLst meth="repeat">
-      <a:schemeClr val="lt1"/>
-    </dgm:txFillClrLst>
-    <dgm:txEffectClrLst/>
-  </dgm:styleLbl>
-  <dgm:styleLbl name="parChTrans1D1">
-    <dgm:fillClrLst meth="repeat">
-      <a:schemeClr val="accent1"/>
-    </dgm:fillClrLst>
-    <dgm:linClrLst meth="repeat">
-      <a:schemeClr val="accent1">
-        <a:shade val="60000"/>
-      </a:schemeClr>
-    </dgm:linClrLst>
-    <dgm:effectClrLst/>
-    <dgm:txLinClrLst/>
-    <dgm:txFillClrLst meth="repeat">
-      <a:schemeClr val="tx1"/>
-    </dgm:txFillClrLst>
-    <dgm:txEffectClrLst/>
-  </dgm:styleLbl>
-  <dgm:styleLbl name="parChTrans1D2">
-    <dgm:fillClrLst meth="repeat">
-      <a:schemeClr val="accent1"/>
-    </dgm:fillClrLst>
-    <dgm:linClrLst meth="repeat">
-      <a:schemeClr val="accent1">
-        <a:shade val="60000"/>
-      </a:schemeClr>
-    </dgm:linClrLst>
-    <dgm:effectClrLst/>
-    <dgm:txLinClrLst/>
-    <dgm:txFillClrLst meth="repeat">
-      <a:schemeClr val="tx1"/>
-    </dgm:txFillClrLst>
-    <dgm:txEffectClrLst/>
-  </dgm:styleLbl>
-  <dgm:styleLbl name="parChTrans1D3">
-    <dgm:fillClrLst meth="repeat">
-      <a:schemeClr val="accent1"/>
-    </dgm:fillClrLst>
-    <dgm:linClrLst meth="repeat">
-      <a:schemeClr val="accent1">
-        <a:shade val="80000"/>
-      </a:schemeClr>
-    </dgm:linClrLst>
-    <dgm:effectClrLst/>
-    <dgm:txLinClrLst/>
-    <dgm:txFillClrLst meth="repeat">
-      <a:schemeClr val="tx1"/>
-    </dgm:txFillClrLst>
-    <dgm:txEffectClrLst/>
-  </dgm:styleLbl>
-  <dgm:styleLbl name="parChTrans1D4">
-    <dgm:fillClrLst meth="repeat">
-      <a:schemeClr val="accent1"/>
-    </dgm:fillClrLst>
-    <dgm:linClrLst meth="repeat">
-      <a:schemeClr val="accent1">
-        <a:shade val="80000"/>
-      </a:schemeClr>
-    </dgm:linClrLst>
-    <dgm:effectClrLst/>
-    <dgm:txLinClrLst/>
-    <dgm:txFillClrLst meth="repeat">
-      <a:schemeClr val="tx1"/>
-    </dgm:txFillClrLst>
-    <dgm:txEffectClrLst/>
-  </dgm:styleLbl>
-  <dgm:styleLbl name="fgAcc1">
-    <dgm:fillClrLst meth="repeat">
-      <a:schemeClr val="lt1">
-        <a:alpha val="90000"/>
-      </a:schemeClr>
-    </dgm:fillClrLst>
-    <dgm:linClrLst meth="repeat">
-      <a:schemeClr val="accent1"/>
-    </dgm:linClrLst>
-    <dgm:effectClrLst/>
-    <dgm:txLinClrLst/>
-    <dgm:txFillClrLst meth="repeat">
-      <a:schemeClr val="dk1"/>
-    </dgm:txFillClrLst>
-    <dgm:txEffectClrLst/>
-  </dgm:styleLbl>
-  <dgm:styleLbl name="conFgAcc1">
-    <dgm:fillClrLst meth="repeat">
-      <a:schemeClr val="lt1">
-        <a:alpha val="90000"/>
-      </a:schemeClr>
-    </dgm:fillClrLst>
-    <dgm:linClrLst meth="repeat">
-      <a:schemeClr val="accent1"/>
-    </dgm:linClrLst>
-    <dgm:effectClrLst/>
-    <dgm:txLinClrLst/>
-    <dgm:txFillClrLst meth="repeat">
-      <a:schemeClr val="dk1"/>
-    </dgm:txFillClrLst>
-    <dgm:txEffectClrLst/>
-  </dgm:styleLbl>
-  <dgm:styleLbl name="alignAcc1">
-    <dgm:fillClrLst meth="repeat">
-      <a:schemeClr val="lt1">
-        <a:alpha val="90000"/>
-      </a:schemeClr>
-    </dgm:fillClrLst>
-    <dgm:linClrLst meth="repeat">
-      <a:schemeClr val="accent1"/>
-    </dgm:linClrLst>
-    <dgm:effectClrLst/>
-    <dgm:txLinClrLst/>
-    <dgm:txFillClrLst meth="repeat">
-      <a:schemeClr val="dk1"/>
-    </dgm:txFillClrLst>
-    <dgm:txEffectClrLst/>
-  </dgm:styleLbl>
-  <dgm:styleLbl name="trAlignAcc1">
-    <dgm:fillClrLst meth="repeat">
-      <a:schemeClr val="lt1">
-        <a:alpha val="40000"/>
-      </a:schemeClr>
-    </dgm:fillClrLst>
-    <dgm:linClrLst meth="repeat">
-      <a:schemeClr val="accent1"/>
-    </dgm:linClrLst>
-    <dgm:effectClrLst/>
-    <dgm:txLinClrLst/>
-    <dgm:txFillClrLst meth="repeat">
-      <a:schemeClr val="dk1"/>
-    </dgm:txFillClrLst>
-    <dgm:txEffectClrLst/>
-  </dgm:styleLbl>
-  <dgm:styleLbl name="bgAcc1">
-    <dgm:fillClrLst meth="repeat">
-      <a:schemeClr val="lt1">
-        <a:alpha val="90000"/>
-      </a:schemeClr>
-    </dgm:fillClrLst>
-    <dgm:linClrLst meth="repeat">
-      <a:schemeClr val="accent1"/>
-    </dgm:linClrLst>
-    <dgm:effectClrLst/>
-    <dgm:txLinClrLst/>
-    <dgm:txFillClrLst meth="repeat">
-      <a:schemeClr val="dk1"/>
-    </dgm:txFillClrLst>
-    <dgm:txEffectClrLst/>
-  </dgm:styleLbl>
-  <dgm:styleLbl name="solidFgAcc1">
-    <dgm:fillClrLst meth="repeat">
-      <a:schemeClr val="lt1"/>
-    </dgm:fillClrLst>
-    <dgm:linClrLst meth="repeat">
-      <a:schemeClr val="accent1"/>
-    </dgm:linClrLst>
-    <dgm:effectClrLst/>
-    <dgm:txLinClrLst/>
-    <dgm:txFillClrLst meth="repeat">
-      <a:schemeClr val="dk1"/>
-    </dgm:txFillClrLst>
-    <dgm:txEffectClrLst/>
-  </dgm:styleLbl>
-  <dgm:styleLbl name="solidAlignAcc1">
-    <dgm:fillClrLst meth="repeat">
-      <a:schemeClr val="lt1"/>
-    </dgm:fillClrLst>
-    <dgm:linClrLst meth="repeat">
-      <a:schemeClr val="accent1"/>
-    </dgm:linClrLst>
-    <dgm:effectClrLst/>
-    <dgm:txLinClrLst/>
-    <dgm:txFillClrLst meth="repeat">
-      <a:schemeClr val="dk1"/>
-    </dgm:txFillClrLst>
-    <dgm:txEffectClrLst/>
-  </dgm:styleLbl>
-  <dgm:styleLbl name="solidBgAcc1">
-    <dgm:fillClrLst meth="repeat">
-      <a:schemeClr val="lt1"/>
-    </dgm:fillClrLst>
-    <dgm:linClrLst meth="repeat">
-      <a:schemeClr val="accent1"/>
-    </dgm:linClrLst>
-    <dgm:effectClrLst/>
-    <dgm:txLinClrLst/>
-    <dgm:txFillClrLst meth="repeat">
-      <a:schemeClr val="dk1"/>
-    </dgm:txFillClrLst>
-    <dgm:txEffectClrLst/>
-  </dgm:styleLbl>
-  <dgm:styleLbl name="fgAccFollowNode1">
-    <dgm:fillClrLst meth="repeat">
-      <a:schemeClr val="accent1">
-        <a:alpha val="90000"/>
-        <a:tint val="40000"/>
-      </a:schemeClr>
-    </dgm:fillClrLst>
-    <dgm:linClrLst meth="repeat">
-      <a:schemeClr val="accent1">
-        <a:alpha val="90000"/>
-        <a:tint val="40000"/>
-      </a:schemeClr>
-    </dgm:linClrLst>
-    <dgm:effectClrLst/>
-    <dgm:txLinClrLst/>
-    <dgm:txFillClrLst meth="repeat">
-      <a:schemeClr val="dk1"/>
-    </dgm:txFillClrLst>
-    <dgm:txEffectClrLst/>
-  </dgm:styleLbl>
-  <dgm:styleLbl name="alignAccFollowNode1">
-    <dgm:fillClrLst meth="repeat">
-      <a:schemeClr val="accent1">
-        <a:alpha val="90000"/>
-        <a:tint val="40000"/>
-      </a:schemeClr>
-    </dgm:fillClrLst>
-    <dgm:linClrLst meth="repeat">
-      <a:schemeClr val="accent1">
-        <a:alpha val="90000"/>
-        <a:tint val="40000"/>
-      </a:schemeClr>
-    </dgm:linClrLst>
-    <dgm:effectClrLst/>
-    <dgm:txLinClrLst/>
-    <dgm:txFillClrLst meth="repeat">
-      <a:schemeClr val="dk1"/>
-    </dgm:txFillClrLst>
-    <dgm:txEffectClrLst/>
-  </dgm:styleLbl>
-  <dgm:styleLbl name="bgAccFollowNode1">
-    <dgm:fillClrLst meth="repeat">
-      <a:schemeClr val="accent1">
-        <a:alpha val="90000"/>
-        <a:tint val="40000"/>
-      </a:schemeClr>
-    </dgm:fillClrLst>
-    <dgm:linClrLst meth="repeat">
-      <a:schemeClr val="accent1">
-        <a:alpha val="90000"/>
-        <a:tint val="40000"/>
-      </a:schemeClr>
-    </dgm:linClrLst>
-    <dgm:effectClrLst/>
-    <dgm:txLinClrLst/>
-    <dgm:txFillClrLst meth="repeat">
-      <a:schemeClr val="dk1"/>
-    </dgm:txFillClrLst>
-    <dgm:txEffectClrLst/>
-  </dgm:styleLbl>
-  <dgm:styleLbl name="fgAcc0">
-    <dgm:fillClrLst meth="repeat">
-      <a:schemeClr val="lt1">
-        <a:alpha val="90000"/>
-      </a:schemeClr>
-    </dgm:fillClrLst>
-    <dgm:linClrLst meth="repeat">
-      <a:schemeClr val="accent1"/>
-    </dgm:linClrLst>
-    <dgm:effectClrLst/>
-    <dgm:txLinClrLst/>
-    <dgm:txFillClrLst meth="repeat">
-      <a:schemeClr val="dk1"/>
-    </dgm:txFillClrLst>
-    <dgm:txEffectClrLst/>
-  </dgm:styleLbl>
-  <dgm:styleLbl name="fgAcc2">
-    <dgm:fillClrLst meth="repeat">
-      <a:schemeClr val="lt1">
-        <a:alpha val="90000"/>
-      </a:schemeClr>
-    </dgm:fillClrLst>
-    <dgm:linClrLst meth="repeat">
-      <a:schemeClr val="accent1"/>
-    </dgm:linClrLst>
-    <dgm:effectClrLst/>
-    <dgm:txLinClrLst/>
-    <dgm:txFillClrLst meth="repeat">
-      <a:schemeClr val="dk1"/>
-    </dgm:txFillClrLst>
-    <dgm:txEffectClrLst/>
-  </dgm:styleLbl>
-  <dgm:styleLbl name="fgAcc3">
-    <dgm:fillClrLst meth="repeat">
-      <a:schemeClr val="lt1">
-        <a:alpha val="90000"/>
-      </a:schemeClr>
-    </dgm:fillClrLst>
-    <dgm:linClrLst meth="repeat">
-      <a:schemeClr val="accent1"/>
-    </dgm:linClrLst>
-    <dgm:effectClrLst/>
-    <dgm:txLinClrLst/>
-    <dgm:txFillClrLst meth="repeat">
-      <a:schemeClr val="dk1"/>
-    </dgm:txFillClrLst>
-    <dgm:txEffectClrLst/>
-  </dgm:styleLbl>
-  <dgm:styleLbl name="fgAcc4">
-    <dgm:fillClrLst meth="repeat">
-      <a:schemeClr val="lt1">
-        <a:alpha val="90000"/>
-      </a:schemeClr>
-    </dgm:fillClrLst>
-    <dgm:linClrLst meth="repeat">
-      <a:schemeClr val="accent1"/>
-    </dgm:linClrLst>
-    <dgm:effectClrLst/>
-    <dgm:txLinClrLst/>
-    <dgm:txFillClrLst meth="repeat">
-      <a:schemeClr val="dk1"/>
-    </dgm:txFillClrLst>
-    <dgm:txEffectClrLst/>
-  </dgm:styleLbl>
-  <dgm:styleLbl name="bgShp">
-    <dgm:fillClrLst meth="repeat">
-      <a:schemeClr val="accent1">
-        <a:tint val="40000"/>
-      </a:schemeClr>
-    </dgm:fillClrLst>
-    <dgm:linClrLst meth="repeat">
-      <a:schemeClr val="accent1"/>
-    </dgm:linClrLst>
-    <dgm:effectClrLst/>
-    <dgm:txLinClrLst/>
-    <dgm:txFillClrLst meth="repeat">
-      <a:schemeClr val="dk1"/>
-    </dgm:txFillClrLst>
-    <dgm:txEffectClrLst/>
-  </dgm:styleLbl>
-  <dgm:styleLbl name="dkBgShp">
-    <dgm:fillClrLst meth="repeat">
-      <a:schemeClr val="accent1">
-        <a:shade val="80000"/>
-      </a:schemeClr>
-    </dgm:fillClrLst>
-    <dgm:linClrLst meth="repeat">
-      <a:schemeClr val="accent1"/>
-    </dgm:linClrLst>
-    <dgm:effectClrLst/>
-    <dgm:txLinClrLst/>
-    <dgm:txFillClrLst meth="repeat">
-      <a:schemeClr val="lt1"/>
-    </dgm:txFillClrLst>
-    <dgm:txEffectClrLst/>
-  </dgm:styleLbl>
-  <dgm:styleLbl name="trBgShp">
-    <dgm:fillClrLst meth="repeat">
-      <a:schemeClr val="accent1">
-        <a:tint val="50000"/>
-        <a:alpha val="40000"/>
-      </a:schemeClr>
-    </dgm:fillClrLst>
-    <dgm:linClrLst meth="repeat">
-      <a:schemeClr val="accent1"/>
-    </dgm:linClrLst>
-    <dgm:effectClrLst/>
-    <dgm:txLinClrLst/>
-    <dgm:txFillClrLst meth="repeat">
-      <a:schemeClr val="lt1"/>
-    </dgm:txFillClrLst>
-    <dgm:txEffectClrLst/>
-  </dgm:styleLbl>
-  <dgm:styleLbl name="fgShp">
-    <dgm:fillClrLst meth="repeat">
-      <a:schemeClr val="accent1">
-        <a:tint val="60000"/>
-      </a:schemeClr>
-    </dgm:fillClrLst>
-    <dgm:linClrLst meth="repeat">
-      <a:schemeClr val="lt1"/>
-    </dgm:linClrLst>
-    <dgm:effectClrLst/>
-    <dgm:txLinClrLst/>
-    <dgm:txFillClrLst meth="repeat">
-      <a:schemeClr val="dk1"/>
-    </dgm:txFillClrLst>
-    <dgm:txEffectClrLst/>
-  </dgm:styleLbl>
-  <dgm:styleLbl name="revTx">
-    <dgm:fillClrLst meth="repeat">
-      <a:schemeClr val="lt1">
-        <a:alpha val="0"/>
-      </a:schemeClr>
-    </dgm:fillClrLst>
-    <dgm:linClrLst meth="repeat">
-      <a:schemeClr val="dk1">
-        <a:alpha val="0"/>
-      </a:schemeClr>
-    </dgm:linClrLst>
-    <dgm:effectClrLst/>
-    <dgm:txLinClrLst/>
-    <dgm:txFillClrLst meth="repeat">
-      <a:schemeClr val="tx1"/>
-    </dgm:txFillClrLst>
-    <dgm:txEffectClrLst/>
-  </dgm:styleLbl>
-</dgm:colorsDef>
-</file>
-
-<file path=ppt/diagrams/data1.xml><?xml version="1.0" encoding="utf-8"?>
-<dgm:dataModel xmlns:dgm="http://schemas.openxmlformats.org/drawingml/2006/diagram" xmlns:a="http://schemas.openxmlformats.org/drawingml/2006/main">
-  <dgm:ptLst>
-    <dgm:pt modelId="{0DD8915E-DC14-41D6-9BB5-F49E1C265163}" type="doc">
-      <dgm:prSet loTypeId="urn:microsoft.com/office/officeart/2016/7/layout/HorizontalActionList" loCatId="list" qsTypeId="urn:microsoft.com/office/officeart/2005/8/quickstyle/simple1" qsCatId="simple" csTypeId="urn:microsoft.com/office/officeart/2005/8/colors/accent1_2" csCatId="accent1" phldr="1"/>
-      <dgm:spPr/>
-      <dgm:t>
-        <a:bodyPr/>
-        <a:lstStyle/>
-        <a:p>
-          <a:endParaRPr lang="en-US"/>
-        </a:p>
-      </dgm:t>
-    </dgm:pt>
-    <dgm:pt modelId="{8FE81FEC-2664-411F-AEB3-065F29F52751}">
-      <dgm:prSet custT="1"/>
-      <dgm:spPr/>
-      <dgm:t>
-        <a:bodyPr lIns="182880" tIns="182880" rIns="182880" bIns="182880"/>
-        <a:lstStyle/>
-        <a:p>
-          <a:pPr marL="0" lvl="0" indent="0" algn="l" defTabSz="666750" rtl="0">
-            <a:lnSpc>
-              <a:spcPct val="100000"/>
-            </a:lnSpc>
-            <a:spcBef>
-              <a:spcPct val="0"/>
-            </a:spcBef>
-            <a:spcAft>
-              <a:spcPct val="35000"/>
-            </a:spcAft>
-            <a:buNone/>
-          </a:pPr>
-          <a:r>
-            <a:rPr lang="en-US" sz="1400" kern="1200" spc="50" baseline="0" dirty="0">
-              <a:solidFill>
-                <a:prstClr val="black">
-                  <a:hueOff val="0"/>
-                  <a:satOff val="0"/>
-                  <a:lumOff val="0"/>
-                  <a:alphaOff val="0"/>
-                </a:prstClr>
-              </a:solidFill>
-              <a:latin typeface="Tenorite"/>
-              <a:ea typeface="+mn-ea"/>
-              <a:cs typeface="+mn-cs"/>
-            </a:rPr>
-            <a:t>Deploy strategic networks with compelling e-business needs</a:t>
-          </a:r>
-        </a:p>
-      </dgm:t>
-    </dgm:pt>
-    <dgm:pt modelId="{BCBC007E-0269-421B-9C41-DE26D5C3A822}" type="parTrans" cxnId="{711E093C-AD42-45A4-8D40-A2D39702062E}">
-      <dgm:prSet/>
-      <dgm:spPr/>
-      <dgm:t>
-        <a:bodyPr/>
-        <a:lstStyle/>
-        <a:p>
-          <a:endParaRPr lang="en-US">
-            <a:latin typeface="+mn-lt"/>
-          </a:endParaRPr>
-        </a:p>
-      </dgm:t>
-    </dgm:pt>
-    <dgm:pt modelId="{80230EB7-7230-4881-A631-309C07417378}" type="sibTrans" cxnId="{711E093C-AD42-45A4-8D40-A2D39702062E}">
-      <dgm:prSet/>
-      <dgm:spPr/>
-      <dgm:t>
-        <a:bodyPr/>
-        <a:lstStyle/>
-        <a:p>
-          <a:endParaRPr lang="en-US">
-            <a:latin typeface="+mn-lt"/>
-          </a:endParaRPr>
-        </a:p>
-      </dgm:t>
-    </dgm:pt>
-    <dgm:pt modelId="{73D947E0-108F-4D20-A71E-3CF329F97212}">
-      <dgm:prSet phldr="0" custT="1"/>
-      <dgm:spPr/>
-      <dgm:t>
-        <a:bodyPr/>
-        <a:lstStyle/>
-        <a:p>
-          <a:pPr marL="0" indent="0" algn="ctr" defTabSz="914400" rtl="0" eaLnBrk="1" latinLnBrk="0" hangingPunct="1">
-            <a:lnSpc>
-              <a:spcPct val="90000"/>
-            </a:lnSpc>
-            <a:spcBef>
-              <a:spcPts val="1000"/>
-            </a:spcBef>
-            <a:buFont typeface="Arial" panose="020B0604020202020204" pitchFamily="34" charset="0"/>
-            <a:buNone/>
-          </a:pPr>
-          <a:r>
-            <a:rPr lang="en-US" sz="1600" kern="1200" spc="150" baseline="0" dirty="0">
-              <a:solidFill>
-                <a:schemeClr val="tx1"/>
-              </a:solidFill>
-              <a:latin typeface="+mj-lt"/>
-              <a:ea typeface="+mj-ea"/>
-              <a:cs typeface="+mj-cs"/>
-            </a:rPr>
-            <a:t>PLANNING</a:t>
-          </a:r>
-        </a:p>
-      </dgm:t>
-    </dgm:pt>
-    <dgm:pt modelId="{9D249532-A24D-4D8F-848A-9F42F2E486C9}" type="parTrans" cxnId="{A0077D09-C12C-46D0-8DF7-194B6911362A}">
-      <dgm:prSet/>
-      <dgm:spPr/>
-      <dgm:t>
-        <a:bodyPr/>
-        <a:lstStyle/>
-        <a:p>
-          <a:endParaRPr lang="en-US">
-            <a:latin typeface="+mn-lt"/>
-          </a:endParaRPr>
-        </a:p>
-      </dgm:t>
-    </dgm:pt>
-    <dgm:pt modelId="{AE813459-65AB-4FA9-B717-330DDA6DFA4E}" type="sibTrans" cxnId="{A0077D09-C12C-46D0-8DF7-194B6911362A}">
-      <dgm:prSet/>
-      <dgm:spPr/>
-      <dgm:t>
-        <a:bodyPr/>
-        <a:lstStyle/>
-        <a:p>
-          <a:endParaRPr lang="en-US">
-            <a:latin typeface="+mn-lt"/>
-          </a:endParaRPr>
-        </a:p>
-      </dgm:t>
-    </dgm:pt>
-    <dgm:pt modelId="{30A490C8-22B4-4D68-875C-0F0DE2FF864D}">
-      <dgm:prSet phldr="0" custT="1"/>
-      <dgm:spPr/>
-      <dgm:t>
-        <a:bodyPr/>
-        <a:lstStyle/>
-        <a:p>
-          <a:pPr marL="0">
-            <a:lnSpc>
-              <a:spcPct val="100000"/>
-            </a:lnSpc>
-          </a:pPr>
-          <a:r>
-            <a:rPr lang="en-US" sz="1400" spc="50" baseline="0" dirty="0">
-              <a:latin typeface="+mn-lt"/>
-            </a:rPr>
-            <a:t>Synergize scalable e-commerce</a:t>
-          </a:r>
-        </a:p>
-      </dgm:t>
-    </dgm:pt>
-    <dgm:pt modelId="{035C64B0-4F0C-4FD1-BD23-B1D4C9887CBE}" type="parTrans" cxnId="{381FE1CC-8184-4745-8EB3-6DE11655998D}">
-      <dgm:prSet/>
-      <dgm:spPr/>
-      <dgm:t>
-        <a:bodyPr/>
-        <a:lstStyle/>
-        <a:p>
-          <a:endParaRPr lang="en-US">
-            <a:latin typeface="+mn-lt"/>
-          </a:endParaRPr>
-        </a:p>
-      </dgm:t>
-    </dgm:pt>
-    <dgm:pt modelId="{45495DA8-8707-41E3-A12B-FA5766269C44}" type="sibTrans" cxnId="{381FE1CC-8184-4745-8EB3-6DE11655998D}">
-      <dgm:prSet/>
-      <dgm:spPr/>
-      <dgm:t>
-        <a:bodyPr/>
-        <a:lstStyle/>
-        <a:p>
-          <a:endParaRPr lang="en-US">
-            <a:latin typeface="+mn-lt"/>
-          </a:endParaRPr>
-        </a:p>
-      </dgm:t>
-    </dgm:pt>
-    <dgm:pt modelId="{B1AFA1AF-0FF8-45B3-A6D0-0E255A2F637D}">
-      <dgm:prSet phldr="0" custT="1"/>
-      <dgm:spPr/>
-      <dgm:t>
-        <a:bodyPr/>
-        <a:lstStyle/>
-        <a:p>
-          <a:pPr marL="0"/>
-          <a:r>
-            <a:rPr lang="en-US" sz="1600" kern="1200" spc="150" baseline="0" dirty="0">
-              <a:solidFill>
-                <a:prstClr val="black"/>
-              </a:solidFill>
-              <a:latin typeface="Tenorite"/>
-              <a:ea typeface="+mn-ea"/>
-              <a:cs typeface="+mn-cs"/>
-            </a:rPr>
-            <a:t>MARKETING</a:t>
-          </a:r>
-        </a:p>
-      </dgm:t>
-    </dgm:pt>
-    <dgm:pt modelId="{10C68AF5-481C-45AA-A216-8BBBB04515B9}" type="parTrans" cxnId="{F28D7702-2FC3-49BD-BB13-C989E5EE622A}">
-      <dgm:prSet/>
-      <dgm:spPr/>
-      <dgm:t>
-        <a:bodyPr/>
-        <a:lstStyle/>
-        <a:p>
-          <a:endParaRPr lang="en-US">
-            <a:latin typeface="+mn-lt"/>
-          </a:endParaRPr>
-        </a:p>
-      </dgm:t>
-    </dgm:pt>
-    <dgm:pt modelId="{88649F7A-400B-4056-965D-C9AC0B3AD942}" type="sibTrans" cxnId="{F28D7702-2FC3-49BD-BB13-C989E5EE622A}">
-      <dgm:prSet/>
-      <dgm:spPr/>
-      <dgm:t>
-        <a:bodyPr/>
-        <a:lstStyle/>
-        <a:p>
-          <a:endParaRPr lang="en-US">
-            <a:latin typeface="+mn-lt"/>
-          </a:endParaRPr>
-        </a:p>
-      </dgm:t>
-    </dgm:pt>
-    <dgm:pt modelId="{50418D2B-9486-42DE-AFDD-1D31420040FF}">
-      <dgm:prSet phldr="0" custT="1"/>
-      <dgm:spPr/>
-      <dgm:t>
-        <a:bodyPr/>
-        <a:lstStyle/>
-        <a:p>
-          <a:pPr marL="0">
-            <a:lnSpc>
-              <a:spcPct val="100000"/>
-            </a:lnSpc>
-          </a:pPr>
-          <a:r>
-            <a:rPr lang="en-US" sz="1400" spc="50" baseline="0" dirty="0">
-              <a:latin typeface="+mn-lt"/>
-            </a:rPr>
-            <a:t>Disseminate standardized metrics</a:t>
-          </a:r>
-        </a:p>
-      </dgm:t>
-    </dgm:pt>
-    <dgm:pt modelId="{D5A17F6B-93F5-442B-938A-0F38C281BE88}" type="parTrans" cxnId="{5A5BA622-5DEB-48B9-88D9-C1DE36C711E5}">
-      <dgm:prSet/>
-      <dgm:spPr/>
-      <dgm:t>
-        <a:bodyPr/>
-        <a:lstStyle/>
-        <a:p>
-          <a:endParaRPr lang="en-US">
-            <a:latin typeface="+mn-lt"/>
-          </a:endParaRPr>
-        </a:p>
-      </dgm:t>
-    </dgm:pt>
-    <dgm:pt modelId="{1D87A0A5-8024-4710-846B-D5BFAC785107}" type="sibTrans" cxnId="{5A5BA622-5DEB-48B9-88D9-C1DE36C711E5}">
-      <dgm:prSet/>
-      <dgm:spPr/>
-      <dgm:t>
-        <a:bodyPr/>
-        <a:lstStyle/>
-        <a:p>
-          <a:endParaRPr lang="en-US">
-            <a:latin typeface="+mn-lt"/>
-          </a:endParaRPr>
-        </a:p>
-      </dgm:t>
-    </dgm:pt>
-    <dgm:pt modelId="{E9682B4F-0217-4B50-923E-C104AA24290F}">
-      <dgm:prSet phldr="0" custT="1"/>
-      <dgm:spPr/>
-      <dgm:t>
-        <a:bodyPr/>
-        <a:lstStyle/>
-        <a:p>
-          <a:pPr marL="0" lvl="0" indent="0" algn="ctr" defTabSz="889000">
-            <a:lnSpc>
-              <a:spcPct val="90000"/>
-            </a:lnSpc>
-            <a:spcBef>
-              <a:spcPct val="0"/>
-            </a:spcBef>
-            <a:spcAft>
-              <a:spcPct val="35000"/>
-            </a:spcAft>
-            <a:buNone/>
-          </a:pPr>
-          <a:r>
-            <a:rPr lang="en-US" sz="1600" kern="1200" spc="150" baseline="0" dirty="0">
-              <a:solidFill>
-                <a:prstClr val="black"/>
-              </a:solidFill>
-              <a:latin typeface="Tenorite"/>
-              <a:ea typeface="+mn-ea"/>
-              <a:cs typeface="+mn-cs"/>
-            </a:rPr>
-            <a:t>DESIGN</a:t>
-          </a:r>
-        </a:p>
-      </dgm:t>
-    </dgm:pt>
-    <dgm:pt modelId="{E0F6C4AF-9BBB-4698-91D7-F9AE3EACBD5D}" type="parTrans" cxnId="{6C23D0C9-74B2-4C8B-AB2F-A03B3B0EBE56}">
-      <dgm:prSet/>
-      <dgm:spPr/>
-      <dgm:t>
-        <a:bodyPr/>
-        <a:lstStyle/>
-        <a:p>
-          <a:endParaRPr lang="en-US">
-            <a:latin typeface="+mn-lt"/>
-          </a:endParaRPr>
-        </a:p>
-      </dgm:t>
-    </dgm:pt>
-    <dgm:pt modelId="{B8632E42-D7EB-4C31-877E-6F1B2801851A}" type="sibTrans" cxnId="{6C23D0C9-74B2-4C8B-AB2F-A03B3B0EBE56}">
-      <dgm:prSet/>
-      <dgm:spPr/>
-      <dgm:t>
-        <a:bodyPr/>
-        <a:lstStyle/>
-        <a:p>
-          <a:endParaRPr lang="en-US">
-            <a:latin typeface="+mn-lt"/>
-          </a:endParaRPr>
-        </a:p>
-      </dgm:t>
-    </dgm:pt>
-    <dgm:pt modelId="{0EC0C300-11E4-45CF-8418-973585107209}">
-      <dgm:prSet phldr="0" custT="1"/>
-      <dgm:spPr/>
-      <dgm:t>
-        <a:bodyPr/>
-        <a:lstStyle/>
-        <a:p>
-          <a:pPr marL="0" lvl="0" indent="0" algn="l" defTabSz="666750">
-            <a:lnSpc>
-              <a:spcPct val="100000"/>
-            </a:lnSpc>
-            <a:spcBef>
-              <a:spcPct val="0"/>
-            </a:spcBef>
-            <a:spcAft>
-              <a:spcPct val="35000"/>
-            </a:spcAft>
-            <a:buNone/>
-          </a:pPr>
-          <a:r>
-            <a:rPr lang="en-US" sz="1400" kern="1200" spc="50" baseline="0" dirty="0">
-              <a:solidFill>
-                <a:prstClr val="black">
-                  <a:hueOff val="0"/>
-                  <a:satOff val="0"/>
-                  <a:lumOff val="0"/>
-                  <a:alphaOff val="0"/>
-                </a:prstClr>
-              </a:solidFill>
-              <a:latin typeface="Tenorite"/>
-              <a:ea typeface="+mn-ea"/>
-              <a:cs typeface="+mn-cs"/>
-            </a:rPr>
-            <a:t>Coordinate e-business applications</a:t>
-          </a:r>
-        </a:p>
-      </dgm:t>
-    </dgm:pt>
-    <dgm:pt modelId="{1E4DD98E-100E-46B7-B24A-408BBF69E9FA}" type="parTrans" cxnId="{51563A4F-C0EB-47D6-B5BC-47A4E599AD4B}">
-      <dgm:prSet/>
-      <dgm:spPr/>
-      <dgm:t>
-        <a:bodyPr/>
-        <a:lstStyle/>
-        <a:p>
-          <a:endParaRPr lang="en-US">
-            <a:latin typeface="+mn-lt"/>
-          </a:endParaRPr>
-        </a:p>
-      </dgm:t>
-    </dgm:pt>
-    <dgm:pt modelId="{90FAB5D1-62B3-4FF6-A07D-EE607F529C32}" type="sibTrans" cxnId="{51563A4F-C0EB-47D6-B5BC-47A4E599AD4B}">
-      <dgm:prSet/>
-      <dgm:spPr/>
-      <dgm:t>
-        <a:bodyPr/>
-        <a:lstStyle/>
-        <a:p>
-          <a:endParaRPr lang="en-US">
-            <a:latin typeface="+mn-lt"/>
-          </a:endParaRPr>
-        </a:p>
-      </dgm:t>
-    </dgm:pt>
-    <dgm:pt modelId="{FEB4A941-E9FA-4A86-A673-85FF34B35F20}">
-      <dgm:prSet phldr="0" custT="1"/>
-      <dgm:spPr/>
-      <dgm:t>
-        <a:bodyPr/>
-        <a:lstStyle/>
-        <a:p>
-          <a:pPr marL="0" lvl="0" indent="0" algn="l" defTabSz="666750" rtl="0">
-            <a:lnSpc>
-              <a:spcPct val="100000"/>
-            </a:lnSpc>
-            <a:spcBef>
-              <a:spcPct val="0"/>
-            </a:spcBef>
-            <a:spcAft>
-              <a:spcPct val="35000"/>
-            </a:spcAft>
-            <a:buNone/>
-          </a:pPr>
-          <a:r>
-            <a:rPr lang="en-US" sz="1400" kern="1200" spc="50" baseline="0" dirty="0">
-              <a:solidFill>
-                <a:prstClr val="black">
-                  <a:hueOff val="0"/>
-                  <a:satOff val="0"/>
-                  <a:lumOff val="0"/>
-                  <a:alphaOff val="0"/>
-                </a:prstClr>
-              </a:solidFill>
-              <a:latin typeface="Tenorite"/>
-              <a:ea typeface="+mn-ea"/>
-              <a:cs typeface="+mn-cs"/>
-            </a:rPr>
-            <a:t>Foster holistically superior methodologies</a:t>
-          </a:r>
-        </a:p>
-      </dgm:t>
-    </dgm:pt>
-    <dgm:pt modelId="{39522508-BC4E-4DD5-A744-AFEFFE36DB74}" type="parTrans" cxnId="{F942F56C-9025-4AA1-9B36-C5AE0A93B0F5}">
-      <dgm:prSet/>
-      <dgm:spPr/>
-      <dgm:t>
-        <a:bodyPr/>
-        <a:lstStyle/>
-        <a:p>
-          <a:endParaRPr lang="en-US">
-            <a:latin typeface="+mn-lt"/>
-          </a:endParaRPr>
-        </a:p>
-      </dgm:t>
-    </dgm:pt>
-    <dgm:pt modelId="{97624CC8-6315-4683-B26C-C30D552DA5A6}" type="sibTrans" cxnId="{F942F56C-9025-4AA1-9B36-C5AE0A93B0F5}">
-      <dgm:prSet/>
-      <dgm:spPr/>
-      <dgm:t>
-        <a:bodyPr/>
-        <a:lstStyle/>
-        <a:p>
-          <a:endParaRPr lang="en-US">
-            <a:latin typeface="+mn-lt"/>
-          </a:endParaRPr>
-        </a:p>
-      </dgm:t>
-    </dgm:pt>
-    <dgm:pt modelId="{A2322D3A-7AC2-4C5C-9D7E-EAB2313D47D4}">
-      <dgm:prSet phldr="0" custT="1"/>
-      <dgm:spPr/>
-      <dgm:t>
-        <a:bodyPr/>
-        <a:lstStyle/>
-        <a:p>
-          <a:pPr marL="0" lvl="0" indent="0" algn="ctr" defTabSz="889000">
-            <a:lnSpc>
-              <a:spcPct val="90000"/>
-            </a:lnSpc>
-            <a:spcBef>
-              <a:spcPct val="0"/>
-            </a:spcBef>
-            <a:spcAft>
-              <a:spcPct val="35000"/>
-            </a:spcAft>
-            <a:buNone/>
-          </a:pPr>
-          <a:r>
-            <a:rPr lang="en-US" sz="1600" kern="1200" spc="150" baseline="0" dirty="0">
-              <a:solidFill>
-                <a:prstClr val="black"/>
-              </a:solidFill>
-              <a:latin typeface="Tenorite"/>
-              <a:ea typeface="+mn-ea"/>
-              <a:cs typeface="+mn-cs"/>
-            </a:rPr>
-            <a:t>LAUNCH</a:t>
-          </a:r>
-        </a:p>
-      </dgm:t>
-    </dgm:pt>
-    <dgm:pt modelId="{4A8C15D4-B36F-4764-B4FF-F2AF790D3E17}" type="parTrans" cxnId="{179FAFCF-F878-464E-A8A6-1185EFA0E380}">
-      <dgm:prSet/>
-      <dgm:spPr/>
-      <dgm:t>
-        <a:bodyPr/>
-        <a:lstStyle/>
-        <a:p>
-          <a:endParaRPr lang="en-US">
-            <a:latin typeface="+mn-lt"/>
-          </a:endParaRPr>
-        </a:p>
-      </dgm:t>
-    </dgm:pt>
-    <dgm:pt modelId="{84DE1C3A-3FC7-4DB3-88ED-33F65A71557A}" type="sibTrans" cxnId="{179FAFCF-F878-464E-A8A6-1185EFA0E380}">
-      <dgm:prSet/>
-      <dgm:spPr/>
-      <dgm:t>
-        <a:bodyPr/>
-        <a:lstStyle/>
-        <a:p>
-          <a:endParaRPr lang="en-US">
-            <a:latin typeface="+mn-lt"/>
-          </a:endParaRPr>
-        </a:p>
-      </dgm:t>
-    </dgm:pt>
-    <dgm:pt modelId="{4F85505A-81B6-4FDA-A144-900B71DAD946}">
-      <dgm:prSet phldr="0" custT="1"/>
-      <dgm:spPr/>
-      <dgm:t>
-        <a:bodyPr/>
-        <a:lstStyle/>
-        <a:p>
-          <a:pPr marL="0"/>
-          <a:r>
-            <a:rPr lang="en-US" sz="1600" kern="1200" spc="150" baseline="0" dirty="0">
-              <a:solidFill>
-                <a:prstClr val="black"/>
-              </a:solidFill>
-              <a:latin typeface="Tenorite"/>
-              <a:ea typeface="+mn-ea"/>
-              <a:cs typeface="+mn-cs"/>
-            </a:rPr>
-            <a:t>STRATEGY</a:t>
-          </a:r>
-        </a:p>
-      </dgm:t>
-    </dgm:pt>
-    <dgm:pt modelId="{D9A96E25-7BBE-4DDD-8DDE-B4970D4340A8}" type="parTrans" cxnId="{2D633B56-E147-4EFC-B9EE-6C0413F329B0}">
-      <dgm:prSet/>
-      <dgm:spPr/>
-      <dgm:t>
-        <a:bodyPr/>
-        <a:lstStyle/>
-        <a:p>
-          <a:endParaRPr lang="en-US">
-            <a:latin typeface="+mn-lt"/>
-          </a:endParaRPr>
-        </a:p>
-      </dgm:t>
-    </dgm:pt>
-    <dgm:pt modelId="{68F74A88-49DC-44B1-BC0D-220A7B97601C}" type="sibTrans" cxnId="{2D633B56-E147-4EFC-B9EE-6C0413F329B0}">
-      <dgm:prSet/>
-      <dgm:spPr/>
-      <dgm:t>
-        <a:bodyPr/>
-        <a:lstStyle/>
-        <a:p>
-          <a:endParaRPr lang="en-US">
-            <a:latin typeface="+mn-lt"/>
-          </a:endParaRPr>
-        </a:p>
-      </dgm:t>
-    </dgm:pt>
-    <dgm:pt modelId="{E4B4F7C4-5024-45F0-9FD7-C5068A1AE6C4}" type="pres">
-      <dgm:prSet presAssocID="{0DD8915E-DC14-41D6-9BB5-F49E1C265163}" presName="Name0" presStyleCnt="0">
-        <dgm:presLayoutVars>
-          <dgm:dir/>
-          <dgm:animLvl val="lvl"/>
-          <dgm:resizeHandles val="exact"/>
-        </dgm:presLayoutVars>
-      </dgm:prSet>
-      <dgm:spPr/>
-    </dgm:pt>
-    <dgm:pt modelId="{473E2436-1BC1-4A6C-8568-5C38418F52D1}" type="pres">
-      <dgm:prSet presAssocID="{73D947E0-108F-4D20-A71E-3CF329F97212}" presName="composite" presStyleCnt="0"/>
-      <dgm:spPr/>
-    </dgm:pt>
-    <dgm:pt modelId="{BDBD7220-3F85-45D2-BED6-5BBFBC23EAE3}" type="pres">
-      <dgm:prSet presAssocID="{73D947E0-108F-4D20-A71E-3CF329F97212}" presName="parTx" presStyleLbl="alignNode1" presStyleIdx="0" presStyleCnt="5">
-        <dgm:presLayoutVars>
-          <dgm:chMax val="0"/>
-          <dgm:chPref val="0"/>
-        </dgm:presLayoutVars>
-      </dgm:prSet>
-      <dgm:spPr/>
-    </dgm:pt>
-    <dgm:pt modelId="{22359DD7-1BFB-4900-BAE6-6084F2F57988}" type="pres">
-      <dgm:prSet presAssocID="{73D947E0-108F-4D20-A71E-3CF329F97212}" presName="desTx" presStyleLbl="alignAccFollowNode1" presStyleIdx="0" presStyleCnt="5">
-        <dgm:presLayoutVars/>
-      </dgm:prSet>
-      <dgm:spPr/>
-    </dgm:pt>
-    <dgm:pt modelId="{38C65349-0C40-499F-9765-B6F38C2DC3C3}" type="pres">
-      <dgm:prSet presAssocID="{AE813459-65AB-4FA9-B717-330DDA6DFA4E}" presName="space" presStyleCnt="0"/>
-      <dgm:spPr/>
-    </dgm:pt>
-    <dgm:pt modelId="{C6650FDC-3601-45F5-9125-6E3F90A53F8A}" type="pres">
-      <dgm:prSet presAssocID="{B1AFA1AF-0FF8-45B3-A6D0-0E255A2F637D}" presName="composite" presStyleCnt="0"/>
-      <dgm:spPr/>
-    </dgm:pt>
-    <dgm:pt modelId="{C4F84DEA-2002-4D32-8E80-70EEE05E345A}" type="pres">
-      <dgm:prSet presAssocID="{B1AFA1AF-0FF8-45B3-A6D0-0E255A2F637D}" presName="parTx" presStyleLbl="alignNode1" presStyleIdx="1" presStyleCnt="5">
-        <dgm:presLayoutVars>
-          <dgm:chMax val="0"/>
-          <dgm:chPref val="0"/>
-        </dgm:presLayoutVars>
-      </dgm:prSet>
-      <dgm:spPr/>
-    </dgm:pt>
-    <dgm:pt modelId="{4FEB85EB-D046-4CDB-8A62-BBCE260C4490}" type="pres">
-      <dgm:prSet presAssocID="{B1AFA1AF-0FF8-45B3-A6D0-0E255A2F637D}" presName="desTx" presStyleLbl="alignAccFollowNode1" presStyleIdx="1" presStyleCnt="5">
-        <dgm:presLayoutVars/>
-      </dgm:prSet>
-      <dgm:spPr/>
-    </dgm:pt>
-    <dgm:pt modelId="{40F59683-723F-44D1-8379-95635EED1AA8}" type="pres">
-      <dgm:prSet presAssocID="{88649F7A-400B-4056-965D-C9AC0B3AD942}" presName="space" presStyleCnt="0"/>
-      <dgm:spPr/>
-    </dgm:pt>
-    <dgm:pt modelId="{BB2E4F65-C461-40C3-BC82-6A29AA851F44}" type="pres">
-      <dgm:prSet presAssocID="{E9682B4F-0217-4B50-923E-C104AA24290F}" presName="composite" presStyleCnt="0"/>
-      <dgm:spPr/>
-    </dgm:pt>
-    <dgm:pt modelId="{49B7F8FA-D256-41EF-9327-52A3551D9A60}" type="pres">
-      <dgm:prSet presAssocID="{E9682B4F-0217-4B50-923E-C104AA24290F}" presName="parTx" presStyleLbl="alignNode1" presStyleIdx="2" presStyleCnt="5">
-        <dgm:presLayoutVars>
-          <dgm:chMax val="0"/>
-          <dgm:chPref val="0"/>
-        </dgm:presLayoutVars>
-      </dgm:prSet>
-      <dgm:spPr/>
-    </dgm:pt>
-    <dgm:pt modelId="{6B5FE59C-B471-448A-AA7A-B526DCC4D4CA}" type="pres">
-      <dgm:prSet presAssocID="{E9682B4F-0217-4B50-923E-C104AA24290F}" presName="desTx" presStyleLbl="alignAccFollowNode1" presStyleIdx="2" presStyleCnt="5">
-        <dgm:presLayoutVars/>
-      </dgm:prSet>
-      <dgm:spPr/>
-    </dgm:pt>
-    <dgm:pt modelId="{A91542D9-4FB3-4302-AD03-3D6EF82E6748}" type="pres">
-      <dgm:prSet presAssocID="{B8632E42-D7EB-4C31-877E-6F1B2801851A}" presName="space" presStyleCnt="0"/>
-      <dgm:spPr/>
-    </dgm:pt>
-    <dgm:pt modelId="{1A7C3045-2DAF-4A19-82DB-79436B2E4575}" type="pres">
-      <dgm:prSet presAssocID="{4F85505A-81B6-4FDA-A144-900B71DAD946}" presName="composite" presStyleCnt="0"/>
-      <dgm:spPr/>
-    </dgm:pt>
-    <dgm:pt modelId="{4132ECB1-6BEF-4935-AFA3-B2EAA48FDE7E}" type="pres">
-      <dgm:prSet presAssocID="{4F85505A-81B6-4FDA-A144-900B71DAD946}" presName="parTx" presStyleLbl="alignNode1" presStyleIdx="3" presStyleCnt="5">
-        <dgm:presLayoutVars>
-          <dgm:chMax val="0"/>
-          <dgm:chPref val="0"/>
-        </dgm:presLayoutVars>
-      </dgm:prSet>
-      <dgm:spPr/>
-    </dgm:pt>
-    <dgm:pt modelId="{C42A8BDE-B838-475D-AFDE-17B60D744AB6}" type="pres">
-      <dgm:prSet presAssocID="{4F85505A-81B6-4FDA-A144-900B71DAD946}" presName="desTx" presStyleLbl="alignAccFollowNode1" presStyleIdx="3" presStyleCnt="5">
-        <dgm:presLayoutVars/>
-      </dgm:prSet>
-      <dgm:spPr/>
-    </dgm:pt>
-    <dgm:pt modelId="{D0DC94A3-770A-4810-A89A-7DB7918862F6}" type="pres">
-      <dgm:prSet presAssocID="{68F74A88-49DC-44B1-BC0D-220A7B97601C}" presName="space" presStyleCnt="0"/>
-      <dgm:spPr/>
-    </dgm:pt>
-    <dgm:pt modelId="{647B2244-AC3A-441A-A6FB-6136FA04F429}" type="pres">
-      <dgm:prSet presAssocID="{A2322D3A-7AC2-4C5C-9D7E-EAB2313D47D4}" presName="composite" presStyleCnt="0"/>
-      <dgm:spPr/>
-    </dgm:pt>
-    <dgm:pt modelId="{59606EB9-9F10-4D12-A33F-A242FDCC0D0F}" type="pres">
-      <dgm:prSet presAssocID="{A2322D3A-7AC2-4C5C-9D7E-EAB2313D47D4}" presName="parTx" presStyleLbl="alignNode1" presStyleIdx="4" presStyleCnt="5">
-        <dgm:presLayoutVars>
-          <dgm:chMax val="0"/>
-          <dgm:chPref val="0"/>
-        </dgm:presLayoutVars>
-      </dgm:prSet>
-      <dgm:spPr/>
-    </dgm:pt>
-    <dgm:pt modelId="{C8429E68-36DD-4F6A-A2F4-7CCDADCEFAD1}" type="pres">
-      <dgm:prSet presAssocID="{A2322D3A-7AC2-4C5C-9D7E-EAB2313D47D4}" presName="desTx" presStyleLbl="alignAccFollowNode1" presStyleIdx="4" presStyleCnt="5">
-        <dgm:presLayoutVars/>
-      </dgm:prSet>
-      <dgm:spPr/>
-    </dgm:pt>
-  </dgm:ptLst>
-  <dgm:cxnLst>
-    <dgm:cxn modelId="{F28D7702-2FC3-49BD-BB13-C989E5EE622A}" srcId="{0DD8915E-DC14-41D6-9BB5-F49E1C265163}" destId="{B1AFA1AF-0FF8-45B3-A6D0-0E255A2F637D}" srcOrd="1" destOrd="0" parTransId="{10C68AF5-481C-45AA-A216-8BBBB04515B9}" sibTransId="{88649F7A-400B-4056-965D-C9AC0B3AD942}"/>
-    <dgm:cxn modelId="{31826907-E438-4A1B-A800-F181C547104F}" type="presOf" srcId="{30A490C8-22B4-4D68-875C-0F0DE2FF864D}" destId="{22359DD7-1BFB-4900-BAE6-6084F2F57988}" srcOrd="0" destOrd="0" presId="urn:microsoft.com/office/officeart/2016/7/layout/HorizontalActionList"/>
-    <dgm:cxn modelId="{A0077D09-C12C-46D0-8DF7-194B6911362A}" srcId="{0DD8915E-DC14-41D6-9BB5-F49E1C265163}" destId="{73D947E0-108F-4D20-A71E-3CF329F97212}" srcOrd="0" destOrd="0" parTransId="{9D249532-A24D-4D8F-848A-9F42F2E486C9}" sibTransId="{AE813459-65AB-4FA9-B717-330DDA6DFA4E}"/>
-    <dgm:cxn modelId="{5A5BA622-5DEB-48B9-88D9-C1DE36C711E5}" srcId="{B1AFA1AF-0FF8-45B3-A6D0-0E255A2F637D}" destId="{50418D2B-9486-42DE-AFDD-1D31420040FF}" srcOrd="0" destOrd="0" parTransId="{D5A17F6B-93F5-442B-938A-0F38C281BE88}" sibTransId="{1D87A0A5-8024-4710-846B-D5BFAC785107}"/>
-    <dgm:cxn modelId="{711E093C-AD42-45A4-8D40-A2D39702062E}" srcId="{A2322D3A-7AC2-4C5C-9D7E-EAB2313D47D4}" destId="{8FE81FEC-2664-411F-AEB3-065F29F52751}" srcOrd="0" destOrd="0" parTransId="{BCBC007E-0269-421B-9C41-DE26D5C3A822}" sibTransId="{80230EB7-7230-4881-A631-309C07417378}"/>
-    <dgm:cxn modelId="{77A55366-077C-403B-A9E1-B9C6B5CA3288}" type="presOf" srcId="{73D947E0-108F-4D20-A71E-3CF329F97212}" destId="{BDBD7220-3F85-45D2-BED6-5BBFBC23EAE3}" srcOrd="0" destOrd="0" presId="urn:microsoft.com/office/officeart/2016/7/layout/HorizontalActionList"/>
-    <dgm:cxn modelId="{F942F56C-9025-4AA1-9B36-C5AE0A93B0F5}" srcId="{4F85505A-81B6-4FDA-A144-900B71DAD946}" destId="{FEB4A941-E9FA-4A86-A673-85FF34B35F20}" srcOrd="0" destOrd="0" parTransId="{39522508-BC4E-4DD5-A744-AFEFFE36DB74}" sibTransId="{97624CC8-6315-4683-B26C-C30D552DA5A6}"/>
-    <dgm:cxn modelId="{B7F6ED6E-855A-4A7B-AE18-3BD04546002C}" type="presOf" srcId="{B1AFA1AF-0FF8-45B3-A6D0-0E255A2F637D}" destId="{C4F84DEA-2002-4D32-8E80-70EEE05E345A}" srcOrd="0" destOrd="0" presId="urn:microsoft.com/office/officeart/2016/7/layout/HorizontalActionList"/>
-    <dgm:cxn modelId="{51563A4F-C0EB-47D6-B5BC-47A4E599AD4B}" srcId="{E9682B4F-0217-4B50-923E-C104AA24290F}" destId="{0EC0C300-11E4-45CF-8418-973585107209}" srcOrd="0" destOrd="0" parTransId="{1E4DD98E-100E-46B7-B24A-408BBF69E9FA}" sibTransId="{90FAB5D1-62B3-4FF6-A07D-EE607F529C32}"/>
-    <dgm:cxn modelId="{6291F24F-B536-4688-99BC-6A4CB5E15E15}" type="presOf" srcId="{4F85505A-81B6-4FDA-A144-900B71DAD946}" destId="{4132ECB1-6BEF-4935-AFA3-B2EAA48FDE7E}" srcOrd="0" destOrd="0" presId="urn:microsoft.com/office/officeart/2016/7/layout/HorizontalActionList"/>
-    <dgm:cxn modelId="{2D633B56-E147-4EFC-B9EE-6C0413F329B0}" srcId="{0DD8915E-DC14-41D6-9BB5-F49E1C265163}" destId="{4F85505A-81B6-4FDA-A144-900B71DAD946}" srcOrd="3" destOrd="0" parTransId="{D9A96E25-7BBE-4DDD-8DDE-B4970D4340A8}" sibTransId="{68F74A88-49DC-44B1-BC0D-220A7B97601C}"/>
-    <dgm:cxn modelId="{110097B3-0B24-42EE-9C79-845C028B379B}" type="presOf" srcId="{E9682B4F-0217-4B50-923E-C104AA24290F}" destId="{49B7F8FA-D256-41EF-9327-52A3551D9A60}" srcOrd="0" destOrd="0" presId="urn:microsoft.com/office/officeart/2016/7/layout/HorizontalActionList"/>
-    <dgm:cxn modelId="{C54EA6C2-0E6B-42D8-9A4A-4456127A91A8}" type="presOf" srcId="{A2322D3A-7AC2-4C5C-9D7E-EAB2313D47D4}" destId="{59606EB9-9F10-4D12-A33F-A242FDCC0D0F}" srcOrd="0" destOrd="0" presId="urn:microsoft.com/office/officeart/2016/7/layout/HorizontalActionList"/>
-    <dgm:cxn modelId="{E339F9C8-AD35-4E33-9434-788C81500EB2}" type="presOf" srcId="{8FE81FEC-2664-411F-AEB3-065F29F52751}" destId="{C8429E68-36DD-4F6A-A2F4-7CCDADCEFAD1}" srcOrd="0" destOrd="0" presId="urn:microsoft.com/office/officeart/2016/7/layout/HorizontalActionList"/>
-    <dgm:cxn modelId="{6C23D0C9-74B2-4C8B-AB2F-A03B3B0EBE56}" srcId="{0DD8915E-DC14-41D6-9BB5-F49E1C265163}" destId="{E9682B4F-0217-4B50-923E-C104AA24290F}" srcOrd="2" destOrd="0" parTransId="{E0F6C4AF-9BBB-4698-91D7-F9AE3EACBD5D}" sibTransId="{B8632E42-D7EB-4C31-877E-6F1B2801851A}"/>
-    <dgm:cxn modelId="{381FE1CC-8184-4745-8EB3-6DE11655998D}" srcId="{73D947E0-108F-4D20-A71E-3CF329F97212}" destId="{30A490C8-22B4-4D68-875C-0F0DE2FF864D}" srcOrd="0" destOrd="0" parTransId="{035C64B0-4F0C-4FD1-BD23-B1D4C9887CBE}" sibTransId="{45495DA8-8707-41E3-A12B-FA5766269C44}"/>
-    <dgm:cxn modelId="{179FAFCF-F878-464E-A8A6-1185EFA0E380}" srcId="{0DD8915E-DC14-41D6-9BB5-F49E1C265163}" destId="{A2322D3A-7AC2-4C5C-9D7E-EAB2313D47D4}" srcOrd="4" destOrd="0" parTransId="{4A8C15D4-B36F-4764-B4FF-F2AF790D3E17}" sibTransId="{84DE1C3A-3FC7-4DB3-88ED-33F65A71557A}"/>
-    <dgm:cxn modelId="{8CB96BD1-8B01-481A-B525-C5C507C9951C}" type="presOf" srcId="{0EC0C300-11E4-45CF-8418-973585107209}" destId="{6B5FE59C-B471-448A-AA7A-B526DCC4D4CA}" srcOrd="0" destOrd="0" presId="urn:microsoft.com/office/officeart/2016/7/layout/HorizontalActionList"/>
-    <dgm:cxn modelId="{36A4EED2-16DE-4F21-9B57-BD053CD7ED3D}" type="presOf" srcId="{FEB4A941-E9FA-4A86-A673-85FF34B35F20}" destId="{C42A8BDE-B838-475D-AFDE-17B60D744AB6}" srcOrd="0" destOrd="0" presId="urn:microsoft.com/office/officeart/2016/7/layout/HorizontalActionList"/>
-    <dgm:cxn modelId="{BF1349D4-34AE-476D-8D7B-F3ABAB74304F}" type="presOf" srcId="{50418D2B-9486-42DE-AFDD-1D31420040FF}" destId="{4FEB85EB-D046-4CDB-8A62-BBCE260C4490}" srcOrd="0" destOrd="0" presId="urn:microsoft.com/office/officeart/2016/7/layout/HorizontalActionList"/>
-    <dgm:cxn modelId="{825BC9D8-F515-4FBF-8CF8-23CD32968E1D}" type="presOf" srcId="{0DD8915E-DC14-41D6-9BB5-F49E1C265163}" destId="{E4B4F7C4-5024-45F0-9FD7-C5068A1AE6C4}" srcOrd="0" destOrd="0" presId="urn:microsoft.com/office/officeart/2016/7/layout/HorizontalActionList"/>
-    <dgm:cxn modelId="{E9D2B9D9-3B26-471C-AF45-E02D1C258CD3}" type="presParOf" srcId="{E4B4F7C4-5024-45F0-9FD7-C5068A1AE6C4}" destId="{473E2436-1BC1-4A6C-8568-5C38418F52D1}" srcOrd="0" destOrd="0" presId="urn:microsoft.com/office/officeart/2016/7/layout/HorizontalActionList"/>
-    <dgm:cxn modelId="{A151C920-5872-4C88-8534-922E9C800B9B}" type="presParOf" srcId="{473E2436-1BC1-4A6C-8568-5C38418F52D1}" destId="{BDBD7220-3F85-45D2-BED6-5BBFBC23EAE3}" srcOrd="0" destOrd="0" presId="urn:microsoft.com/office/officeart/2016/7/layout/HorizontalActionList"/>
-    <dgm:cxn modelId="{45373909-AB37-4D9A-936C-DC8447BC111D}" type="presParOf" srcId="{473E2436-1BC1-4A6C-8568-5C38418F52D1}" destId="{22359DD7-1BFB-4900-BAE6-6084F2F57988}" srcOrd="1" destOrd="0" presId="urn:microsoft.com/office/officeart/2016/7/layout/HorizontalActionList"/>
-    <dgm:cxn modelId="{CFC7E7C1-85BC-47FC-BC11-D0BACA8440B9}" type="presParOf" srcId="{E4B4F7C4-5024-45F0-9FD7-C5068A1AE6C4}" destId="{38C65349-0C40-499F-9765-B6F38C2DC3C3}" srcOrd="1" destOrd="0" presId="urn:microsoft.com/office/officeart/2016/7/layout/HorizontalActionList"/>
-    <dgm:cxn modelId="{86FF1107-69E9-4310-A0D8-2BF61292A72B}" type="presParOf" srcId="{E4B4F7C4-5024-45F0-9FD7-C5068A1AE6C4}" destId="{C6650FDC-3601-45F5-9125-6E3F90A53F8A}" srcOrd="2" destOrd="0" presId="urn:microsoft.com/office/officeart/2016/7/layout/HorizontalActionList"/>
-    <dgm:cxn modelId="{1C7F1C64-2F3D-4695-A56C-92B1B848B0C2}" type="presParOf" srcId="{C6650FDC-3601-45F5-9125-6E3F90A53F8A}" destId="{C4F84DEA-2002-4D32-8E80-70EEE05E345A}" srcOrd="0" destOrd="0" presId="urn:microsoft.com/office/officeart/2016/7/layout/HorizontalActionList"/>
-    <dgm:cxn modelId="{DC59A3FF-666D-48A7-B3BE-98A9F829402D}" type="presParOf" srcId="{C6650FDC-3601-45F5-9125-6E3F90A53F8A}" destId="{4FEB85EB-D046-4CDB-8A62-BBCE260C4490}" srcOrd="1" destOrd="0" presId="urn:microsoft.com/office/officeart/2016/7/layout/HorizontalActionList"/>
-    <dgm:cxn modelId="{AAE65B9C-F662-4FAA-8FDB-82E7FB86BB24}" type="presParOf" srcId="{E4B4F7C4-5024-45F0-9FD7-C5068A1AE6C4}" destId="{40F59683-723F-44D1-8379-95635EED1AA8}" srcOrd="3" destOrd="0" presId="urn:microsoft.com/office/officeart/2016/7/layout/HorizontalActionList"/>
-    <dgm:cxn modelId="{F5BE37E3-59D0-4D56-B08C-9B1D93695802}" type="presParOf" srcId="{E4B4F7C4-5024-45F0-9FD7-C5068A1AE6C4}" destId="{BB2E4F65-C461-40C3-BC82-6A29AA851F44}" srcOrd="4" destOrd="0" presId="urn:microsoft.com/office/officeart/2016/7/layout/HorizontalActionList"/>
-    <dgm:cxn modelId="{1FC3B8DB-8632-4AA8-99E5-4F0C12504130}" type="presParOf" srcId="{BB2E4F65-C461-40C3-BC82-6A29AA851F44}" destId="{49B7F8FA-D256-41EF-9327-52A3551D9A60}" srcOrd="0" destOrd="0" presId="urn:microsoft.com/office/officeart/2016/7/layout/HorizontalActionList"/>
-    <dgm:cxn modelId="{03A1CBF9-FFCE-4B8C-9850-8B297556CCF4}" type="presParOf" srcId="{BB2E4F65-C461-40C3-BC82-6A29AA851F44}" destId="{6B5FE59C-B471-448A-AA7A-B526DCC4D4CA}" srcOrd="1" destOrd="0" presId="urn:microsoft.com/office/officeart/2016/7/layout/HorizontalActionList"/>
-    <dgm:cxn modelId="{BAB9C1C4-8A05-4AE7-B42E-55875981524E}" type="presParOf" srcId="{E4B4F7C4-5024-45F0-9FD7-C5068A1AE6C4}" destId="{A91542D9-4FB3-4302-AD03-3D6EF82E6748}" srcOrd="5" destOrd="0" presId="urn:microsoft.com/office/officeart/2016/7/layout/HorizontalActionList"/>
-    <dgm:cxn modelId="{F7DEAAC8-FCAD-4F6B-92BD-91B8342F3277}" type="presParOf" srcId="{E4B4F7C4-5024-45F0-9FD7-C5068A1AE6C4}" destId="{1A7C3045-2DAF-4A19-82DB-79436B2E4575}" srcOrd="6" destOrd="0" presId="urn:microsoft.com/office/officeart/2016/7/layout/HorizontalActionList"/>
-    <dgm:cxn modelId="{13555CA3-20BE-41F8-BD09-0BA8CEE1C702}" type="presParOf" srcId="{1A7C3045-2DAF-4A19-82DB-79436B2E4575}" destId="{4132ECB1-6BEF-4935-AFA3-B2EAA48FDE7E}" srcOrd="0" destOrd="0" presId="urn:microsoft.com/office/officeart/2016/7/layout/HorizontalActionList"/>
-    <dgm:cxn modelId="{0848E8B2-6BD5-4CB6-B7E0-F8F1B1F78E2F}" type="presParOf" srcId="{1A7C3045-2DAF-4A19-82DB-79436B2E4575}" destId="{C42A8BDE-B838-475D-AFDE-17B60D744AB6}" srcOrd="1" destOrd="0" presId="urn:microsoft.com/office/officeart/2016/7/layout/HorizontalActionList"/>
-    <dgm:cxn modelId="{FD5AD2F1-E5D1-4359-99EB-D3225676DF7F}" type="presParOf" srcId="{E4B4F7C4-5024-45F0-9FD7-C5068A1AE6C4}" destId="{D0DC94A3-770A-4810-A89A-7DB7918862F6}" srcOrd="7" destOrd="0" presId="urn:microsoft.com/office/officeart/2016/7/layout/HorizontalActionList"/>
-    <dgm:cxn modelId="{2608DA2F-9259-4A20-98D1-9A5F5780B66F}" type="presParOf" srcId="{E4B4F7C4-5024-45F0-9FD7-C5068A1AE6C4}" destId="{647B2244-AC3A-441A-A6FB-6136FA04F429}" srcOrd="8" destOrd="0" presId="urn:microsoft.com/office/officeart/2016/7/layout/HorizontalActionList"/>
-    <dgm:cxn modelId="{F55613FD-292F-4CCF-A44A-E9FC24D70E0E}" type="presParOf" srcId="{647B2244-AC3A-441A-A6FB-6136FA04F429}" destId="{59606EB9-9F10-4D12-A33F-A242FDCC0D0F}" srcOrd="0" destOrd="0" presId="urn:microsoft.com/office/officeart/2016/7/layout/HorizontalActionList"/>
-    <dgm:cxn modelId="{7B4FE576-C66F-4D92-B6AC-DA1D068316E4}" type="presParOf" srcId="{647B2244-AC3A-441A-A6FB-6136FA04F429}" destId="{C8429E68-36DD-4F6A-A2F4-7CCDADCEFAD1}" srcOrd="1" destOrd="0" presId="urn:microsoft.com/office/officeart/2016/7/layout/HorizontalActionList"/>
-  </dgm:cxnLst>
-  <dgm:bg/>
-  <dgm:whole/>
-  <dgm:extLst>
-    <a:ext uri="http://schemas.microsoft.com/office/drawing/2008/diagram">
-      <dsp:dataModelExt xmlns:dsp="http://schemas.microsoft.com/office/drawing/2008/diagram" relId="rId6" minVer="http://schemas.openxmlformats.org/drawingml/2006/diagram"/>
-    </a:ext>
-  </dgm:extLst>
-</dgm:dataModel>
-</file>
-
-<file path=ppt/diagrams/drawing1.xml><?xml version="1.0" encoding="utf-8"?>
-<dsp:drawing xmlns:dgm="http://schemas.openxmlformats.org/drawingml/2006/diagram" xmlns:dsp="http://schemas.microsoft.com/office/drawing/2008/diagram" xmlns:a="http://schemas.openxmlformats.org/drawingml/2006/main">
-  <dsp:spTree>
-    <dsp:nvGrpSpPr>
-      <dsp:cNvPr id="0" name=""/>
-      <dsp:cNvGrpSpPr/>
-    </dsp:nvGrpSpPr>
-    <dsp:grpSpPr/>
-    <dsp:sp modelId="{BDBD7220-3F85-45D2-BED6-5BBFBC23EAE3}">
-      <dsp:nvSpPr>
-        <dsp:cNvPr id="0" name=""/>
-        <dsp:cNvSpPr/>
-      </dsp:nvSpPr>
-      <dsp:spPr>
-        <a:xfrm>
-          <a:off x="8634" y="748982"/>
-          <a:ext cx="2013350" cy="604005"/>
-        </a:xfrm>
-        <a:prstGeom prst="rect">
-          <a:avLst/>
-        </a:prstGeom>
-        <a:solidFill>
-          <a:schemeClr val="accent1">
-            <a:hueOff val="0"/>
-            <a:satOff val="0"/>
-            <a:lumOff val="0"/>
-            <a:alphaOff val="0"/>
-          </a:schemeClr>
-        </a:solidFill>
-        <a:ln w="12700" cap="flat" cmpd="sng" algn="ctr">
-          <a:solidFill>
-            <a:schemeClr val="accent1">
-              <a:hueOff val="0"/>
-              <a:satOff val="0"/>
-              <a:lumOff val="0"/>
-              <a:alphaOff val="0"/>
-            </a:schemeClr>
-          </a:solidFill>
-          <a:prstDash val="solid"/>
-          <a:miter lim="800000"/>
-        </a:ln>
-        <a:effectLst/>
-      </dsp:spPr>
-      <dsp:style>
-        <a:lnRef idx="2">
-          <a:scrgbClr r="0" g="0" b="0"/>
-        </a:lnRef>
-        <a:fillRef idx="1">
-          <a:scrgbClr r="0" g="0" b="0"/>
-        </a:fillRef>
-        <a:effectRef idx="0">
-          <a:scrgbClr r="0" g="0" b="0"/>
-        </a:effectRef>
-        <a:fontRef idx="minor">
-          <a:schemeClr val="lt1"/>
-        </a:fontRef>
-      </dsp:style>
-      <dsp:txBody>
-        <a:bodyPr spcFirstLastPara="0" vert="horz" wrap="square" lIns="159099" tIns="159099" rIns="159099" bIns="159099" numCol="1" spcCol="1270" anchor="ctr" anchorCtr="0">
-          <a:noAutofit/>
-        </a:bodyPr>
-        <a:lstStyle/>
-        <a:p>
-          <a:pPr marL="0" lvl="0" indent="0" algn="ctr" defTabSz="914400" rtl="0" eaLnBrk="1" latinLnBrk="0" hangingPunct="1">
-            <a:lnSpc>
-              <a:spcPct val="90000"/>
-            </a:lnSpc>
-            <a:spcBef>
-              <a:spcPct val="0"/>
-            </a:spcBef>
-            <a:spcAft>
-              <a:spcPct val="35000"/>
-            </a:spcAft>
-            <a:buFont typeface="Arial" panose="020B0604020202020204" pitchFamily="34" charset="0"/>
-            <a:buNone/>
-          </a:pPr>
-          <a:r>
-            <a:rPr lang="en-US" sz="1600" kern="1200" spc="150" baseline="0" dirty="0">
-              <a:solidFill>
-                <a:schemeClr val="tx1"/>
-              </a:solidFill>
-              <a:latin typeface="+mj-lt"/>
-              <a:ea typeface="+mj-ea"/>
-              <a:cs typeface="+mj-cs"/>
-            </a:rPr>
-            <a:t>PLANNING</a:t>
-          </a:r>
-        </a:p>
-      </dsp:txBody>
-      <dsp:txXfrm>
-        <a:off x="8634" y="748982"/>
-        <a:ext cx="2013350" cy="604005"/>
-      </dsp:txXfrm>
-    </dsp:sp>
-    <dsp:sp modelId="{22359DD7-1BFB-4900-BAE6-6084F2F57988}">
-      <dsp:nvSpPr>
-        <dsp:cNvPr id="0" name=""/>
-        <dsp:cNvSpPr/>
-      </dsp:nvSpPr>
-      <dsp:spPr>
-        <a:xfrm>
-          <a:off x="8634" y="1352987"/>
-          <a:ext cx="2013350" cy="1642942"/>
-        </a:xfrm>
-        <a:prstGeom prst="rect">
-          <a:avLst/>
-        </a:prstGeom>
-        <a:solidFill>
-          <a:schemeClr val="accent1">
-            <a:alpha val="90000"/>
-            <a:tint val="40000"/>
-            <a:hueOff val="0"/>
-            <a:satOff val="0"/>
-            <a:lumOff val="0"/>
-            <a:alphaOff val="0"/>
-          </a:schemeClr>
-        </a:solidFill>
-        <a:ln w="12700" cap="flat" cmpd="sng" algn="ctr">
-          <a:solidFill>
-            <a:schemeClr val="accent1">
-              <a:alpha val="90000"/>
-              <a:tint val="40000"/>
-              <a:hueOff val="0"/>
-              <a:satOff val="0"/>
-              <a:lumOff val="0"/>
-              <a:alphaOff val="0"/>
-            </a:schemeClr>
-          </a:solidFill>
-          <a:prstDash val="solid"/>
-          <a:miter lim="800000"/>
-        </a:ln>
-        <a:effectLst/>
-      </dsp:spPr>
-      <dsp:style>
-        <a:lnRef idx="2">
-          <a:scrgbClr r="0" g="0" b="0"/>
-        </a:lnRef>
-        <a:fillRef idx="1">
-          <a:scrgbClr r="0" g="0" b="0"/>
-        </a:fillRef>
-        <a:effectRef idx="0">
-          <a:scrgbClr r="0" g="0" b="0"/>
-        </a:effectRef>
-        <a:fontRef idx="minor"/>
-      </dsp:style>
-      <dsp:txBody>
-        <a:bodyPr spcFirstLastPara="0" vert="horz" wrap="square" lIns="198874" tIns="198874" rIns="198874" bIns="198874" numCol="1" spcCol="1270" anchor="t" anchorCtr="0">
-          <a:noAutofit/>
-        </a:bodyPr>
-        <a:lstStyle/>
-        <a:p>
-          <a:pPr marL="0" lvl="0" indent="0" algn="l" defTabSz="622300">
-            <a:lnSpc>
-              <a:spcPct val="100000"/>
-            </a:lnSpc>
-            <a:spcBef>
-              <a:spcPct val="0"/>
-            </a:spcBef>
-            <a:spcAft>
-              <a:spcPct val="35000"/>
-            </a:spcAft>
-            <a:buNone/>
-          </a:pPr>
-          <a:r>
-            <a:rPr lang="en-US" sz="1400" kern="1200" spc="50" baseline="0" dirty="0">
-              <a:latin typeface="+mn-lt"/>
-            </a:rPr>
-            <a:t>Synergize scalable e-commerce</a:t>
-          </a:r>
-        </a:p>
-      </dsp:txBody>
-      <dsp:txXfrm>
-        <a:off x="8634" y="1352987"/>
-        <a:ext cx="2013350" cy="1642942"/>
-      </dsp:txXfrm>
-    </dsp:sp>
-    <dsp:sp modelId="{C4F84DEA-2002-4D32-8E80-70EEE05E345A}">
-      <dsp:nvSpPr>
-        <dsp:cNvPr id="0" name=""/>
-        <dsp:cNvSpPr/>
-      </dsp:nvSpPr>
-      <dsp:spPr>
-        <a:xfrm>
-          <a:off x="2129879" y="748982"/>
-          <a:ext cx="2013350" cy="604005"/>
-        </a:xfrm>
-        <a:prstGeom prst="rect">
-          <a:avLst/>
-        </a:prstGeom>
-        <a:solidFill>
-          <a:schemeClr val="accent1">
-            <a:hueOff val="0"/>
-            <a:satOff val="0"/>
-            <a:lumOff val="0"/>
-            <a:alphaOff val="0"/>
-          </a:schemeClr>
-        </a:solidFill>
-        <a:ln w="12700" cap="flat" cmpd="sng" algn="ctr">
-          <a:solidFill>
-            <a:schemeClr val="accent1">
-              <a:hueOff val="0"/>
-              <a:satOff val="0"/>
-              <a:lumOff val="0"/>
-              <a:alphaOff val="0"/>
-            </a:schemeClr>
-          </a:solidFill>
-          <a:prstDash val="solid"/>
-          <a:miter lim="800000"/>
-        </a:ln>
-        <a:effectLst/>
-      </dsp:spPr>
-      <dsp:style>
-        <a:lnRef idx="2">
-          <a:scrgbClr r="0" g="0" b="0"/>
-        </a:lnRef>
-        <a:fillRef idx="1">
-          <a:scrgbClr r="0" g="0" b="0"/>
-        </a:fillRef>
-        <a:effectRef idx="0">
-          <a:scrgbClr r="0" g="0" b="0"/>
-        </a:effectRef>
-        <a:fontRef idx="minor">
-          <a:schemeClr val="lt1"/>
-        </a:fontRef>
-      </dsp:style>
-      <dsp:txBody>
-        <a:bodyPr spcFirstLastPara="0" vert="horz" wrap="square" lIns="159099" tIns="159099" rIns="159099" bIns="159099" numCol="1" spcCol="1270" anchor="ctr" anchorCtr="0">
-          <a:noAutofit/>
-        </a:bodyPr>
-        <a:lstStyle/>
-        <a:p>
-          <a:pPr marL="0" lvl="0" indent="0" algn="ctr" defTabSz="711200">
-            <a:lnSpc>
-              <a:spcPct val="90000"/>
-            </a:lnSpc>
-            <a:spcBef>
-              <a:spcPct val="0"/>
-            </a:spcBef>
-            <a:spcAft>
-              <a:spcPct val="35000"/>
-            </a:spcAft>
-            <a:buNone/>
-          </a:pPr>
-          <a:r>
-            <a:rPr lang="en-US" sz="1600" kern="1200" spc="150" baseline="0" dirty="0">
-              <a:solidFill>
-                <a:prstClr val="black"/>
-              </a:solidFill>
-              <a:latin typeface="Tenorite"/>
-              <a:ea typeface="+mn-ea"/>
-              <a:cs typeface="+mn-cs"/>
-            </a:rPr>
-            <a:t>MARKETING</a:t>
-          </a:r>
-        </a:p>
-      </dsp:txBody>
-      <dsp:txXfrm>
-        <a:off x="2129879" y="748982"/>
-        <a:ext cx="2013350" cy="604005"/>
-      </dsp:txXfrm>
-    </dsp:sp>
-    <dsp:sp modelId="{4FEB85EB-D046-4CDB-8A62-BBCE260C4490}">
-      <dsp:nvSpPr>
-        <dsp:cNvPr id="0" name=""/>
-        <dsp:cNvSpPr/>
-      </dsp:nvSpPr>
-      <dsp:spPr>
-        <a:xfrm>
-          <a:off x="2129879" y="1352987"/>
-          <a:ext cx="2013350" cy="1642942"/>
-        </a:xfrm>
-        <a:prstGeom prst="rect">
-          <a:avLst/>
-        </a:prstGeom>
-        <a:solidFill>
-          <a:schemeClr val="accent1">
-            <a:alpha val="90000"/>
-            <a:tint val="40000"/>
-            <a:hueOff val="0"/>
-            <a:satOff val="0"/>
-            <a:lumOff val="0"/>
-            <a:alphaOff val="0"/>
-          </a:schemeClr>
-        </a:solidFill>
-        <a:ln w="12700" cap="flat" cmpd="sng" algn="ctr">
-          <a:solidFill>
-            <a:schemeClr val="accent1">
-              <a:alpha val="90000"/>
-              <a:tint val="40000"/>
-              <a:hueOff val="0"/>
-              <a:satOff val="0"/>
-              <a:lumOff val="0"/>
-              <a:alphaOff val="0"/>
-            </a:schemeClr>
-          </a:solidFill>
-          <a:prstDash val="solid"/>
-          <a:miter lim="800000"/>
-        </a:ln>
-        <a:effectLst/>
-      </dsp:spPr>
-      <dsp:style>
-        <a:lnRef idx="2">
-          <a:scrgbClr r="0" g="0" b="0"/>
-        </a:lnRef>
-        <a:fillRef idx="1">
-          <a:scrgbClr r="0" g="0" b="0"/>
-        </a:fillRef>
-        <a:effectRef idx="0">
-          <a:scrgbClr r="0" g="0" b="0"/>
-        </a:effectRef>
-        <a:fontRef idx="minor"/>
-      </dsp:style>
-      <dsp:txBody>
-        <a:bodyPr spcFirstLastPara="0" vert="horz" wrap="square" lIns="198874" tIns="198874" rIns="198874" bIns="198874" numCol="1" spcCol="1270" anchor="t" anchorCtr="0">
-          <a:noAutofit/>
-        </a:bodyPr>
-        <a:lstStyle/>
-        <a:p>
-          <a:pPr marL="0" lvl="0" indent="0" algn="l" defTabSz="622300">
-            <a:lnSpc>
-              <a:spcPct val="100000"/>
-            </a:lnSpc>
-            <a:spcBef>
-              <a:spcPct val="0"/>
-            </a:spcBef>
-            <a:spcAft>
-              <a:spcPct val="35000"/>
-            </a:spcAft>
-            <a:buNone/>
-          </a:pPr>
-          <a:r>
-            <a:rPr lang="en-US" sz="1400" kern="1200" spc="50" baseline="0" dirty="0">
-              <a:latin typeface="+mn-lt"/>
-            </a:rPr>
-            <a:t>Disseminate standardized metrics</a:t>
-          </a:r>
-        </a:p>
-      </dsp:txBody>
-      <dsp:txXfrm>
-        <a:off x="2129879" y="1352987"/>
-        <a:ext cx="2013350" cy="1642942"/>
-      </dsp:txXfrm>
-    </dsp:sp>
-    <dsp:sp modelId="{49B7F8FA-D256-41EF-9327-52A3551D9A60}">
-      <dsp:nvSpPr>
-        <dsp:cNvPr id="0" name=""/>
-        <dsp:cNvSpPr/>
-      </dsp:nvSpPr>
-      <dsp:spPr>
-        <a:xfrm>
-          <a:off x="4251124" y="748982"/>
-          <a:ext cx="2013350" cy="604005"/>
-        </a:xfrm>
-        <a:prstGeom prst="rect">
-          <a:avLst/>
-        </a:prstGeom>
-        <a:solidFill>
-          <a:schemeClr val="accent1">
-            <a:hueOff val="0"/>
-            <a:satOff val="0"/>
-            <a:lumOff val="0"/>
-            <a:alphaOff val="0"/>
-          </a:schemeClr>
-        </a:solidFill>
-        <a:ln w="12700" cap="flat" cmpd="sng" algn="ctr">
-          <a:solidFill>
-            <a:schemeClr val="accent1">
-              <a:hueOff val="0"/>
-              <a:satOff val="0"/>
-              <a:lumOff val="0"/>
-              <a:alphaOff val="0"/>
-            </a:schemeClr>
-          </a:solidFill>
-          <a:prstDash val="solid"/>
-          <a:miter lim="800000"/>
-        </a:ln>
-        <a:effectLst/>
-      </dsp:spPr>
-      <dsp:style>
-        <a:lnRef idx="2">
-          <a:scrgbClr r="0" g="0" b="0"/>
-        </a:lnRef>
-        <a:fillRef idx="1">
-          <a:scrgbClr r="0" g="0" b="0"/>
-        </a:fillRef>
-        <a:effectRef idx="0">
-          <a:scrgbClr r="0" g="0" b="0"/>
-        </a:effectRef>
-        <a:fontRef idx="minor">
-          <a:schemeClr val="lt1"/>
-        </a:fontRef>
-      </dsp:style>
-      <dsp:txBody>
-        <a:bodyPr spcFirstLastPara="0" vert="horz" wrap="square" lIns="159099" tIns="159099" rIns="159099" bIns="159099" numCol="1" spcCol="1270" anchor="ctr" anchorCtr="0">
-          <a:noAutofit/>
-        </a:bodyPr>
-        <a:lstStyle/>
-        <a:p>
-          <a:pPr marL="0" lvl="0" indent="0" algn="ctr" defTabSz="889000">
-            <a:lnSpc>
-              <a:spcPct val="90000"/>
-            </a:lnSpc>
-            <a:spcBef>
-              <a:spcPct val="0"/>
-            </a:spcBef>
-            <a:spcAft>
-              <a:spcPct val="35000"/>
-            </a:spcAft>
-            <a:buNone/>
-          </a:pPr>
-          <a:r>
-            <a:rPr lang="en-US" sz="1600" kern="1200" spc="150" baseline="0" dirty="0">
-              <a:solidFill>
-                <a:prstClr val="black"/>
-              </a:solidFill>
-              <a:latin typeface="Tenorite"/>
-              <a:ea typeface="+mn-ea"/>
-              <a:cs typeface="+mn-cs"/>
-            </a:rPr>
-            <a:t>DESIGN</a:t>
-          </a:r>
-        </a:p>
-      </dsp:txBody>
-      <dsp:txXfrm>
-        <a:off x="4251124" y="748982"/>
-        <a:ext cx="2013350" cy="604005"/>
-      </dsp:txXfrm>
-    </dsp:sp>
-    <dsp:sp modelId="{6B5FE59C-B471-448A-AA7A-B526DCC4D4CA}">
-      <dsp:nvSpPr>
-        <dsp:cNvPr id="0" name=""/>
-        <dsp:cNvSpPr/>
-      </dsp:nvSpPr>
-      <dsp:spPr>
-        <a:xfrm>
-          <a:off x="4251124" y="1352987"/>
-          <a:ext cx="2013350" cy="1642942"/>
-        </a:xfrm>
-        <a:prstGeom prst="rect">
-          <a:avLst/>
-        </a:prstGeom>
-        <a:solidFill>
-          <a:schemeClr val="accent1">
-            <a:alpha val="90000"/>
-            <a:tint val="40000"/>
-            <a:hueOff val="0"/>
-            <a:satOff val="0"/>
-            <a:lumOff val="0"/>
-            <a:alphaOff val="0"/>
-          </a:schemeClr>
-        </a:solidFill>
-        <a:ln w="12700" cap="flat" cmpd="sng" algn="ctr">
-          <a:solidFill>
-            <a:schemeClr val="accent1">
-              <a:alpha val="90000"/>
-              <a:tint val="40000"/>
-              <a:hueOff val="0"/>
-              <a:satOff val="0"/>
-              <a:lumOff val="0"/>
-              <a:alphaOff val="0"/>
-            </a:schemeClr>
-          </a:solidFill>
-          <a:prstDash val="solid"/>
-          <a:miter lim="800000"/>
-        </a:ln>
-        <a:effectLst/>
-      </dsp:spPr>
-      <dsp:style>
-        <a:lnRef idx="2">
-          <a:scrgbClr r="0" g="0" b="0"/>
-        </a:lnRef>
-        <a:fillRef idx="1">
-          <a:scrgbClr r="0" g="0" b="0"/>
-        </a:fillRef>
-        <a:effectRef idx="0">
-          <a:scrgbClr r="0" g="0" b="0"/>
-        </a:effectRef>
-        <a:fontRef idx="minor"/>
-      </dsp:style>
-      <dsp:txBody>
-        <a:bodyPr spcFirstLastPara="0" vert="horz" wrap="square" lIns="198874" tIns="198874" rIns="198874" bIns="198874" numCol="1" spcCol="1270" anchor="t" anchorCtr="0">
-          <a:noAutofit/>
-        </a:bodyPr>
-        <a:lstStyle/>
-        <a:p>
-          <a:pPr marL="0" lvl="0" indent="0" algn="l" defTabSz="666750">
-            <a:lnSpc>
-              <a:spcPct val="100000"/>
-            </a:lnSpc>
-            <a:spcBef>
-              <a:spcPct val="0"/>
-            </a:spcBef>
-            <a:spcAft>
-              <a:spcPct val="35000"/>
-            </a:spcAft>
-            <a:buNone/>
-          </a:pPr>
-          <a:r>
-            <a:rPr lang="en-US" sz="1400" kern="1200" spc="50" baseline="0" dirty="0">
-              <a:solidFill>
-                <a:prstClr val="black">
-                  <a:hueOff val="0"/>
-                  <a:satOff val="0"/>
-                  <a:lumOff val="0"/>
-                  <a:alphaOff val="0"/>
-                </a:prstClr>
-              </a:solidFill>
-              <a:latin typeface="Tenorite"/>
-              <a:ea typeface="+mn-ea"/>
-              <a:cs typeface="+mn-cs"/>
-            </a:rPr>
-            <a:t>Coordinate e-business applications</a:t>
-          </a:r>
-        </a:p>
-      </dsp:txBody>
-      <dsp:txXfrm>
-        <a:off x="4251124" y="1352987"/>
-        <a:ext cx="2013350" cy="1642942"/>
-      </dsp:txXfrm>
-    </dsp:sp>
-    <dsp:sp modelId="{4132ECB1-6BEF-4935-AFA3-B2EAA48FDE7E}">
-      <dsp:nvSpPr>
-        <dsp:cNvPr id="0" name=""/>
-        <dsp:cNvSpPr/>
-      </dsp:nvSpPr>
-      <dsp:spPr>
-        <a:xfrm>
-          <a:off x="6372369" y="748982"/>
-          <a:ext cx="2013350" cy="604005"/>
-        </a:xfrm>
-        <a:prstGeom prst="rect">
-          <a:avLst/>
-        </a:prstGeom>
-        <a:solidFill>
-          <a:schemeClr val="accent1">
-            <a:hueOff val="0"/>
-            <a:satOff val="0"/>
-            <a:lumOff val="0"/>
-            <a:alphaOff val="0"/>
-          </a:schemeClr>
-        </a:solidFill>
-        <a:ln w="12700" cap="flat" cmpd="sng" algn="ctr">
-          <a:solidFill>
-            <a:schemeClr val="accent1">
-              <a:hueOff val="0"/>
-              <a:satOff val="0"/>
-              <a:lumOff val="0"/>
-              <a:alphaOff val="0"/>
-            </a:schemeClr>
-          </a:solidFill>
-          <a:prstDash val="solid"/>
-          <a:miter lim="800000"/>
-        </a:ln>
-        <a:effectLst/>
-      </dsp:spPr>
-      <dsp:style>
-        <a:lnRef idx="2">
-          <a:scrgbClr r="0" g="0" b="0"/>
-        </a:lnRef>
-        <a:fillRef idx="1">
-          <a:scrgbClr r="0" g="0" b="0"/>
-        </a:fillRef>
-        <a:effectRef idx="0">
-          <a:scrgbClr r="0" g="0" b="0"/>
-        </a:effectRef>
-        <a:fontRef idx="minor">
-          <a:schemeClr val="lt1"/>
-        </a:fontRef>
-      </dsp:style>
-      <dsp:txBody>
-        <a:bodyPr spcFirstLastPara="0" vert="horz" wrap="square" lIns="159099" tIns="159099" rIns="159099" bIns="159099" numCol="1" spcCol="1270" anchor="ctr" anchorCtr="0">
-          <a:noAutofit/>
-        </a:bodyPr>
-        <a:lstStyle/>
-        <a:p>
-          <a:pPr marL="0" lvl="0" indent="0" algn="ctr" defTabSz="711200">
-            <a:lnSpc>
-              <a:spcPct val="90000"/>
-            </a:lnSpc>
-            <a:spcBef>
-              <a:spcPct val="0"/>
-            </a:spcBef>
-            <a:spcAft>
-              <a:spcPct val="35000"/>
-            </a:spcAft>
-            <a:buNone/>
-          </a:pPr>
-          <a:r>
-            <a:rPr lang="en-US" sz="1600" kern="1200" spc="150" baseline="0" dirty="0">
-              <a:solidFill>
-                <a:prstClr val="black"/>
-              </a:solidFill>
-              <a:latin typeface="Tenorite"/>
-              <a:ea typeface="+mn-ea"/>
-              <a:cs typeface="+mn-cs"/>
-            </a:rPr>
-            <a:t>STRATEGY</a:t>
-          </a:r>
-        </a:p>
-      </dsp:txBody>
-      <dsp:txXfrm>
-        <a:off x="6372369" y="748982"/>
-        <a:ext cx="2013350" cy="604005"/>
-      </dsp:txXfrm>
-    </dsp:sp>
-    <dsp:sp modelId="{C42A8BDE-B838-475D-AFDE-17B60D744AB6}">
-      <dsp:nvSpPr>
-        <dsp:cNvPr id="0" name=""/>
-        <dsp:cNvSpPr/>
-      </dsp:nvSpPr>
-      <dsp:spPr>
-        <a:xfrm>
-          <a:off x="6372369" y="1352987"/>
-          <a:ext cx="2013350" cy="1642942"/>
-        </a:xfrm>
-        <a:prstGeom prst="rect">
-          <a:avLst/>
-        </a:prstGeom>
-        <a:solidFill>
-          <a:schemeClr val="accent1">
-            <a:alpha val="90000"/>
-            <a:tint val="40000"/>
-            <a:hueOff val="0"/>
-            <a:satOff val="0"/>
-            <a:lumOff val="0"/>
-            <a:alphaOff val="0"/>
-          </a:schemeClr>
-        </a:solidFill>
-        <a:ln w="12700" cap="flat" cmpd="sng" algn="ctr">
-          <a:solidFill>
-            <a:schemeClr val="accent1">
-              <a:alpha val="90000"/>
-              <a:tint val="40000"/>
-              <a:hueOff val="0"/>
-              <a:satOff val="0"/>
-              <a:lumOff val="0"/>
-              <a:alphaOff val="0"/>
-            </a:schemeClr>
-          </a:solidFill>
-          <a:prstDash val="solid"/>
-          <a:miter lim="800000"/>
-        </a:ln>
-        <a:effectLst/>
-      </dsp:spPr>
-      <dsp:style>
-        <a:lnRef idx="2">
-          <a:scrgbClr r="0" g="0" b="0"/>
-        </a:lnRef>
-        <a:fillRef idx="1">
-          <a:scrgbClr r="0" g="0" b="0"/>
-        </a:fillRef>
-        <a:effectRef idx="0">
-          <a:scrgbClr r="0" g="0" b="0"/>
-        </a:effectRef>
-        <a:fontRef idx="minor"/>
-      </dsp:style>
-      <dsp:txBody>
-        <a:bodyPr spcFirstLastPara="0" vert="horz" wrap="square" lIns="198874" tIns="198874" rIns="198874" bIns="198874" numCol="1" spcCol="1270" anchor="t" anchorCtr="0">
-          <a:noAutofit/>
-        </a:bodyPr>
-        <a:lstStyle/>
-        <a:p>
-          <a:pPr marL="0" lvl="0" indent="0" algn="l" defTabSz="666750" rtl="0">
-            <a:lnSpc>
-              <a:spcPct val="100000"/>
-            </a:lnSpc>
-            <a:spcBef>
-              <a:spcPct val="0"/>
-            </a:spcBef>
-            <a:spcAft>
-              <a:spcPct val="35000"/>
-            </a:spcAft>
-            <a:buNone/>
-          </a:pPr>
-          <a:r>
-            <a:rPr lang="en-US" sz="1400" kern="1200" spc="50" baseline="0" dirty="0">
-              <a:solidFill>
-                <a:prstClr val="black">
-                  <a:hueOff val="0"/>
-                  <a:satOff val="0"/>
-                  <a:lumOff val="0"/>
-                  <a:alphaOff val="0"/>
-                </a:prstClr>
-              </a:solidFill>
-              <a:latin typeface="Tenorite"/>
-              <a:ea typeface="+mn-ea"/>
-              <a:cs typeface="+mn-cs"/>
-            </a:rPr>
-            <a:t>Foster holistically superior methodologies</a:t>
-          </a:r>
-        </a:p>
-      </dsp:txBody>
-      <dsp:txXfrm>
-        <a:off x="6372369" y="1352987"/>
-        <a:ext cx="2013350" cy="1642942"/>
-      </dsp:txXfrm>
-    </dsp:sp>
-    <dsp:sp modelId="{59606EB9-9F10-4D12-A33F-A242FDCC0D0F}">
-      <dsp:nvSpPr>
-        <dsp:cNvPr id="0" name=""/>
-        <dsp:cNvSpPr/>
-      </dsp:nvSpPr>
-      <dsp:spPr>
-        <a:xfrm>
-          <a:off x="8493615" y="748982"/>
-          <a:ext cx="2013350" cy="604005"/>
-        </a:xfrm>
-        <a:prstGeom prst="rect">
-          <a:avLst/>
-        </a:prstGeom>
-        <a:solidFill>
-          <a:schemeClr val="accent1">
-            <a:hueOff val="0"/>
-            <a:satOff val="0"/>
-            <a:lumOff val="0"/>
-            <a:alphaOff val="0"/>
-          </a:schemeClr>
-        </a:solidFill>
-        <a:ln w="12700" cap="flat" cmpd="sng" algn="ctr">
-          <a:solidFill>
-            <a:schemeClr val="accent1">
-              <a:hueOff val="0"/>
-              <a:satOff val="0"/>
-              <a:lumOff val="0"/>
-              <a:alphaOff val="0"/>
-            </a:schemeClr>
-          </a:solidFill>
-          <a:prstDash val="solid"/>
-          <a:miter lim="800000"/>
-        </a:ln>
-        <a:effectLst/>
-      </dsp:spPr>
-      <dsp:style>
-        <a:lnRef idx="2">
-          <a:scrgbClr r="0" g="0" b="0"/>
-        </a:lnRef>
-        <a:fillRef idx="1">
-          <a:scrgbClr r="0" g="0" b="0"/>
-        </a:fillRef>
-        <a:effectRef idx="0">
-          <a:scrgbClr r="0" g="0" b="0"/>
-        </a:effectRef>
-        <a:fontRef idx="minor">
-          <a:schemeClr val="lt1"/>
-        </a:fontRef>
-      </dsp:style>
-      <dsp:txBody>
-        <a:bodyPr spcFirstLastPara="0" vert="horz" wrap="square" lIns="159099" tIns="159099" rIns="159099" bIns="159099" numCol="1" spcCol="1270" anchor="ctr" anchorCtr="0">
-          <a:noAutofit/>
-        </a:bodyPr>
-        <a:lstStyle/>
-        <a:p>
-          <a:pPr marL="0" lvl="0" indent="0" algn="ctr" defTabSz="889000">
-            <a:lnSpc>
-              <a:spcPct val="90000"/>
-            </a:lnSpc>
-            <a:spcBef>
-              <a:spcPct val="0"/>
-            </a:spcBef>
-            <a:spcAft>
-              <a:spcPct val="35000"/>
-            </a:spcAft>
-            <a:buNone/>
-          </a:pPr>
-          <a:r>
-            <a:rPr lang="en-US" sz="1600" kern="1200" spc="150" baseline="0" dirty="0">
-              <a:solidFill>
-                <a:prstClr val="black"/>
-              </a:solidFill>
-              <a:latin typeface="Tenorite"/>
-              <a:ea typeface="+mn-ea"/>
-              <a:cs typeface="+mn-cs"/>
-            </a:rPr>
-            <a:t>LAUNCH</a:t>
-          </a:r>
-        </a:p>
-      </dsp:txBody>
-      <dsp:txXfrm>
-        <a:off x="8493615" y="748982"/>
-        <a:ext cx="2013350" cy="604005"/>
-      </dsp:txXfrm>
-    </dsp:sp>
-    <dsp:sp modelId="{C8429E68-36DD-4F6A-A2F4-7CCDADCEFAD1}">
-      <dsp:nvSpPr>
-        <dsp:cNvPr id="0" name=""/>
-        <dsp:cNvSpPr/>
-      </dsp:nvSpPr>
-      <dsp:spPr>
-        <a:xfrm>
-          <a:off x="8493615" y="1352987"/>
-          <a:ext cx="2013350" cy="1642942"/>
-        </a:xfrm>
-        <a:prstGeom prst="rect">
-          <a:avLst/>
-        </a:prstGeom>
-        <a:solidFill>
-          <a:schemeClr val="accent1">
-            <a:alpha val="90000"/>
-            <a:tint val="40000"/>
-            <a:hueOff val="0"/>
-            <a:satOff val="0"/>
-            <a:lumOff val="0"/>
-            <a:alphaOff val="0"/>
-          </a:schemeClr>
-        </a:solidFill>
-        <a:ln w="12700" cap="flat" cmpd="sng" algn="ctr">
-          <a:solidFill>
-            <a:schemeClr val="accent1">
-              <a:alpha val="90000"/>
-              <a:tint val="40000"/>
-              <a:hueOff val="0"/>
-              <a:satOff val="0"/>
-              <a:lumOff val="0"/>
-              <a:alphaOff val="0"/>
-            </a:schemeClr>
-          </a:solidFill>
-          <a:prstDash val="solid"/>
-          <a:miter lim="800000"/>
-        </a:ln>
-        <a:effectLst/>
-      </dsp:spPr>
-      <dsp:style>
-        <a:lnRef idx="2">
-          <a:scrgbClr r="0" g="0" b="0"/>
-        </a:lnRef>
-        <a:fillRef idx="1">
-          <a:scrgbClr r="0" g="0" b="0"/>
-        </a:fillRef>
-        <a:effectRef idx="0">
-          <a:scrgbClr r="0" g="0" b="0"/>
-        </a:effectRef>
-        <a:fontRef idx="minor"/>
-      </dsp:style>
-      <dsp:txBody>
-        <a:bodyPr spcFirstLastPara="0" vert="horz" wrap="square" lIns="182880" tIns="182880" rIns="182880" bIns="182880" numCol="1" spcCol="1270" anchor="t" anchorCtr="0">
-          <a:noAutofit/>
-        </a:bodyPr>
-        <a:lstStyle/>
-        <a:p>
-          <a:pPr marL="0" lvl="0" indent="0" algn="l" defTabSz="666750" rtl="0">
-            <a:lnSpc>
-              <a:spcPct val="100000"/>
-            </a:lnSpc>
-            <a:spcBef>
-              <a:spcPct val="0"/>
-            </a:spcBef>
-            <a:spcAft>
-              <a:spcPct val="35000"/>
-            </a:spcAft>
-            <a:buNone/>
-          </a:pPr>
-          <a:r>
-            <a:rPr lang="en-US" sz="1400" kern="1200" spc="50" baseline="0" dirty="0">
-              <a:solidFill>
-                <a:prstClr val="black">
-                  <a:hueOff val="0"/>
-                  <a:satOff val="0"/>
-                  <a:lumOff val="0"/>
-                  <a:alphaOff val="0"/>
-                </a:prstClr>
-              </a:solidFill>
-              <a:latin typeface="Tenorite"/>
-              <a:ea typeface="+mn-ea"/>
-              <a:cs typeface="+mn-cs"/>
-            </a:rPr>
-            <a:t>Deploy strategic networks with compelling e-business needs</a:t>
-          </a:r>
-        </a:p>
-      </dsp:txBody>
-      <dsp:txXfrm>
-        <a:off x="8493615" y="1352987"/>
-        <a:ext cx="2013350" cy="1642942"/>
-      </dsp:txXfrm>
-    </dsp:sp>
-  </dsp:spTree>
-</dsp:drawing>
-</file>
-
-<file path=ppt/diagrams/layout1.xml><?xml version="1.0" encoding="utf-8"?>
-<dgm:layoutDef xmlns:dgm="http://schemas.openxmlformats.org/drawingml/2006/diagram" xmlns:a="http://schemas.openxmlformats.org/drawingml/2006/main" uniqueId="urn:microsoft.com/office/officeart/2016/7/layout/HorizontalActionList">
-  <dgm:title val="Horizontal Action List"/>
-  <dgm:desc val="Used to show non-sequential or grouped lists of information. Works well with large amounts of text. All text has the same level of emphasis, and direction is not implied."/>
-  <dgm:catLst>
-    <dgm:cat type="list" pri="500"/>
-  </dgm:catLst>
-  <dgm:sampData useDef="1">
-    <dgm:dataModel>
-      <dgm:ptLst/>
-      <dgm:bg/>
-      <dgm:whole/>
-    </dgm:dataModel>
-  </dgm:sampData>
-  <dgm:styleData>
-    <dgm:dataModel>
-      <dgm:ptLst>
-        <dgm:pt modelId="0" type="doc"/>
-        <dgm:pt modelId="1"/>
-        <dgm:pt modelId="2"/>
-      </dgm:ptLst>
-      <dgm:cxnLst>
-        <dgm:cxn modelId="3" srcId="0" destId="1" srcOrd="0" destOrd="0"/>
-        <dgm:cxn modelId="4" srcId="0" destId="2" srcOrd="1" destOrd="0"/>
-      </dgm:cxnLst>
-      <dgm:bg/>
-      <dgm:whole/>
-    </dgm:dataModel>
-  </dgm:styleData>
-  <dgm:clrData>
-    <dgm:dataModel>
-      <dgm:ptLst>
-        <dgm:pt modelId="0" type="doc"/>
-        <dgm:pt modelId="1"/>
-        <dgm:pt modelId="2"/>
-        <dgm:pt modelId="3"/>
-        <dgm:pt modelId="4"/>
-      </dgm:ptLst>
-      <dgm:cxnLst>
-        <dgm:cxn modelId="5" srcId="0" destId="1" srcOrd="0" destOrd="0"/>
-        <dgm:cxn modelId="6" srcId="0" destId="2" srcOrd="1" destOrd="0"/>
-        <dgm:cxn modelId="7" srcId="0" destId="3" srcOrd="2" destOrd="0"/>
-        <dgm:cxn modelId="8" srcId="0" destId="4" srcOrd="3" destOrd="0"/>
-      </dgm:cxnLst>
-      <dgm:bg/>
-      <dgm:whole/>
-    </dgm:dataModel>
-  </dgm:clrData>
-  <dgm:layoutNode name="Name0">
-    <dgm:varLst>
-      <dgm:dir/>
-      <dgm:animLvl val="lvl"/>
-      <dgm:resizeHandles val="exact"/>
-    </dgm:varLst>
-    <dgm:choose name="Name1">
-      <dgm:if name="Name2" func="var" arg="dir" op="equ" val="norm">
-        <dgm:alg type="lin"/>
-      </dgm:if>
-      <dgm:else name="Name3">
-        <dgm:alg type="lin">
-          <dgm:param type="linDir" val="fromR"/>
-        </dgm:alg>
-      </dgm:else>
-    </dgm:choose>
-    <dgm:shape xmlns:r="http://schemas.openxmlformats.org/officeDocument/2006/relationships" r:blip="">
-      <dgm:adjLst/>
-    </dgm:shape>
-    <dgm:presOf/>
-    <dgm:constrLst>
-      <dgm:constr type="h" for="ch" forName="composite" refType="h" fact="0.6"/>
-      <dgm:constr type="h" for="des" forName="composite" op="equ"/>
-      <dgm:constr type="w" for="ch" forName="composite" refType="w"/>
-      <dgm:constr type="w" for="des" forName="parTx"/>
-      <dgm:constr type="h" for="des" forName="parTx" op="equ"/>
-      <dgm:constr type="w" for="des" forName="desTx"/>
-      <dgm:constr type="primFontSz" for="des" forName="parTx" val="54"/>
-      <dgm:constr type="primFontSz" for="des" forName="desTx" refType="primFontSz" refFor="des" refForName="parTx" op="lte" fact="0.75"/>
-      <dgm:constr type="h" for="des" forName="desTx" op="equ"/>
-      <dgm:constr type="w" for="ch" forName="space" op="equ" val="3"/>
-    </dgm:constrLst>
-    <dgm:ruleLst>
-      <dgm:rule type="w" for="ch" forName="composite" val="0" fact="NaN" max="NaN"/>
-    </dgm:ruleLst>
-    <dgm:forEach name="Name6" axis="ch" ptType="node">
-      <dgm:layoutNode name="composite">
-        <dgm:alg type="composite"/>
-        <dgm:shape xmlns:r="http://schemas.openxmlformats.org/officeDocument/2006/relationships" r:blip="">
-          <dgm:adjLst/>
-        </dgm:shape>
-        <dgm:presOf/>
-        <dgm:constrLst>
-          <dgm:constr type="l" for="ch" forName="parTx"/>
-          <dgm:constr type="w" for="ch" forName="parTx" refType="w"/>
-          <dgm:constr type="t" for="ch" forName="parTx"/>
-          <dgm:constr type="l" for="ch" forName="desTx"/>
-          <dgm:constr type="w" for="ch" forName="desTx" refType="w" refFor="ch" refForName="parTx"/>
-          <dgm:constr type="t" for="ch" forName="desTx" refType="h" refFor="ch" refForName="parTx"/>
-        </dgm:constrLst>
-        <dgm:ruleLst>
-          <dgm:rule type="h" val="INF" fact="NaN" max="NaN"/>
-        </dgm:ruleLst>
-        <dgm:layoutNode name="parTx" styleLbl="alignNode1">
-          <dgm:varLst>
-            <dgm:chMax val="0"/>
-            <dgm:chPref val="0"/>
-          </dgm:varLst>
-          <dgm:alg type="tx"/>
-          <dgm:shape xmlns:r="http://schemas.openxmlformats.org/officeDocument/2006/relationships" type="rect" r:blip="">
-            <dgm:adjLst/>
-          </dgm:shape>
-          <dgm:presOf axis="self" ptType="node"/>
-          <dgm:constrLst>
-            <dgm:constr type="h" refType="w" op="lte" fact="0.3"/>
-            <dgm:constr type="h"/>
-            <dgm:constr type="tMarg" refType="w" fact="0.224"/>
-            <dgm:constr type="bMarg" refType="w" fact="0.224"/>
-            <dgm:constr type="lMarg" refType="w" fact="0.224"/>
-            <dgm:constr type="rMarg" refType="w" fact="0.224"/>
-          </dgm:constrLst>
-          <dgm:ruleLst>
-            <dgm:rule type="h" val="INF" fact="NaN" max="NaN"/>
-            <dgm:rule type="primFontSz" val="14" fact="NaN" max="NaN"/>
-          </dgm:ruleLst>
-        </dgm:layoutNode>
-        <dgm:layoutNode name="desTx" styleLbl="alignAccFollowNode1">
-          <dgm:varLst/>
-          <dgm:alg type="tx">
-            <dgm:param type="stBulletLvl" val="0"/>
-            <dgm:param type="txAnchorVert" val="t"/>
-            <dgm:param type="parTxLTRAlign" val="l"/>
-            <dgm:param type="shpTxLTRAlignCh" val="l"/>
-            <dgm:param type="parTxRTLAlign" val="r"/>
-            <dgm:param type="shpTxRTLAlignCh" val="r"/>
-          </dgm:alg>
-          <dgm:shape xmlns:r="http://schemas.openxmlformats.org/officeDocument/2006/relationships" type="rect" r:blip="">
-            <dgm:adjLst/>
-          </dgm:shape>
-          <dgm:presOf axis="des" ptType="node"/>
-          <dgm:constrLst>
-            <dgm:constr type="primFontSz" val="28"/>
-            <dgm:constr type="tMarg" refType="w" fact="0.28"/>
-            <dgm:constr type="bMarg" refType="w" fact="0.28"/>
-            <dgm:constr type="lMarg" refType="w" fact="0.28"/>
-            <dgm:constr type="rMarg" refType="w" fact="0.28"/>
-          </dgm:constrLst>
-          <dgm:ruleLst>
-            <dgm:rule type="h" val="INF" fact="NaN" max="NaN"/>
-            <dgm:rule type="primFontSz" val="11" fact="NaN" max="NaN"/>
-          </dgm:ruleLst>
-        </dgm:layoutNode>
-      </dgm:layoutNode>
-      <dgm:forEach name="Name19" axis="followSib" ptType="sibTrans" cnt="1">
-        <dgm:layoutNode name="space">
-          <dgm:alg type="sp"/>
-          <dgm:shape xmlns:r="http://schemas.openxmlformats.org/officeDocument/2006/relationships" r:blip="">
-            <dgm:adjLst/>
-          </dgm:shape>
-          <dgm:presOf/>
-          <dgm:constrLst/>
-          <dgm:ruleLst/>
-        </dgm:layoutNode>
-      </dgm:forEach>
-    </dgm:forEach>
-  </dgm:layoutNode>
-</dgm:layoutDef>
-</file>
-
-<file path=ppt/diagrams/quickStyle1.xml><?xml version="1.0" encoding="utf-8"?>
-<dgm:styleDef xmlns:dgm="http://schemas.openxmlformats.org/drawingml/2006/diagram" xmlns:a="http://schemas.openxmlformats.org/drawingml/2006/main" uniqueId="urn:microsoft.com/office/officeart/2005/8/quickstyle/simple1">
-  <dgm:title val=""/>
-  <dgm:desc val=""/>
-  <dgm:catLst>
-    <dgm:cat type="simple" pri="10100"/>
-  </dgm:catLst>
-  <dgm:scene3d>
-    <a:camera prst="orthographicFront"/>
-    <a:lightRig rig="threePt" dir="t"/>
-  </dgm:scene3d>
-  <dgm:styleLbl name="node0">
-    <dgm:scene3d>
-      <a:camera prst="orthographicFront"/>
-      <a:lightRig rig="threePt" dir="t"/>
-    </dgm:scene3d>
-    <dgm:sp3d/>
-    <dgm:txPr/>
-    <dgm:style>
-      <a:lnRef idx="2">
-        <a:scrgbClr r="0" g="0" b="0"/>
-      </a:lnRef>
-      <a:fillRef idx="1">
-        <a:scrgbClr r="0" g="0" b="0"/>
-      </a:fillRef>
-      <a:effectRef idx="0">
-        <a:scrgbClr r="0" g="0" b="0"/>
-      </a:effectRef>
-      <a:fontRef idx="minor">
-        <a:schemeClr val="lt1"/>
-      </a:fontRef>
-    </dgm:style>
-  </dgm:styleLbl>
-  <dgm:styleLbl name="lnNode1">
-    <dgm:scene3d>
-      <a:camera prst="orthographicFront"/>
-      <a:lightRig rig="threePt" dir="t"/>
-    </dgm:scene3d>
-    <dgm:sp3d/>
-    <dgm:txPr/>
-    <dgm:style>
-      <a:lnRef idx="2">
-        <a:scrgbClr r="0" g="0" b="0"/>
-      </a:lnRef>
-      <a:fillRef idx="1">
-        <a:scrgbClr r="0" g="0" b="0"/>
-      </a:fillRef>
-      <a:effectRef idx="0">
-        <a:scrgbClr r="0" g="0" b="0"/>
-      </a:effectRef>
-      <a:fontRef idx="minor">
-        <a:schemeClr val="lt1"/>
-      </a:fontRef>
-    </dgm:style>
-  </dgm:styleLbl>
-  <dgm:styleLbl name="vennNode1">
-    <dgm:scene3d>
-      <a:camera prst="orthographicFront"/>
-      <a:lightRig rig="threePt" dir="t"/>
-    </dgm:scene3d>
-    <dgm:sp3d/>
-    <dgm:txPr/>
-    <dgm:style>
-      <a:lnRef idx="2">
-        <a:scrgbClr r="0" g="0" b="0"/>
-      </a:lnRef>
-      <a:fillRef idx="1">
-        <a:scrgbClr r="0" g="0" b="0"/>
-      </a:fillRef>
-      <a:effectRef idx="0">
-        <a:scrgbClr r="0" g="0" b="0"/>
-      </a:effectRef>
-      <a:fontRef idx="minor">
-        <a:schemeClr val="tx1"/>
-      </a:fontRef>
-    </dgm:style>
-  </dgm:styleLbl>
-  <dgm:styleLbl name="alignNode1">
-    <dgm:scene3d>
-      <a:camera prst="orthographicFront"/>
-      <a:lightRig rig="threePt" dir="t"/>
-    </dgm:scene3d>
-    <dgm:sp3d/>
-    <dgm:txPr/>
-    <dgm:style>
-      <a:lnRef idx="2">
-        <a:scrgbClr r="0" g="0" b="0"/>
-      </a:lnRef>
-      <a:fillRef idx="1">
-        <a:scrgbClr r="0" g="0" b="0"/>
-      </a:fillRef>
-      <a:effectRef idx="0">
-        <a:scrgbClr r="0" g="0" b="0"/>
-      </a:effectRef>
-      <a:fontRef idx="minor">
-        <a:schemeClr val="lt1"/>
-      </a:fontRef>
-    </dgm:style>
-  </dgm:styleLbl>
-  <dgm:styleLbl name="node1">
-    <dgm:scene3d>
-      <a:camera prst="orthographicFront"/>
-      <a:lightRig rig="threePt" dir="t"/>
-    </dgm:scene3d>
-    <dgm:sp3d/>
-    <dgm:txPr/>
-    <dgm:style>
-      <a:lnRef idx="2">
-        <a:scrgbClr r="0" g="0" b="0"/>
-      </a:lnRef>
-      <a:fillRef idx="1">
-        <a:scrgbClr r="0" g="0" b="0"/>
-      </a:fillRef>
-      <a:effectRef idx="0">
-        <a:scrgbClr r="0" g="0" b="0"/>
-      </a:effectRef>
-      <a:fontRef idx="minor">
-        <a:schemeClr val="lt1"/>
-      </a:fontRef>
-    </dgm:style>
-  </dgm:styleLbl>
-  <dgm:styleLbl name="node2">
-    <dgm:scene3d>
-      <a:camera prst="orthographicFront"/>
-      <a:lightRig rig="threePt" dir="t"/>
-    </dgm:scene3d>
-    <dgm:sp3d/>
-    <dgm:txPr/>
-    <dgm:style>
-      <a:lnRef idx="2">
-        <a:scrgbClr r="0" g="0" b="0"/>
-      </a:lnRef>
-      <a:fillRef idx="1">
-        <a:scrgbClr r="0" g="0" b="0"/>
-      </a:fillRef>
-      <a:effectRef idx="0">
-        <a:scrgbClr r="0" g="0" b="0"/>
-      </a:effectRef>
-      <a:fontRef idx="minor">
-        <a:schemeClr val="lt1"/>
-      </a:fontRef>
-    </dgm:style>
-  </dgm:styleLbl>
-  <dgm:styleLbl name="node3">
-    <dgm:scene3d>
-      <a:camera prst="orthographicFront"/>
-      <a:lightRig rig="threePt" dir="t"/>
-    </dgm:scene3d>
-    <dgm:sp3d/>
-    <dgm:txPr/>
-    <dgm:style>
-      <a:lnRef idx="2">
-        <a:scrgbClr r="0" g="0" b="0"/>
-      </a:lnRef>
-      <a:fillRef idx="1">
-        <a:scrgbClr r="0" g="0" b="0"/>
-      </a:fillRef>
-      <a:effectRef idx="0">
-        <a:scrgbClr r="0" g="0" b="0"/>
-      </a:effectRef>
-      <a:fontRef idx="minor">
-        <a:schemeClr val="lt1"/>
-      </a:fontRef>
-    </dgm:style>
-  </dgm:styleLbl>
-  <dgm:styleLbl name="node4">
-    <dgm:scene3d>
-      <a:camera prst="orthographicFront"/>
-      <a:lightRig rig="threePt" dir="t"/>
-    </dgm:scene3d>
-    <dgm:sp3d/>
-    <dgm:txPr/>
-    <dgm:style>
-      <a:lnRef idx="2">
-        <a:scrgbClr r="0" g="0" b="0"/>
-      </a:lnRef>
-      <a:fillRef idx="1">
-        <a:scrgbClr r="0" g="0" b="0"/>
-      </a:fillRef>
-      <a:effectRef idx="0">
-        <a:scrgbClr r="0" g="0" b="0"/>
-      </a:effectRef>
-      <a:fontRef idx="minor">
-        <a:schemeClr val="lt1"/>
-      </a:fontRef>
-    </dgm:style>
-  </dgm:styleLbl>
-  <dgm:styleLbl name="fgImgPlace1">
-    <dgm:scene3d>
-      <a:camera prst="orthographicFront"/>
-      <a:lightRig rig="threePt" dir="t"/>
-    </dgm:scene3d>
-    <dgm:sp3d/>
-    <dgm:txPr/>
-    <dgm:style>
-      <a:lnRef idx="2">
-        <a:scrgbClr r="0" g="0" b="0"/>
-      </a:lnRef>
-      <a:fillRef idx="1">
-        <a:scrgbClr r="0" g="0" b="0"/>
-      </a:fillRef>
-      <a:effectRef idx="0">
-        <a:scrgbClr r="0" g="0" b="0"/>
-      </a:effectRef>
-      <a:fontRef idx="minor"/>
-    </dgm:style>
-  </dgm:styleLbl>
-  <dgm:styleLbl name="alignImgPlace1">
-    <dgm:scene3d>
-      <a:camera prst="orthographicFront"/>
-      <a:lightRig rig="threePt" dir="t"/>
-    </dgm:scene3d>
-    <dgm:sp3d/>
-    <dgm:txPr/>
-    <dgm:style>
-      <a:lnRef idx="2">
-        <a:scrgbClr r="0" g="0" b="0"/>
-      </a:lnRef>
-      <a:fillRef idx="1">
-        <a:scrgbClr r="0" g="0" b="0"/>
-      </a:fillRef>
-      <a:effectRef idx="0">
-        <a:scrgbClr r="0" g="0" b="0"/>
-      </a:effectRef>
-      <a:fontRef idx="minor"/>
-    </dgm:style>
-  </dgm:styleLbl>
-  <dgm:styleLbl name="bgImgPlace1">
-    <dgm:scene3d>
-      <a:camera prst="orthographicFront"/>
-      <a:lightRig rig="threePt" dir="t"/>
-    </dgm:scene3d>
-    <dgm:sp3d/>
-    <dgm:txPr/>
-    <dgm:style>
-      <a:lnRef idx="2">
-        <a:scrgbClr r="0" g="0" b="0"/>
-      </a:lnRef>
-      <a:fillRef idx="1">
-        <a:scrgbClr r="0" g="0" b="0"/>
-      </a:fillRef>
-      <a:effectRef idx="0">
-        <a:scrgbClr r="0" g="0" b="0"/>
-      </a:effectRef>
-      <a:fontRef idx="minor"/>
-    </dgm:style>
-  </dgm:styleLbl>
-  <dgm:styleLbl name="sibTrans2D1">
-    <dgm:scene3d>
-      <a:camera prst="orthographicFront"/>
-      <a:lightRig rig="threePt" dir="t"/>
-    </dgm:scene3d>
-    <dgm:sp3d/>
-    <dgm:txPr/>
-    <dgm:style>
-      <a:lnRef idx="0">
-        <a:scrgbClr r="0" g="0" b="0"/>
-      </a:lnRef>
-      <a:fillRef idx="1">
-        <a:scrgbClr r="0" g="0" b="0"/>
-      </a:fillRef>
-      <a:effectRef idx="0">
-        <a:scrgbClr r="0" g="0" b="0"/>
-      </a:effectRef>
-      <a:fontRef idx="minor">
-        <a:schemeClr val="lt1"/>
-      </a:fontRef>
-    </dgm:style>
-  </dgm:styleLbl>
-  <dgm:styleLbl name="fgSibTrans2D1">
-    <dgm:scene3d>
-      <a:camera prst="orthographicFront"/>
-      <a:lightRig rig="threePt" dir="t"/>
-    </dgm:scene3d>
-    <dgm:sp3d/>
-    <dgm:txPr/>
-    <dgm:style>
-      <a:lnRef idx="0">
-        <a:scrgbClr r="0" g="0" b="0"/>
-      </a:lnRef>
-      <a:fillRef idx="1">
-        <a:scrgbClr r="0" g="0" b="0"/>
-      </a:fillRef>
-      <a:effectRef idx="0">
-        <a:scrgbClr r="0" g="0" b="0"/>
-      </a:effectRef>
-      <a:fontRef idx="minor">
-        <a:schemeClr val="lt1"/>
-      </a:fontRef>
-    </dgm:style>
-  </dgm:styleLbl>
-  <dgm:styleLbl name="bgSibTrans2D1">
-    <dgm:scene3d>
-      <a:camera prst="orthographicFront"/>
-      <a:lightRig rig="threePt" dir="t"/>
-    </dgm:scene3d>
-    <dgm:sp3d/>
-    <dgm:txPr/>
-    <dgm:style>
-      <a:lnRef idx="0">
-        <a:scrgbClr r="0" g="0" b="0"/>
-      </a:lnRef>
-      <a:fillRef idx="1">
-        <a:scrgbClr r="0" g="0" b="0"/>
-      </a:fillRef>
-      <a:effectRef idx="0">
-        <a:scrgbClr r="0" g="0" b="0"/>
-      </a:effectRef>
-      <a:fontRef idx="minor">
-        <a:schemeClr val="lt1"/>
-      </a:fontRef>
-    </dgm:style>
-  </dgm:styleLbl>
-  <dgm:styleLbl name="sibTrans1D1">
-    <dgm:scene3d>
-      <a:camera prst="orthographicFront"/>
-      <a:lightRig rig="threePt" dir="t"/>
-    </dgm:scene3d>
-    <dgm:sp3d/>
-    <dgm:txPr/>
-    <dgm:style>
-      <a:lnRef idx="1">
-        <a:scrgbClr r="0" g="0" b="0"/>
-      </a:lnRef>
-      <a:fillRef idx="0">
-        <a:scrgbClr r="0" g="0" b="0"/>
-      </a:fillRef>
-      <a:effectRef idx="0">
-        <a:scrgbClr r="0" g="0" b="0"/>
-      </a:effectRef>
-      <a:fontRef idx="minor"/>
-    </dgm:style>
-  </dgm:styleLbl>
-  <dgm:styleLbl name="callout">
-    <dgm:scene3d>
-      <a:camera prst="orthographicFront"/>
-      <a:lightRig rig="threePt" dir="t"/>
-    </dgm:scene3d>
-    <dgm:sp3d/>
-    <dgm:txPr/>
-    <dgm:style>
-      <a:lnRef idx="2">
-        <a:scrgbClr r="0" g="0" b="0"/>
-      </a:lnRef>
-      <a:fillRef idx="1">
-        <a:scrgbClr r="0" g="0" b="0"/>
-      </a:fillRef>
-      <a:effectRef idx="0">
-        <a:scrgbClr r="0" g="0" b="0"/>
-      </a:effectRef>
-      <a:fontRef idx="minor"/>
-    </dgm:style>
-  </dgm:styleLbl>
-  <dgm:styleLbl name="asst0">
-    <dgm:scene3d>
-      <a:camera prst="orthographicFront"/>
-      <a:lightRig rig="threePt" dir="t"/>
-    </dgm:scene3d>
-    <dgm:sp3d/>
-    <dgm:txPr/>
-    <dgm:style>
-      <a:lnRef idx="2">
-        <a:scrgbClr r="0" g="0" b="0"/>
-      </a:lnRef>
-      <a:fillRef idx="1">
-        <a:scrgbClr r="0" g="0" b="0"/>
-      </a:fillRef>
-      <a:effectRef idx="0">
-        <a:scrgbClr r="0" g="0" b="0"/>
-      </a:effectRef>
-      <a:fontRef idx="minor">
-        <a:schemeClr val="lt1"/>
-      </a:fontRef>
-    </dgm:style>
-  </dgm:styleLbl>
-  <dgm:styleLbl name="asst1">
-    <dgm:scene3d>
-      <a:camera prst="orthographicFront"/>
-      <a:lightRig rig="threePt" dir="t"/>
-    </dgm:scene3d>
-    <dgm:sp3d/>
-    <dgm:txPr/>
-    <dgm:style>
-      <a:lnRef idx="2">
-        <a:scrgbClr r="0" g="0" b="0"/>
-      </a:lnRef>
-      <a:fillRef idx="1">
-        <a:scrgbClr r="0" g="0" b="0"/>
-      </a:fillRef>
-      <a:effectRef idx="0">
-        <a:scrgbClr r="0" g="0" b="0"/>
-      </a:effectRef>
-      <a:fontRef idx="minor">
-        <a:schemeClr val="lt1"/>
-      </a:fontRef>
-    </dgm:style>
-  </dgm:styleLbl>
-  <dgm:styleLbl name="asst2">
-    <dgm:scene3d>
-      <a:camera prst="orthographicFront"/>
-      <a:lightRig rig="threePt" dir="t"/>
-    </dgm:scene3d>
-    <dgm:sp3d/>
-    <dgm:txPr/>
-    <dgm:style>
-      <a:lnRef idx="2">
-        <a:scrgbClr r="0" g="0" b="0"/>
-      </a:lnRef>
-      <a:fillRef idx="1">
-        <a:scrgbClr r="0" g="0" b="0"/>
-      </a:fillRef>
-      <a:effectRef idx="0">
-        <a:scrgbClr r="0" g="0" b="0"/>
-      </a:effectRef>
-      <a:fontRef idx="minor">
-        <a:schemeClr val="lt1"/>
-      </a:fontRef>
-    </dgm:style>
-  </dgm:styleLbl>
-  <dgm:styleLbl name="asst3">
-    <dgm:scene3d>
-      <a:camera prst="orthographicFront"/>
-      <a:lightRig rig="threePt" dir="t"/>
-    </dgm:scene3d>
-    <dgm:sp3d/>
-    <dgm:txPr/>
-    <dgm:style>
-      <a:lnRef idx="2">
-        <a:scrgbClr r="0" g="0" b="0"/>
-      </a:lnRef>
-      <a:fillRef idx="1">
-        <a:scrgbClr r="0" g="0" b="0"/>
-      </a:fillRef>
-      <a:effectRef idx="0">
-        <a:scrgbClr r="0" g="0" b="0"/>
-      </a:effectRef>
-      <a:fontRef idx="minor">
-        <a:schemeClr val="lt1"/>
-      </a:fontRef>
-    </dgm:style>
-  </dgm:styleLbl>
-  <dgm:styleLbl name="asst4">
-    <dgm:scene3d>
-      <a:camera prst="orthographicFront"/>
-      <a:lightRig rig="threePt" dir="t"/>
-    </dgm:scene3d>
-    <dgm:sp3d/>
-    <dgm:txPr/>
-    <dgm:style>
-      <a:lnRef idx="2">
-        <a:scrgbClr r="0" g="0" b="0"/>
-      </a:lnRef>
-      <a:fillRef idx="1">
-        <a:scrgbClr r="0" g="0" b="0"/>
-      </a:fillRef>
-      <a:effectRef idx="0">
-        <a:scrgbClr r="0" g="0" b="0"/>
-      </a:effectRef>
-      <a:fontRef idx="minor">
-        <a:schemeClr val="lt1"/>
-      </a:fontRef>
-    </dgm:style>
-  </dgm:styleLbl>
-  <dgm:styleLbl name="parChTrans2D1">
-    <dgm:scene3d>
-      <a:camera prst="orthographicFront"/>
-      <a:lightRig rig="threePt" dir="t"/>
-    </dgm:scene3d>
-    <dgm:sp3d/>
-    <dgm:txPr/>
-    <dgm:style>
-      <a:lnRef idx="2">
-        <a:scrgbClr r="0" g="0" b="0"/>
-      </a:lnRef>
-      <a:fillRef idx="1">
-        <a:scrgbClr r="0" g="0" b="0"/>
-      </a:fillRef>
-      <a:effectRef idx="0">
-        <a:scrgbClr r="0" g="0" b="0"/>
-      </a:effectRef>
-      <a:fontRef idx="minor">
-        <a:schemeClr val="lt1"/>
-      </a:fontRef>
-    </dgm:style>
-  </dgm:styleLbl>
-  <dgm:styleLbl name="parChTrans2D2">
-    <dgm:scene3d>
-      <a:camera prst="orthographicFront"/>
-      <a:lightRig rig="threePt" dir="t"/>
-    </dgm:scene3d>
-    <dgm:sp3d/>
-    <dgm:txPr/>
-    <dgm:style>
-      <a:lnRef idx="2">
-        <a:scrgbClr r="0" g="0" b="0"/>
-      </a:lnRef>
-      <a:fillRef idx="1">
-        <a:scrgbClr r="0" g="0" b="0"/>
-      </a:fillRef>
-      <a:effectRef idx="0">
-        <a:scrgbClr r="0" g="0" b="0"/>
-      </a:effectRef>
-      <a:fontRef idx="minor">
-        <a:schemeClr val="lt1"/>
-      </a:fontRef>
-    </dgm:style>
-  </dgm:styleLbl>
-  <dgm:styleLbl name="parChTrans2D3">
-    <dgm:scene3d>
-      <a:camera prst="orthographicFront"/>
-      <a:lightRig rig="threePt" dir="t"/>
-    </dgm:scene3d>
-    <dgm:sp3d/>
-    <dgm:txPr/>
-    <dgm:style>
-      <a:lnRef idx="2">
-        <a:scrgbClr r="0" g="0" b="0"/>
-      </a:lnRef>
-      <a:fillRef idx="1">
-        <a:scrgbClr r="0" g="0" b="0"/>
-      </a:fillRef>
-      <a:effectRef idx="0">
-        <a:scrgbClr r="0" g="0" b="0"/>
-      </a:effectRef>
-      <a:fontRef idx="minor">
-        <a:schemeClr val="lt1"/>
-      </a:fontRef>
-    </dgm:style>
-  </dgm:styleLbl>
-  <dgm:styleLbl name="parChTrans2D4">
-    <dgm:scene3d>
-      <a:camera prst="orthographicFront"/>
-      <a:lightRig rig="threePt" dir="t"/>
-    </dgm:scene3d>
-    <dgm:sp3d/>
-    <dgm:txPr/>
-    <dgm:style>
-      <a:lnRef idx="2">
-        <a:scrgbClr r="0" g="0" b="0"/>
-      </a:lnRef>
-      <a:fillRef idx="1">
-        <a:scrgbClr r="0" g="0" b="0"/>
-      </a:fillRef>
-      <a:effectRef idx="0">
-        <a:scrgbClr r="0" g="0" b="0"/>
-      </a:effectRef>
-      <a:fontRef idx="minor">
-        <a:schemeClr val="lt1"/>
-      </a:fontRef>
-    </dgm:style>
-  </dgm:styleLbl>
-  <dgm:styleLbl name="parChTrans1D1">
-    <dgm:scene3d>
-      <a:camera prst="orthographicFront"/>
-      <a:lightRig rig="threePt" dir="t"/>
-    </dgm:scene3d>
-    <dgm:sp3d/>
-    <dgm:txPr/>
-    <dgm:style>
-      <a:lnRef idx="2">
-        <a:scrgbClr r="0" g="0" b="0"/>
-      </a:lnRef>
-      <a:fillRef idx="0">
-        <a:scrgbClr r="0" g="0" b="0"/>
-      </a:fillRef>
-      <a:effectRef idx="0">
-        <a:scrgbClr r="0" g="0" b="0"/>
-      </a:effectRef>
-      <a:fontRef idx="minor"/>
-    </dgm:style>
-  </dgm:styleLbl>
-  <dgm:styleLbl name="parChTrans1D2">
-    <dgm:scene3d>
-      <a:camera prst="orthographicFront"/>
-      <a:lightRig rig="threePt" dir="t"/>
-    </dgm:scene3d>
-    <dgm:sp3d/>
-    <dgm:txPr/>
-    <dgm:style>
-      <a:lnRef idx="2">
-        <a:scrgbClr r="0" g="0" b="0"/>
-      </a:lnRef>
-      <a:fillRef idx="0">
-        <a:scrgbClr r="0" g="0" b="0"/>
-      </a:fillRef>
-      <a:effectRef idx="0">
-        <a:scrgbClr r="0" g="0" b="0"/>
-      </a:effectRef>
-      <a:fontRef idx="minor"/>
-    </dgm:style>
-  </dgm:styleLbl>
-  <dgm:styleLbl name="parChTrans1D3">
-    <dgm:scene3d>
-      <a:camera prst="orthographicFront"/>
-      <a:lightRig rig="threePt" dir="t"/>
-    </dgm:scene3d>
-    <dgm:sp3d/>
-    <dgm:txPr/>
-    <dgm:style>
-      <a:lnRef idx="2">
-        <a:scrgbClr r="0" g="0" b="0"/>
-      </a:lnRef>
-      <a:fillRef idx="0">
-        <a:scrgbClr r="0" g="0" b="0"/>
-      </a:fillRef>
-      <a:effectRef idx="0">
-        <a:scrgbClr r="0" g="0" b="0"/>
-      </a:effectRef>
-      <a:fontRef idx="minor"/>
-    </dgm:style>
-  </dgm:styleLbl>
-  <dgm:styleLbl name="parChTrans1D4">
-    <dgm:scene3d>
-      <a:camera prst="orthographicFront"/>
-      <a:lightRig rig="threePt" dir="t"/>
-    </dgm:scene3d>
-    <dgm:sp3d/>
-    <dgm:txPr/>
-    <dgm:style>
-      <a:lnRef idx="2">
-        <a:scrgbClr r="0" g="0" b="0"/>
-      </a:lnRef>
-      <a:fillRef idx="0">
-        <a:scrgbClr r="0" g="0" b="0"/>
-      </a:fillRef>
-      <a:effectRef idx="0">
-        <a:scrgbClr r="0" g="0" b="0"/>
-      </a:effectRef>
-      <a:fontRef idx="minor"/>
-    </dgm:style>
-  </dgm:styleLbl>
-  <dgm:styleLbl name="fgAcc1">
-    <dgm:scene3d>
-      <a:camera prst="orthographicFront"/>
-      <a:lightRig rig="threePt" dir="t"/>
-    </dgm:scene3d>
-    <dgm:sp3d/>
-    <dgm:txPr/>
-    <dgm:style>
-      <a:lnRef idx="2">
-        <a:scrgbClr r="0" g="0" b="0"/>
-      </a:lnRef>
-      <a:fillRef idx="1">
-        <a:scrgbClr r="0" g="0" b="0"/>
-      </a:fillRef>
-      <a:effectRef idx="0">
-        <a:scrgbClr r="0" g="0" b="0"/>
-      </a:effectRef>
-      <a:fontRef idx="minor"/>
-    </dgm:style>
-  </dgm:styleLbl>
-  <dgm:styleLbl name="conFgAcc1">
-    <dgm:scene3d>
-      <a:camera prst="orthographicFront"/>
-      <a:lightRig rig="threePt" dir="t"/>
-    </dgm:scene3d>
-    <dgm:sp3d/>
-    <dgm:txPr/>
-    <dgm:style>
-      <a:lnRef idx="2">
-        <a:scrgbClr r="0" g="0" b="0"/>
-      </a:lnRef>
-      <a:fillRef idx="1">
-        <a:scrgbClr r="0" g="0" b="0"/>
-      </a:fillRef>
-      <a:effectRef idx="0">
-        <a:scrgbClr r="0" g="0" b="0"/>
-      </a:effectRef>
-      <a:fontRef idx="minor"/>
-    </dgm:style>
-  </dgm:styleLbl>
-  <dgm:styleLbl name="alignAcc1">
-    <dgm:scene3d>
-      <a:camera prst="orthographicFront"/>
-      <a:lightRig rig="threePt" dir="t"/>
-    </dgm:scene3d>
-    <dgm:sp3d/>
-    <dgm:txPr/>
-    <dgm:style>
-      <a:lnRef idx="2">
-        <a:scrgbClr r="0" g="0" b="0"/>
-      </a:lnRef>
-      <a:fillRef idx="1">
-        <a:scrgbClr r="0" g="0" b="0"/>
-      </a:fillRef>
-      <a:effectRef idx="0">
-        <a:scrgbClr r="0" g="0" b="0"/>
-      </a:effectRef>
-      <a:fontRef idx="minor"/>
-    </dgm:style>
-  </dgm:styleLbl>
-  <dgm:styleLbl name="trAlignAcc1">
-    <dgm:scene3d>
-      <a:camera prst="orthographicFront"/>
-      <a:lightRig rig="threePt" dir="t"/>
-    </dgm:scene3d>
-    <dgm:sp3d/>
-    <dgm:txPr/>
-    <dgm:style>
-      <a:lnRef idx="1">
-        <a:scrgbClr r="0" g="0" b="0"/>
-      </a:lnRef>
-      <a:fillRef idx="1">
-        <a:scrgbClr r="0" g="0" b="0"/>
-      </a:fillRef>
-      <a:effectRef idx="0">
-        <a:scrgbClr r="0" g="0" b="0"/>
-      </a:effectRef>
-      <a:fontRef idx="minor"/>
-    </dgm:style>
-  </dgm:styleLbl>
-  <dgm:styleLbl name="bgAcc1">
-    <dgm:scene3d>
-      <a:camera prst="orthographicFront"/>
-      <a:lightRig rig="threePt" dir="t"/>
-    </dgm:scene3d>
-    <dgm:sp3d/>
-    <dgm:txPr/>
-    <dgm:style>
-      <a:lnRef idx="2">
-        <a:scrgbClr r="0" g="0" b="0"/>
-      </a:lnRef>
-      <a:fillRef idx="1">
-        <a:scrgbClr r="0" g="0" b="0"/>
-      </a:fillRef>
-      <a:effectRef idx="0">
-        <a:scrgbClr r="0" g="0" b="0"/>
-      </a:effectRef>
-      <a:fontRef idx="minor"/>
-    </dgm:style>
-  </dgm:styleLbl>
-  <dgm:styleLbl name="solidFgAcc1">
-    <dgm:scene3d>
-      <a:camera prst="orthographicFront"/>
-      <a:lightRig rig="threePt" dir="t"/>
-    </dgm:scene3d>
-    <dgm:sp3d/>
-    <dgm:txPr/>
-    <dgm:style>
-      <a:lnRef idx="2">
-        <a:scrgbClr r="0" g="0" b="0"/>
-      </a:lnRef>
-      <a:fillRef idx="1">
-        <a:scrgbClr r="0" g="0" b="0"/>
-      </a:fillRef>
-      <a:effectRef idx="0">
-        <a:scrgbClr r="0" g="0" b="0"/>
-      </a:effectRef>
-      <a:fontRef idx="minor"/>
-    </dgm:style>
-  </dgm:styleLbl>
-  <dgm:styleLbl name="solidAlignAcc1">
-    <dgm:scene3d>
-      <a:camera prst="orthographicFront"/>
-      <a:lightRig rig="threePt" dir="t"/>
-    </dgm:scene3d>
-    <dgm:sp3d/>
-    <dgm:txPr/>
-    <dgm:style>
-      <a:lnRef idx="2">
-        <a:scrgbClr r="0" g="0" b="0"/>
-      </a:lnRef>
-      <a:fillRef idx="1">
-        <a:scrgbClr r="0" g="0" b="0"/>
-      </a:fillRef>
-      <a:effectRef idx="0">
-        <a:scrgbClr r="0" g="0" b="0"/>
-      </a:effectRef>
-      <a:fontRef idx="minor"/>
-    </dgm:style>
-  </dgm:styleLbl>
-  <dgm:styleLbl name="solidBgAcc1">
-    <dgm:scene3d>
-      <a:camera prst="orthographicFront"/>
-      <a:lightRig rig="threePt" dir="t"/>
-    </dgm:scene3d>
-    <dgm:sp3d/>
-    <dgm:txPr/>
-    <dgm:style>
-      <a:lnRef idx="2">
-        <a:scrgbClr r="0" g="0" b="0"/>
-      </a:lnRef>
-      <a:fillRef idx="1">
-        <a:scrgbClr r="0" g="0" b="0"/>
-      </a:fillRef>
-      <a:effectRef idx="0">
-        <a:scrgbClr r="0" g="0" b="0"/>
-      </a:effectRef>
-      <a:fontRef idx="minor"/>
-    </dgm:style>
-  </dgm:styleLbl>
-  <dgm:styleLbl name="fgAccFollowNode1">
-    <dgm:scene3d>
-      <a:camera prst="orthographicFront"/>
-      <a:lightRig rig="threePt" dir="t"/>
-    </dgm:scene3d>
-    <dgm:sp3d/>
-    <dgm:txPr/>
-    <dgm:style>
-      <a:lnRef idx="2">
-        <a:scrgbClr r="0" g="0" b="0"/>
-      </a:lnRef>
-      <a:fillRef idx="1">
-        <a:scrgbClr r="0" g="0" b="0"/>
-      </a:fillRef>
-      <a:effectRef idx="0">
-        <a:scrgbClr r="0" g="0" b="0"/>
-      </a:effectRef>
-      <a:fontRef idx="minor"/>
-    </dgm:style>
-  </dgm:styleLbl>
-  <dgm:styleLbl name="alignAccFollowNode1">
-    <dgm:scene3d>
-      <a:camera prst="orthographicFront"/>
-      <a:lightRig rig="threePt" dir="t"/>
-    </dgm:scene3d>
-    <dgm:sp3d/>
-    <dgm:txPr/>
-    <dgm:style>
-      <a:lnRef idx="2">
-        <a:scrgbClr r="0" g="0" b="0"/>
-      </a:lnRef>
-      <a:fillRef idx="1">
-        <a:scrgbClr r="0" g="0" b="0"/>
-      </a:fillRef>
-      <a:effectRef idx="0">
-        <a:scrgbClr r="0" g="0" b="0"/>
-      </a:effectRef>
-      <a:fontRef idx="minor"/>
-    </dgm:style>
-  </dgm:styleLbl>
-  <dgm:styleLbl name="bgAccFollowNode1">
-    <dgm:scene3d>
-      <a:camera prst="orthographicFront"/>
-      <a:lightRig rig="threePt" dir="t"/>
-    </dgm:scene3d>
-    <dgm:sp3d/>
-    <dgm:txPr/>
-    <dgm:style>
-      <a:lnRef idx="2">
-        <a:scrgbClr r="0" g="0" b="0"/>
-      </a:lnRef>
-      <a:fillRef idx="1">
-        <a:scrgbClr r="0" g="0" b="0"/>
-      </a:fillRef>
-      <a:effectRef idx="0">
-        <a:scrgbClr r="0" g="0" b="0"/>
-      </a:effectRef>
-      <a:fontRef idx="minor"/>
-    </dgm:style>
-  </dgm:styleLbl>
-  <dgm:styleLbl name="fgAcc0">
-    <dgm:scene3d>
-      <a:camera prst="orthographicFront"/>
-      <a:lightRig rig="threePt" dir="t"/>
-    </dgm:scene3d>
-    <dgm:sp3d/>
-    <dgm:txPr/>
-    <dgm:style>
-      <a:lnRef idx="2">
-        <a:scrgbClr r="0" g="0" b="0"/>
-      </a:lnRef>
-      <a:fillRef idx="1">
-        <a:scrgbClr r="0" g="0" b="0"/>
-      </a:fillRef>
-      <a:effectRef idx="0">
-        <a:scrgbClr r="0" g="0" b="0"/>
-      </a:effectRef>
-      <a:fontRef idx="minor"/>
-    </dgm:style>
-  </dgm:styleLbl>
-  <dgm:styleLbl name="fgAcc2">
-    <dgm:scene3d>
-      <a:camera prst="orthographicFront"/>
-      <a:lightRig rig="threePt" dir="t"/>
-    </dgm:scene3d>
-    <dgm:sp3d/>
-    <dgm:txPr/>
-    <dgm:style>
-      <a:lnRef idx="2">
-        <a:scrgbClr r="0" g="0" b="0"/>
-      </a:lnRef>
-      <a:fillRef idx="1">
-        <a:scrgbClr r="0" g="0" b="0"/>
-      </a:fillRef>
-      <a:effectRef idx="0">
-        <a:scrgbClr r="0" g="0" b="0"/>
-      </a:effectRef>
-      <a:fontRef idx="minor"/>
-    </dgm:style>
-  </dgm:styleLbl>
-  <dgm:styleLbl name="fgAcc3">
-    <dgm:scene3d>
-      <a:camera prst="orthographicFront"/>
-      <a:lightRig rig="threePt" dir="t"/>
-    </dgm:scene3d>
-    <dgm:sp3d/>
-    <dgm:txPr/>
-    <dgm:style>
-      <a:lnRef idx="2">
-        <a:scrgbClr r="0" g="0" b="0"/>
-      </a:lnRef>
-      <a:fillRef idx="1">
-        <a:scrgbClr r="0" g="0" b="0"/>
-      </a:fillRef>
-      <a:effectRef idx="0">
-        <a:scrgbClr r="0" g="0" b="0"/>
-      </a:effectRef>
-      <a:fontRef idx="minor"/>
-    </dgm:style>
-  </dgm:styleLbl>
-  <dgm:styleLbl name="fgAcc4">
-    <dgm:scene3d>
-      <a:camera prst="orthographicFront"/>
-      <a:lightRig rig="threePt" dir="t"/>
-    </dgm:scene3d>
-    <dgm:sp3d/>
-    <dgm:txPr/>
-    <dgm:style>
-      <a:lnRef idx="2">
-        <a:scrgbClr r="0" g="0" b="0"/>
-      </a:lnRef>
-      <a:fillRef idx="1">
-        <a:scrgbClr r="0" g="0" b="0"/>
-      </a:fillRef>
-      <a:effectRef idx="0">
-        <a:scrgbClr r="0" g="0" b="0"/>
-      </a:effectRef>
-      <a:fontRef idx="minor"/>
-    </dgm:style>
-  </dgm:styleLbl>
-  <dgm:styleLbl name="bgShp">
-    <dgm:scene3d>
-      <a:camera prst="orthographicFront"/>
-      <a:lightRig rig="threePt" dir="t"/>
-    </dgm:scene3d>
-    <dgm:sp3d/>
-    <dgm:txPr/>
-    <dgm:style>
-      <a:lnRef idx="0">
-        <a:scrgbClr r="0" g="0" b="0"/>
-      </a:lnRef>
-      <a:fillRef idx="1">
-        <a:scrgbClr r="0" g="0" b="0"/>
-      </a:fillRef>
-      <a:effectRef idx="0">
-        <a:scrgbClr r="0" g="0" b="0"/>
-      </a:effectRef>
-      <a:fontRef idx="minor"/>
-    </dgm:style>
-  </dgm:styleLbl>
-  <dgm:styleLbl name="dkBgShp">
-    <dgm:scene3d>
-      <a:camera prst="orthographicFront"/>
-      <a:lightRig rig="threePt" dir="t"/>
-    </dgm:scene3d>
-    <dgm:sp3d/>
-    <dgm:txPr/>
-    <dgm:style>
-      <a:lnRef idx="0">
-        <a:scrgbClr r="0" g="0" b="0"/>
-      </a:lnRef>
-      <a:fillRef idx="1">
-        <a:scrgbClr r="0" g="0" b="0"/>
-      </a:fillRef>
-      <a:effectRef idx="0">
-        <a:scrgbClr r="0" g="0" b="0"/>
-      </a:effectRef>
-      <a:fontRef idx="minor"/>
-    </dgm:style>
-  </dgm:styleLbl>
-  <dgm:styleLbl name="trBgShp">
-    <dgm:scene3d>
-      <a:camera prst="orthographicFront"/>
-      <a:lightRig rig="threePt" dir="t"/>
-    </dgm:scene3d>
-    <dgm:sp3d/>
-    <dgm:txPr/>
-    <dgm:style>
-      <a:lnRef idx="0">
-        <a:scrgbClr r="0" g="0" b="0"/>
-      </a:lnRef>
-      <a:fillRef idx="1">
-        <a:scrgbClr r="0" g="0" b="0"/>
-      </a:fillRef>
-      <a:effectRef idx="0">
-        <a:scrgbClr r="0" g="0" b="0"/>
-      </a:effectRef>
-      <a:fontRef idx="minor"/>
-    </dgm:style>
-  </dgm:styleLbl>
-  <dgm:styleLbl name="fgShp">
-    <dgm:scene3d>
-      <a:camera prst="orthographicFront"/>
-      <a:lightRig rig="threePt" dir="t"/>
-    </dgm:scene3d>
-    <dgm:sp3d/>
-    <dgm:txPr/>
-    <dgm:style>
-      <a:lnRef idx="2">
-        <a:scrgbClr r="0" g="0" b="0"/>
-      </a:lnRef>
-      <a:fillRef idx="1">
-        <a:scrgbClr r="0" g="0" b="0"/>
-      </a:fillRef>
-      <a:effectRef idx="0">
-        <a:scrgbClr r="0" g="0" b="0"/>
-      </a:effectRef>
-      <a:fontRef idx="minor"/>
-    </dgm:style>
-  </dgm:styleLbl>
-  <dgm:styleLbl name="revTx">
-    <dgm:scene3d>
-      <a:camera prst="orthographicFront"/>
-      <a:lightRig rig="threePt" dir="t"/>
-    </dgm:scene3d>
-    <dgm:sp3d/>
-    <dgm:txPr/>
-    <dgm:style>
-      <a:lnRef idx="0">
-        <a:scrgbClr r="0" g="0" b="0"/>
-      </a:lnRef>
-      <a:fillRef idx="0">
-        <a:scrgbClr r="0" g="0" b="0"/>
-      </a:fillRef>
-      <a:effectRef idx="0">
-        <a:scrgbClr r="0" g="0" b="0"/>
-      </a:effectRef>
-      <a:fontRef idx="minor"/>
-    </dgm:style>
-  </dgm:styleLbl>
-</dgm:styleDef>
 </file>
 
 <file path=ppt/handoutMasters/handoutMaster1.xml><?xml version="1.0" encoding="utf-8"?>
@@ -13103,8 +9530,8 @@
         </p:nvSpPr>
         <p:spPr>
           <a:xfrm>
-            <a:off x="4192439" y="4495225"/>
-            <a:ext cx="7375584" cy="1122202"/>
+            <a:off x="422694" y="4495225"/>
+            <a:ext cx="11317857" cy="1122202"/>
           </a:xfrm>
         </p:spPr>
         <p:txBody>
@@ -13133,7 +9560,15 @@
             </a:r>
             <a:r>
               <a:rPr lang="en-US" dirty="0"/>
-              <a:t>ethod</a:t>
+              <a:t>ethod:</a:t>
+            </a:r>
+            <a:r>
+              <a:rPr lang="en-US" sz="2000" dirty="0"/>
+              <a:t> </a:t>
+            </a:r>
+            <a:r>
+              <a:rPr lang="en-US" sz="1850" dirty="0"/>
+              <a:t>a Verilog program verifier</a:t>
             </a:r>
           </a:p>
         </p:txBody>
@@ -13156,7 +9591,7 @@
         </p:nvSpPr>
         <p:spPr>
           <a:xfrm>
-            <a:off x="9996003" y="5617427"/>
+            <a:off x="10366941" y="5522536"/>
             <a:ext cx="1339106" cy="396660"/>
           </a:xfrm>
         </p:spPr>
@@ -13208,7 +9643,7 @@
           <p:cNvPr id="2" name="Title 1">
             <a:extLst>
               <a:ext uri="{FF2B5EF4-FFF2-40B4-BE49-F238E27FC236}">
-                <a16:creationId xmlns:a16="http://schemas.microsoft.com/office/drawing/2014/main" id="{42DD0E59-4C68-4F87-9821-23C69713D980}"/>
+                <a16:creationId xmlns:a16="http://schemas.microsoft.com/office/drawing/2014/main" id="{4F6A2D15-4D68-4BF7-9421-032AE6C8852C}"/>
               </a:ext>
             </a:extLst>
           </p:cNvPr>
@@ -13231,65 +9666,31 @@
           <a:p>
             <a:r>
               <a:rPr lang="en-US" dirty="0"/>
-              <a:t>MEET OUR TEAM  </a:t>
-            </a:r>
-          </a:p>
-        </p:txBody>
-      </p:sp>
-      <p:pic>
-        <p:nvPicPr>
-          <p:cNvPr id="357" name="Picture Placeholder 356" descr="Headshot for team slides ">
-            <a:extLst>
-              <a:ext uri="{FF2B5EF4-FFF2-40B4-BE49-F238E27FC236}">
-                <a16:creationId xmlns:a16="http://schemas.microsoft.com/office/drawing/2014/main" id="{1AA9DB68-9DD0-4157-9F94-F215A6B134C1}"/>
-              </a:ext>
-            </a:extLst>
-          </p:cNvPr>
-          <p:cNvPicPr>
-            <a:picLocks noGrp="1" noChangeAspect="1"/>
-          </p:cNvPicPr>
-          <p:nvPr>
-            <p:ph type="pic" sz="quarter" idx="14"/>
-          </p:nvPr>
-        </p:nvPicPr>
-        <p:blipFill rotWithShape="1">
-          <a:blip r:embed="rId2">
-            <a:extLst>
-              <a:ext uri="{28A0092B-C50C-407E-A947-70E740481C1C}">
-                <a14:useLocalDpi xmlns:a14="http://schemas.microsoft.com/office/drawing/2010/main" val="0"/>
-              </a:ext>
-            </a:extLst>
-          </a:blip>
-          <a:srcRect/>
-          <a:stretch/>
-        </p:blipFill>
-        <p:spPr>
-          <a:xfrm>
-            <a:off x="1877176" y="2428875"/>
-            <a:ext cx="1066800" cy="1066800"/>
-          </a:xfrm>
-        </p:spPr>
-      </p:pic>
-      <p:sp>
-        <p:nvSpPr>
-          <p:cNvPr id="3" name="Text Placeholder 2">
-            <a:extLst>
-              <a:ext uri="{FF2B5EF4-FFF2-40B4-BE49-F238E27FC236}">
-                <a16:creationId xmlns:a16="http://schemas.microsoft.com/office/drawing/2014/main" id="{25A49E2A-E51F-4DB7-B643-0BACFA4CDF33}"/>
-              </a:ext>
-            </a:extLst>
-          </p:cNvPr>
-          <p:cNvSpPr>
-            <a:spLocks noGrp="1"/>
-          </p:cNvSpPr>
-          <p:nvPr>
-            <p:ph type="body" idx="1"/>
-          </p:nvPr>
-        </p:nvSpPr>
-        <p:spPr>
-          <a:xfrm>
-            <a:off x="1500168" y="3654378"/>
-            <a:ext cx="1828800" cy="343061"/>
+              <a:t>Example: 2-Bit adder</a:t>
+            </a:r>
+          </a:p>
+        </p:txBody>
+      </p:sp>
+      <p:sp>
+        <p:nvSpPr>
+          <p:cNvPr id="24" name="Footer Placeholder 23">
+            <a:extLst>
+              <a:ext uri="{FF2B5EF4-FFF2-40B4-BE49-F238E27FC236}">
+                <a16:creationId xmlns:a16="http://schemas.microsoft.com/office/drawing/2014/main" id="{918C3C97-444D-4600-8553-B9C4C1F8483B}"/>
+              </a:ext>
+            </a:extLst>
+          </p:cNvPr>
+          <p:cNvSpPr>
+            <a:spLocks noGrp="1"/>
+          </p:cNvSpPr>
+          <p:nvPr>
+            <p:ph type="ftr" sz="quarter" idx="11"/>
+          </p:nvPr>
+        </p:nvSpPr>
+        <p:spPr>
+          <a:xfrm>
+            <a:off x="4038600" y="6356350"/>
+            <a:ext cx="4114800" cy="365125"/>
           </a:xfrm>
         </p:spPr>
         <p:txBody>
@@ -13298,783 +9699,17 @@
           <a:p>
             <a:r>
               <a:rPr lang="en-US" dirty="0"/>
-              <a:t>TAKUMA HAYASHI</a:t>
-            </a:r>
-          </a:p>
-        </p:txBody>
-      </p:sp>
-      <p:sp>
-        <p:nvSpPr>
-          <p:cNvPr id="11" name="Text Placeholder 10">
-            <a:extLst>
-              <a:ext uri="{FF2B5EF4-FFF2-40B4-BE49-F238E27FC236}">
-                <a16:creationId xmlns:a16="http://schemas.microsoft.com/office/drawing/2014/main" id="{AA8375DF-11E9-44DF-BAA3-EACBE17AF4A7}"/>
-              </a:ext>
-            </a:extLst>
-          </p:cNvPr>
-          <p:cNvSpPr>
-            <a:spLocks noGrp="1"/>
-          </p:cNvSpPr>
-          <p:nvPr>
-            <p:ph type="body" idx="21"/>
-          </p:nvPr>
-        </p:nvSpPr>
-        <p:spPr>
-          <a:xfrm>
-            <a:off x="1500168" y="3809747"/>
-            <a:ext cx="1828800" cy="343061"/>
-          </a:xfrm>
-        </p:spPr>
-        <p:txBody>
-          <a:bodyPr/>
-          <a:lstStyle/>
-          <a:p>
-            <a:r>
-              <a:rPr lang="en-US" dirty="0"/>
-              <a:t>President</a:t>
-            </a:r>
-          </a:p>
-        </p:txBody>
-      </p:sp>
-      <p:pic>
-        <p:nvPicPr>
-          <p:cNvPr id="359" name="Picture Placeholder 358" descr="Headshot for team slides ">
-            <a:extLst>
-              <a:ext uri="{FF2B5EF4-FFF2-40B4-BE49-F238E27FC236}">
-                <a16:creationId xmlns:a16="http://schemas.microsoft.com/office/drawing/2014/main" id="{32C08192-2F27-4ED3-9CEE-4C37C7DFE674}"/>
-              </a:ext>
-            </a:extLst>
-          </p:cNvPr>
-          <p:cNvPicPr>
-            <a:picLocks noGrp="1" noChangeAspect="1"/>
-          </p:cNvPicPr>
-          <p:nvPr>
-            <p:ph type="pic" sz="quarter" idx="15"/>
-          </p:nvPr>
-        </p:nvPicPr>
-        <p:blipFill rotWithShape="1">
-          <a:blip r:embed="rId3">
-            <a:extLst>
-              <a:ext uri="{28A0092B-C50C-407E-A947-70E740481C1C}">
-                <a14:useLocalDpi xmlns:a14="http://schemas.microsoft.com/office/drawing/2010/main" val="0"/>
-              </a:ext>
-            </a:extLst>
-          </a:blip>
-          <a:srcRect/>
-          <a:stretch/>
-        </p:blipFill>
-        <p:spPr>
-          <a:xfrm>
-            <a:off x="4226270" y="2428875"/>
-            <a:ext cx="1066800" cy="1066800"/>
-          </a:xfrm>
-        </p:spPr>
-      </p:pic>
-      <p:sp>
-        <p:nvSpPr>
-          <p:cNvPr id="8" name="Text Placeholder 7">
-            <a:extLst>
-              <a:ext uri="{FF2B5EF4-FFF2-40B4-BE49-F238E27FC236}">
-                <a16:creationId xmlns:a16="http://schemas.microsoft.com/office/drawing/2014/main" id="{9584E2DE-7061-44CB-A94B-5555484F9744}"/>
-              </a:ext>
-            </a:extLst>
-          </p:cNvPr>
-          <p:cNvSpPr>
-            <a:spLocks noGrp="1"/>
-          </p:cNvSpPr>
-          <p:nvPr>
-            <p:ph type="body" idx="18"/>
-          </p:nvPr>
-        </p:nvSpPr>
-        <p:spPr>
-          <a:xfrm>
-            <a:off x="3849262" y="3654378"/>
-            <a:ext cx="1828800" cy="343061"/>
-          </a:xfrm>
-        </p:spPr>
-        <p:txBody>
-          <a:bodyPr/>
-          <a:lstStyle/>
-          <a:p>
-            <a:r>
-              <a:rPr lang="en-US" dirty="0"/>
-              <a:t>MIRJAM NILSSON</a:t>
-            </a:r>
-          </a:p>
-        </p:txBody>
-      </p:sp>
-      <p:sp>
-        <p:nvSpPr>
-          <p:cNvPr id="12" name="Text Placeholder 11">
-            <a:extLst>
-              <a:ext uri="{FF2B5EF4-FFF2-40B4-BE49-F238E27FC236}">
-                <a16:creationId xmlns:a16="http://schemas.microsoft.com/office/drawing/2014/main" id="{57F11552-18E0-4565-AE6F-DE5290DF1269}"/>
-              </a:ext>
-            </a:extLst>
-          </p:cNvPr>
-          <p:cNvSpPr>
-            <a:spLocks noGrp="1"/>
-          </p:cNvSpPr>
-          <p:nvPr>
-            <p:ph type="body" idx="22"/>
-          </p:nvPr>
-        </p:nvSpPr>
-        <p:spPr>
-          <a:xfrm>
-            <a:off x="3849262" y="3809747"/>
-            <a:ext cx="1828800" cy="343061"/>
-          </a:xfrm>
-        </p:spPr>
-        <p:txBody>
-          <a:bodyPr/>
-          <a:lstStyle/>
-          <a:p>
-            <a:r>
-              <a:rPr lang="en-US" dirty="0"/>
-              <a:t>Chief Executive Officer</a:t>
-            </a:r>
-          </a:p>
-        </p:txBody>
-      </p:sp>
-      <p:pic>
-        <p:nvPicPr>
-          <p:cNvPr id="361" name="Picture Placeholder 360" descr="Headshot for team slides ">
-            <a:extLst>
-              <a:ext uri="{FF2B5EF4-FFF2-40B4-BE49-F238E27FC236}">
-                <a16:creationId xmlns:a16="http://schemas.microsoft.com/office/drawing/2014/main" id="{CA581025-9A6A-4294-8F86-E611BCEFAB15}"/>
-              </a:ext>
-            </a:extLst>
-          </p:cNvPr>
-          <p:cNvPicPr>
-            <a:picLocks noGrp="1" noChangeAspect="1"/>
-          </p:cNvPicPr>
-          <p:nvPr>
-            <p:ph type="pic" sz="quarter" idx="37"/>
-          </p:nvPr>
-        </p:nvPicPr>
-        <p:blipFill rotWithShape="1">
-          <a:blip r:embed="rId4">
-            <a:extLst>
-              <a:ext uri="{28A0092B-C50C-407E-A947-70E740481C1C}">
-                <a14:useLocalDpi xmlns:a14="http://schemas.microsoft.com/office/drawing/2010/main" val="0"/>
-              </a:ext>
-            </a:extLst>
-          </a:blip>
-          <a:srcRect/>
-          <a:stretch/>
-        </p:blipFill>
-        <p:spPr>
-          <a:xfrm>
-            <a:off x="6655584" y="2428875"/>
-            <a:ext cx="1066800" cy="1066800"/>
-          </a:xfrm>
-        </p:spPr>
-      </p:pic>
-      <p:sp>
-        <p:nvSpPr>
-          <p:cNvPr id="9" name="Text Placeholder 8">
-            <a:extLst>
-              <a:ext uri="{FF2B5EF4-FFF2-40B4-BE49-F238E27FC236}">
-                <a16:creationId xmlns:a16="http://schemas.microsoft.com/office/drawing/2014/main" id="{87AF403D-91FB-404C-9346-862EFEC3564F}"/>
-              </a:ext>
-            </a:extLst>
-          </p:cNvPr>
-          <p:cNvSpPr>
-            <a:spLocks noGrp="1"/>
-          </p:cNvSpPr>
-          <p:nvPr>
-            <p:ph type="body" idx="19"/>
-          </p:nvPr>
-        </p:nvSpPr>
-        <p:spPr>
-          <a:xfrm>
-            <a:off x="6198355" y="3654378"/>
-            <a:ext cx="2105135" cy="343061"/>
-          </a:xfrm>
-        </p:spPr>
-        <p:txBody>
-          <a:bodyPr/>
-          <a:lstStyle/>
-          <a:p>
-            <a:r>
-              <a:rPr lang="en-US" dirty="0"/>
-              <a:t>RAJESH SANTOSHI</a:t>
-            </a:r>
-          </a:p>
-        </p:txBody>
-      </p:sp>
-      <p:sp>
-        <p:nvSpPr>
-          <p:cNvPr id="13" name="Text Placeholder 12">
-            <a:extLst>
-              <a:ext uri="{FF2B5EF4-FFF2-40B4-BE49-F238E27FC236}">
-                <a16:creationId xmlns:a16="http://schemas.microsoft.com/office/drawing/2014/main" id="{92682AD9-94FA-4E64-864B-DC8F7A320D5C}"/>
-              </a:ext>
-            </a:extLst>
-          </p:cNvPr>
-          <p:cNvSpPr>
-            <a:spLocks noGrp="1"/>
-          </p:cNvSpPr>
-          <p:nvPr>
-            <p:ph type="body" idx="23"/>
-          </p:nvPr>
-        </p:nvSpPr>
-        <p:spPr>
-          <a:xfrm>
-            <a:off x="6095999" y="3809747"/>
-            <a:ext cx="2299855" cy="343061"/>
-          </a:xfrm>
-        </p:spPr>
-        <p:txBody>
-          <a:bodyPr/>
-          <a:lstStyle/>
-          <a:p>
-            <a:r>
-              <a:rPr lang="en-US" dirty="0"/>
-              <a:t>Chief Operations Officer</a:t>
-            </a:r>
-          </a:p>
-        </p:txBody>
-      </p:sp>
-      <p:pic>
-        <p:nvPicPr>
-          <p:cNvPr id="363" name="Picture Placeholder 362" descr="Headshot for team slides ">
-            <a:extLst>
-              <a:ext uri="{FF2B5EF4-FFF2-40B4-BE49-F238E27FC236}">
-                <a16:creationId xmlns:a16="http://schemas.microsoft.com/office/drawing/2014/main" id="{0AB7C4F4-0E33-47EC-A40D-D03ECD81A39B}"/>
-              </a:ext>
-            </a:extLst>
-          </p:cNvPr>
-          <p:cNvPicPr>
-            <a:picLocks noGrp="1" noChangeAspect="1"/>
-          </p:cNvPicPr>
-          <p:nvPr>
-            <p:ph type="pic" sz="quarter" idx="17"/>
-          </p:nvPr>
-        </p:nvPicPr>
-        <p:blipFill rotWithShape="1">
-          <a:blip r:embed="rId5">
-            <a:extLst>
-              <a:ext uri="{28A0092B-C50C-407E-A947-70E740481C1C}">
-                <a14:useLocalDpi xmlns:a14="http://schemas.microsoft.com/office/drawing/2010/main" val="0"/>
-              </a:ext>
-            </a:extLst>
-          </a:blip>
-          <a:srcRect/>
-          <a:stretch/>
-        </p:blipFill>
-        <p:spPr>
-          <a:xfrm>
-            <a:off x="9136814" y="2428875"/>
-            <a:ext cx="1066800" cy="1066800"/>
-          </a:xfrm>
-        </p:spPr>
-      </p:pic>
-      <p:sp>
-        <p:nvSpPr>
-          <p:cNvPr id="10" name="Text Placeholder 9">
-            <a:extLst>
-              <a:ext uri="{FF2B5EF4-FFF2-40B4-BE49-F238E27FC236}">
-                <a16:creationId xmlns:a16="http://schemas.microsoft.com/office/drawing/2014/main" id="{0EE34DCC-0789-4B21-A328-FF554B1B07BE}"/>
-              </a:ext>
-            </a:extLst>
-          </p:cNvPr>
-          <p:cNvSpPr>
-            <a:spLocks noGrp="1"/>
-          </p:cNvSpPr>
-          <p:nvPr>
-            <p:ph type="body" idx="20"/>
-          </p:nvPr>
-        </p:nvSpPr>
-        <p:spPr>
-          <a:xfrm>
-            <a:off x="8759806" y="3654378"/>
-            <a:ext cx="1828800" cy="343061"/>
-          </a:xfrm>
-        </p:spPr>
-        <p:txBody>
-          <a:bodyPr/>
-          <a:lstStyle/>
-          <a:p>
-            <a:r>
-              <a:rPr lang="en-US" dirty="0"/>
-              <a:t>RAJESH SANTOSHI</a:t>
-            </a:r>
-          </a:p>
-        </p:txBody>
-      </p:sp>
-      <p:sp>
-        <p:nvSpPr>
-          <p:cNvPr id="14" name="Text Placeholder 13">
-            <a:extLst>
-              <a:ext uri="{FF2B5EF4-FFF2-40B4-BE49-F238E27FC236}">
-                <a16:creationId xmlns:a16="http://schemas.microsoft.com/office/drawing/2014/main" id="{AE93F4CF-DD26-41DA-BA4C-2DCAC0B2F5EB}"/>
-              </a:ext>
-            </a:extLst>
-          </p:cNvPr>
-          <p:cNvSpPr>
-            <a:spLocks noGrp="1"/>
-          </p:cNvSpPr>
-          <p:nvPr>
-            <p:ph type="body" idx="24"/>
-          </p:nvPr>
-        </p:nvSpPr>
-        <p:spPr>
-          <a:xfrm>
-            <a:off x="8744480" y="3809747"/>
-            <a:ext cx="1844126" cy="343061"/>
-          </a:xfrm>
-        </p:spPr>
-        <p:txBody>
-          <a:bodyPr/>
-          <a:lstStyle/>
-          <a:p>
-            <a:r>
-              <a:rPr lang="en-US" dirty="0"/>
-              <a:t>VP Marketing</a:t>
-            </a:r>
-          </a:p>
-        </p:txBody>
-      </p:sp>
-      <p:pic>
-        <p:nvPicPr>
-          <p:cNvPr id="365" name="Picture Placeholder 364" descr="Headshot for team slides ">
-            <a:extLst>
-              <a:ext uri="{FF2B5EF4-FFF2-40B4-BE49-F238E27FC236}">
-                <a16:creationId xmlns:a16="http://schemas.microsoft.com/office/drawing/2014/main" id="{13CD5AED-E130-432E-8952-7CB3F68F3312}"/>
-              </a:ext>
-            </a:extLst>
-          </p:cNvPr>
-          <p:cNvPicPr>
-            <a:picLocks noGrp="1" noChangeAspect="1"/>
-          </p:cNvPicPr>
-          <p:nvPr>
-            <p:ph type="pic" sz="quarter" idx="26"/>
-          </p:nvPr>
-        </p:nvPicPr>
-        <p:blipFill rotWithShape="1">
-          <a:blip r:embed="rId6">
-            <a:extLst>
-              <a:ext uri="{28A0092B-C50C-407E-A947-70E740481C1C}">
-                <a14:useLocalDpi xmlns:a14="http://schemas.microsoft.com/office/drawing/2010/main" val="0"/>
-              </a:ext>
-            </a:extLst>
-          </a:blip>
-          <a:srcRect/>
-          <a:stretch/>
-        </p:blipFill>
-        <p:spPr>
-          <a:xfrm>
-            <a:off x="1877176" y="4287711"/>
-            <a:ext cx="1066800" cy="1066800"/>
-          </a:xfrm>
-        </p:spPr>
-      </p:pic>
-      <p:sp>
-        <p:nvSpPr>
-          <p:cNvPr id="36" name="Text Placeholder 35">
-            <a:extLst>
-              <a:ext uri="{FF2B5EF4-FFF2-40B4-BE49-F238E27FC236}">
-                <a16:creationId xmlns:a16="http://schemas.microsoft.com/office/drawing/2014/main" id="{9935192B-6592-4598-9D51-CFDF6F0A854F}"/>
-              </a:ext>
-            </a:extLst>
-          </p:cNvPr>
-          <p:cNvSpPr>
-            <a:spLocks noGrp="1"/>
-          </p:cNvSpPr>
-          <p:nvPr>
-            <p:ph type="body" idx="25"/>
-          </p:nvPr>
-        </p:nvSpPr>
-        <p:spPr>
-          <a:xfrm>
-            <a:off x="1500168" y="5513214"/>
-            <a:ext cx="1828800" cy="343061"/>
-          </a:xfrm>
-        </p:spPr>
-        <p:txBody>
-          <a:bodyPr/>
-          <a:lstStyle/>
-          <a:p>
-            <a:r>
-              <a:rPr lang="en-US" dirty="0"/>
-              <a:t>GRAHAM BARNES</a:t>
-            </a:r>
-          </a:p>
-        </p:txBody>
-      </p:sp>
-      <p:sp>
-        <p:nvSpPr>
-          <p:cNvPr id="44" name="Text Placeholder 43">
-            <a:extLst>
-              <a:ext uri="{FF2B5EF4-FFF2-40B4-BE49-F238E27FC236}">
-                <a16:creationId xmlns:a16="http://schemas.microsoft.com/office/drawing/2014/main" id="{F759A1DD-45A5-4764-8966-C107C4C4832C}"/>
-              </a:ext>
-            </a:extLst>
-          </p:cNvPr>
-          <p:cNvSpPr>
-            <a:spLocks noGrp="1"/>
-          </p:cNvSpPr>
-          <p:nvPr>
-            <p:ph type="body" idx="33"/>
-          </p:nvPr>
-        </p:nvSpPr>
-        <p:spPr>
-          <a:xfrm>
-            <a:off x="1500168" y="5668583"/>
-            <a:ext cx="1828800" cy="343061"/>
-          </a:xfrm>
-        </p:spPr>
-        <p:txBody>
-          <a:bodyPr/>
-          <a:lstStyle/>
-          <a:p>
-            <a:r>
-              <a:rPr lang="en-US" dirty="0"/>
-              <a:t>VP Product</a:t>
-            </a:r>
-          </a:p>
-        </p:txBody>
-      </p:sp>
-      <p:pic>
-        <p:nvPicPr>
-          <p:cNvPr id="367" name="Picture Placeholder 366" descr="Headshot for team slides ">
-            <a:extLst>
-              <a:ext uri="{FF2B5EF4-FFF2-40B4-BE49-F238E27FC236}">
-                <a16:creationId xmlns:a16="http://schemas.microsoft.com/office/drawing/2014/main" id="{73D462EE-3D1E-4964-B729-2B963BD87288}"/>
-              </a:ext>
-            </a:extLst>
-          </p:cNvPr>
-          <p:cNvPicPr>
-            <a:picLocks noGrp="1" noChangeAspect="1"/>
-          </p:cNvPicPr>
-          <p:nvPr>
-            <p:ph type="pic" sz="quarter" idx="27"/>
-          </p:nvPr>
-        </p:nvPicPr>
-        <p:blipFill rotWithShape="1">
-          <a:blip r:embed="rId7">
-            <a:extLst>
-              <a:ext uri="{28A0092B-C50C-407E-A947-70E740481C1C}">
-                <a14:useLocalDpi xmlns:a14="http://schemas.microsoft.com/office/drawing/2010/main" val="0"/>
-              </a:ext>
-            </a:extLst>
-          </a:blip>
-          <a:srcRect/>
-          <a:stretch/>
-        </p:blipFill>
-        <p:spPr>
-          <a:xfrm>
-            <a:off x="4226270" y="4287711"/>
-            <a:ext cx="1066800" cy="1066800"/>
-          </a:xfrm>
-        </p:spPr>
-      </p:pic>
-      <p:sp>
-        <p:nvSpPr>
-          <p:cNvPr id="41" name="Text Placeholder 40">
-            <a:extLst>
-              <a:ext uri="{FF2B5EF4-FFF2-40B4-BE49-F238E27FC236}">
-                <a16:creationId xmlns:a16="http://schemas.microsoft.com/office/drawing/2014/main" id="{6B09ED3A-8EC7-42CA-B68B-1377E5460E75}"/>
-              </a:ext>
-            </a:extLst>
-          </p:cNvPr>
-          <p:cNvSpPr>
-            <a:spLocks noGrp="1"/>
-          </p:cNvSpPr>
-          <p:nvPr>
-            <p:ph type="body" idx="30"/>
-          </p:nvPr>
-        </p:nvSpPr>
-        <p:spPr>
-          <a:xfrm>
-            <a:off x="3849262" y="5513214"/>
-            <a:ext cx="1828800" cy="343061"/>
-          </a:xfrm>
-        </p:spPr>
-        <p:txBody>
-          <a:bodyPr/>
-          <a:lstStyle/>
-          <a:p>
-            <a:r>
-              <a:rPr lang="en-US" dirty="0"/>
-              <a:t>ROWAN MURPHY</a:t>
-            </a:r>
-          </a:p>
-        </p:txBody>
-      </p:sp>
-      <p:sp>
-        <p:nvSpPr>
-          <p:cNvPr id="45" name="Text Placeholder 44">
-            <a:extLst>
-              <a:ext uri="{FF2B5EF4-FFF2-40B4-BE49-F238E27FC236}">
-                <a16:creationId xmlns:a16="http://schemas.microsoft.com/office/drawing/2014/main" id="{021B5FEC-BECF-4604-A9AB-1C9E810794F6}"/>
-              </a:ext>
-            </a:extLst>
-          </p:cNvPr>
-          <p:cNvSpPr>
-            <a:spLocks noGrp="1"/>
-          </p:cNvSpPr>
-          <p:nvPr>
-            <p:ph type="body" idx="34"/>
-          </p:nvPr>
-        </p:nvSpPr>
-        <p:spPr>
-          <a:xfrm>
-            <a:off x="3849262" y="5668583"/>
-            <a:ext cx="1828800" cy="343061"/>
-          </a:xfrm>
-        </p:spPr>
-        <p:txBody>
-          <a:bodyPr/>
-          <a:lstStyle/>
-          <a:p>
-            <a:r>
-              <a:rPr lang="en-US" dirty="0"/>
-              <a:t>SEO Strategist</a:t>
-            </a:r>
-          </a:p>
-        </p:txBody>
-      </p:sp>
-      <p:pic>
-        <p:nvPicPr>
-          <p:cNvPr id="369" name="Picture Placeholder 368" descr="Headshot for team slides ">
-            <a:extLst>
-              <a:ext uri="{FF2B5EF4-FFF2-40B4-BE49-F238E27FC236}">
-                <a16:creationId xmlns:a16="http://schemas.microsoft.com/office/drawing/2014/main" id="{3DD82FDB-1001-45E1-AA54-7904FCC108DE}"/>
-              </a:ext>
-            </a:extLst>
-          </p:cNvPr>
-          <p:cNvPicPr>
-            <a:picLocks noGrp="1" noChangeAspect="1"/>
-          </p:cNvPicPr>
-          <p:nvPr>
-            <p:ph type="pic" sz="quarter" idx="38"/>
-          </p:nvPr>
-        </p:nvPicPr>
-        <p:blipFill rotWithShape="1">
-          <a:blip r:embed="rId8">
-            <a:extLst>
-              <a:ext uri="{28A0092B-C50C-407E-A947-70E740481C1C}">
-                <a14:useLocalDpi xmlns:a14="http://schemas.microsoft.com/office/drawing/2010/main" val="0"/>
-              </a:ext>
-            </a:extLst>
-          </a:blip>
-          <a:srcRect/>
-          <a:stretch/>
-        </p:blipFill>
-        <p:spPr>
-          <a:xfrm>
-            <a:off x="6655584" y="4287711"/>
-            <a:ext cx="1066800" cy="1066800"/>
-          </a:xfrm>
-        </p:spPr>
-      </p:pic>
-      <p:sp>
-        <p:nvSpPr>
-          <p:cNvPr id="42" name="Text Placeholder 41">
-            <a:extLst>
-              <a:ext uri="{FF2B5EF4-FFF2-40B4-BE49-F238E27FC236}">
-                <a16:creationId xmlns:a16="http://schemas.microsoft.com/office/drawing/2014/main" id="{3E07A9F3-763B-41EA-AC65-8EDB2CA31B8A}"/>
-              </a:ext>
-            </a:extLst>
-          </p:cNvPr>
-          <p:cNvSpPr>
-            <a:spLocks noGrp="1"/>
-          </p:cNvSpPr>
-          <p:nvPr>
-            <p:ph type="body" idx="31"/>
-          </p:nvPr>
-        </p:nvSpPr>
-        <p:spPr>
-          <a:xfrm>
-            <a:off x="6339926" y="5513214"/>
-            <a:ext cx="1828800" cy="343061"/>
-          </a:xfrm>
-        </p:spPr>
-        <p:txBody>
-          <a:bodyPr/>
-          <a:lstStyle/>
-          <a:p>
-            <a:r>
-              <a:rPr lang="en-US" dirty="0"/>
-              <a:t>ELIZABETH MOORE</a:t>
-            </a:r>
-          </a:p>
-        </p:txBody>
-      </p:sp>
-      <p:sp>
-        <p:nvSpPr>
-          <p:cNvPr id="46" name="Text Placeholder 45">
-            <a:extLst>
-              <a:ext uri="{FF2B5EF4-FFF2-40B4-BE49-F238E27FC236}">
-                <a16:creationId xmlns:a16="http://schemas.microsoft.com/office/drawing/2014/main" id="{53A42804-1F4C-424E-9CB4-D1CD97B11CDE}"/>
-              </a:ext>
-            </a:extLst>
-          </p:cNvPr>
-          <p:cNvSpPr>
-            <a:spLocks noGrp="1"/>
-          </p:cNvSpPr>
-          <p:nvPr>
-            <p:ph type="body" idx="35"/>
-          </p:nvPr>
-        </p:nvSpPr>
-        <p:spPr>
-          <a:xfrm>
-            <a:off x="6339926" y="5668583"/>
-            <a:ext cx="1813474" cy="343061"/>
-          </a:xfrm>
-        </p:spPr>
-        <p:txBody>
-          <a:bodyPr/>
-          <a:lstStyle/>
-          <a:p>
-            <a:r>
-              <a:rPr lang="en-US" dirty="0"/>
-              <a:t>Product Designer</a:t>
-            </a:r>
-          </a:p>
-        </p:txBody>
-      </p:sp>
-      <p:pic>
-        <p:nvPicPr>
-          <p:cNvPr id="371" name="Picture Placeholder 370" descr="Headshot for team slides ">
-            <a:extLst>
-              <a:ext uri="{FF2B5EF4-FFF2-40B4-BE49-F238E27FC236}">
-                <a16:creationId xmlns:a16="http://schemas.microsoft.com/office/drawing/2014/main" id="{5DC64598-F871-46A7-9338-8EB7BF26BEB6}"/>
-              </a:ext>
-            </a:extLst>
-          </p:cNvPr>
-          <p:cNvPicPr>
-            <a:picLocks noGrp="1" noChangeAspect="1"/>
-          </p:cNvPicPr>
-          <p:nvPr>
-            <p:ph type="pic" sz="quarter" idx="29"/>
-          </p:nvPr>
-        </p:nvPicPr>
-        <p:blipFill rotWithShape="1">
-          <a:blip r:embed="rId9">
-            <a:extLst>
-              <a:ext uri="{28A0092B-C50C-407E-A947-70E740481C1C}">
-                <a14:useLocalDpi xmlns:a14="http://schemas.microsoft.com/office/drawing/2010/main" val="0"/>
-              </a:ext>
-            </a:extLst>
-          </a:blip>
-          <a:srcRect/>
-          <a:stretch/>
-        </p:blipFill>
-        <p:spPr>
-          <a:xfrm>
-            <a:off x="9136814" y="4287711"/>
-            <a:ext cx="1066800" cy="1066800"/>
-          </a:xfrm>
-        </p:spPr>
-      </p:pic>
-      <p:sp>
-        <p:nvSpPr>
-          <p:cNvPr id="43" name="Text Placeholder 42">
-            <a:extLst>
-              <a:ext uri="{FF2B5EF4-FFF2-40B4-BE49-F238E27FC236}">
-                <a16:creationId xmlns:a16="http://schemas.microsoft.com/office/drawing/2014/main" id="{7E484450-BE48-4C65-AEE1-5650AAC06067}"/>
-              </a:ext>
-            </a:extLst>
-          </p:cNvPr>
-          <p:cNvSpPr>
-            <a:spLocks noGrp="1"/>
-          </p:cNvSpPr>
-          <p:nvPr>
-            <p:ph type="body" idx="32"/>
-          </p:nvPr>
-        </p:nvSpPr>
-        <p:spPr>
-          <a:xfrm>
-            <a:off x="8759806" y="5513214"/>
-            <a:ext cx="1828800" cy="343061"/>
-          </a:xfrm>
-        </p:spPr>
-        <p:txBody>
-          <a:bodyPr/>
-          <a:lstStyle/>
-          <a:p>
-            <a:r>
-              <a:rPr lang="en-US" dirty="0"/>
-              <a:t>ROBIN KLINE</a:t>
-            </a:r>
-          </a:p>
-        </p:txBody>
-      </p:sp>
-      <p:sp>
-        <p:nvSpPr>
-          <p:cNvPr id="47" name="Text Placeholder 46">
-            <a:extLst>
-              <a:ext uri="{FF2B5EF4-FFF2-40B4-BE49-F238E27FC236}">
-                <a16:creationId xmlns:a16="http://schemas.microsoft.com/office/drawing/2014/main" id="{8D8B5AD3-AE51-4D7A-AE7B-E9C350D0879B}"/>
-              </a:ext>
-            </a:extLst>
-          </p:cNvPr>
-          <p:cNvSpPr>
-            <a:spLocks noGrp="1"/>
-          </p:cNvSpPr>
-          <p:nvPr>
-            <p:ph type="body" idx="36"/>
-          </p:nvPr>
-        </p:nvSpPr>
-        <p:spPr>
-          <a:xfrm>
-            <a:off x="8744480" y="5668583"/>
-            <a:ext cx="1844126" cy="343061"/>
-          </a:xfrm>
-        </p:spPr>
-        <p:txBody>
-          <a:bodyPr/>
-          <a:lstStyle/>
-          <a:p>
-            <a:r>
-              <a:rPr lang="en-US" dirty="0"/>
-              <a:t>Content Developer</a:t>
-            </a:r>
-          </a:p>
-        </p:txBody>
-      </p:sp>
-      <p:sp>
-        <p:nvSpPr>
-          <p:cNvPr id="57" name="Footer Placeholder 56">
-            <a:extLst>
-              <a:ext uri="{FF2B5EF4-FFF2-40B4-BE49-F238E27FC236}">
-                <a16:creationId xmlns:a16="http://schemas.microsoft.com/office/drawing/2014/main" id="{3A38BE84-957B-46B9-A315-4B5064DFF1A1}"/>
-              </a:ext>
-            </a:extLst>
-          </p:cNvPr>
-          <p:cNvSpPr>
-            <a:spLocks noGrp="1"/>
-          </p:cNvSpPr>
-          <p:nvPr>
-            <p:ph type="ftr" sz="quarter" idx="11"/>
-          </p:nvPr>
-        </p:nvSpPr>
-        <p:spPr>
-          <a:xfrm>
-            <a:off x="4038600" y="6356350"/>
-            <a:ext cx="4114800" cy="365125"/>
-          </a:xfrm>
-        </p:spPr>
-        <p:txBody>
-          <a:bodyPr/>
-          <a:lstStyle/>
-          <a:p>
-            <a:r>
-              <a:rPr lang="en-US" dirty="0"/>
-              <a:t>PRESENTATION TITLE</a:t>
-            </a:r>
-          </a:p>
-        </p:txBody>
-      </p:sp>
-      <p:sp>
-        <p:nvSpPr>
-          <p:cNvPr id="58" name="Slide Number Placeholder 57">
-            <a:extLst>
-              <a:ext uri="{FF2B5EF4-FFF2-40B4-BE49-F238E27FC236}">
-                <a16:creationId xmlns:a16="http://schemas.microsoft.com/office/drawing/2014/main" id="{E1900601-8B04-4FF3-B06F-6BEFAC6556D3}"/>
+              <a:t>UFM: Unusually Formal Method</a:t>
+            </a:r>
+          </a:p>
+        </p:txBody>
+      </p:sp>
+      <p:sp>
+        <p:nvSpPr>
+          <p:cNvPr id="25" name="Slide Number Placeholder 24">
+            <a:extLst>
+              <a:ext uri="{FF2B5EF4-FFF2-40B4-BE49-F238E27FC236}">
+                <a16:creationId xmlns:a16="http://schemas.microsoft.com/office/drawing/2014/main" id="{148E9129-4CC6-47BA-ACD8-2C632A8660EC}"/>
               </a:ext>
             </a:extLst>
           </p:cNvPr>
@@ -14104,10 +9739,70 @@
           </a:p>
         </p:txBody>
       </p:sp>
+      <p:pic>
+        <p:nvPicPr>
+          <p:cNvPr id="5" name="Picture 4">
+            <a:extLst>
+              <a:ext uri="{FF2B5EF4-FFF2-40B4-BE49-F238E27FC236}">
+                <a16:creationId xmlns:a16="http://schemas.microsoft.com/office/drawing/2014/main" id="{BC8CF25B-B012-86AC-DB2B-56025E8845B7}"/>
+              </a:ext>
+            </a:extLst>
+          </p:cNvPr>
+          <p:cNvPicPr>
+            <a:picLocks noChangeAspect="1"/>
+          </p:cNvPicPr>
+          <p:nvPr/>
+        </p:nvPicPr>
+        <p:blipFill>
+          <a:blip r:embed="rId2"/>
+          <a:stretch>
+            <a:fillRect/>
+          </a:stretch>
+        </p:blipFill>
+        <p:spPr>
+          <a:xfrm>
+            <a:off x="674771" y="2324567"/>
+            <a:ext cx="4579478" cy="2653832"/>
+          </a:xfrm>
+          <a:prstGeom prst="rect">
+            <a:avLst/>
+          </a:prstGeom>
+        </p:spPr>
+      </p:pic>
+      <p:pic>
+        <p:nvPicPr>
+          <p:cNvPr id="7" name="Picture 6">
+            <a:extLst>
+              <a:ext uri="{FF2B5EF4-FFF2-40B4-BE49-F238E27FC236}">
+                <a16:creationId xmlns:a16="http://schemas.microsoft.com/office/drawing/2014/main" id="{7B68A81D-591D-86BD-5D93-06059DAC1CA6}"/>
+              </a:ext>
+            </a:extLst>
+          </p:cNvPr>
+          <p:cNvPicPr>
+            <a:picLocks noChangeAspect="1"/>
+          </p:cNvPicPr>
+          <p:nvPr/>
+        </p:nvPicPr>
+        <p:blipFill>
+          <a:blip r:embed="rId3"/>
+          <a:stretch>
+            <a:fillRect/>
+          </a:stretch>
+        </p:blipFill>
+        <p:spPr>
+          <a:xfrm>
+            <a:off x="7294236" y="2071666"/>
+            <a:ext cx="3091813" cy="3842031"/>
+          </a:xfrm>
+          <a:prstGeom prst="rect">
+            <a:avLst/>
+          </a:prstGeom>
+        </p:spPr>
+      </p:pic>
     </p:spTree>
     <p:extLst>
       <p:ext uri="{BB962C8B-B14F-4D97-AF65-F5344CB8AC3E}">
-        <p14:creationId xmlns:p14="http://schemas.microsoft.com/office/powerpoint/2010/main" val="4055079983"/>
+        <p14:creationId xmlns:p14="http://schemas.microsoft.com/office/powerpoint/2010/main" val="50301944"/>
       </p:ext>
     </p:extLst>
   </p:cSld>
@@ -14136,10 +9831,10 @@
       </p:grpSpPr>
       <p:sp>
         <p:nvSpPr>
-          <p:cNvPr id="3" name="Title 2">
-            <a:extLst>
-              <a:ext uri="{FF2B5EF4-FFF2-40B4-BE49-F238E27FC236}">
-                <a16:creationId xmlns:a16="http://schemas.microsoft.com/office/drawing/2014/main" id="{77762301-F83A-4BEA-9D11-E6C99FB574A8}"/>
+          <p:cNvPr id="2" name="Title 1">
+            <a:extLst>
+              <a:ext uri="{FF2B5EF4-FFF2-40B4-BE49-F238E27FC236}">
+                <a16:creationId xmlns:a16="http://schemas.microsoft.com/office/drawing/2014/main" id="{4F6A2D15-4D68-4BF7-9421-032AE6C8852C}"/>
               </a:ext>
             </a:extLst>
           </p:cNvPr>
@@ -14152,8 +9847,8 @@
         </p:nvSpPr>
         <p:spPr>
           <a:xfrm>
-            <a:off x="838200" y="365125"/>
-            <a:ext cx="10515600" cy="1325563"/>
+            <a:off x="1885156" y="892177"/>
+            <a:ext cx="8421688" cy="1325563"/>
           </a:xfrm>
         </p:spPr>
         <p:txBody>
@@ -14162,48 +9857,17 @@
           <a:p>
             <a:r>
               <a:rPr lang="en-US" dirty="0"/>
-              <a:t>PLAN FOR PRODUCT LAUNCH</a:t>
-            </a:r>
-          </a:p>
-        </p:txBody>
-      </p:sp>
-      <p:graphicFrame>
-        <p:nvGraphicFramePr>
-          <p:cNvPr id="33" name="Content Placeholder 3" descr="Timeline Placeholder ">
-            <a:extLst>
-              <a:ext uri="{FF2B5EF4-FFF2-40B4-BE49-F238E27FC236}">
-                <a16:creationId xmlns:a16="http://schemas.microsoft.com/office/drawing/2014/main" id="{7BC1F95D-CCD2-421B-B06B-706699FAAD5D}"/>
-              </a:ext>
-            </a:extLst>
-          </p:cNvPr>
-          <p:cNvGraphicFramePr>
-            <a:graphicFrameLocks noGrp="1"/>
-          </p:cNvGraphicFramePr>
-          <p:nvPr>
-            <p:ph type="dgm" sz="quarter" idx="15"/>
-            <p:extLst>
-              <p:ext uri="{D42A27DB-BD31-4B8C-83A1-F6EECF244321}">
-                <p14:modId xmlns:p14="http://schemas.microsoft.com/office/powerpoint/2010/main" val="1178117526"/>
-              </p:ext>
-            </p:extLst>
-          </p:nvPr>
-        </p:nvGraphicFramePr>
-        <p:xfrm>
-          <a:off x="838200" y="2111375"/>
-          <a:ext cx="10515600" cy="3744913"/>
-        </p:xfrm>
-        <a:graphic>
-          <a:graphicData uri="http://schemas.openxmlformats.org/drawingml/2006/diagram">
-            <dgm:relIds xmlns:dgm="http://schemas.openxmlformats.org/drawingml/2006/diagram" xmlns:r="http://schemas.openxmlformats.org/officeDocument/2006/relationships" r:dm="rId2" r:lo="rId3" r:qs="rId4" r:cs="rId5"/>
-          </a:graphicData>
-        </a:graphic>
-      </p:graphicFrame>
-      <p:sp>
-        <p:nvSpPr>
-          <p:cNvPr id="7" name="Footer Placeholder 6">
-            <a:extLst>
-              <a:ext uri="{FF2B5EF4-FFF2-40B4-BE49-F238E27FC236}">
-                <a16:creationId xmlns:a16="http://schemas.microsoft.com/office/drawing/2014/main" id="{4E98E6AD-9D37-499C-898E-ED12AC36D31D}"/>
+              <a:t>Example: 2-Bit adder</a:t>
+            </a:r>
+          </a:p>
+        </p:txBody>
+      </p:sp>
+      <p:sp>
+        <p:nvSpPr>
+          <p:cNvPr id="24" name="Footer Placeholder 23">
+            <a:extLst>
+              <a:ext uri="{FF2B5EF4-FFF2-40B4-BE49-F238E27FC236}">
+                <a16:creationId xmlns:a16="http://schemas.microsoft.com/office/drawing/2014/main" id="{918C3C97-444D-4600-8553-B9C4C1F8483B}"/>
               </a:ext>
             </a:extLst>
           </p:cNvPr>
@@ -14226,17 +9890,17 @@
           <a:p>
             <a:r>
               <a:rPr lang="en-US" dirty="0"/>
-              <a:t>PRESENTATION TITLE</a:t>
-            </a:r>
-          </a:p>
-        </p:txBody>
-      </p:sp>
-      <p:sp>
-        <p:nvSpPr>
-          <p:cNvPr id="8" name="Slide Number Placeholder 7">
-            <a:extLst>
-              <a:ext uri="{FF2B5EF4-FFF2-40B4-BE49-F238E27FC236}">
-                <a16:creationId xmlns:a16="http://schemas.microsoft.com/office/drawing/2014/main" id="{92908AF9-2A07-4B50-BC13-471792106EC8}"/>
+              <a:t>UFM: Unusually Formal Method</a:t>
+            </a:r>
+          </a:p>
+        </p:txBody>
+      </p:sp>
+      <p:sp>
+        <p:nvSpPr>
+          <p:cNvPr id="25" name="Slide Number Placeholder 24">
+            <a:extLst>
+              <a:ext uri="{FF2B5EF4-FFF2-40B4-BE49-F238E27FC236}">
+                <a16:creationId xmlns:a16="http://schemas.microsoft.com/office/drawing/2014/main" id="{148E9129-4CC6-47BA-ACD8-2C632A8660EC}"/>
               </a:ext>
             </a:extLst>
           </p:cNvPr>
@@ -14266,10 +9930,251 @@
           </a:p>
         </p:txBody>
       </p:sp>
+      <p:pic>
+        <p:nvPicPr>
+          <p:cNvPr id="4" name="Picture 3">
+            <a:extLst>
+              <a:ext uri="{FF2B5EF4-FFF2-40B4-BE49-F238E27FC236}">
+                <a16:creationId xmlns:a16="http://schemas.microsoft.com/office/drawing/2014/main" id="{83F81B06-9016-9E00-7E36-3E7E2A17A433}"/>
+              </a:ext>
+            </a:extLst>
+          </p:cNvPr>
+          <p:cNvPicPr>
+            <a:picLocks noChangeAspect="1"/>
+          </p:cNvPicPr>
+          <p:nvPr/>
+        </p:nvPicPr>
+        <p:blipFill>
+          <a:blip r:embed="rId2"/>
+          <a:stretch>
+            <a:fillRect/>
+          </a:stretch>
+        </p:blipFill>
+        <p:spPr>
+          <a:xfrm>
+            <a:off x="232569" y="2596115"/>
+            <a:ext cx="3861451" cy="2098614"/>
+          </a:xfrm>
+          <a:prstGeom prst="rect">
+            <a:avLst/>
+          </a:prstGeom>
+        </p:spPr>
+      </p:pic>
+      <p:sp>
+        <p:nvSpPr>
+          <p:cNvPr id="6" name="Arrow: Right 5">
+            <a:extLst>
+              <a:ext uri="{FF2B5EF4-FFF2-40B4-BE49-F238E27FC236}">
+                <a16:creationId xmlns:a16="http://schemas.microsoft.com/office/drawing/2014/main" id="{73D4C4D6-A69A-3885-B55E-6697A63B3B90}"/>
+              </a:ext>
+            </a:extLst>
+          </p:cNvPr>
+          <p:cNvSpPr/>
+          <p:nvPr/>
+        </p:nvSpPr>
+        <p:spPr>
+          <a:xfrm>
+            <a:off x="4094020" y="3429000"/>
+            <a:ext cx="1235364" cy="519545"/>
+          </a:xfrm>
+          <a:prstGeom prst="rightArrow">
+            <a:avLst/>
+          </a:prstGeom>
+          <a:solidFill>
+            <a:schemeClr val="accent3">
+              <a:lumMod val="60000"/>
+              <a:lumOff val="40000"/>
+            </a:schemeClr>
+          </a:solidFill>
+        </p:spPr>
+        <p:style>
+          <a:lnRef idx="2">
+            <a:schemeClr val="accent2">
+              <a:shade val="15000"/>
+            </a:schemeClr>
+          </a:lnRef>
+          <a:fillRef idx="1">
+            <a:schemeClr val="accent2"/>
+          </a:fillRef>
+          <a:effectRef idx="0">
+            <a:schemeClr val="accent2"/>
+          </a:effectRef>
+          <a:fontRef idx="minor">
+            <a:schemeClr val="lt1"/>
+          </a:fontRef>
+        </p:style>
+        <p:txBody>
+          <a:bodyPr rtlCol="0" anchor="ctr"/>
+          <a:lstStyle/>
+          <a:p>
+            <a:pPr algn="ctr"/>
+            <a:endParaRPr lang="en-US" dirty="0"/>
+          </a:p>
+        </p:txBody>
+      </p:sp>
+      <p:pic>
+        <p:nvPicPr>
+          <p:cNvPr id="8" name="Picture 7">
+            <a:extLst>
+              <a:ext uri="{FF2B5EF4-FFF2-40B4-BE49-F238E27FC236}">
+                <a16:creationId xmlns:a16="http://schemas.microsoft.com/office/drawing/2014/main" id="{C125B717-6892-6A4F-3E3C-0618E1226558}"/>
+              </a:ext>
+            </a:extLst>
+          </p:cNvPr>
+          <p:cNvPicPr>
+            <a:picLocks noChangeAspect="1"/>
+          </p:cNvPicPr>
+          <p:nvPr/>
+        </p:nvPicPr>
+        <p:blipFill>
+          <a:blip r:embed="rId3"/>
+          <a:stretch>
+            <a:fillRect/>
+          </a:stretch>
+        </p:blipFill>
+        <p:spPr>
+          <a:xfrm>
+            <a:off x="5329384" y="1788191"/>
+            <a:ext cx="3091813" cy="3842031"/>
+          </a:xfrm>
+          <a:prstGeom prst="rect">
+            <a:avLst/>
+          </a:prstGeom>
+        </p:spPr>
+      </p:pic>
+      <p:sp>
+        <p:nvSpPr>
+          <p:cNvPr id="9" name="Arrow: Right 8">
+            <a:extLst>
+              <a:ext uri="{FF2B5EF4-FFF2-40B4-BE49-F238E27FC236}">
+                <a16:creationId xmlns:a16="http://schemas.microsoft.com/office/drawing/2014/main" id="{39A11108-F7BE-25B6-FD5B-09D6F5564363}"/>
+              </a:ext>
+            </a:extLst>
+          </p:cNvPr>
+          <p:cNvSpPr/>
+          <p:nvPr/>
+        </p:nvSpPr>
+        <p:spPr>
+          <a:xfrm>
+            <a:off x="8421197" y="3449433"/>
+            <a:ext cx="1235364" cy="519545"/>
+          </a:xfrm>
+          <a:prstGeom prst="rightArrow">
+            <a:avLst/>
+          </a:prstGeom>
+          <a:solidFill>
+            <a:schemeClr val="accent3">
+              <a:lumMod val="60000"/>
+              <a:lumOff val="40000"/>
+            </a:schemeClr>
+          </a:solidFill>
+        </p:spPr>
+        <p:style>
+          <a:lnRef idx="2">
+            <a:schemeClr val="accent2">
+              <a:shade val="15000"/>
+            </a:schemeClr>
+          </a:lnRef>
+          <a:fillRef idx="1">
+            <a:schemeClr val="accent2"/>
+          </a:fillRef>
+          <a:effectRef idx="0">
+            <a:schemeClr val="accent2"/>
+          </a:effectRef>
+          <a:fontRef idx="minor">
+            <a:schemeClr val="lt1"/>
+          </a:fontRef>
+        </p:style>
+        <p:txBody>
+          <a:bodyPr rtlCol="0" anchor="ctr"/>
+          <a:lstStyle/>
+          <a:p>
+            <a:pPr algn="ctr"/>
+            <a:endParaRPr lang="en-US" dirty="0"/>
+          </a:p>
+        </p:txBody>
+      </p:sp>
+      <p:pic>
+        <p:nvPicPr>
+          <p:cNvPr id="13" name="Picture 12">
+            <a:extLst>
+              <a:ext uri="{FF2B5EF4-FFF2-40B4-BE49-F238E27FC236}">
+                <a16:creationId xmlns:a16="http://schemas.microsoft.com/office/drawing/2014/main" id="{ECE748F5-0825-6870-944F-303410B67193}"/>
+              </a:ext>
+            </a:extLst>
+          </p:cNvPr>
+          <p:cNvPicPr>
+            <a:picLocks noChangeAspect="1"/>
+          </p:cNvPicPr>
+          <p:nvPr/>
+        </p:nvPicPr>
+        <p:blipFill>
+          <a:blip r:embed="rId4"/>
+          <a:stretch>
+            <a:fillRect/>
+          </a:stretch>
+        </p:blipFill>
+        <p:spPr>
+          <a:xfrm>
+            <a:off x="9656561" y="3428999"/>
+            <a:ext cx="2357931" cy="519545"/>
+          </a:xfrm>
+          <a:prstGeom prst="rect">
+            <a:avLst/>
+          </a:prstGeom>
+        </p:spPr>
+      </p:pic>
+      <p:pic>
+        <p:nvPicPr>
+          <p:cNvPr id="2050" name="Picture 2">
+            <a:extLst>
+              <a:ext uri="{FF2B5EF4-FFF2-40B4-BE49-F238E27FC236}">
+                <a16:creationId xmlns:a16="http://schemas.microsoft.com/office/drawing/2014/main" id="{BB1AAEF9-BD0A-8191-C146-FB693FF6A60A}"/>
+              </a:ext>
+            </a:extLst>
+          </p:cNvPr>
+          <p:cNvPicPr>
+            <a:picLocks noChangeAspect="1" noChangeArrowheads="1"/>
+          </p:cNvPicPr>
+          <p:nvPr/>
+        </p:nvPicPr>
+        <p:blipFill>
+          <a:blip r:embed="rId5">
+            <a:extLst>
+              <a:ext uri="{28A0092B-C50C-407E-A947-70E740481C1C}">
+                <a14:useLocalDpi xmlns:a14="http://schemas.microsoft.com/office/drawing/2010/main" val="0"/>
+              </a:ext>
+            </a:extLst>
+          </a:blip>
+          <a:srcRect/>
+          <a:stretch>
+            <a:fillRect/>
+          </a:stretch>
+        </p:blipFill>
+        <p:spPr bwMode="auto">
+          <a:xfrm>
+            <a:off x="9834418" y="1568220"/>
+            <a:ext cx="1840345" cy="1840345"/>
+          </a:xfrm>
+          <a:prstGeom prst="rect">
+            <a:avLst/>
+          </a:prstGeom>
+          <a:noFill/>
+          <a:extLst>
+            <a:ext uri="{909E8E84-426E-40DD-AFC4-6F175D3DCCD1}">
+              <a14:hiddenFill xmlns:a14="http://schemas.microsoft.com/office/drawing/2010/main">
+                <a:solidFill>
+                  <a:srgbClr val="FFFFFF"/>
+                </a:solidFill>
+              </a14:hiddenFill>
+            </a:ext>
+          </a:extLst>
+        </p:spPr>
+      </p:pic>
     </p:spTree>
     <p:extLst>
       <p:ext uri="{BB962C8B-B14F-4D97-AF65-F5344CB8AC3E}">
-        <p14:creationId xmlns:p14="http://schemas.microsoft.com/office/powerpoint/2010/main" val="2896385493"/>
+        <p14:creationId xmlns:p14="http://schemas.microsoft.com/office/powerpoint/2010/main" val="4049921646"/>
       </p:ext>
     </p:extLst>
   </p:cSld>
@@ -14301,7 +10206,7 @@
           <p:cNvPr id="2" name="Title 1">
             <a:extLst>
               <a:ext uri="{FF2B5EF4-FFF2-40B4-BE49-F238E27FC236}">
-                <a16:creationId xmlns:a16="http://schemas.microsoft.com/office/drawing/2014/main" id="{FA93DB88-62DD-4C41-977F-D59BEF14EE76}"/>
+                <a16:creationId xmlns:a16="http://schemas.microsoft.com/office/drawing/2014/main" id="{4F6A2D15-4D68-4BF7-9421-032AE6C8852C}"/>
               </a:ext>
             </a:extLst>
           </p:cNvPr>
@@ -14314,8 +10219,8 @@
         </p:nvSpPr>
         <p:spPr>
           <a:xfrm>
-            <a:off x="838200" y="5509419"/>
-            <a:ext cx="4082142" cy="585788"/>
+            <a:off x="1885156" y="892177"/>
+            <a:ext cx="8421688" cy="1325563"/>
           </a:xfrm>
         </p:spPr>
         <p:txBody>
@@ -14324,31 +10229,31 @@
           <a:p>
             <a:r>
               <a:rPr lang="en-US" dirty="0"/>
-              <a:t>TIMELINE</a:t>
-            </a:r>
-          </a:p>
-        </p:txBody>
-      </p:sp>
-      <p:sp>
-        <p:nvSpPr>
-          <p:cNvPr id="3" name="Text Placeholder 2">
-            <a:extLst>
-              <a:ext uri="{FF2B5EF4-FFF2-40B4-BE49-F238E27FC236}">
-                <a16:creationId xmlns:a16="http://schemas.microsoft.com/office/drawing/2014/main" id="{AEF37E83-2D8B-42EF-A2C4-5D2BBDB1F05B}"/>
-              </a:ext>
-            </a:extLst>
-          </p:cNvPr>
-          <p:cNvSpPr>
-            <a:spLocks noGrp="1"/>
-          </p:cNvSpPr>
-          <p:nvPr>
-            <p:ph type="body" sz="quarter" idx="13"/>
-          </p:nvPr>
-        </p:nvSpPr>
-        <p:spPr>
-          <a:xfrm>
-            <a:off x="166074" y="1507772"/>
-            <a:ext cx="2141764" cy="514350"/>
+              <a:t>Example: 2-Bit adder</a:t>
+            </a:r>
+          </a:p>
+        </p:txBody>
+      </p:sp>
+      <p:sp>
+        <p:nvSpPr>
+          <p:cNvPr id="24" name="Footer Placeholder 23">
+            <a:extLst>
+              <a:ext uri="{FF2B5EF4-FFF2-40B4-BE49-F238E27FC236}">
+                <a16:creationId xmlns:a16="http://schemas.microsoft.com/office/drawing/2014/main" id="{918C3C97-444D-4600-8553-B9C4C1F8483B}"/>
+              </a:ext>
+            </a:extLst>
+          </p:cNvPr>
+          <p:cNvSpPr>
+            <a:spLocks noGrp="1"/>
+          </p:cNvSpPr>
+          <p:nvPr>
+            <p:ph type="ftr" sz="quarter" idx="11"/>
+          </p:nvPr>
+        </p:nvSpPr>
+        <p:spPr>
+          <a:xfrm>
+            <a:off x="4038600" y="6356350"/>
+            <a:ext cx="4114800" cy="365125"/>
           </a:xfrm>
         </p:spPr>
         <p:txBody>
@@ -14357,289 +10262,17 @@
           <a:p>
             <a:r>
               <a:rPr lang="en-US" dirty="0"/>
-              <a:t>Q1</a:t>
-            </a:r>
-          </a:p>
-        </p:txBody>
-      </p:sp>
-      <p:sp>
-        <p:nvSpPr>
-          <p:cNvPr id="4" name="Text Placeholder 3">
-            <a:extLst>
-              <a:ext uri="{FF2B5EF4-FFF2-40B4-BE49-F238E27FC236}">
-                <a16:creationId xmlns:a16="http://schemas.microsoft.com/office/drawing/2014/main" id="{B0D77839-2CFD-4BC8-85DA-9EE69CCE1B20}"/>
-              </a:ext>
-            </a:extLst>
-          </p:cNvPr>
-          <p:cNvSpPr>
-            <a:spLocks noGrp="1"/>
-          </p:cNvSpPr>
-          <p:nvPr>
-            <p:ph type="body" sz="quarter" idx="14"/>
-          </p:nvPr>
-        </p:nvSpPr>
-        <p:spPr>
-          <a:xfrm>
-            <a:off x="732131" y="2584097"/>
-            <a:ext cx="2141764" cy="514350"/>
-          </a:xfrm>
-        </p:spPr>
-        <p:txBody>
-          <a:bodyPr/>
-          <a:lstStyle/>
-          <a:p>
-            <a:r>
-              <a:rPr lang="en-US" dirty="0"/>
-              <a:t>Q2</a:t>
-            </a:r>
-          </a:p>
-        </p:txBody>
-      </p:sp>
-      <p:sp>
-        <p:nvSpPr>
-          <p:cNvPr id="5" name="Text Placeholder 4">
-            <a:extLst>
-              <a:ext uri="{FF2B5EF4-FFF2-40B4-BE49-F238E27FC236}">
-                <a16:creationId xmlns:a16="http://schemas.microsoft.com/office/drawing/2014/main" id="{57E386FF-C90F-4484-A843-D4BA75FFF002}"/>
-              </a:ext>
-            </a:extLst>
-          </p:cNvPr>
-          <p:cNvSpPr>
-            <a:spLocks noGrp="1"/>
-          </p:cNvSpPr>
-          <p:nvPr>
-            <p:ph type="body" sz="quarter" idx="15"/>
-          </p:nvPr>
-        </p:nvSpPr>
-        <p:spPr>
-          <a:xfrm>
-            <a:off x="1338556" y="3660422"/>
-            <a:ext cx="2141764" cy="514350"/>
-          </a:xfrm>
-        </p:spPr>
-        <p:txBody>
-          <a:bodyPr/>
-          <a:lstStyle/>
-          <a:p>
-            <a:r>
-              <a:rPr lang="en-US" dirty="0"/>
-              <a:t>Q3</a:t>
-            </a:r>
-          </a:p>
-        </p:txBody>
-      </p:sp>
-      <p:sp>
-        <p:nvSpPr>
-          <p:cNvPr id="6" name="Text Placeholder 5">
-            <a:extLst>
-              <a:ext uri="{FF2B5EF4-FFF2-40B4-BE49-F238E27FC236}">
-                <a16:creationId xmlns:a16="http://schemas.microsoft.com/office/drawing/2014/main" id="{F30780D1-5C1B-411C-81ED-7B9970FCBF8A}"/>
-              </a:ext>
-            </a:extLst>
-          </p:cNvPr>
-          <p:cNvSpPr>
-            <a:spLocks noGrp="1"/>
-          </p:cNvSpPr>
-          <p:nvPr>
-            <p:ph type="body" sz="quarter" idx="16"/>
-          </p:nvPr>
-        </p:nvSpPr>
-        <p:spPr>
-          <a:xfrm>
-            <a:off x="1922756" y="4736748"/>
-            <a:ext cx="2141764" cy="514350"/>
-          </a:xfrm>
-        </p:spPr>
-        <p:txBody>
-          <a:bodyPr/>
-          <a:lstStyle/>
-          <a:p>
-            <a:r>
-              <a:rPr lang="en-US" dirty="0"/>
-              <a:t>Q4</a:t>
-            </a:r>
-          </a:p>
-        </p:txBody>
-      </p:sp>
-      <p:sp>
-        <p:nvSpPr>
-          <p:cNvPr id="12" name="Text Placeholder 11">
-            <a:extLst>
-              <a:ext uri="{FF2B5EF4-FFF2-40B4-BE49-F238E27FC236}">
-                <a16:creationId xmlns:a16="http://schemas.microsoft.com/office/drawing/2014/main" id="{FABE7D8B-D1CD-44C0-AD2D-2ABA67684E97}"/>
-              </a:ext>
-            </a:extLst>
-          </p:cNvPr>
-          <p:cNvSpPr>
-            <a:spLocks noGrp="1"/>
-          </p:cNvSpPr>
-          <p:nvPr>
-            <p:ph type="body" sz="quarter" idx="17"/>
-          </p:nvPr>
-        </p:nvSpPr>
-        <p:spPr>
-          <a:xfrm>
-            <a:off x="4401536" y="1613528"/>
-            <a:ext cx="5102680" cy="1010842"/>
-          </a:xfrm>
-        </p:spPr>
-        <p:txBody>
-          <a:bodyPr>
-            <a:normAutofit/>
-          </a:bodyPr>
-          <a:lstStyle/>
-          <a:p>
-            <a:r>
-              <a:rPr lang="en-US" dirty="0"/>
-              <a:t>Synergize scalable e-commerce</a:t>
-            </a:r>
-          </a:p>
-        </p:txBody>
-      </p:sp>
-      <p:sp>
-        <p:nvSpPr>
-          <p:cNvPr id="13" name="Text Placeholder 12">
-            <a:extLst>
-              <a:ext uri="{FF2B5EF4-FFF2-40B4-BE49-F238E27FC236}">
-                <a16:creationId xmlns:a16="http://schemas.microsoft.com/office/drawing/2014/main" id="{8C2F0B15-120C-423F-8EE5-F303B19D5CC5}"/>
-              </a:ext>
-            </a:extLst>
-          </p:cNvPr>
-          <p:cNvSpPr>
-            <a:spLocks noGrp="1"/>
-          </p:cNvSpPr>
-          <p:nvPr>
-            <p:ph type="body" sz="quarter" idx="18"/>
-          </p:nvPr>
-        </p:nvSpPr>
-        <p:spPr>
-          <a:xfrm>
-            <a:off x="4986029" y="2682564"/>
-            <a:ext cx="5102680" cy="1010842"/>
-          </a:xfrm>
-        </p:spPr>
-        <p:txBody>
-          <a:bodyPr>
-            <a:normAutofit/>
-          </a:bodyPr>
-          <a:lstStyle/>
-          <a:p>
-            <a:r>
-              <a:rPr lang="en-US" dirty="0"/>
-              <a:t>Coordinate e-business applications</a:t>
-            </a:r>
-          </a:p>
-        </p:txBody>
-      </p:sp>
-      <p:sp>
-        <p:nvSpPr>
-          <p:cNvPr id="14" name="Text Placeholder 13">
-            <a:extLst>
-              <a:ext uri="{FF2B5EF4-FFF2-40B4-BE49-F238E27FC236}">
-                <a16:creationId xmlns:a16="http://schemas.microsoft.com/office/drawing/2014/main" id="{300D2644-F516-41F1-A88D-93673EA209A4}"/>
-              </a:ext>
-            </a:extLst>
-          </p:cNvPr>
-          <p:cNvSpPr>
-            <a:spLocks noGrp="1"/>
-          </p:cNvSpPr>
-          <p:nvPr>
-            <p:ph type="body" sz="quarter" idx="19"/>
-          </p:nvPr>
-        </p:nvSpPr>
-        <p:spPr>
-          <a:xfrm>
-            <a:off x="5576938" y="3755394"/>
-            <a:ext cx="5102680" cy="1010842"/>
-          </a:xfrm>
-        </p:spPr>
-        <p:txBody>
-          <a:bodyPr>
-            <a:normAutofit/>
-          </a:bodyPr>
-          <a:lstStyle/>
-          <a:p>
-            <a:r>
-              <a:rPr lang="en-US" dirty="0"/>
-              <a:t>Deploy strategic networks with compelling e-business needs</a:t>
-            </a:r>
-          </a:p>
-        </p:txBody>
-      </p:sp>
-      <p:sp>
-        <p:nvSpPr>
-          <p:cNvPr id="15" name="Text Placeholder 14">
-            <a:extLst>
-              <a:ext uri="{FF2B5EF4-FFF2-40B4-BE49-F238E27FC236}">
-                <a16:creationId xmlns:a16="http://schemas.microsoft.com/office/drawing/2014/main" id="{9405A1F0-98C1-4B11-8D9A-3C009ADC44D0}"/>
-              </a:ext>
-            </a:extLst>
-          </p:cNvPr>
-          <p:cNvSpPr>
-            <a:spLocks noGrp="1"/>
-          </p:cNvSpPr>
-          <p:nvPr>
-            <p:ph type="body" sz="quarter" idx="20"/>
-          </p:nvPr>
-        </p:nvSpPr>
-        <p:spPr>
-          <a:xfrm>
-            <a:off x="6175280" y="4824430"/>
-            <a:ext cx="5102680" cy="1010842"/>
-          </a:xfrm>
-        </p:spPr>
-        <p:txBody>
-          <a:bodyPr>
-            <a:normAutofit/>
-          </a:bodyPr>
-          <a:lstStyle/>
-          <a:p>
-            <a:r>
-              <a:rPr lang="en-US" dirty="0"/>
-              <a:t>Disseminate standardized metrics</a:t>
-            </a:r>
-          </a:p>
-        </p:txBody>
-      </p:sp>
-      <p:sp>
-        <p:nvSpPr>
-          <p:cNvPr id="17" name="Footer Placeholder 16">
-            <a:extLst>
-              <a:ext uri="{FF2B5EF4-FFF2-40B4-BE49-F238E27FC236}">
-                <a16:creationId xmlns:a16="http://schemas.microsoft.com/office/drawing/2014/main" id="{CD3D67B7-A821-49FC-94BE-19EDE9D319A5}"/>
-              </a:ext>
-            </a:extLst>
-          </p:cNvPr>
-          <p:cNvSpPr>
-            <a:spLocks noGrp="1"/>
-          </p:cNvSpPr>
-          <p:nvPr>
-            <p:ph type="ftr" sz="quarter" idx="11"/>
-          </p:nvPr>
-        </p:nvSpPr>
-        <p:spPr>
-          <a:xfrm>
-            <a:off x="6749143" y="6356350"/>
-            <a:ext cx="3775981" cy="365125"/>
-          </a:xfrm>
-        </p:spPr>
-        <p:txBody>
-          <a:bodyPr/>
-          <a:lstStyle/>
-          <a:p>
-            <a:r>
-              <a:rPr lang="en-US" dirty="0"/>
-              <a:t>PRESENTATION TITLE</a:t>
-            </a:r>
-          </a:p>
-        </p:txBody>
-      </p:sp>
-      <p:sp>
-        <p:nvSpPr>
-          <p:cNvPr id="18" name="Slide Number Placeholder 17">
-            <a:extLst>
-              <a:ext uri="{FF2B5EF4-FFF2-40B4-BE49-F238E27FC236}">
-                <a16:creationId xmlns:a16="http://schemas.microsoft.com/office/drawing/2014/main" id="{C8D6D0E8-3983-4B7D-ADB2-077E17AD3BD0}"/>
+              <a:t>UFM: Unusually Formal Method</a:t>
+            </a:r>
+          </a:p>
+        </p:txBody>
+      </p:sp>
+      <p:sp>
+        <p:nvSpPr>
+          <p:cNvPr id="25" name="Slide Number Placeholder 24">
+            <a:extLst>
+              <a:ext uri="{FF2B5EF4-FFF2-40B4-BE49-F238E27FC236}">
+                <a16:creationId xmlns:a16="http://schemas.microsoft.com/office/drawing/2014/main" id="{148E9129-4CC6-47BA-ACD8-2C632A8660EC}"/>
               </a:ext>
             </a:extLst>
           </p:cNvPr>
@@ -14652,8 +10285,8 @@
         </p:nvSpPr>
         <p:spPr>
           <a:xfrm>
-            <a:off x="10810874" y="6356350"/>
-            <a:ext cx="542925" cy="365125"/>
+            <a:off x="8610600" y="6356350"/>
+            <a:ext cx="2743200" cy="365125"/>
           </a:xfrm>
         </p:spPr>
         <p:txBody>
@@ -14669,10 +10302,251 @@
           </a:p>
         </p:txBody>
       </p:sp>
+      <p:sp>
+        <p:nvSpPr>
+          <p:cNvPr id="6" name="Arrow: Right 5">
+            <a:extLst>
+              <a:ext uri="{FF2B5EF4-FFF2-40B4-BE49-F238E27FC236}">
+                <a16:creationId xmlns:a16="http://schemas.microsoft.com/office/drawing/2014/main" id="{73D4C4D6-A69A-3885-B55E-6697A63B3B90}"/>
+              </a:ext>
+            </a:extLst>
+          </p:cNvPr>
+          <p:cNvSpPr/>
+          <p:nvPr/>
+        </p:nvSpPr>
+        <p:spPr>
+          <a:xfrm>
+            <a:off x="4094020" y="3429000"/>
+            <a:ext cx="1235364" cy="519545"/>
+          </a:xfrm>
+          <a:prstGeom prst="rightArrow">
+            <a:avLst/>
+          </a:prstGeom>
+          <a:solidFill>
+            <a:schemeClr val="accent3">
+              <a:lumMod val="60000"/>
+              <a:lumOff val="40000"/>
+            </a:schemeClr>
+          </a:solidFill>
+        </p:spPr>
+        <p:style>
+          <a:lnRef idx="2">
+            <a:schemeClr val="accent2">
+              <a:shade val="15000"/>
+            </a:schemeClr>
+          </a:lnRef>
+          <a:fillRef idx="1">
+            <a:schemeClr val="accent2"/>
+          </a:fillRef>
+          <a:effectRef idx="0">
+            <a:schemeClr val="accent2"/>
+          </a:effectRef>
+          <a:fontRef idx="minor">
+            <a:schemeClr val="lt1"/>
+          </a:fontRef>
+        </p:style>
+        <p:txBody>
+          <a:bodyPr rtlCol="0" anchor="ctr"/>
+          <a:lstStyle/>
+          <a:p>
+            <a:pPr algn="ctr"/>
+            <a:endParaRPr lang="en-US" dirty="0"/>
+          </a:p>
+        </p:txBody>
+      </p:sp>
+      <p:sp>
+        <p:nvSpPr>
+          <p:cNvPr id="9" name="Arrow: Right 8">
+            <a:extLst>
+              <a:ext uri="{FF2B5EF4-FFF2-40B4-BE49-F238E27FC236}">
+                <a16:creationId xmlns:a16="http://schemas.microsoft.com/office/drawing/2014/main" id="{39A11108-F7BE-25B6-FD5B-09D6F5564363}"/>
+              </a:ext>
+            </a:extLst>
+          </p:cNvPr>
+          <p:cNvSpPr/>
+          <p:nvPr/>
+        </p:nvSpPr>
+        <p:spPr>
+          <a:xfrm>
+            <a:off x="8421197" y="3449433"/>
+            <a:ext cx="1235364" cy="519545"/>
+          </a:xfrm>
+          <a:prstGeom prst="rightArrow">
+            <a:avLst/>
+          </a:prstGeom>
+          <a:solidFill>
+            <a:schemeClr val="accent3">
+              <a:lumMod val="60000"/>
+              <a:lumOff val="40000"/>
+            </a:schemeClr>
+          </a:solidFill>
+        </p:spPr>
+        <p:style>
+          <a:lnRef idx="2">
+            <a:schemeClr val="accent2">
+              <a:shade val="15000"/>
+            </a:schemeClr>
+          </a:lnRef>
+          <a:fillRef idx="1">
+            <a:schemeClr val="accent2"/>
+          </a:fillRef>
+          <a:effectRef idx="0">
+            <a:schemeClr val="accent2"/>
+          </a:effectRef>
+          <a:fontRef idx="minor">
+            <a:schemeClr val="lt1"/>
+          </a:fontRef>
+        </p:style>
+        <p:txBody>
+          <a:bodyPr rtlCol="0" anchor="ctr"/>
+          <a:lstStyle/>
+          <a:p>
+            <a:pPr algn="ctr"/>
+            <a:endParaRPr lang="en-US" dirty="0"/>
+          </a:p>
+        </p:txBody>
+      </p:sp>
+      <p:pic>
+        <p:nvPicPr>
+          <p:cNvPr id="5" name="Picture 4">
+            <a:extLst>
+              <a:ext uri="{FF2B5EF4-FFF2-40B4-BE49-F238E27FC236}">
+                <a16:creationId xmlns:a16="http://schemas.microsoft.com/office/drawing/2014/main" id="{94A5B27C-E849-7E11-AF6C-C41C830B1CB9}"/>
+              </a:ext>
+            </a:extLst>
+          </p:cNvPr>
+          <p:cNvPicPr>
+            <a:picLocks noChangeAspect="1"/>
+          </p:cNvPicPr>
+          <p:nvPr/>
+        </p:nvPicPr>
+        <p:blipFill>
+          <a:blip r:embed="rId2"/>
+          <a:stretch>
+            <a:fillRect/>
+          </a:stretch>
+        </p:blipFill>
+        <p:spPr>
+          <a:xfrm>
+            <a:off x="9656561" y="3524602"/>
+            <a:ext cx="2363622" cy="476390"/>
+          </a:xfrm>
+          <a:prstGeom prst="rect">
+            <a:avLst/>
+          </a:prstGeom>
+        </p:spPr>
+      </p:pic>
+      <p:pic>
+        <p:nvPicPr>
+          <p:cNvPr id="10" name="Picture 9">
+            <a:extLst>
+              <a:ext uri="{FF2B5EF4-FFF2-40B4-BE49-F238E27FC236}">
+                <a16:creationId xmlns:a16="http://schemas.microsoft.com/office/drawing/2014/main" id="{4BED07F4-D4D0-1090-7F5C-B0F30059554F}"/>
+              </a:ext>
+            </a:extLst>
+          </p:cNvPr>
+          <p:cNvPicPr>
+            <a:picLocks noChangeAspect="1"/>
+          </p:cNvPicPr>
+          <p:nvPr/>
+        </p:nvPicPr>
+        <p:blipFill>
+          <a:blip r:embed="rId3"/>
+          <a:stretch>
+            <a:fillRect/>
+          </a:stretch>
+        </p:blipFill>
+        <p:spPr>
+          <a:xfrm>
+            <a:off x="202188" y="2585801"/>
+            <a:ext cx="3898542" cy="2039744"/>
+          </a:xfrm>
+          <a:prstGeom prst="rect">
+            <a:avLst/>
+          </a:prstGeom>
+        </p:spPr>
+      </p:pic>
+      <p:pic>
+        <p:nvPicPr>
+          <p:cNvPr id="12" name="Picture 11">
+            <a:extLst>
+              <a:ext uri="{FF2B5EF4-FFF2-40B4-BE49-F238E27FC236}">
+                <a16:creationId xmlns:a16="http://schemas.microsoft.com/office/drawing/2014/main" id="{879F9252-AE1D-FC29-5C08-E5389470B020}"/>
+              </a:ext>
+            </a:extLst>
+          </p:cNvPr>
+          <p:cNvPicPr>
+            <a:picLocks noChangeAspect="1"/>
+          </p:cNvPicPr>
+          <p:nvPr/>
+        </p:nvPicPr>
+        <p:blipFill>
+          <a:blip r:embed="rId4"/>
+          <a:stretch>
+            <a:fillRect/>
+          </a:stretch>
+        </p:blipFill>
+        <p:spPr>
+          <a:xfrm>
+            <a:off x="5329383" y="2027303"/>
+            <a:ext cx="3080861" cy="3699241"/>
+          </a:xfrm>
+          <a:prstGeom prst="rect">
+            <a:avLst/>
+          </a:prstGeom>
+        </p:spPr>
+      </p:pic>
+      <p:pic>
+        <p:nvPicPr>
+          <p:cNvPr id="4098" name="Picture 2">
+            <a:extLst>
+              <a:ext uri="{FF2B5EF4-FFF2-40B4-BE49-F238E27FC236}">
+                <a16:creationId xmlns:a16="http://schemas.microsoft.com/office/drawing/2014/main" id="{2F035E56-D3CF-3C4E-1123-94619B7A1ACB}"/>
+              </a:ext>
+            </a:extLst>
+          </p:cNvPr>
+          <p:cNvPicPr>
+            <a:picLocks noChangeAspect="1" noChangeArrowheads="1"/>
+          </p:cNvPicPr>
+          <p:nvPr/>
+        </p:nvPicPr>
+        <p:blipFill>
+          <a:blip r:embed="rId5">
+            <a:extLst>
+              <a:ext uri="{28A0092B-C50C-407E-A947-70E740481C1C}">
+                <a14:useLocalDpi xmlns:a14="http://schemas.microsoft.com/office/drawing/2010/main" val="0"/>
+              </a:ext>
+            </a:extLst>
+          </a:blip>
+          <a:srcRect/>
+          <a:stretch>
+            <a:fillRect/>
+          </a:stretch>
+        </p:blipFill>
+        <p:spPr bwMode="auto">
+          <a:xfrm>
+            <a:off x="10137475" y="2388384"/>
+            <a:ext cx="1061049" cy="1061049"/>
+          </a:xfrm>
+          <a:prstGeom prst="rect">
+            <a:avLst/>
+          </a:prstGeom>
+          <a:noFill/>
+          <a:extLst>
+            <a:ext uri="{909E8E84-426E-40DD-AFC4-6F175D3DCCD1}">
+              <a14:hiddenFill xmlns:a14="http://schemas.microsoft.com/office/drawing/2010/main">
+                <a:solidFill>
+                  <a:srgbClr val="FFFFFF"/>
+                </a:solidFill>
+              </a14:hiddenFill>
+            </a:ext>
+          </a:extLst>
+        </p:spPr>
+      </p:pic>
     </p:spTree>
     <p:extLst>
       <p:ext uri="{BB962C8B-B14F-4D97-AF65-F5344CB8AC3E}">
-        <p14:creationId xmlns:p14="http://schemas.microsoft.com/office/powerpoint/2010/main" val="332104327"/>
+        <p14:creationId xmlns:p14="http://schemas.microsoft.com/office/powerpoint/2010/main" val="2811860633"/>
       </p:ext>
     </p:extLst>
   </p:cSld>
@@ -14727,7 +10601,7 @@
           <a:p>
             <a:r>
               <a:rPr lang="en-US" dirty="0"/>
-              <a:t>AREAS OF FOCUS</a:t>
+              <a:t>Next Steps</a:t>
             </a:r>
           </a:p>
         </p:txBody>
@@ -14750,7 +10624,7 @@
         </p:nvSpPr>
         <p:spPr>
           <a:xfrm>
-            <a:off x="2933700" y="2776936"/>
+            <a:off x="2425700" y="2486817"/>
             <a:ext cx="3924300" cy="823912"/>
           </a:xfrm>
         </p:spPr>
@@ -14760,7 +10634,7 @@
           <a:p>
             <a:r>
               <a:rPr lang="en-US" dirty="0"/>
-              <a:t>B2B MARKET SCENARIOS</a:t>
+              <a:t>Must Accomplish</a:t>
             </a:r>
           </a:p>
         </p:txBody>
@@ -14783,7 +10657,7 @@
         </p:nvSpPr>
         <p:spPr>
           <a:xfrm>
-            <a:off x="2933700" y="3834606"/>
+            <a:off x="2425700" y="3547272"/>
             <a:ext cx="3924300" cy="1997867"/>
           </a:xfrm>
         </p:spPr>
@@ -14795,19 +10669,7 @@
           <a:p>
             <a:r>
               <a:rPr lang="en-US" dirty="0"/>
-              <a:t>Develop winning strategies to keep ahead of the competition</a:t>
-            </a:r>
-          </a:p>
-          <a:p>
-            <a:r>
-              <a:rPr lang="en-US" dirty="0"/>
-              <a:t>​Capitalize on low hanging fruit to identify a ballpark value</a:t>
-            </a:r>
-          </a:p>
-          <a:p>
-            <a:r>
-              <a:rPr lang="en-US" dirty="0"/>
-              <a:t>​Visualize customer directed convergence​</a:t>
+              <a:t>Automate the ensures clause in verification</a:t>
             </a:r>
           </a:p>
         </p:txBody>
@@ -14830,7 +10692,7 @@
         </p:nvSpPr>
         <p:spPr>
           <a:xfrm>
-            <a:off x="7410173" y="2776936"/>
+            <a:off x="7144544" y="2486817"/>
             <a:ext cx="3943627" cy="823912"/>
           </a:xfrm>
         </p:spPr>
@@ -14840,7 +10702,7 @@
           <a:p>
             <a:r>
               <a:rPr lang="en-US" dirty="0"/>
-              <a:t>CLOUD-BASED OPPORTUNITIES</a:t>
+              <a:t>Future Directions</a:t>
             </a:r>
           </a:p>
         </p:txBody>
@@ -14863,7 +10725,7 @@
         </p:nvSpPr>
         <p:spPr>
           <a:xfrm>
-            <a:off x="7410173" y="3834606"/>
+            <a:off x="7144543" y="3429000"/>
             <a:ext cx="3943627" cy="1997867"/>
           </a:xfrm>
         </p:spPr>
@@ -14875,13 +10737,13 @@
           <a:p>
             <a:r>
               <a:rPr lang="en-US" dirty="0"/>
-              <a:t>Iterative approaches to corporate strategy</a:t>
+              <a:t>Expand to sequential logic</a:t>
             </a:r>
           </a:p>
           <a:p>
             <a:r>
               <a:rPr lang="en-US" dirty="0"/>
-              <a:t>​Establish a management framework from the inside​</a:t>
+              <a:t>Expand the abstraction to beyond gate level</a:t>
             </a:r>
           </a:p>
         </p:txBody>
@@ -14914,7 +10776,7 @@
           <a:p>
             <a:r>
               <a:rPr lang="en-US" dirty="0"/>
-              <a:t>PRESENTATION TITLE</a:t>
+              <a:t>UFM: Unusually Formal Method</a:t>
             </a:r>
           </a:p>
         </p:txBody>
@@ -14989,7 +10851,7 @@
           <p:cNvPr id="2" name="Title 1">
             <a:extLst>
               <a:ext uri="{FF2B5EF4-FFF2-40B4-BE49-F238E27FC236}">
-                <a16:creationId xmlns:a16="http://schemas.microsoft.com/office/drawing/2014/main" id="{C4CA0637-CCAA-425E-A57A-6205AFDC8B8C}"/>
+                <a16:creationId xmlns:a16="http://schemas.microsoft.com/office/drawing/2014/main" id="{4518FC28-E0BD-4387-B8BE-9965D1A57FF1}"/>
               </a:ext>
             </a:extLst>
           </p:cNvPr>
@@ -15002,8 +10864,8 @@
         </p:nvSpPr>
         <p:spPr>
           <a:xfrm>
-            <a:off x="1885156" y="892177"/>
-            <a:ext cx="8421688" cy="1325563"/>
+            <a:off x="5476875" y="1671639"/>
+            <a:ext cx="5111750" cy="1204912"/>
           </a:xfrm>
         </p:spPr>
         <p:txBody>
@@ -15012,7 +10874,7 @@
           <a:p>
             <a:r>
               <a:rPr lang="en-US" dirty="0"/>
-              <a:t>HOW WE GET THERE</a:t>
+              <a:t>SUMMARY</a:t>
             </a:r>
           </a:p>
         </p:txBody>
@@ -15022,7 +10884,7 @@
           <p:cNvPr id="3" name="Text Placeholder 2">
             <a:extLst>
               <a:ext uri="{FF2B5EF4-FFF2-40B4-BE49-F238E27FC236}">
-                <a16:creationId xmlns:a16="http://schemas.microsoft.com/office/drawing/2014/main" id="{D851C395-6BC4-4F00-B40B-069DBBB7C08B}"/>
+                <a16:creationId xmlns:a16="http://schemas.microsoft.com/office/drawing/2014/main" id="{FED19BCA-B61F-4EA6-A1FB-CCA3BD8506FB}"/>
               </a:ext>
             </a:extLst>
           </p:cNvPr>
@@ -15035,41 +10897,8 @@
         </p:nvSpPr>
         <p:spPr>
           <a:xfrm>
-            <a:off x="1243104" y="2776936"/>
-            <a:ext cx="2882475" cy="823912"/>
-          </a:xfrm>
-        </p:spPr>
-        <p:txBody>
-          <a:bodyPr/>
-          <a:lstStyle/>
-          <a:p>
-            <a:r>
-              <a:rPr lang="en-US" dirty="0"/>
-              <a:t>ROI</a:t>
-            </a:r>
-          </a:p>
-        </p:txBody>
-      </p:sp>
-      <p:sp>
-        <p:nvSpPr>
-          <p:cNvPr id="4" name="Content Placeholder 3">
-            <a:extLst>
-              <a:ext uri="{FF2B5EF4-FFF2-40B4-BE49-F238E27FC236}">
-                <a16:creationId xmlns:a16="http://schemas.microsoft.com/office/drawing/2014/main" id="{A1D16151-9486-4A03-AE3A-F1CC562E0564}"/>
-              </a:ext>
-            </a:extLst>
-          </p:cNvPr>
-          <p:cNvSpPr>
-            <a:spLocks noGrp="1"/>
-          </p:cNvSpPr>
-          <p:nvPr>
-            <p:ph sz="half" idx="2"/>
-          </p:nvPr>
-        </p:nvSpPr>
-        <p:spPr>
-          <a:xfrm>
-            <a:off x="1243104" y="3834606"/>
-            <a:ext cx="2882475" cy="1997867"/>
+            <a:off x="5476875" y="3660774"/>
+            <a:ext cx="5111750" cy="1525588"/>
           </a:xfrm>
         </p:spPr>
         <p:txBody>
@@ -15080,37 +10909,31 @@
           <a:p>
             <a:r>
               <a:rPr lang="en-US" dirty="0"/>
-              <a:t>Envision multimedia-based expertise and cross-media growth strategies​</a:t>
-            </a:r>
-          </a:p>
-          <a:p>
-            <a:r>
-              <a:rPr lang="en-US" dirty="0"/>
-              <a:t>​Engage worldwide methodologies with web-enabled technologies​</a:t>
-            </a:r>
-          </a:p>
-        </p:txBody>
-      </p:sp>
-      <p:sp>
-        <p:nvSpPr>
-          <p:cNvPr id="5" name="Text Placeholder 4">
-            <a:extLst>
-              <a:ext uri="{FF2B5EF4-FFF2-40B4-BE49-F238E27FC236}">
-                <a16:creationId xmlns:a16="http://schemas.microsoft.com/office/drawing/2014/main" id="{DDE59236-37DD-4582-A2A0-3F9A13A3B55D}"/>
-              </a:ext>
-            </a:extLst>
-          </p:cNvPr>
-          <p:cNvSpPr>
-            <a:spLocks noGrp="1"/>
-          </p:cNvSpPr>
-          <p:nvPr>
-            <p:ph type="body" sz="quarter" idx="3"/>
-          </p:nvPr>
-        </p:nvSpPr>
-        <p:spPr>
-          <a:xfrm>
-            <a:off x="4647665" y="2776936"/>
-            <a:ext cx="2896671" cy="823912"/>
+              <a:t>UFM: Unusually formal method a formal program verifier for a subset of the Verilog language</a:t>
+            </a:r>
+          </a:p>
+        </p:txBody>
+      </p:sp>
+      <p:sp>
+        <p:nvSpPr>
+          <p:cNvPr id="5" name="Footer Placeholder 4">
+            <a:extLst>
+              <a:ext uri="{FF2B5EF4-FFF2-40B4-BE49-F238E27FC236}">
+                <a16:creationId xmlns:a16="http://schemas.microsoft.com/office/drawing/2014/main" id="{4135E32A-1A8C-43D2-9C6E-12887B4DEDFB}"/>
+              </a:ext>
+            </a:extLst>
+          </p:cNvPr>
+          <p:cNvSpPr>
+            <a:spLocks noGrp="1"/>
+          </p:cNvSpPr>
+          <p:nvPr>
+            <p:ph type="ftr" sz="quarter" idx="11"/>
+          </p:nvPr>
+        </p:nvSpPr>
+        <p:spPr>
+          <a:xfrm>
+            <a:off x="4038600" y="6356350"/>
+            <a:ext cx="4114800" cy="365125"/>
           </a:xfrm>
         </p:spPr>
         <p:txBody>
@@ -15119,165 +10942,17 @@
           <a:p>
             <a:r>
               <a:rPr lang="en-US" dirty="0"/>
-              <a:t>NICHE MARKETS </a:t>
-            </a:r>
-          </a:p>
-        </p:txBody>
-      </p:sp>
-      <p:sp>
-        <p:nvSpPr>
-          <p:cNvPr id="6" name="Content Placeholder 5">
-            <a:extLst>
-              <a:ext uri="{FF2B5EF4-FFF2-40B4-BE49-F238E27FC236}">
-                <a16:creationId xmlns:a16="http://schemas.microsoft.com/office/drawing/2014/main" id="{DE1CCF0F-F0BB-42D7-B3C2-C29336739F32}"/>
-              </a:ext>
-            </a:extLst>
-          </p:cNvPr>
-          <p:cNvSpPr>
-            <a:spLocks noGrp="1"/>
-          </p:cNvSpPr>
-          <p:nvPr>
-            <p:ph sz="quarter" idx="4"/>
-          </p:nvPr>
-        </p:nvSpPr>
-        <p:spPr>
-          <a:xfrm>
-            <a:off x="4647665" y="3834606"/>
-            <a:ext cx="2896671" cy="1997867"/>
-          </a:xfrm>
-        </p:spPr>
-        <p:txBody>
-          <a:bodyPr>
-            <a:normAutofit/>
-          </a:bodyPr>
-          <a:lstStyle/>
-          <a:p>
-            <a:r>
-              <a:rPr lang="en-US" dirty="0"/>
-              <a:t>Pursue scalable customer service through sustainable strategies​</a:t>
-            </a:r>
-          </a:p>
-          <a:p>
-            <a:r>
-              <a:rPr lang="en-US" dirty="0"/>
-              <a:t>Engage top-line web services with cutting-edge deliverables​​​</a:t>
-            </a:r>
-          </a:p>
-        </p:txBody>
-      </p:sp>
-      <p:sp>
-        <p:nvSpPr>
-          <p:cNvPr id="7" name="Text Placeholder 6">
-            <a:extLst>
-              <a:ext uri="{FF2B5EF4-FFF2-40B4-BE49-F238E27FC236}">
-                <a16:creationId xmlns:a16="http://schemas.microsoft.com/office/drawing/2014/main" id="{1F939793-2181-4A3D-9C5A-CE676CC83EC0}"/>
-              </a:ext>
-            </a:extLst>
-          </p:cNvPr>
-          <p:cNvSpPr>
-            <a:spLocks noGrp="1"/>
-          </p:cNvSpPr>
-          <p:nvPr>
-            <p:ph type="body" idx="13"/>
-          </p:nvPr>
-        </p:nvSpPr>
-        <p:spPr>
-          <a:xfrm>
-            <a:off x="8066421" y="2776936"/>
-            <a:ext cx="2882475" cy="823912"/>
-          </a:xfrm>
-        </p:spPr>
-        <p:txBody>
-          <a:bodyPr/>
-          <a:lstStyle/>
-          <a:p>
-            <a:r>
-              <a:rPr lang="en-US" dirty="0"/>
-              <a:t>SUPPLY CHAINS</a:t>
-            </a:r>
-          </a:p>
-        </p:txBody>
-      </p:sp>
-      <p:sp>
-        <p:nvSpPr>
-          <p:cNvPr id="8" name="Content Placeholder 7">
-            <a:extLst>
-              <a:ext uri="{FF2B5EF4-FFF2-40B4-BE49-F238E27FC236}">
-                <a16:creationId xmlns:a16="http://schemas.microsoft.com/office/drawing/2014/main" id="{C9FA0B0D-7B36-4D63-86BD-20E6E1B6A0D8}"/>
-              </a:ext>
-            </a:extLst>
-          </p:cNvPr>
-          <p:cNvSpPr>
-            <a:spLocks noGrp="1"/>
-          </p:cNvSpPr>
-          <p:nvPr>
-            <p:ph sz="half" idx="14"/>
-          </p:nvPr>
-        </p:nvSpPr>
-        <p:spPr>
-          <a:xfrm>
-            <a:off x="8066421" y="3834606"/>
-            <a:ext cx="2882475" cy="1997867"/>
-          </a:xfrm>
-        </p:spPr>
-        <p:txBody>
-          <a:bodyPr>
-            <a:normAutofit/>
-          </a:bodyPr>
-          <a:lstStyle/>
-          <a:p>
-            <a:r>
-              <a:rPr lang="en-US" dirty="0"/>
-              <a:t>Cultivate one-to-one customer service with robust ideas​</a:t>
-            </a:r>
-          </a:p>
-          <a:p>
-            <a:r>
-              <a:rPr lang="en-US" dirty="0"/>
-              <a:t>Maximize timely deliverables for real-time schemas​</a:t>
-            </a:r>
-          </a:p>
-        </p:txBody>
-      </p:sp>
-      <p:sp>
-        <p:nvSpPr>
-          <p:cNvPr id="10" name="Footer Placeholder 9">
-            <a:extLst>
-              <a:ext uri="{FF2B5EF4-FFF2-40B4-BE49-F238E27FC236}">
-                <a16:creationId xmlns:a16="http://schemas.microsoft.com/office/drawing/2014/main" id="{A865CC01-A53B-495A-820C-BEC2680EDC42}"/>
-              </a:ext>
-            </a:extLst>
-          </p:cNvPr>
-          <p:cNvSpPr>
-            <a:spLocks noGrp="1"/>
-          </p:cNvSpPr>
-          <p:nvPr>
-            <p:ph type="ftr" sz="quarter" idx="11"/>
-          </p:nvPr>
-        </p:nvSpPr>
-        <p:spPr>
-          <a:xfrm>
-            <a:off x="4038600" y="6356350"/>
-            <a:ext cx="4114800" cy="365125"/>
-          </a:xfrm>
-        </p:spPr>
-        <p:txBody>
-          <a:bodyPr/>
-          <a:lstStyle/>
-          <a:p>
-            <a:r>
-              <a:rPr lang="en-US" dirty="0"/>
-              <a:t>PRESENTATION TITLE</a:t>
-            </a:r>
-          </a:p>
-        </p:txBody>
-      </p:sp>
-      <p:sp>
-        <p:nvSpPr>
-          <p:cNvPr id="11" name="Slide Number Placeholder 10">
-            <a:extLst>
-              <a:ext uri="{FF2B5EF4-FFF2-40B4-BE49-F238E27FC236}">
-                <a16:creationId xmlns:a16="http://schemas.microsoft.com/office/drawing/2014/main" id="{7AE81C1E-A7C3-40CD-9C11-0C03A2221292}"/>
+              <a:t>UFM: Unusually Formal Method</a:t>
+            </a:r>
+          </a:p>
+        </p:txBody>
+      </p:sp>
+      <p:sp>
+        <p:nvSpPr>
+          <p:cNvPr id="6" name="Slide Number Placeholder 5">
+            <a:extLst>
+              <a:ext uri="{FF2B5EF4-FFF2-40B4-BE49-F238E27FC236}">
+                <a16:creationId xmlns:a16="http://schemas.microsoft.com/office/drawing/2014/main" id="{7C4B8313-9270-4128-8674-3A3E42B806BC}"/>
               </a:ext>
             </a:extLst>
           </p:cNvPr>
@@ -15310,351 +10985,7 @@
     </p:spTree>
     <p:extLst>
       <p:ext uri="{BB962C8B-B14F-4D97-AF65-F5344CB8AC3E}">
-        <p14:creationId xmlns:p14="http://schemas.microsoft.com/office/powerpoint/2010/main" val="1429429409"/>
-      </p:ext>
-    </p:extLst>
-  </p:cSld>
-  <p:clrMapOvr>
-    <a:masterClrMapping/>
-  </p:clrMapOvr>
-</p:sld>
-</file>
-
-<file path=ppt/slides/slide15.xml><?xml version="1.0" encoding="utf-8"?>
-<p:sld xmlns:a="http://schemas.openxmlformats.org/drawingml/2006/main" xmlns:r="http://schemas.openxmlformats.org/officeDocument/2006/relationships" xmlns:p="http://schemas.openxmlformats.org/presentationml/2006/main">
-  <p:cSld>
-    <p:spTree>
-      <p:nvGrpSpPr>
-        <p:cNvPr id="1" name=""/>
-        <p:cNvGrpSpPr/>
-        <p:nvPr/>
-      </p:nvGrpSpPr>
-      <p:grpSpPr>
-        <a:xfrm>
-          <a:off x="0" y="0"/>
-          <a:ext cx="0" cy="0"/>
-          <a:chOff x="0" y="0"/>
-          <a:chExt cx="0" cy="0"/>
-        </a:xfrm>
-      </p:grpSpPr>
-      <p:sp>
-        <p:nvSpPr>
-          <p:cNvPr id="2" name="Title 1">
-            <a:extLst>
-              <a:ext uri="{FF2B5EF4-FFF2-40B4-BE49-F238E27FC236}">
-                <a16:creationId xmlns:a16="http://schemas.microsoft.com/office/drawing/2014/main" id="{4518FC28-E0BD-4387-B8BE-9965D1A57FF1}"/>
-              </a:ext>
-            </a:extLst>
-          </p:cNvPr>
-          <p:cNvSpPr>
-            <a:spLocks noGrp="1"/>
-          </p:cNvSpPr>
-          <p:nvPr>
-            <p:ph type="title"/>
-          </p:nvPr>
-        </p:nvSpPr>
-        <p:spPr>
-          <a:xfrm>
-            <a:off x="5476875" y="1671639"/>
-            <a:ext cx="5111750" cy="1204912"/>
-          </a:xfrm>
-        </p:spPr>
-        <p:txBody>
-          <a:bodyPr/>
-          <a:lstStyle/>
-          <a:p>
-            <a:r>
-              <a:rPr lang="en-US" dirty="0"/>
-              <a:t>SUMMARY</a:t>
-            </a:r>
-          </a:p>
-        </p:txBody>
-      </p:sp>
-      <p:sp>
-        <p:nvSpPr>
-          <p:cNvPr id="3" name="Text Placeholder 2">
-            <a:extLst>
-              <a:ext uri="{FF2B5EF4-FFF2-40B4-BE49-F238E27FC236}">
-                <a16:creationId xmlns:a16="http://schemas.microsoft.com/office/drawing/2014/main" id="{FED19BCA-B61F-4EA6-A1FB-CCA3BD8506FB}"/>
-              </a:ext>
-            </a:extLst>
-          </p:cNvPr>
-          <p:cNvSpPr>
-            <a:spLocks noGrp="1"/>
-          </p:cNvSpPr>
-          <p:nvPr>
-            <p:ph type="body" idx="1"/>
-          </p:nvPr>
-        </p:nvSpPr>
-        <p:spPr>
-          <a:xfrm>
-            <a:off x="5476875" y="3660774"/>
-            <a:ext cx="5111750" cy="1525588"/>
-          </a:xfrm>
-        </p:spPr>
-        <p:txBody>
-          <a:bodyPr>
-            <a:normAutofit/>
-          </a:bodyPr>
-          <a:lstStyle/>
-          <a:p>
-            <a:r>
-              <a:rPr lang="en-US" dirty="0"/>
-              <a:t>At Contoso, we believe in giving 110%. By using our next-generation data architecture, we help organizations virtually manage agile workflows. We thrive because of our market knowledge and great team behind our product. As our CEO says, "Efficiencies will come from proactively transforming how we do business."​</a:t>
-            </a:r>
-          </a:p>
-        </p:txBody>
-      </p:sp>
-      <p:sp>
-        <p:nvSpPr>
-          <p:cNvPr id="5" name="Footer Placeholder 4">
-            <a:extLst>
-              <a:ext uri="{FF2B5EF4-FFF2-40B4-BE49-F238E27FC236}">
-                <a16:creationId xmlns:a16="http://schemas.microsoft.com/office/drawing/2014/main" id="{4135E32A-1A8C-43D2-9C6E-12887B4DEDFB}"/>
-              </a:ext>
-            </a:extLst>
-          </p:cNvPr>
-          <p:cNvSpPr>
-            <a:spLocks noGrp="1"/>
-          </p:cNvSpPr>
-          <p:nvPr>
-            <p:ph type="ftr" sz="quarter" idx="11"/>
-          </p:nvPr>
-        </p:nvSpPr>
-        <p:spPr>
-          <a:xfrm>
-            <a:off x="4038600" y="6356350"/>
-            <a:ext cx="4114800" cy="365125"/>
-          </a:xfrm>
-        </p:spPr>
-        <p:txBody>
-          <a:bodyPr/>
-          <a:lstStyle/>
-          <a:p>
-            <a:r>
-              <a:rPr lang="en-US" dirty="0"/>
-              <a:t>PRESENTATION TITLE</a:t>
-            </a:r>
-          </a:p>
-        </p:txBody>
-      </p:sp>
-      <p:sp>
-        <p:nvSpPr>
-          <p:cNvPr id="6" name="Slide Number Placeholder 5">
-            <a:extLst>
-              <a:ext uri="{FF2B5EF4-FFF2-40B4-BE49-F238E27FC236}">
-                <a16:creationId xmlns:a16="http://schemas.microsoft.com/office/drawing/2014/main" id="{7C4B8313-9270-4128-8674-3A3E42B806BC}"/>
-              </a:ext>
-            </a:extLst>
-          </p:cNvPr>
-          <p:cNvSpPr>
-            <a:spLocks noGrp="1"/>
-          </p:cNvSpPr>
-          <p:nvPr>
-            <p:ph type="sldNum" sz="quarter" idx="12"/>
-          </p:nvPr>
-        </p:nvSpPr>
-        <p:spPr>
-          <a:xfrm>
-            <a:off x="8610600" y="6356350"/>
-            <a:ext cx="2743200" cy="365125"/>
-          </a:xfrm>
-        </p:spPr>
-        <p:txBody>
-          <a:bodyPr/>
-          <a:lstStyle/>
-          <a:p>
-            <a:fld id="{A49DFD55-3C28-40EF-9E31-A92D2E4017FF}" type="slidenum">
-              <a:rPr lang="en-US" smtClean="0"/>
-              <a:pPr/>
-              <a:t>15</a:t>
-            </a:fld>
-            <a:endParaRPr lang="en-US" dirty="0"/>
-          </a:p>
-        </p:txBody>
-      </p:sp>
-    </p:spTree>
-    <p:extLst>
-      <p:ext uri="{BB962C8B-B14F-4D97-AF65-F5344CB8AC3E}">
         <p14:creationId xmlns:p14="http://schemas.microsoft.com/office/powerpoint/2010/main" val="1742861620"/>
-      </p:ext>
-    </p:extLst>
-  </p:cSld>
-  <p:clrMapOvr>
-    <a:masterClrMapping/>
-  </p:clrMapOvr>
-</p:sld>
-</file>
-
-<file path=ppt/slides/slide16.xml><?xml version="1.0" encoding="utf-8"?>
-<p:sld xmlns:a="http://schemas.openxmlformats.org/drawingml/2006/main" xmlns:r="http://schemas.openxmlformats.org/officeDocument/2006/relationships" xmlns:p="http://schemas.openxmlformats.org/presentationml/2006/main">
-  <p:cSld>
-    <p:spTree>
-      <p:nvGrpSpPr>
-        <p:cNvPr id="1" name=""/>
-        <p:cNvGrpSpPr/>
-        <p:nvPr/>
-      </p:nvGrpSpPr>
-      <p:grpSpPr>
-        <a:xfrm>
-          <a:off x="0" y="0"/>
-          <a:ext cx="0" cy="0"/>
-          <a:chOff x="0" y="0"/>
-          <a:chExt cx="0" cy="0"/>
-        </a:xfrm>
-      </p:grpSpPr>
-      <p:sp>
-        <p:nvSpPr>
-          <p:cNvPr id="2" name="Title 1">
-            <a:extLst>
-              <a:ext uri="{FF2B5EF4-FFF2-40B4-BE49-F238E27FC236}">
-                <a16:creationId xmlns:a16="http://schemas.microsoft.com/office/drawing/2014/main" id="{8BDF1EDE-5423-435C-B149-87AB1BC22B83}"/>
-              </a:ext>
-            </a:extLst>
-          </p:cNvPr>
-          <p:cNvSpPr>
-            <a:spLocks noGrp="1"/>
-          </p:cNvSpPr>
-          <p:nvPr>
-            <p:ph type="ctrTitle"/>
-          </p:nvPr>
-        </p:nvSpPr>
-        <p:spPr>
-          <a:xfrm>
-            <a:off x="4267200" y="1615736"/>
-            <a:ext cx="4179570" cy="1524735"/>
-          </a:xfrm>
-        </p:spPr>
-        <p:txBody>
-          <a:bodyPr/>
-          <a:lstStyle/>
-          <a:p>
-            <a:r>
-              <a:rPr lang="en-US" dirty="0"/>
-              <a:t>THANK YOU</a:t>
-            </a:r>
-          </a:p>
-        </p:txBody>
-      </p:sp>
-      <p:sp>
-        <p:nvSpPr>
-          <p:cNvPr id="3" name="Subtitle 2">
-            <a:extLst>
-              <a:ext uri="{FF2B5EF4-FFF2-40B4-BE49-F238E27FC236}">
-                <a16:creationId xmlns:a16="http://schemas.microsoft.com/office/drawing/2014/main" id="{AF64C29E-DF30-4DC6-AB95-2016F9A703B6}"/>
-              </a:ext>
-            </a:extLst>
-          </p:cNvPr>
-          <p:cNvSpPr>
-            <a:spLocks noGrp="1"/>
-          </p:cNvSpPr>
-          <p:nvPr>
-            <p:ph type="subTitle" idx="1"/>
-          </p:nvPr>
-        </p:nvSpPr>
-        <p:spPr>
-          <a:xfrm>
-            <a:off x="4267200" y="3238103"/>
-            <a:ext cx="4179570" cy="1371997"/>
-          </a:xfrm>
-        </p:spPr>
-        <p:txBody>
-          <a:bodyPr>
-            <a:normAutofit/>
-          </a:bodyPr>
-          <a:lstStyle/>
-          <a:p>
-            <a:r>
-              <a:rPr lang="en-US" dirty="0"/>
-              <a:t>Mirjam Nilsson</a:t>
-            </a:r>
-          </a:p>
-          <a:p>
-            <a:r>
-              <a:rPr lang="en-US" dirty="0"/>
-              <a:t>mirjam@contoso.com</a:t>
-            </a:r>
-          </a:p>
-          <a:p>
-            <a:r>
-              <a:rPr lang="en-US" dirty="0"/>
-              <a:t>www.contoso.com</a:t>
-            </a:r>
-          </a:p>
-        </p:txBody>
-      </p:sp>
-      <p:sp>
-        <p:nvSpPr>
-          <p:cNvPr id="5" name="Footer Placeholder 4">
-            <a:extLst>
-              <a:ext uri="{FF2B5EF4-FFF2-40B4-BE49-F238E27FC236}">
-                <a16:creationId xmlns:a16="http://schemas.microsoft.com/office/drawing/2014/main" id="{3990FA1B-5022-47AB-A0AE-8F5C5797997C}"/>
-              </a:ext>
-            </a:extLst>
-          </p:cNvPr>
-          <p:cNvSpPr>
-            <a:spLocks noGrp="1"/>
-          </p:cNvSpPr>
-          <p:nvPr>
-            <p:ph type="ftr" sz="quarter" idx="11"/>
-          </p:nvPr>
-        </p:nvSpPr>
-        <p:spPr>
-          <a:xfrm>
-            <a:off x="6479721" y="6356350"/>
-            <a:ext cx="2661557" cy="365125"/>
-          </a:xfrm>
-        </p:spPr>
-        <p:txBody>
-          <a:bodyPr/>
-          <a:lstStyle/>
-          <a:p>
-            <a:r>
-              <a:rPr lang="en-US" dirty="0"/>
-              <a:t>PRESENTATION TITLE</a:t>
-            </a:r>
-          </a:p>
-        </p:txBody>
-      </p:sp>
-      <p:sp>
-        <p:nvSpPr>
-          <p:cNvPr id="6" name="Slide Number Placeholder 5">
-            <a:extLst>
-              <a:ext uri="{FF2B5EF4-FFF2-40B4-BE49-F238E27FC236}">
-                <a16:creationId xmlns:a16="http://schemas.microsoft.com/office/drawing/2014/main" id="{4C127D99-645F-4FCF-9573-FDFE2A344FA9}"/>
-              </a:ext>
-            </a:extLst>
-          </p:cNvPr>
-          <p:cNvSpPr>
-            <a:spLocks noGrp="1"/>
-          </p:cNvSpPr>
-          <p:nvPr>
-            <p:ph type="sldNum" sz="quarter" idx="12"/>
-          </p:nvPr>
-        </p:nvSpPr>
-        <p:spPr>
-          <a:xfrm>
-            <a:off x="9579428" y="6356350"/>
-            <a:ext cx="1774371" cy="365125"/>
-          </a:xfrm>
-        </p:spPr>
-        <p:txBody>
-          <a:bodyPr/>
-          <a:lstStyle/>
-          <a:p>
-            <a:fld id="{A49DFD55-3C28-40EF-9E31-A92D2E4017FF}" type="slidenum">
-              <a:rPr lang="en-US" smtClean="0"/>
-              <a:pPr/>
-              <a:t>16</a:t>
-            </a:fld>
-            <a:endParaRPr lang="en-US" dirty="0"/>
-          </a:p>
-        </p:txBody>
-      </p:sp>
-    </p:spTree>
-    <p:extLst>
-      <p:ext uri="{BB962C8B-B14F-4D97-AF65-F5344CB8AC3E}">
-        <p14:creationId xmlns:p14="http://schemas.microsoft.com/office/powerpoint/2010/main" val="1969787568"/>
       </p:ext>
     </p:extLst>
   </p:cSld>
@@ -15768,7 +11099,7 @@
           <a:p>
             <a:r>
               <a:rPr lang="en-US" dirty="0"/>
-              <a:t>Examples</a:t>
+              <a:t>Example</a:t>
             </a:r>
           </a:p>
           <a:p>
@@ -15956,6 +11287,16 @@
               <a:rPr lang="en-US" sz="1800" dirty="0"/>
               <a:t>Gate level and higher-level abstractions</a:t>
             </a:r>
+          </a:p>
+          <a:p>
+            <a:pPr marL="285750" indent="-285750">
+              <a:buFont typeface="Arial" panose="020B0604020202020204" pitchFamily="34" charset="0"/>
+              <a:buChar char="•"/>
+            </a:pPr>
+            <a:r>
+              <a:rPr lang="en-US" sz="1800" dirty="0"/>
+              <a:t>For simple logic and complex designs</a:t>
+            </a:r>
             <a:endParaRPr lang="en-US" sz="2400" dirty="0"/>
           </a:p>
           <a:p>
@@ -16060,7 +11401,7 @@
         </p:blipFill>
         <p:spPr>
           <a:xfrm>
-            <a:off x="6227618" y="3260639"/>
+            <a:off x="6227618" y="3563439"/>
             <a:ext cx="4765964" cy="2111238"/>
           </a:xfrm>
           <a:prstGeom prst="rect">
@@ -16090,7 +11431,7 @@
         </p:blipFill>
         <p:spPr>
           <a:xfrm>
-            <a:off x="1258928" y="3276389"/>
+            <a:off x="1258928" y="3563439"/>
             <a:ext cx="3553218" cy="2095488"/>
           </a:xfrm>
           <a:prstGeom prst="rect">
@@ -16431,7 +11772,7 @@
           <a:p>
             <a:r>
               <a:rPr lang="en-US" dirty="0"/>
-              <a:t>Motivation</a:t>
+              <a:t>Project Goals</a:t>
             </a:r>
           </a:p>
         </p:txBody>
@@ -16591,60 +11932,49 @@
               <a:buChar char="•"/>
             </a:pPr>
             <a:r>
-              <a:rPr lang="en-US" sz="1800" dirty="0"/>
-              <a:t>Writing unit and coverage tests</a:t>
-            </a:r>
-          </a:p>
-          <a:p>
-            <a:pPr marL="742950" lvl="1" indent="-285750">
-              <a:buFont typeface="Arial" panose="020B0604020202020204" pitchFamily="34" charset="0"/>
-              <a:buChar char="•"/>
-            </a:pPr>
-            <a:r>
               <a:rPr lang="en-US" sz="1800" dirty="0">
                 <a:solidFill>
                   <a:schemeClr val="tx1"/>
                 </a:solidFill>
               </a:rPr>
-              <a:t>May not cover all test cases!</a:t>
-            </a:r>
-          </a:p>
-          <a:p>
-            <a:pPr marL="285750" indent="-285750">
-              <a:buFont typeface="Arial" panose="020B0604020202020204" pitchFamily="34" charset="0"/>
-              <a:buChar char="•"/>
-            </a:pPr>
-            <a:r>
-              <a:rPr lang="en-US" sz="1800" dirty="0"/>
-              <a:t>Formal verification through model checking</a:t>
-            </a:r>
-          </a:p>
-          <a:p>
-            <a:pPr marL="742950" lvl="1" indent="-285750">
-              <a:buFont typeface="Arial" panose="020B0604020202020204" pitchFamily="34" charset="0"/>
-              <a:buChar char="•"/>
-            </a:pPr>
+              <a:t>A program verifier similar to </a:t>
+            </a:r>
+            <a:r>
+              <a:rPr lang="en-US" sz="1800" dirty="0" err="1">
+                <a:solidFill>
+                  <a:schemeClr val="tx1"/>
+                </a:solidFill>
+              </a:rPr>
+              <a:t>Dafny</a:t>
+            </a:r>
             <a:r>
               <a:rPr lang="en-US" sz="1800" dirty="0">
                 <a:solidFill>
                   <a:schemeClr val="tx1"/>
                 </a:solidFill>
               </a:rPr>
-              <a:t>Lots of programmer effort + lots of </a:t>
-            </a:r>
-            <a:r>
-              <a:rPr lang="en-US" sz="1800">
-                <a:solidFill>
-                  <a:schemeClr val="tx1"/>
-                </a:solidFill>
-              </a:rPr>
-              <a:t>knowledge needed</a:t>
-            </a:r>
-            <a:endParaRPr lang="en-US" sz="1800" dirty="0">
-              <a:solidFill>
-                <a:schemeClr val="tx1"/>
-              </a:solidFill>
-            </a:endParaRPr>
+              <a:t> </a:t>
+            </a:r>
+          </a:p>
+          <a:p>
+            <a:pPr marL="285750" indent="-285750">
+              <a:buFont typeface="Arial" panose="020B0604020202020204" pitchFamily="34" charset="0"/>
+              <a:buChar char="•"/>
+            </a:pPr>
+            <a:r>
+              <a:rPr lang="en-US" sz="1800" dirty="0"/>
+              <a:t>Supports formal verification through annotated post conditions</a:t>
+            </a:r>
+          </a:p>
+          <a:p>
+            <a:pPr marL="285750" indent="-285750">
+              <a:buFont typeface="Arial" panose="020B0604020202020204" pitchFamily="34" charset="0"/>
+              <a:buChar char="•"/>
+            </a:pPr>
+            <a:r>
+              <a:rPr lang="en-US" sz="1800" dirty="0"/>
+              <a:t>Supports formal verification of combinational logic</a:t>
+            </a:r>
           </a:p>
         </p:txBody>
       </p:sp>
@@ -16683,21 +12013,21 @@
           <p:cNvPr id="2" name="Title 1">
             <a:extLst>
               <a:ext uri="{FF2B5EF4-FFF2-40B4-BE49-F238E27FC236}">
-                <a16:creationId xmlns:a16="http://schemas.microsoft.com/office/drawing/2014/main" id="{B1FE5F11-B7B9-4B80-8C6A-A8A7A7190B77}"/>
-              </a:ext>
-            </a:extLst>
-          </p:cNvPr>
-          <p:cNvSpPr>
-            <a:spLocks noGrp="1"/>
-          </p:cNvSpPr>
-          <p:nvPr>
-            <p:ph type="ctrTitle"/>
-          </p:nvPr>
-        </p:nvSpPr>
-        <p:spPr>
-          <a:xfrm>
-            <a:off x="6991350" y="2148840"/>
-            <a:ext cx="4179570" cy="1715531"/>
+                <a16:creationId xmlns:a16="http://schemas.microsoft.com/office/drawing/2014/main" id="{0A32731C-311B-46F7-A865-6C3AF6B09A47}"/>
+              </a:ext>
+            </a:extLst>
+          </p:cNvPr>
+          <p:cNvSpPr>
+            <a:spLocks noGrp="1"/>
+          </p:cNvSpPr>
+          <p:nvPr>
+            <p:ph type="title"/>
+          </p:nvPr>
+        </p:nvSpPr>
+        <p:spPr>
+          <a:xfrm>
+            <a:off x="984250" y="231028"/>
+            <a:ext cx="5111750" cy="1204912"/>
           </a:xfrm>
         </p:spPr>
         <p:txBody>
@@ -16706,31 +12036,31 @@
           <a:p>
             <a:r>
               <a:rPr lang="en-US" dirty="0"/>
-              <a:t>PRIMARY GOALS</a:t>
-            </a:r>
-          </a:p>
-        </p:txBody>
-      </p:sp>
-      <p:sp>
-        <p:nvSpPr>
-          <p:cNvPr id="3" name="Subtitle 2">
-            <a:extLst>
-              <a:ext uri="{FF2B5EF4-FFF2-40B4-BE49-F238E27FC236}">
-                <a16:creationId xmlns:a16="http://schemas.microsoft.com/office/drawing/2014/main" id="{DA8AFAA9-633A-475C-B8ED-840A34F7294D}"/>
-              </a:ext>
-            </a:extLst>
-          </p:cNvPr>
-          <p:cNvSpPr>
-            <a:spLocks noGrp="1"/>
-          </p:cNvSpPr>
-          <p:nvPr>
-            <p:ph type="subTitle" idx="1"/>
-          </p:nvPr>
-        </p:nvSpPr>
-        <p:spPr>
-          <a:xfrm>
-            <a:off x="6991350" y="3962003"/>
-            <a:ext cx="4179570" cy="365125"/>
+              <a:t>Motivation</a:t>
+            </a:r>
+          </a:p>
+        </p:txBody>
+      </p:sp>
+      <p:sp>
+        <p:nvSpPr>
+          <p:cNvPr id="5" name="Footer Placeholder 4">
+            <a:extLst>
+              <a:ext uri="{FF2B5EF4-FFF2-40B4-BE49-F238E27FC236}">
+                <a16:creationId xmlns:a16="http://schemas.microsoft.com/office/drawing/2014/main" id="{8D51ED20-04D4-4894-B0C2-9C541A61A734}"/>
+              </a:ext>
+            </a:extLst>
+          </p:cNvPr>
+          <p:cNvSpPr>
+            <a:spLocks noGrp="1"/>
+          </p:cNvSpPr>
+          <p:nvPr>
+            <p:ph type="ftr" sz="quarter" idx="11"/>
+          </p:nvPr>
+        </p:nvSpPr>
+        <p:spPr>
+          <a:xfrm>
+            <a:off x="2463800" y="6356350"/>
+            <a:ext cx="3479800" cy="365125"/>
           </a:xfrm>
         </p:spPr>
         <p:txBody>
@@ -16739,7 +12069,215 @@
           <a:p>
             <a:r>
               <a:rPr lang="en-US" dirty="0"/>
-              <a:t>Annual revenue growth</a:t>
+              <a:t>UFM: Unusually Formal Method</a:t>
+            </a:r>
+          </a:p>
+        </p:txBody>
+      </p:sp>
+      <p:sp>
+        <p:nvSpPr>
+          <p:cNvPr id="6" name="Slide Number Placeholder 5">
+            <a:extLst>
+              <a:ext uri="{FF2B5EF4-FFF2-40B4-BE49-F238E27FC236}">
+                <a16:creationId xmlns:a16="http://schemas.microsoft.com/office/drawing/2014/main" id="{7BC1787E-7110-4989-B0B8-DD4E0ACC09DF}"/>
+              </a:ext>
+            </a:extLst>
+          </p:cNvPr>
+          <p:cNvSpPr>
+            <a:spLocks noGrp="1"/>
+          </p:cNvSpPr>
+          <p:nvPr>
+            <p:ph type="sldNum" sz="quarter" idx="12"/>
+          </p:nvPr>
+        </p:nvSpPr>
+        <p:spPr>
+          <a:xfrm>
+            <a:off x="8610600" y="6356350"/>
+            <a:ext cx="2743200" cy="365125"/>
+          </a:xfrm>
+        </p:spPr>
+        <p:txBody>
+          <a:bodyPr/>
+          <a:lstStyle/>
+          <a:p>
+            <a:fld id="{A49DFD55-3C28-40EF-9E31-A92D2E4017FF}" type="slidenum">
+              <a:rPr lang="en-US" smtClean="0"/>
+              <a:pPr/>
+              <a:t>6</a:t>
+            </a:fld>
+            <a:endParaRPr lang="en-US" dirty="0"/>
+          </a:p>
+        </p:txBody>
+      </p:sp>
+      <p:sp>
+        <p:nvSpPr>
+          <p:cNvPr id="11" name="Rectangle 10">
+            <a:extLst>
+              <a:ext uri="{FF2B5EF4-FFF2-40B4-BE49-F238E27FC236}">
+                <a16:creationId xmlns:a16="http://schemas.microsoft.com/office/drawing/2014/main" id="{35E9B32E-933C-7D57-584E-EECBCDD10BB1}"/>
+              </a:ext>
+            </a:extLst>
+          </p:cNvPr>
+          <p:cNvSpPr/>
+          <p:nvPr/>
+        </p:nvSpPr>
+        <p:spPr>
+          <a:xfrm>
+            <a:off x="5299144" y="5094642"/>
+            <a:ext cx="1956016" cy="943841"/>
+          </a:xfrm>
+          <a:prstGeom prst="rect">
+            <a:avLst/>
+          </a:prstGeom>
+          <a:solidFill>
+            <a:schemeClr val="bg1"/>
+          </a:solidFill>
+          <a:ln>
+            <a:solidFill>
+              <a:schemeClr val="bg1"/>
+            </a:solidFill>
+          </a:ln>
+        </p:spPr>
+        <p:style>
+          <a:lnRef idx="2">
+            <a:schemeClr val="accent1">
+              <a:shade val="15000"/>
+            </a:schemeClr>
+          </a:lnRef>
+          <a:fillRef idx="1">
+            <a:schemeClr val="accent1"/>
+          </a:fillRef>
+          <a:effectRef idx="0">
+            <a:schemeClr val="accent1"/>
+          </a:effectRef>
+          <a:fontRef idx="minor">
+            <a:schemeClr val="lt1"/>
+          </a:fontRef>
+        </p:style>
+        <p:txBody>
+          <a:bodyPr rtlCol="0" anchor="ctr"/>
+          <a:lstStyle/>
+          <a:p>
+            <a:pPr algn="ctr"/>
+            <a:endParaRPr lang="en-US"/>
+          </a:p>
+        </p:txBody>
+      </p:sp>
+      <p:sp>
+        <p:nvSpPr>
+          <p:cNvPr id="3" name="Text Placeholder 2">
+            <a:extLst>
+              <a:ext uri="{FF2B5EF4-FFF2-40B4-BE49-F238E27FC236}">
+                <a16:creationId xmlns:a16="http://schemas.microsoft.com/office/drawing/2014/main" id="{60028EB8-E126-8BBE-2A64-A661D4868CFD}"/>
+              </a:ext>
+            </a:extLst>
+          </p:cNvPr>
+          <p:cNvSpPr>
+            <a:spLocks noGrp="1"/>
+          </p:cNvSpPr>
+          <p:nvPr>
+            <p:ph type="body" idx="1"/>
+          </p:nvPr>
+        </p:nvSpPr>
+        <p:spPr>
+          <a:xfrm>
+            <a:off x="984249" y="1719830"/>
+            <a:ext cx="6606995" cy="3939097"/>
+          </a:xfrm>
+        </p:spPr>
+        <p:txBody>
+          <a:bodyPr>
+            <a:normAutofit/>
+          </a:bodyPr>
+          <a:lstStyle/>
+          <a:p>
+            <a:pPr marL="285750" indent="-285750">
+              <a:buFont typeface="Arial" panose="020B0604020202020204" pitchFamily="34" charset="0"/>
+              <a:buChar char="•"/>
+            </a:pPr>
+            <a:r>
+              <a:rPr lang="en-US" sz="1800" dirty="0"/>
+              <a:t>Writing unit and coverage tests</a:t>
+            </a:r>
+          </a:p>
+          <a:p>
+            <a:pPr marL="742950" lvl="1" indent="-285750">
+              <a:buFont typeface="Arial" panose="020B0604020202020204" pitchFamily="34" charset="0"/>
+              <a:buChar char="•"/>
+            </a:pPr>
+            <a:r>
+              <a:rPr lang="en-US" sz="1800" dirty="0">
+                <a:solidFill>
+                  <a:schemeClr val="tx1"/>
+                </a:solidFill>
+              </a:rPr>
+              <a:t>Lots of programming effort</a:t>
+            </a:r>
+          </a:p>
+          <a:p>
+            <a:pPr marL="742950" lvl="1" indent="-285750">
+              <a:buFont typeface="Arial" panose="020B0604020202020204" pitchFamily="34" charset="0"/>
+              <a:buChar char="•"/>
+            </a:pPr>
+            <a:r>
+              <a:rPr lang="en-US" sz="1800" dirty="0">
+                <a:solidFill>
+                  <a:schemeClr val="tx1"/>
+                </a:solidFill>
+              </a:rPr>
+              <a:t>May not cover all test cases!</a:t>
+            </a:r>
+          </a:p>
+          <a:p>
+            <a:pPr marL="285750" indent="-285750">
+              <a:buFont typeface="Arial" panose="020B0604020202020204" pitchFamily="34" charset="0"/>
+              <a:buChar char="•"/>
+            </a:pPr>
+            <a:r>
+              <a:rPr lang="en-US" sz="1800" dirty="0"/>
+              <a:t>Formal verification</a:t>
+            </a:r>
+          </a:p>
+          <a:p>
+            <a:pPr marL="742950" lvl="1" indent="-285750">
+              <a:buFont typeface="Arial" panose="020B0604020202020204" pitchFamily="34" charset="0"/>
+              <a:buChar char="•"/>
+            </a:pPr>
+            <a:r>
+              <a:rPr lang="en-US" sz="1800" dirty="0">
+                <a:solidFill>
+                  <a:schemeClr val="tx1"/>
+                </a:solidFill>
+              </a:rPr>
+              <a:t>Model checking and program abstraction</a:t>
+            </a:r>
+          </a:p>
+          <a:p>
+            <a:pPr marL="742950" lvl="1" indent="-285750">
+              <a:buFont typeface="Arial" panose="020B0604020202020204" pitchFamily="34" charset="0"/>
+              <a:buChar char="•"/>
+            </a:pPr>
+            <a:r>
+              <a:rPr lang="en-US" sz="1800" dirty="0">
+                <a:solidFill>
+                  <a:schemeClr val="tx1"/>
+                </a:solidFill>
+              </a:rPr>
+              <a:t>Lots of programmer effort + knowledge needed</a:t>
+            </a:r>
+          </a:p>
+          <a:p>
+            <a:pPr marL="742950" lvl="1" indent="-285750">
+              <a:buFont typeface="Arial" panose="020B0604020202020204" pitchFamily="34" charset="0"/>
+              <a:buChar char="•"/>
+            </a:pPr>
+            <a:r>
+              <a:rPr lang="en-US" sz="1800" dirty="0">
+                <a:solidFill>
+                  <a:schemeClr val="tx1"/>
+                </a:solidFill>
+              </a:rPr>
+              <a:t>Lots of resources + time </a:t>
             </a:r>
           </a:p>
         </p:txBody>
@@ -16747,7 +12285,7 @@
     </p:spTree>
     <p:extLst>
       <p:ext uri="{BB962C8B-B14F-4D97-AF65-F5344CB8AC3E}">
-        <p14:creationId xmlns:p14="http://schemas.microsoft.com/office/powerpoint/2010/main" val="379728094"/>
+        <p14:creationId xmlns:p14="http://schemas.microsoft.com/office/powerpoint/2010/main" val="3812311105"/>
       </p:ext>
     </p:extLst>
   </p:cSld>
@@ -16802,910 +12340,11 @@
           <a:p>
             <a:r>
               <a:rPr lang="en-US" dirty="0"/>
-              <a:t>AREAS OF GROWTH</a:t>
-            </a:r>
-          </a:p>
-        </p:txBody>
-      </p:sp>
-      <p:graphicFrame>
-        <p:nvGraphicFramePr>
-          <p:cNvPr id="4" name="Table 4">
-            <a:extLst>
-              <a:ext uri="{FF2B5EF4-FFF2-40B4-BE49-F238E27FC236}">
-                <a16:creationId xmlns:a16="http://schemas.microsoft.com/office/drawing/2014/main" id="{390E7E75-E57A-4FF0-A0E4-A4DBCF6EA89A}"/>
-              </a:ext>
-            </a:extLst>
-          </p:cNvPr>
-          <p:cNvGraphicFramePr>
-            <a:graphicFrameLocks noGrp="1"/>
-          </p:cNvGraphicFramePr>
-          <p:nvPr>
-            <p:ph type="tbl" sz="quarter" idx="14"/>
-            <p:extLst>
-              <p:ext uri="{D42A27DB-BD31-4B8C-83A1-F6EECF244321}">
-                <p14:modId xmlns:p14="http://schemas.microsoft.com/office/powerpoint/2010/main" val="3855681044"/>
-              </p:ext>
-            </p:extLst>
-          </p:nvPr>
-        </p:nvGraphicFramePr>
-        <p:xfrm>
-          <a:off x="838200" y="2111375"/>
-          <a:ext cx="10515600" cy="3570970"/>
-        </p:xfrm>
-        <a:graphic>
-          <a:graphicData uri="http://schemas.openxmlformats.org/drawingml/2006/table">
-            <a:tbl>
-              <a:tblPr firstRow="1" bandRow="1">
-                <a:tableStyleId>{7E9639D4-E3E2-4D34-9284-5A2195B3D0D7}</a:tableStyleId>
-              </a:tblPr>
-              <a:tblGrid>
-                <a:gridCol w="2103120">
-                  <a:extLst>
-                    <a:ext uri="{9D8B030D-6E8A-4147-A177-3AD203B41FA5}">
-                      <a16:colId xmlns:a16="http://schemas.microsoft.com/office/drawing/2014/main" val="3261104555"/>
-                    </a:ext>
-                  </a:extLst>
-                </a:gridCol>
-                <a:gridCol w="2103120">
-                  <a:extLst>
-                    <a:ext uri="{9D8B030D-6E8A-4147-A177-3AD203B41FA5}">
-                      <a16:colId xmlns:a16="http://schemas.microsoft.com/office/drawing/2014/main" val="2547279344"/>
-                    </a:ext>
-                  </a:extLst>
-                </a:gridCol>
-                <a:gridCol w="2103120">
-                  <a:extLst>
-                    <a:ext uri="{9D8B030D-6E8A-4147-A177-3AD203B41FA5}">
-                      <a16:colId xmlns:a16="http://schemas.microsoft.com/office/drawing/2014/main" val="2366228292"/>
-                    </a:ext>
-                  </a:extLst>
-                </a:gridCol>
-                <a:gridCol w="2103120">
-                  <a:extLst>
-                    <a:ext uri="{9D8B030D-6E8A-4147-A177-3AD203B41FA5}">
-                      <a16:colId xmlns:a16="http://schemas.microsoft.com/office/drawing/2014/main" val="934788178"/>
-                    </a:ext>
-                  </a:extLst>
-                </a:gridCol>
-                <a:gridCol w="2103120">
-                  <a:extLst>
-                    <a:ext uri="{9D8B030D-6E8A-4147-A177-3AD203B41FA5}">
-                      <a16:colId xmlns:a16="http://schemas.microsoft.com/office/drawing/2014/main" val="2596635212"/>
-                    </a:ext>
-                  </a:extLst>
-                </a:gridCol>
-              </a:tblGrid>
-              <a:tr h="714194">
-                <a:tc>
-                  <a:txBody>
-                    <a:bodyPr/>
-                    <a:lstStyle/>
-                    <a:p>
-                      <a:pPr algn="ctr" rtl="0" fontAlgn="auto"/>
-                      <a:r>
-                        <a:rPr lang="en-US" sz="1600" b="1" i="0" dirty="0">
-                          <a:solidFill>
-                            <a:srgbClr val="FFFFFF"/>
-                          </a:solidFill>
-                          <a:effectLst/>
-                          <a:latin typeface="+mn-lt"/>
-                        </a:rPr>
-                        <a:t>​</a:t>
-                      </a:r>
-                    </a:p>
-                  </a:txBody>
-                  <a:tcPr anchor="ctr"/>
-                </a:tc>
-                <a:tc>
-                  <a:txBody>
-                    <a:bodyPr/>
-                    <a:lstStyle/>
-                    <a:p>
-                      <a:pPr algn="ctr" rtl="0" fontAlgn="base"/>
-                      <a:r>
-                        <a:rPr lang="en-US" sz="1600" b="0" i="0" dirty="0">
-                          <a:solidFill>
-                            <a:schemeClr val="accent1"/>
-                          </a:solidFill>
-                          <a:effectLst/>
-                          <a:latin typeface="+mn-lt"/>
-                        </a:rPr>
-                        <a:t>CATEGORY 1</a:t>
-                      </a:r>
-                      <a:endParaRPr lang="en-US" sz="1600" b="1" i="0" dirty="0">
-                        <a:solidFill>
-                          <a:schemeClr val="accent1"/>
-                        </a:solidFill>
-                        <a:effectLst/>
-                        <a:latin typeface="+mn-lt"/>
-                      </a:endParaRPr>
-                    </a:p>
-                  </a:txBody>
-                  <a:tcPr anchor="ctr"/>
-                </a:tc>
-                <a:tc>
-                  <a:txBody>
-                    <a:bodyPr/>
-                    <a:lstStyle/>
-                    <a:p>
-                      <a:pPr algn="ctr" rtl="0" fontAlgn="base"/>
-                      <a:r>
-                        <a:rPr lang="en-US" sz="1600" b="0" i="0" dirty="0">
-                          <a:solidFill>
-                            <a:schemeClr val="accent1"/>
-                          </a:solidFill>
-                          <a:effectLst/>
-                          <a:latin typeface="+mn-lt"/>
-                        </a:rPr>
-                        <a:t>CATEGORY 2</a:t>
-                      </a:r>
-                      <a:endParaRPr lang="en-US" sz="1600" b="1" i="0" dirty="0">
-                        <a:solidFill>
-                          <a:schemeClr val="accent1"/>
-                        </a:solidFill>
-                        <a:effectLst/>
-                        <a:latin typeface="+mn-lt"/>
-                      </a:endParaRPr>
-                    </a:p>
-                  </a:txBody>
-                  <a:tcPr anchor="ctr"/>
-                </a:tc>
-                <a:tc>
-                  <a:txBody>
-                    <a:bodyPr/>
-                    <a:lstStyle/>
-                    <a:p>
-                      <a:pPr algn="ctr" rtl="0" fontAlgn="base"/>
-                      <a:r>
-                        <a:rPr lang="en-US" sz="1600" b="0" i="0" kern="1200" dirty="0">
-                          <a:solidFill>
-                            <a:schemeClr val="accent1"/>
-                          </a:solidFill>
-                          <a:effectLst/>
-                          <a:latin typeface="+mn-lt"/>
-                          <a:ea typeface="+mn-ea"/>
-                          <a:cs typeface="+mn-cs"/>
-                        </a:rPr>
-                        <a:t>CATEGORY 3</a:t>
-                      </a:r>
-                      <a:r>
-                        <a:rPr lang="en-US" sz="1600" b="1" i="0" dirty="0">
-                          <a:solidFill>
-                            <a:srgbClr val="FFFFFF"/>
-                          </a:solidFill>
-                          <a:effectLst/>
-                          <a:latin typeface="+mn-lt"/>
-                        </a:rPr>
-                        <a:t>​</a:t>
-                      </a:r>
-                    </a:p>
-                  </a:txBody>
-                  <a:tcPr anchor="ctr"/>
-                </a:tc>
-                <a:tc>
-                  <a:txBody>
-                    <a:bodyPr/>
-                    <a:lstStyle/>
-                    <a:p>
-                      <a:pPr algn="ctr" rtl="0" fontAlgn="base"/>
-                      <a:r>
-                        <a:rPr lang="en-US" sz="1600" b="0" i="0" kern="1200" dirty="0">
-                          <a:solidFill>
-                            <a:schemeClr val="accent1"/>
-                          </a:solidFill>
-                          <a:effectLst/>
-                          <a:latin typeface="+mn-lt"/>
-                          <a:ea typeface="+mn-ea"/>
-                          <a:cs typeface="+mn-cs"/>
-                        </a:rPr>
-                        <a:t>CATEGORY 4​</a:t>
-                      </a:r>
-                    </a:p>
-                  </a:txBody>
-                  <a:tcPr anchor="ctr"/>
-                </a:tc>
-                <a:extLst>
-                  <a:ext uri="{0D108BD9-81ED-4DB2-BD59-A6C34878D82A}">
-                    <a16:rowId xmlns:a16="http://schemas.microsoft.com/office/drawing/2014/main" val="3441328149"/>
-                  </a:ext>
-                </a:extLst>
-              </a:tr>
-              <a:tr h="714194">
-                <a:tc>
-                  <a:txBody>
-                    <a:bodyPr/>
-                    <a:lstStyle/>
-                    <a:p>
-                      <a:pPr algn="ctr" rtl="0" fontAlgn="base"/>
-                      <a:r>
-                        <a:rPr lang="en-US" sz="1400" b="0" i="0" dirty="0">
-                          <a:solidFill>
-                            <a:srgbClr val="333F50"/>
-                          </a:solidFill>
-                          <a:effectLst/>
-                          <a:latin typeface="+mn-lt"/>
-                        </a:rPr>
-                        <a:t>Q1</a:t>
-                      </a:r>
-                      <a:endParaRPr lang="en-US" sz="1400" b="0" i="0" dirty="0">
-                        <a:solidFill>
-                          <a:srgbClr val="000000"/>
-                        </a:solidFill>
-                        <a:effectLst/>
-                        <a:latin typeface="+mn-lt"/>
-                      </a:endParaRPr>
-                    </a:p>
-                  </a:txBody>
-                  <a:tcPr anchor="ctr">
-                    <a:lnL w="12700" cap="flat" cmpd="sng" algn="ctr">
-                      <a:noFill/>
-                      <a:prstDash val="solid"/>
-                      <a:round/>
-                      <a:headEnd type="none" w="med" len="med"/>
-                      <a:tailEnd type="none" w="med" len="med"/>
-                    </a:lnL>
-                  </a:tcPr>
-                </a:tc>
-                <a:tc>
-                  <a:txBody>
-                    <a:bodyPr/>
-                    <a:lstStyle/>
-                    <a:p>
-                      <a:pPr algn="ctr" rtl="0" fontAlgn="base"/>
-                      <a:r>
-                        <a:rPr lang="en-US" sz="1400" b="0" i="0" dirty="0">
-                          <a:solidFill>
-                            <a:srgbClr val="333F50"/>
-                          </a:solidFill>
-                          <a:effectLst/>
-                          <a:latin typeface="+mn-lt"/>
-                        </a:rPr>
-                        <a:t>4.5</a:t>
-                      </a:r>
-                      <a:r>
-                        <a:rPr lang="en-US" sz="1400" b="0" i="0" dirty="0">
-                          <a:solidFill>
-                            <a:srgbClr val="000000"/>
-                          </a:solidFill>
-                          <a:effectLst/>
-                          <a:latin typeface="+mn-lt"/>
-                        </a:rPr>
-                        <a:t>​</a:t>
-                      </a:r>
-                    </a:p>
-                  </a:txBody>
-                  <a:tcPr anchor="ctr"/>
-                </a:tc>
-                <a:tc>
-                  <a:txBody>
-                    <a:bodyPr/>
-                    <a:lstStyle/>
-                    <a:p>
-                      <a:pPr algn="ctr" rtl="0" fontAlgn="base"/>
-                      <a:r>
-                        <a:rPr lang="en-US" sz="1400" b="0" i="0" dirty="0">
-                          <a:solidFill>
-                            <a:srgbClr val="333F50"/>
-                          </a:solidFill>
-                          <a:effectLst/>
-                          <a:latin typeface="+mn-lt"/>
-                        </a:rPr>
-                        <a:t>2.3</a:t>
-                      </a:r>
-                      <a:r>
-                        <a:rPr lang="en-US" sz="1400" b="0" i="0" dirty="0">
-                          <a:solidFill>
-                            <a:srgbClr val="000000"/>
-                          </a:solidFill>
-                          <a:effectLst/>
-                          <a:latin typeface="+mn-lt"/>
-                        </a:rPr>
-                        <a:t>​</a:t>
-                      </a:r>
-                    </a:p>
-                  </a:txBody>
-                  <a:tcPr anchor="ctr"/>
-                </a:tc>
-                <a:tc>
-                  <a:txBody>
-                    <a:bodyPr/>
-                    <a:lstStyle/>
-                    <a:p>
-                      <a:pPr algn="ctr" rtl="0" fontAlgn="base"/>
-                      <a:r>
-                        <a:rPr lang="en-US" sz="1400" b="0" i="0" dirty="0">
-                          <a:solidFill>
-                            <a:srgbClr val="333F50"/>
-                          </a:solidFill>
-                          <a:effectLst/>
-                          <a:latin typeface="+mn-lt"/>
-                        </a:rPr>
-                        <a:t>1.7</a:t>
-                      </a:r>
-                      <a:r>
-                        <a:rPr lang="en-US" sz="1400" b="0" i="0" dirty="0">
-                          <a:solidFill>
-                            <a:srgbClr val="000000"/>
-                          </a:solidFill>
-                          <a:effectLst/>
-                          <a:latin typeface="+mn-lt"/>
-                        </a:rPr>
-                        <a:t>​</a:t>
-                      </a:r>
-                    </a:p>
-                  </a:txBody>
-                  <a:tcPr anchor="ctr">
-                    <a:lnR w="12700" cap="flat" cmpd="sng" algn="ctr">
-                      <a:noFill/>
-                      <a:prstDash val="solid"/>
-                      <a:round/>
-                      <a:headEnd type="none" w="med" len="med"/>
-                      <a:tailEnd type="none" w="med" len="med"/>
-                    </a:lnR>
-                  </a:tcPr>
-                </a:tc>
-                <a:tc>
-                  <a:txBody>
-                    <a:bodyPr/>
-                    <a:lstStyle/>
-                    <a:p>
-                      <a:pPr algn="ctr" rtl="0" fontAlgn="base"/>
-                      <a:r>
-                        <a:rPr lang="en-US" sz="1400" b="0" i="0" dirty="0">
-                          <a:solidFill>
-                            <a:srgbClr val="333F50"/>
-                          </a:solidFill>
-                          <a:effectLst/>
-                          <a:latin typeface="+mn-lt"/>
-                        </a:rPr>
-                        <a:t>5</a:t>
-                      </a:r>
-                      <a:r>
-                        <a:rPr lang="en-US" sz="1400" b="0" i="0" dirty="0">
-                          <a:solidFill>
-                            <a:srgbClr val="000000"/>
-                          </a:solidFill>
-                          <a:effectLst/>
-                          <a:latin typeface="+mn-lt"/>
-                        </a:rPr>
-                        <a:t>​.0</a:t>
-                      </a:r>
-                    </a:p>
-                  </a:txBody>
-                  <a:tcPr anchor="ctr">
-                    <a:lnL w="12700" cap="flat" cmpd="sng" algn="ctr">
-                      <a:noFill/>
-                      <a:prstDash val="solid"/>
-                      <a:round/>
-                      <a:headEnd type="none" w="med" len="med"/>
-                      <a:tailEnd type="none" w="med" len="med"/>
-                    </a:lnL>
-                    <a:lnR w="12700" cap="flat" cmpd="sng" algn="ctr">
-                      <a:noFill/>
-                      <a:prstDash val="solid"/>
-                      <a:round/>
-                      <a:headEnd type="none" w="med" len="med"/>
-                      <a:tailEnd type="none" w="med" len="med"/>
-                    </a:lnR>
-                  </a:tcPr>
-                </a:tc>
-                <a:extLst>
-                  <a:ext uri="{0D108BD9-81ED-4DB2-BD59-A6C34878D82A}">
-                    <a16:rowId xmlns:a16="http://schemas.microsoft.com/office/drawing/2014/main" val="3134841754"/>
-                  </a:ext>
-                </a:extLst>
-              </a:tr>
-              <a:tr h="714194">
-                <a:tc>
-                  <a:txBody>
-                    <a:bodyPr/>
-                    <a:lstStyle/>
-                    <a:p>
-                      <a:pPr algn="ctr" rtl="0" fontAlgn="base"/>
-                      <a:r>
-                        <a:rPr lang="en-US" sz="1400" b="0" i="0" dirty="0">
-                          <a:solidFill>
-                            <a:srgbClr val="333F50"/>
-                          </a:solidFill>
-                          <a:effectLst/>
-                          <a:latin typeface="+mn-lt"/>
-                        </a:rPr>
-                        <a:t>Q2</a:t>
-                      </a:r>
-                      <a:endParaRPr lang="en-US" sz="1400" b="0" i="0" dirty="0">
-                        <a:solidFill>
-                          <a:srgbClr val="000000"/>
-                        </a:solidFill>
-                        <a:effectLst/>
-                        <a:latin typeface="+mn-lt"/>
-                      </a:endParaRPr>
-                    </a:p>
-                  </a:txBody>
-                  <a:tcPr anchor="ctr">
-                    <a:lnL w="12700" cap="flat" cmpd="sng" algn="ctr">
-                      <a:noFill/>
-                      <a:prstDash val="solid"/>
-                      <a:round/>
-                      <a:headEnd type="none" w="med" len="med"/>
-                      <a:tailEnd type="none" w="med" len="med"/>
-                    </a:lnL>
-                  </a:tcPr>
-                </a:tc>
-                <a:tc>
-                  <a:txBody>
-                    <a:bodyPr/>
-                    <a:lstStyle/>
-                    <a:p>
-                      <a:pPr algn="ctr" rtl="0" fontAlgn="base"/>
-                      <a:r>
-                        <a:rPr lang="en-US" sz="1400" b="0" i="0" dirty="0">
-                          <a:solidFill>
-                            <a:srgbClr val="333F50"/>
-                          </a:solidFill>
-                          <a:effectLst/>
-                          <a:latin typeface="+mn-lt"/>
-                        </a:rPr>
-                        <a:t>3.2</a:t>
-                      </a:r>
-                      <a:r>
-                        <a:rPr lang="en-US" sz="1400" b="0" i="0" dirty="0">
-                          <a:solidFill>
-                            <a:srgbClr val="000000"/>
-                          </a:solidFill>
-                          <a:effectLst/>
-                          <a:latin typeface="+mn-lt"/>
-                        </a:rPr>
-                        <a:t>​</a:t>
-                      </a:r>
-                    </a:p>
-                  </a:txBody>
-                  <a:tcPr anchor="ctr"/>
-                </a:tc>
-                <a:tc>
-                  <a:txBody>
-                    <a:bodyPr/>
-                    <a:lstStyle/>
-                    <a:p>
-                      <a:pPr algn="ctr" rtl="0" fontAlgn="base"/>
-                      <a:r>
-                        <a:rPr lang="en-US" sz="1400" b="0" i="0" dirty="0">
-                          <a:solidFill>
-                            <a:srgbClr val="333F50"/>
-                          </a:solidFill>
-                          <a:effectLst/>
-                          <a:latin typeface="+mn-lt"/>
-                        </a:rPr>
-                        <a:t>5.1</a:t>
-                      </a:r>
-                      <a:r>
-                        <a:rPr lang="en-US" sz="1400" b="0" i="0" dirty="0">
-                          <a:solidFill>
-                            <a:srgbClr val="000000"/>
-                          </a:solidFill>
-                          <a:effectLst/>
-                          <a:latin typeface="+mn-lt"/>
-                        </a:rPr>
-                        <a:t>​</a:t>
-                      </a:r>
-                    </a:p>
-                  </a:txBody>
-                  <a:tcPr anchor="ctr"/>
-                </a:tc>
-                <a:tc>
-                  <a:txBody>
-                    <a:bodyPr/>
-                    <a:lstStyle/>
-                    <a:p>
-                      <a:pPr algn="ctr" rtl="0" fontAlgn="base"/>
-                      <a:r>
-                        <a:rPr lang="en-US" sz="1400" b="0" i="0" dirty="0">
-                          <a:solidFill>
-                            <a:srgbClr val="333F50"/>
-                          </a:solidFill>
-                          <a:effectLst/>
-                          <a:latin typeface="+mn-lt"/>
-                        </a:rPr>
-                        <a:t>4.4</a:t>
-                      </a:r>
-                      <a:r>
-                        <a:rPr lang="en-US" sz="1400" b="0" i="0" dirty="0">
-                          <a:solidFill>
-                            <a:srgbClr val="000000"/>
-                          </a:solidFill>
-                          <a:effectLst/>
-                          <a:latin typeface="+mn-lt"/>
-                        </a:rPr>
-                        <a:t>​</a:t>
-                      </a:r>
-                    </a:p>
-                  </a:txBody>
-                  <a:tcPr anchor="ctr"/>
-                </a:tc>
-                <a:tc>
-                  <a:txBody>
-                    <a:bodyPr/>
-                    <a:lstStyle/>
-                    <a:p>
-                      <a:pPr algn="ctr" rtl="0" fontAlgn="base"/>
-                      <a:r>
-                        <a:rPr lang="en-US" sz="1400" b="0" i="0" dirty="0">
-                          <a:solidFill>
-                            <a:srgbClr val="333F50"/>
-                          </a:solidFill>
-                          <a:effectLst/>
-                          <a:latin typeface="+mn-lt"/>
-                        </a:rPr>
-                        <a:t>3</a:t>
-                      </a:r>
-                      <a:r>
-                        <a:rPr lang="en-US" sz="1400" b="0" i="0" dirty="0">
-                          <a:solidFill>
-                            <a:srgbClr val="000000"/>
-                          </a:solidFill>
-                          <a:effectLst/>
-                          <a:latin typeface="+mn-lt"/>
-                        </a:rPr>
-                        <a:t>​.0</a:t>
-                      </a:r>
-                    </a:p>
-                  </a:txBody>
-                  <a:tcPr anchor="ctr">
-                    <a:lnR w="12700" cap="flat" cmpd="sng" algn="ctr">
-                      <a:noFill/>
-                      <a:prstDash val="solid"/>
-                      <a:round/>
-                      <a:headEnd type="none" w="med" len="med"/>
-                      <a:tailEnd type="none" w="med" len="med"/>
-                    </a:lnR>
-                  </a:tcPr>
-                </a:tc>
-                <a:extLst>
-                  <a:ext uri="{0D108BD9-81ED-4DB2-BD59-A6C34878D82A}">
-                    <a16:rowId xmlns:a16="http://schemas.microsoft.com/office/drawing/2014/main" val="4129140390"/>
-                  </a:ext>
-                </a:extLst>
-              </a:tr>
-              <a:tr h="714194">
-                <a:tc>
-                  <a:txBody>
-                    <a:bodyPr/>
-                    <a:lstStyle/>
-                    <a:p>
-                      <a:pPr algn="ctr" rtl="0" fontAlgn="base"/>
-                      <a:r>
-                        <a:rPr lang="en-US" sz="1400" b="0" i="0" dirty="0">
-                          <a:solidFill>
-                            <a:srgbClr val="333F50"/>
-                          </a:solidFill>
-                          <a:effectLst/>
-                          <a:latin typeface="+mn-lt"/>
-                        </a:rPr>
-                        <a:t>Q3</a:t>
-                      </a:r>
-                      <a:endParaRPr lang="en-US" sz="1400" b="0" i="0" dirty="0">
-                        <a:solidFill>
-                          <a:srgbClr val="000000"/>
-                        </a:solidFill>
-                        <a:effectLst/>
-                        <a:latin typeface="+mn-lt"/>
-                      </a:endParaRPr>
-                    </a:p>
-                  </a:txBody>
-                  <a:tcPr anchor="ctr">
-                    <a:lnL w="12700" cap="flat" cmpd="sng" algn="ctr">
-                      <a:noFill/>
-                      <a:prstDash val="solid"/>
-                      <a:round/>
-                      <a:headEnd type="none" w="med" len="med"/>
-                      <a:tailEnd type="none" w="med" len="med"/>
-                    </a:lnL>
-                  </a:tcPr>
-                </a:tc>
-                <a:tc>
-                  <a:txBody>
-                    <a:bodyPr/>
-                    <a:lstStyle/>
-                    <a:p>
-                      <a:pPr algn="ctr" rtl="0" fontAlgn="base"/>
-                      <a:r>
-                        <a:rPr lang="en-US" sz="1400" b="0" i="0" dirty="0">
-                          <a:solidFill>
-                            <a:srgbClr val="333F50"/>
-                          </a:solidFill>
-                          <a:effectLst/>
-                          <a:latin typeface="+mn-lt"/>
-                        </a:rPr>
-                        <a:t>2.1</a:t>
-                      </a:r>
-                      <a:r>
-                        <a:rPr lang="en-US" sz="1400" b="0" i="0" dirty="0">
-                          <a:solidFill>
-                            <a:srgbClr val="000000"/>
-                          </a:solidFill>
-                          <a:effectLst/>
-                          <a:latin typeface="+mn-lt"/>
-                        </a:rPr>
-                        <a:t>​</a:t>
-                      </a:r>
-                    </a:p>
-                  </a:txBody>
-                  <a:tcPr anchor="ctr"/>
-                </a:tc>
-                <a:tc>
-                  <a:txBody>
-                    <a:bodyPr/>
-                    <a:lstStyle/>
-                    <a:p>
-                      <a:pPr algn="ctr" rtl="0" fontAlgn="base"/>
-                      <a:r>
-                        <a:rPr lang="en-US" sz="1400" b="0" i="0" dirty="0">
-                          <a:solidFill>
-                            <a:srgbClr val="333F50"/>
-                          </a:solidFill>
-                          <a:effectLst/>
-                          <a:latin typeface="+mn-lt"/>
-                        </a:rPr>
-                        <a:t>1.7</a:t>
-                      </a:r>
-                      <a:r>
-                        <a:rPr lang="en-US" sz="1400" b="0" i="0" dirty="0">
-                          <a:solidFill>
-                            <a:srgbClr val="000000"/>
-                          </a:solidFill>
-                          <a:effectLst/>
-                          <a:latin typeface="+mn-lt"/>
-                        </a:rPr>
-                        <a:t>​</a:t>
-                      </a:r>
-                    </a:p>
-                  </a:txBody>
-                  <a:tcPr anchor="ctr"/>
-                </a:tc>
-                <a:tc>
-                  <a:txBody>
-                    <a:bodyPr/>
-                    <a:lstStyle/>
-                    <a:p>
-                      <a:pPr algn="ctr" rtl="0" fontAlgn="base"/>
-                      <a:r>
-                        <a:rPr lang="en-US" sz="1400" b="0" i="0" dirty="0">
-                          <a:solidFill>
-                            <a:srgbClr val="333F50"/>
-                          </a:solidFill>
-                          <a:effectLst/>
-                          <a:latin typeface="+mn-lt"/>
-                        </a:rPr>
-                        <a:t>2.5</a:t>
-                      </a:r>
-                      <a:r>
-                        <a:rPr lang="en-US" sz="1400" b="0" i="0" dirty="0">
-                          <a:solidFill>
-                            <a:srgbClr val="000000"/>
-                          </a:solidFill>
-                          <a:effectLst/>
-                          <a:latin typeface="+mn-lt"/>
-                        </a:rPr>
-                        <a:t>​</a:t>
-                      </a:r>
-                    </a:p>
-                  </a:txBody>
-                  <a:tcPr anchor="ctr"/>
-                </a:tc>
-                <a:tc>
-                  <a:txBody>
-                    <a:bodyPr/>
-                    <a:lstStyle/>
-                    <a:p>
-                      <a:pPr algn="ctr" rtl="0" fontAlgn="base"/>
-                      <a:r>
-                        <a:rPr lang="en-US" sz="1400" b="0" i="0" dirty="0">
-                          <a:solidFill>
-                            <a:srgbClr val="333F50"/>
-                          </a:solidFill>
-                          <a:effectLst/>
-                          <a:latin typeface="+mn-lt"/>
-                        </a:rPr>
-                        <a:t>2.8</a:t>
-                      </a:r>
-                      <a:r>
-                        <a:rPr lang="en-US" sz="1400" b="0" i="0" dirty="0">
-                          <a:solidFill>
-                            <a:srgbClr val="000000"/>
-                          </a:solidFill>
-                          <a:effectLst/>
-                          <a:latin typeface="+mn-lt"/>
-                        </a:rPr>
-                        <a:t>​</a:t>
-                      </a:r>
-                    </a:p>
-                  </a:txBody>
-                  <a:tcPr anchor="ctr">
-                    <a:lnR w="12700" cap="flat" cmpd="sng" algn="ctr">
-                      <a:noFill/>
-                      <a:prstDash val="solid"/>
-                      <a:round/>
-                      <a:headEnd type="none" w="med" len="med"/>
-                      <a:tailEnd type="none" w="med" len="med"/>
-                    </a:lnR>
-                  </a:tcPr>
-                </a:tc>
-                <a:extLst>
-                  <a:ext uri="{0D108BD9-81ED-4DB2-BD59-A6C34878D82A}">
-                    <a16:rowId xmlns:a16="http://schemas.microsoft.com/office/drawing/2014/main" val="1699990805"/>
-                  </a:ext>
-                </a:extLst>
-              </a:tr>
-              <a:tr h="714194">
-                <a:tc>
-                  <a:txBody>
-                    <a:bodyPr/>
-                    <a:lstStyle/>
-                    <a:p>
-                      <a:pPr algn="ctr" rtl="0" fontAlgn="base"/>
-                      <a:r>
-                        <a:rPr lang="en-US" sz="1400" b="0" i="0" dirty="0">
-                          <a:solidFill>
-                            <a:srgbClr val="333F50"/>
-                          </a:solidFill>
-                          <a:effectLst/>
-                          <a:latin typeface="+mn-lt"/>
-                        </a:rPr>
-                        <a:t>Q4</a:t>
-                      </a:r>
-                      <a:endParaRPr lang="en-US" sz="1400" b="0" i="0" dirty="0">
-                        <a:solidFill>
-                          <a:srgbClr val="000000"/>
-                        </a:solidFill>
-                        <a:effectLst/>
-                        <a:latin typeface="+mn-lt"/>
-                      </a:endParaRPr>
-                    </a:p>
-                  </a:txBody>
-                  <a:tcPr anchor="ctr">
-                    <a:lnL w="12700" cap="flat" cmpd="sng" algn="ctr">
-                      <a:noFill/>
-                      <a:prstDash val="solid"/>
-                      <a:round/>
-                      <a:headEnd type="none" w="med" len="med"/>
-                      <a:tailEnd type="none" w="med" len="med"/>
-                    </a:lnL>
-                  </a:tcPr>
-                </a:tc>
-                <a:tc>
-                  <a:txBody>
-                    <a:bodyPr/>
-                    <a:lstStyle/>
-                    <a:p>
-                      <a:pPr algn="ctr" rtl="0" fontAlgn="base"/>
-                      <a:r>
-                        <a:rPr lang="en-US" sz="1400" b="0" i="0" dirty="0">
-                          <a:solidFill>
-                            <a:srgbClr val="333F50"/>
-                          </a:solidFill>
-                          <a:effectLst/>
-                          <a:latin typeface="+mn-lt"/>
-                        </a:rPr>
-                        <a:t>4.5</a:t>
-                      </a:r>
-                      <a:r>
-                        <a:rPr lang="en-US" sz="1400" b="0" i="0" dirty="0">
-                          <a:solidFill>
-                            <a:srgbClr val="000000"/>
-                          </a:solidFill>
-                          <a:effectLst/>
-                          <a:latin typeface="+mn-lt"/>
-                        </a:rPr>
-                        <a:t>​</a:t>
-                      </a:r>
-                    </a:p>
-                  </a:txBody>
-                  <a:tcPr anchor="ctr"/>
-                </a:tc>
-                <a:tc>
-                  <a:txBody>
-                    <a:bodyPr/>
-                    <a:lstStyle/>
-                    <a:p>
-                      <a:pPr algn="ctr" rtl="0" fontAlgn="base"/>
-                      <a:r>
-                        <a:rPr lang="en-US" sz="1400" b="0" i="0" dirty="0">
-                          <a:solidFill>
-                            <a:srgbClr val="333F50"/>
-                          </a:solidFill>
-                          <a:effectLst/>
-                          <a:latin typeface="+mn-lt"/>
-                        </a:rPr>
-                        <a:t>2.2</a:t>
-                      </a:r>
-                      <a:r>
-                        <a:rPr lang="en-US" sz="1400" b="0" i="0" dirty="0">
-                          <a:solidFill>
-                            <a:srgbClr val="000000"/>
-                          </a:solidFill>
-                          <a:effectLst/>
-                          <a:latin typeface="+mn-lt"/>
-                        </a:rPr>
-                        <a:t>​</a:t>
-                      </a:r>
-                    </a:p>
-                  </a:txBody>
-                  <a:tcPr anchor="ctr"/>
-                </a:tc>
-                <a:tc>
-                  <a:txBody>
-                    <a:bodyPr/>
-                    <a:lstStyle/>
-                    <a:p>
-                      <a:pPr algn="ctr" rtl="0" fontAlgn="base"/>
-                      <a:r>
-                        <a:rPr lang="en-US" sz="1400" b="0" i="0" dirty="0">
-                          <a:solidFill>
-                            <a:srgbClr val="333F50"/>
-                          </a:solidFill>
-                          <a:effectLst/>
-                          <a:latin typeface="+mn-lt"/>
-                        </a:rPr>
-                        <a:t>1.7</a:t>
-                      </a:r>
-                      <a:r>
-                        <a:rPr lang="en-US" sz="1400" b="0" i="0" dirty="0">
-                          <a:solidFill>
-                            <a:srgbClr val="000000"/>
-                          </a:solidFill>
-                          <a:effectLst/>
-                          <a:latin typeface="+mn-lt"/>
-                        </a:rPr>
-                        <a:t>​</a:t>
-                      </a:r>
-                    </a:p>
-                  </a:txBody>
-                  <a:tcPr anchor="ctr"/>
-                </a:tc>
-                <a:tc>
-                  <a:txBody>
-                    <a:bodyPr/>
-                    <a:lstStyle/>
-                    <a:p>
-                      <a:pPr algn="ctr" rtl="0" fontAlgn="base"/>
-                      <a:r>
-                        <a:rPr lang="en-US" sz="1400" b="0" i="0" dirty="0">
-                          <a:solidFill>
-                            <a:srgbClr val="333F50"/>
-                          </a:solidFill>
-                          <a:effectLst/>
-                          <a:latin typeface="+mn-lt"/>
-                        </a:rPr>
-                        <a:t>7.0</a:t>
-                      </a:r>
-                      <a:endParaRPr lang="en-US" sz="1400" b="0" i="0" dirty="0">
-                        <a:solidFill>
-                          <a:srgbClr val="000000"/>
-                        </a:solidFill>
-                        <a:effectLst/>
-                        <a:latin typeface="+mn-lt"/>
-                      </a:endParaRPr>
-                    </a:p>
-                  </a:txBody>
-                  <a:tcPr anchor="ctr">
-                    <a:lnR w="12700" cap="flat" cmpd="sng" algn="ctr">
-                      <a:noFill/>
-                      <a:prstDash val="solid"/>
-                      <a:round/>
-                      <a:headEnd type="none" w="med" len="med"/>
-                      <a:tailEnd type="none" w="med" len="med"/>
-                    </a:lnR>
-                  </a:tcPr>
-                </a:tc>
-                <a:extLst>
-                  <a:ext uri="{0D108BD9-81ED-4DB2-BD59-A6C34878D82A}">
-                    <a16:rowId xmlns:a16="http://schemas.microsoft.com/office/drawing/2014/main" val="3388671141"/>
-                  </a:ext>
-                </a:extLst>
-              </a:tr>
-            </a:tbl>
-          </a:graphicData>
-        </a:graphic>
-      </p:graphicFrame>
+              <a:t>Implementation</a:t>
+            </a:r>
+          </a:p>
+        </p:txBody>
+      </p:sp>
       <p:sp>
         <p:nvSpPr>
           <p:cNvPr id="8" name="Footer Placeholder 7">
@@ -17734,7 +12373,7 @@
           <a:p>
             <a:r>
               <a:rPr lang="en-US" dirty="0"/>
-              <a:t>PRESENTATION TITLE</a:t>
+              <a:t>UFM: Unusually Formal Method</a:t>
             </a:r>
           </a:p>
         </p:txBody>
@@ -17771,6 +12410,808 @@
               <a:t>7</a:t>
             </a:fld>
             <a:endParaRPr lang="en-US" dirty="0"/>
+          </a:p>
+        </p:txBody>
+      </p:sp>
+      <p:sp>
+        <p:nvSpPr>
+          <p:cNvPr id="7" name="Arrow: Right 6">
+            <a:extLst>
+              <a:ext uri="{FF2B5EF4-FFF2-40B4-BE49-F238E27FC236}">
+                <a16:creationId xmlns:a16="http://schemas.microsoft.com/office/drawing/2014/main" id="{BA41DD79-266E-7A41-4C5A-E80CCD232D49}"/>
+              </a:ext>
+            </a:extLst>
+          </p:cNvPr>
+          <p:cNvSpPr/>
+          <p:nvPr/>
+        </p:nvSpPr>
+        <p:spPr>
+          <a:xfrm>
+            <a:off x="1742226" y="3353136"/>
+            <a:ext cx="1714655" cy="519545"/>
+          </a:xfrm>
+          <a:prstGeom prst="rightArrow">
+            <a:avLst/>
+          </a:prstGeom>
+          <a:solidFill>
+            <a:schemeClr val="accent3">
+              <a:lumMod val="60000"/>
+              <a:lumOff val="40000"/>
+            </a:schemeClr>
+          </a:solidFill>
+        </p:spPr>
+        <p:style>
+          <a:lnRef idx="2">
+            <a:schemeClr val="accent2">
+              <a:shade val="15000"/>
+            </a:schemeClr>
+          </a:lnRef>
+          <a:fillRef idx="1">
+            <a:schemeClr val="accent2"/>
+          </a:fillRef>
+          <a:effectRef idx="0">
+            <a:schemeClr val="accent2"/>
+          </a:effectRef>
+          <a:fontRef idx="minor">
+            <a:schemeClr val="lt1"/>
+          </a:fontRef>
+        </p:style>
+        <p:txBody>
+          <a:bodyPr rtlCol="0" anchor="ctr"/>
+          <a:lstStyle/>
+          <a:p>
+            <a:pPr algn="ctr"/>
+            <a:endParaRPr lang="en-US"/>
+          </a:p>
+        </p:txBody>
+      </p:sp>
+      <p:sp>
+        <p:nvSpPr>
+          <p:cNvPr id="12" name="TextBox 11">
+            <a:extLst>
+              <a:ext uri="{FF2B5EF4-FFF2-40B4-BE49-F238E27FC236}">
+                <a16:creationId xmlns:a16="http://schemas.microsoft.com/office/drawing/2014/main" id="{99DC970D-109A-2A09-B32D-619CFF0E4E53}"/>
+              </a:ext>
+            </a:extLst>
+          </p:cNvPr>
+          <p:cNvSpPr txBox="1"/>
+          <p:nvPr/>
+        </p:nvSpPr>
+        <p:spPr>
+          <a:xfrm>
+            <a:off x="354169" y="4286856"/>
+            <a:ext cx="2162727" cy="369332"/>
+          </a:xfrm>
+          <a:prstGeom prst="rect">
+            <a:avLst/>
+          </a:prstGeom>
+          <a:noFill/>
+        </p:spPr>
+        <p:txBody>
+          <a:bodyPr wrap="square" rtlCol="0">
+            <a:spAutoFit/>
+          </a:bodyPr>
+          <a:lstStyle/>
+          <a:p>
+            <a:r>
+              <a:rPr lang="en-US" dirty="0"/>
+              <a:t>Source code</a:t>
+            </a:r>
+          </a:p>
+        </p:txBody>
+      </p:sp>
+      <p:sp>
+        <p:nvSpPr>
+          <p:cNvPr id="14" name="TextBox 13">
+            <a:extLst>
+              <a:ext uri="{FF2B5EF4-FFF2-40B4-BE49-F238E27FC236}">
+                <a16:creationId xmlns:a16="http://schemas.microsoft.com/office/drawing/2014/main" id="{EC511418-0D7E-B51F-92BD-9A0B7C325FE1}"/>
+              </a:ext>
+            </a:extLst>
+          </p:cNvPr>
+          <p:cNvSpPr txBox="1"/>
+          <p:nvPr/>
+        </p:nvSpPr>
+        <p:spPr>
+          <a:xfrm>
+            <a:off x="3975964" y="4257025"/>
+            <a:ext cx="1544500" cy="369332"/>
+          </a:xfrm>
+          <a:prstGeom prst="rect">
+            <a:avLst/>
+          </a:prstGeom>
+          <a:noFill/>
+        </p:spPr>
+        <p:txBody>
+          <a:bodyPr wrap="square" rtlCol="0">
+            <a:spAutoFit/>
+          </a:bodyPr>
+          <a:lstStyle/>
+          <a:p>
+            <a:r>
+              <a:rPr lang="en-US" dirty="0"/>
+              <a:t>Syntax Tree</a:t>
+            </a:r>
+          </a:p>
+        </p:txBody>
+      </p:sp>
+      <p:pic>
+        <p:nvPicPr>
+          <p:cNvPr id="16" name="Picture 15">
+            <a:extLst>
+              <a:ext uri="{FF2B5EF4-FFF2-40B4-BE49-F238E27FC236}">
+                <a16:creationId xmlns:a16="http://schemas.microsoft.com/office/drawing/2014/main" id="{7905FC1E-818B-554F-3739-4D6114F90419}"/>
+              </a:ext>
+            </a:extLst>
+          </p:cNvPr>
+          <p:cNvPicPr>
+            <a:picLocks noChangeAspect="1"/>
+          </p:cNvPicPr>
+          <p:nvPr/>
+        </p:nvPicPr>
+        <p:blipFill>
+          <a:blip r:embed="rId2"/>
+          <a:stretch>
+            <a:fillRect/>
+          </a:stretch>
+        </p:blipFill>
+        <p:spPr>
+          <a:xfrm>
+            <a:off x="1777313" y="2969574"/>
+            <a:ext cx="1348509" cy="445964"/>
+          </a:xfrm>
+          <a:prstGeom prst="rect">
+            <a:avLst/>
+          </a:prstGeom>
+        </p:spPr>
+      </p:pic>
+      <p:sp>
+        <p:nvSpPr>
+          <p:cNvPr id="17" name="TextBox 16">
+            <a:extLst>
+              <a:ext uri="{FF2B5EF4-FFF2-40B4-BE49-F238E27FC236}">
+                <a16:creationId xmlns:a16="http://schemas.microsoft.com/office/drawing/2014/main" id="{DB23BA41-5E77-6972-4896-272C6BF98EC8}"/>
+              </a:ext>
+            </a:extLst>
+          </p:cNvPr>
+          <p:cNvSpPr txBox="1"/>
+          <p:nvPr/>
+        </p:nvSpPr>
+        <p:spPr>
+          <a:xfrm>
+            <a:off x="1724660" y="3765491"/>
+            <a:ext cx="1714655" cy="323165"/>
+          </a:xfrm>
+          <a:prstGeom prst="rect">
+            <a:avLst/>
+          </a:prstGeom>
+          <a:noFill/>
+        </p:spPr>
+        <p:txBody>
+          <a:bodyPr wrap="square" rtlCol="0">
+            <a:spAutoFit/>
+          </a:bodyPr>
+          <a:lstStyle/>
+          <a:p>
+            <a:r>
+              <a:rPr lang="en-US" sz="1500" dirty="0"/>
+              <a:t>Language Parser</a:t>
+            </a:r>
+          </a:p>
+        </p:txBody>
+      </p:sp>
+      <p:sp>
+        <p:nvSpPr>
+          <p:cNvPr id="18" name="TextBox 17">
+            <a:extLst>
+              <a:ext uri="{FF2B5EF4-FFF2-40B4-BE49-F238E27FC236}">
+                <a16:creationId xmlns:a16="http://schemas.microsoft.com/office/drawing/2014/main" id="{246E75A8-7E0F-3C0F-019B-9F530EF9AD73}"/>
+              </a:ext>
+            </a:extLst>
+          </p:cNvPr>
+          <p:cNvSpPr txBox="1"/>
+          <p:nvPr/>
+        </p:nvSpPr>
+        <p:spPr>
+          <a:xfrm>
+            <a:off x="6095199" y="3698144"/>
+            <a:ext cx="1404666" cy="553998"/>
+          </a:xfrm>
+          <a:prstGeom prst="rect">
+            <a:avLst/>
+          </a:prstGeom>
+          <a:noFill/>
+        </p:spPr>
+        <p:txBody>
+          <a:bodyPr wrap="square" rtlCol="0">
+            <a:spAutoFit/>
+          </a:bodyPr>
+          <a:lstStyle/>
+          <a:p>
+            <a:r>
+              <a:rPr lang="en-US" sz="1500" dirty="0"/>
+              <a:t>Z3 Boolean Converter </a:t>
+            </a:r>
+          </a:p>
+        </p:txBody>
+      </p:sp>
+      <p:pic>
+        <p:nvPicPr>
+          <p:cNvPr id="1026" name="Picture 2" descr="sample3">
+            <a:extLst>
+              <a:ext uri="{FF2B5EF4-FFF2-40B4-BE49-F238E27FC236}">
+                <a16:creationId xmlns:a16="http://schemas.microsoft.com/office/drawing/2014/main" id="{A5D8917C-12CE-D7E2-07ED-2F601D5D6077}"/>
+              </a:ext>
+            </a:extLst>
+          </p:cNvPr>
+          <p:cNvPicPr>
+            <a:picLocks noChangeAspect="1" noChangeArrowheads="1"/>
+          </p:cNvPicPr>
+          <p:nvPr/>
+        </p:nvPicPr>
+        <p:blipFill>
+          <a:blip r:embed="rId3">
+            <a:extLst>
+              <a:ext uri="{28A0092B-C50C-407E-A947-70E740481C1C}">
+                <a14:useLocalDpi xmlns:a14="http://schemas.microsoft.com/office/drawing/2010/main" val="0"/>
+              </a:ext>
+            </a:extLst>
+          </a:blip>
+          <a:srcRect/>
+          <a:stretch>
+            <a:fillRect/>
+          </a:stretch>
+        </p:blipFill>
+        <p:spPr bwMode="auto">
+          <a:xfrm>
+            <a:off x="3727669" y="2025016"/>
+            <a:ext cx="2253894" cy="2227126"/>
+          </a:xfrm>
+          <a:prstGeom prst="rect">
+            <a:avLst/>
+          </a:prstGeom>
+          <a:noFill/>
+          <a:extLst>
+            <a:ext uri="{909E8E84-426E-40DD-AFC4-6F175D3DCCD1}">
+              <a14:hiddenFill xmlns:a14="http://schemas.microsoft.com/office/drawing/2010/main">
+                <a:solidFill>
+                  <a:srgbClr val="FFFFFF"/>
+                </a:solidFill>
+              </a14:hiddenFill>
+            </a:ext>
+          </a:extLst>
+        </p:spPr>
+      </p:pic>
+      <p:sp>
+        <p:nvSpPr>
+          <p:cNvPr id="20" name="TextBox 19">
+            <a:extLst>
+              <a:ext uri="{FF2B5EF4-FFF2-40B4-BE49-F238E27FC236}">
+                <a16:creationId xmlns:a16="http://schemas.microsoft.com/office/drawing/2014/main" id="{71360F1D-1844-7960-6BD4-B4524568283C}"/>
+              </a:ext>
+            </a:extLst>
+          </p:cNvPr>
+          <p:cNvSpPr txBox="1"/>
+          <p:nvPr/>
+        </p:nvSpPr>
+        <p:spPr>
+          <a:xfrm>
+            <a:off x="579365" y="3415538"/>
+            <a:ext cx="1464218" cy="369332"/>
+          </a:xfrm>
+          <a:prstGeom prst="rect">
+            <a:avLst/>
+          </a:prstGeom>
+          <a:noFill/>
+        </p:spPr>
+        <p:txBody>
+          <a:bodyPr wrap="square" rtlCol="0">
+            <a:spAutoFit/>
+          </a:bodyPr>
+          <a:lstStyle/>
+          <a:p>
+            <a:r>
+              <a:rPr lang="en-US" dirty="0"/>
+              <a:t>10+20*30</a:t>
+            </a:r>
+          </a:p>
+        </p:txBody>
+      </p:sp>
+      <p:sp>
+        <p:nvSpPr>
+          <p:cNvPr id="21" name="Arrow: Right 20">
+            <a:extLst>
+              <a:ext uri="{FF2B5EF4-FFF2-40B4-BE49-F238E27FC236}">
+                <a16:creationId xmlns:a16="http://schemas.microsoft.com/office/drawing/2014/main" id="{DF135DBE-B17B-B5C4-C5E2-F80850682867}"/>
+              </a:ext>
+            </a:extLst>
+          </p:cNvPr>
+          <p:cNvSpPr/>
+          <p:nvPr/>
+        </p:nvSpPr>
+        <p:spPr>
+          <a:xfrm>
+            <a:off x="5989391" y="3340431"/>
+            <a:ext cx="1714655" cy="519545"/>
+          </a:xfrm>
+          <a:prstGeom prst="rightArrow">
+            <a:avLst/>
+          </a:prstGeom>
+          <a:solidFill>
+            <a:schemeClr val="accent3">
+              <a:lumMod val="60000"/>
+              <a:lumOff val="40000"/>
+            </a:schemeClr>
+          </a:solidFill>
+        </p:spPr>
+        <p:style>
+          <a:lnRef idx="2">
+            <a:schemeClr val="accent2">
+              <a:shade val="15000"/>
+            </a:schemeClr>
+          </a:lnRef>
+          <a:fillRef idx="1">
+            <a:schemeClr val="accent2"/>
+          </a:fillRef>
+          <a:effectRef idx="0">
+            <a:schemeClr val="accent2"/>
+          </a:effectRef>
+          <a:fontRef idx="minor">
+            <a:schemeClr val="lt1"/>
+          </a:fontRef>
+        </p:style>
+        <p:txBody>
+          <a:bodyPr rtlCol="0" anchor="ctr"/>
+          <a:lstStyle/>
+          <a:p>
+            <a:pPr algn="ctr"/>
+            <a:endParaRPr lang="en-US"/>
+          </a:p>
+        </p:txBody>
+      </p:sp>
+      <p:pic>
+        <p:nvPicPr>
+          <p:cNvPr id="1032" name="Picture 8" descr="Z3 - Microsoft Research">
+            <a:extLst>
+              <a:ext uri="{FF2B5EF4-FFF2-40B4-BE49-F238E27FC236}">
+                <a16:creationId xmlns:a16="http://schemas.microsoft.com/office/drawing/2014/main" id="{F74165BC-12A8-C4DB-E7E9-6EF6D51C4DC9}"/>
+              </a:ext>
+            </a:extLst>
+          </p:cNvPr>
+          <p:cNvPicPr>
+            <a:picLocks noChangeAspect="1" noChangeArrowheads="1"/>
+          </p:cNvPicPr>
+          <p:nvPr/>
+        </p:nvPicPr>
+        <p:blipFill>
+          <a:blip r:embed="rId4">
+            <a:extLst>
+              <a:ext uri="{28A0092B-C50C-407E-A947-70E740481C1C}">
+                <a14:useLocalDpi xmlns:a14="http://schemas.microsoft.com/office/drawing/2010/main" val="0"/>
+              </a:ext>
+            </a:extLst>
+          </a:blip>
+          <a:srcRect/>
+          <a:stretch>
+            <a:fillRect/>
+          </a:stretch>
+        </p:blipFill>
+        <p:spPr bwMode="auto">
+          <a:xfrm>
+            <a:off x="6096000" y="2707694"/>
+            <a:ext cx="1301070" cy="731036"/>
+          </a:xfrm>
+          <a:prstGeom prst="rect">
+            <a:avLst/>
+          </a:prstGeom>
+          <a:noFill/>
+          <a:extLst>
+            <a:ext uri="{909E8E84-426E-40DD-AFC4-6F175D3DCCD1}">
+              <a14:hiddenFill xmlns:a14="http://schemas.microsoft.com/office/drawing/2010/main">
+                <a:solidFill>
+                  <a:srgbClr val="FFFFFF"/>
+                </a:solidFill>
+              </a14:hiddenFill>
+            </a:ext>
+          </a:extLst>
+        </p:spPr>
+      </p:pic>
+      <p:sp>
+        <p:nvSpPr>
+          <p:cNvPr id="24" name="Rectangle 23">
+            <a:extLst>
+              <a:ext uri="{FF2B5EF4-FFF2-40B4-BE49-F238E27FC236}">
+                <a16:creationId xmlns:a16="http://schemas.microsoft.com/office/drawing/2014/main" id="{7DCE0A17-2742-EB5C-0A8F-C78D809204EB}"/>
+              </a:ext>
+            </a:extLst>
+          </p:cNvPr>
+          <p:cNvSpPr/>
+          <p:nvPr/>
+        </p:nvSpPr>
+        <p:spPr>
+          <a:xfrm>
+            <a:off x="7737263" y="2431908"/>
+            <a:ext cx="1544500" cy="1857794"/>
+          </a:xfrm>
+          <a:prstGeom prst="rect">
+            <a:avLst/>
+          </a:prstGeom>
+        </p:spPr>
+        <p:style>
+          <a:lnRef idx="2">
+            <a:schemeClr val="accent1">
+              <a:shade val="15000"/>
+            </a:schemeClr>
+          </a:lnRef>
+          <a:fillRef idx="1">
+            <a:schemeClr val="accent1"/>
+          </a:fillRef>
+          <a:effectRef idx="0">
+            <a:schemeClr val="accent1"/>
+          </a:effectRef>
+          <a:fontRef idx="minor">
+            <a:schemeClr val="lt1"/>
+          </a:fontRef>
+        </p:style>
+        <p:txBody>
+          <a:bodyPr rtlCol="0" anchor="ctr"/>
+          <a:lstStyle/>
+          <a:p>
+            <a:pPr algn="ctr"/>
+            <a:endParaRPr lang="en-US" sz="1000" dirty="0"/>
+          </a:p>
+        </p:txBody>
+      </p:sp>
+      <p:sp>
+        <p:nvSpPr>
+          <p:cNvPr id="25" name="TextBox 24">
+            <a:extLst>
+              <a:ext uri="{FF2B5EF4-FFF2-40B4-BE49-F238E27FC236}">
+                <a16:creationId xmlns:a16="http://schemas.microsoft.com/office/drawing/2014/main" id="{2F880166-CF5E-AE0E-56CB-7A151A21B80D}"/>
+              </a:ext>
+            </a:extLst>
+          </p:cNvPr>
+          <p:cNvSpPr txBox="1"/>
+          <p:nvPr/>
+        </p:nvSpPr>
+        <p:spPr>
+          <a:xfrm>
+            <a:off x="7707549" y="4257025"/>
+            <a:ext cx="1544500" cy="369332"/>
+          </a:xfrm>
+          <a:prstGeom prst="rect">
+            <a:avLst/>
+          </a:prstGeom>
+          <a:noFill/>
+        </p:spPr>
+        <p:txBody>
+          <a:bodyPr wrap="square" rtlCol="0">
+            <a:spAutoFit/>
+          </a:bodyPr>
+          <a:lstStyle/>
+          <a:p>
+            <a:r>
+              <a:rPr lang="en-US" dirty="0"/>
+              <a:t>Z3 equivalent</a:t>
+            </a:r>
+          </a:p>
+        </p:txBody>
+      </p:sp>
+      <p:sp>
+        <p:nvSpPr>
+          <p:cNvPr id="26" name="Arrow: Right 25">
+            <a:extLst>
+              <a:ext uri="{FF2B5EF4-FFF2-40B4-BE49-F238E27FC236}">
+                <a16:creationId xmlns:a16="http://schemas.microsoft.com/office/drawing/2014/main" id="{C90B809E-3DBB-B697-2322-F035D2B4DC93}"/>
+              </a:ext>
+            </a:extLst>
+          </p:cNvPr>
+          <p:cNvSpPr/>
+          <p:nvPr/>
+        </p:nvSpPr>
+        <p:spPr>
+          <a:xfrm rot="18961805">
+            <a:off x="9182739" y="2776531"/>
+            <a:ext cx="1122444" cy="519545"/>
+          </a:xfrm>
+          <a:prstGeom prst="rightArrow">
+            <a:avLst/>
+          </a:prstGeom>
+          <a:solidFill>
+            <a:schemeClr val="accent3">
+              <a:lumMod val="60000"/>
+              <a:lumOff val="40000"/>
+            </a:schemeClr>
+          </a:solidFill>
+        </p:spPr>
+        <p:style>
+          <a:lnRef idx="2">
+            <a:schemeClr val="accent2">
+              <a:shade val="15000"/>
+            </a:schemeClr>
+          </a:lnRef>
+          <a:fillRef idx="1">
+            <a:schemeClr val="accent2"/>
+          </a:fillRef>
+          <a:effectRef idx="0">
+            <a:schemeClr val="accent2"/>
+          </a:effectRef>
+          <a:fontRef idx="minor">
+            <a:schemeClr val="lt1"/>
+          </a:fontRef>
+        </p:style>
+        <p:txBody>
+          <a:bodyPr rtlCol="0" anchor="ctr"/>
+          <a:lstStyle/>
+          <a:p>
+            <a:pPr algn="ctr"/>
+            <a:endParaRPr lang="en-US"/>
+          </a:p>
+        </p:txBody>
+      </p:sp>
+      <p:sp>
+        <p:nvSpPr>
+          <p:cNvPr id="27" name="Arrow: Right 26">
+            <a:extLst>
+              <a:ext uri="{FF2B5EF4-FFF2-40B4-BE49-F238E27FC236}">
+                <a16:creationId xmlns:a16="http://schemas.microsoft.com/office/drawing/2014/main" id="{F02172CB-2B18-D2EA-A22D-FEF252BAEE16}"/>
+              </a:ext>
+            </a:extLst>
+          </p:cNvPr>
+          <p:cNvSpPr/>
+          <p:nvPr/>
+        </p:nvSpPr>
+        <p:spPr>
+          <a:xfrm rot="2565009">
+            <a:off x="9190593" y="3624835"/>
+            <a:ext cx="1122444" cy="519545"/>
+          </a:xfrm>
+          <a:prstGeom prst="rightArrow">
+            <a:avLst/>
+          </a:prstGeom>
+          <a:solidFill>
+            <a:schemeClr val="accent3">
+              <a:lumMod val="60000"/>
+              <a:lumOff val="40000"/>
+            </a:schemeClr>
+          </a:solidFill>
+        </p:spPr>
+        <p:style>
+          <a:lnRef idx="2">
+            <a:schemeClr val="accent2">
+              <a:shade val="15000"/>
+            </a:schemeClr>
+          </a:lnRef>
+          <a:fillRef idx="1">
+            <a:schemeClr val="accent2"/>
+          </a:fillRef>
+          <a:effectRef idx="0">
+            <a:schemeClr val="accent2"/>
+          </a:effectRef>
+          <a:fontRef idx="minor">
+            <a:schemeClr val="lt1"/>
+          </a:fontRef>
+        </p:style>
+        <p:txBody>
+          <a:bodyPr rtlCol="0" anchor="ctr"/>
+          <a:lstStyle/>
+          <a:p>
+            <a:pPr algn="ctr"/>
+            <a:endParaRPr lang="en-US"/>
+          </a:p>
+        </p:txBody>
+      </p:sp>
+      <p:pic>
+        <p:nvPicPr>
+          <p:cNvPr id="1034" name="Picture 10">
+            <a:extLst>
+              <a:ext uri="{FF2B5EF4-FFF2-40B4-BE49-F238E27FC236}">
+                <a16:creationId xmlns:a16="http://schemas.microsoft.com/office/drawing/2014/main" id="{8D0DBEBD-8850-5815-75C2-52DDE24EAECE}"/>
+              </a:ext>
+            </a:extLst>
+          </p:cNvPr>
+          <p:cNvPicPr>
+            <a:picLocks noChangeAspect="1" noChangeArrowheads="1"/>
+          </p:cNvPicPr>
+          <p:nvPr/>
+        </p:nvPicPr>
+        <p:blipFill>
+          <a:blip r:embed="rId5">
+            <a:extLst>
+              <a:ext uri="{28A0092B-C50C-407E-A947-70E740481C1C}">
+                <a14:useLocalDpi xmlns:a14="http://schemas.microsoft.com/office/drawing/2010/main" val="0"/>
+              </a:ext>
+            </a:extLst>
+          </a:blip>
+          <a:srcRect/>
+          <a:stretch>
+            <a:fillRect/>
+          </a:stretch>
+        </p:blipFill>
+        <p:spPr bwMode="auto">
+          <a:xfrm>
+            <a:off x="10257520" y="2022504"/>
+            <a:ext cx="1191678" cy="1191678"/>
+          </a:xfrm>
+          <a:prstGeom prst="rect">
+            <a:avLst/>
+          </a:prstGeom>
+          <a:noFill/>
+          <a:extLst>
+            <a:ext uri="{909E8E84-426E-40DD-AFC4-6F175D3DCCD1}">
+              <a14:hiddenFill xmlns:a14="http://schemas.microsoft.com/office/drawing/2010/main">
+                <a:solidFill>
+                  <a:srgbClr val="FFFFFF"/>
+                </a:solidFill>
+              </a14:hiddenFill>
+            </a:ext>
+          </a:extLst>
+        </p:spPr>
+      </p:pic>
+      <p:pic>
+        <p:nvPicPr>
+          <p:cNvPr id="1036" name="Picture 12" descr="Thumbs Down Emoji&quot; Magnet for Sale by OllieeeillO | Redbubble">
+            <a:extLst>
+              <a:ext uri="{FF2B5EF4-FFF2-40B4-BE49-F238E27FC236}">
+                <a16:creationId xmlns:a16="http://schemas.microsoft.com/office/drawing/2014/main" id="{821CD3B3-B08C-F104-A01C-5C5B51D3FBF6}"/>
+              </a:ext>
+            </a:extLst>
+          </p:cNvPr>
+          <p:cNvPicPr>
+            <a:picLocks noChangeAspect="1" noChangeArrowheads="1"/>
+          </p:cNvPicPr>
+          <p:nvPr/>
+        </p:nvPicPr>
+        <p:blipFill>
+          <a:blip r:embed="rId6">
+            <a:extLst>
+              <a:ext uri="{28A0092B-C50C-407E-A947-70E740481C1C}">
+                <a14:useLocalDpi xmlns:a14="http://schemas.microsoft.com/office/drawing/2010/main" val="0"/>
+              </a:ext>
+            </a:extLst>
+          </a:blip>
+          <a:srcRect/>
+          <a:stretch>
+            <a:fillRect/>
+          </a:stretch>
+        </p:blipFill>
+        <p:spPr bwMode="auto">
+          <a:xfrm>
+            <a:off x="10249516" y="3360805"/>
+            <a:ext cx="1348509" cy="1798012"/>
+          </a:xfrm>
+          <a:prstGeom prst="rect">
+            <a:avLst/>
+          </a:prstGeom>
+          <a:noFill/>
+          <a:extLst>
+            <a:ext uri="{909E8E84-426E-40DD-AFC4-6F175D3DCCD1}">
+              <a14:hiddenFill xmlns:a14="http://schemas.microsoft.com/office/drawing/2010/main">
+                <a:solidFill>
+                  <a:srgbClr val="FFFFFF"/>
+                </a:solidFill>
+              </a14:hiddenFill>
+            </a:ext>
+          </a:extLst>
+        </p:spPr>
+      </p:pic>
+      <p:sp>
+        <p:nvSpPr>
+          <p:cNvPr id="28" name="TextBox 27">
+            <a:extLst>
+              <a:ext uri="{FF2B5EF4-FFF2-40B4-BE49-F238E27FC236}">
+                <a16:creationId xmlns:a16="http://schemas.microsoft.com/office/drawing/2014/main" id="{E2C61BE7-FD28-FD80-E6F3-42D7DF3B331B}"/>
+              </a:ext>
+            </a:extLst>
+          </p:cNvPr>
+          <p:cNvSpPr txBox="1"/>
+          <p:nvPr/>
+        </p:nvSpPr>
+        <p:spPr>
+          <a:xfrm>
+            <a:off x="7297819" y="2946335"/>
+            <a:ext cx="2484407" cy="246221"/>
+          </a:xfrm>
+          <a:prstGeom prst="rect">
+            <a:avLst/>
+          </a:prstGeom>
+          <a:noFill/>
+        </p:spPr>
+        <p:txBody>
+          <a:bodyPr wrap="square" rtlCol="0">
+            <a:spAutoFit/>
+          </a:bodyPr>
+          <a:lstStyle/>
+          <a:p>
+            <a:pPr algn="ctr"/>
+            <a:r>
+              <a:rPr lang="en-US" sz="1000" dirty="0" err="1"/>
+              <a:t>mkAdd</a:t>
+            </a:r>
+            <a:r>
+              <a:rPr lang="en-US" sz="1000" dirty="0"/>
+              <a:t>(10, </a:t>
+            </a:r>
+            <a:r>
+              <a:rPr lang="en-US" sz="1000" dirty="0" err="1"/>
+              <a:t>mkMul</a:t>
+            </a:r>
+            <a:r>
+              <a:rPr lang="en-US" sz="1000" dirty="0"/>
+              <a:t>(20,30))</a:t>
+            </a:r>
+          </a:p>
+        </p:txBody>
+      </p:sp>
+      <p:sp>
+        <p:nvSpPr>
+          <p:cNvPr id="29" name="TextBox 28">
+            <a:extLst>
+              <a:ext uri="{FF2B5EF4-FFF2-40B4-BE49-F238E27FC236}">
+                <a16:creationId xmlns:a16="http://schemas.microsoft.com/office/drawing/2014/main" id="{B71284B2-84AF-1C9F-AB79-0B4721C6A26C}"/>
+              </a:ext>
+            </a:extLst>
+          </p:cNvPr>
+          <p:cNvSpPr txBox="1"/>
+          <p:nvPr/>
+        </p:nvSpPr>
+        <p:spPr>
+          <a:xfrm>
+            <a:off x="7732838" y="3181220"/>
+            <a:ext cx="1548925" cy="246221"/>
+          </a:xfrm>
+          <a:prstGeom prst="rect">
+            <a:avLst/>
+          </a:prstGeom>
+          <a:noFill/>
+        </p:spPr>
+        <p:txBody>
+          <a:bodyPr wrap="square" rtlCol="0">
+            <a:spAutoFit/>
+          </a:bodyPr>
+          <a:lstStyle/>
+          <a:p>
+            <a:pPr algn="ctr"/>
+            <a:r>
+              <a:rPr lang="en-US" sz="1000" dirty="0"/>
+              <a:t>…</a:t>
+            </a:r>
+          </a:p>
+        </p:txBody>
+      </p:sp>
+      <p:sp>
+        <p:nvSpPr>
+          <p:cNvPr id="30" name="TextBox 29">
+            <a:extLst>
+              <a:ext uri="{FF2B5EF4-FFF2-40B4-BE49-F238E27FC236}">
+                <a16:creationId xmlns:a16="http://schemas.microsoft.com/office/drawing/2014/main" id="{CF5DE5EF-BBEE-D77F-7470-9D3623CA6AB3}"/>
+              </a:ext>
+            </a:extLst>
+          </p:cNvPr>
+          <p:cNvSpPr txBox="1"/>
+          <p:nvPr/>
+        </p:nvSpPr>
+        <p:spPr>
+          <a:xfrm>
+            <a:off x="7670309" y="3485950"/>
+            <a:ext cx="1714655" cy="246221"/>
+          </a:xfrm>
+          <a:prstGeom prst="rect">
+            <a:avLst/>
+          </a:prstGeom>
+          <a:noFill/>
+        </p:spPr>
+        <p:txBody>
+          <a:bodyPr wrap="square" rtlCol="0">
+            <a:spAutoFit/>
+          </a:bodyPr>
+          <a:lstStyle/>
+          <a:p>
+            <a:pPr algn="ctr"/>
+            <a:r>
+              <a:rPr lang="en-US" sz="1000" dirty="0"/>
+              <a:t>#ensures(10+20*30==610)</a:t>
+            </a:r>
           </a:p>
         </p:txBody>
       </p:sp>
@@ -17809,7 +13250,7 @@
           <p:cNvPr id="2" name="Title 1">
             <a:extLst>
               <a:ext uri="{FF2B5EF4-FFF2-40B4-BE49-F238E27FC236}">
-                <a16:creationId xmlns:a16="http://schemas.microsoft.com/office/drawing/2014/main" id="{D94A2CD4-732A-43E4-BCB9-CBA2055E0AC6}"/>
+                <a16:creationId xmlns:a16="http://schemas.microsoft.com/office/drawing/2014/main" id="{4F6A2D15-4D68-4BF7-9421-032AE6C8852C}"/>
               </a:ext>
             </a:extLst>
           </p:cNvPr>
@@ -17822,8 +13263,8 @@
         </p:nvSpPr>
         <p:spPr>
           <a:xfrm>
-            <a:off x="4657724" y="2809875"/>
-            <a:ext cx="6696075" cy="1909763"/>
+            <a:off x="1885156" y="892177"/>
+            <a:ext cx="8421688" cy="1325563"/>
           </a:xfrm>
         </p:spPr>
         <p:txBody>
@@ -17832,31 +13273,31 @@
           <a:p>
             <a:r>
               <a:rPr lang="en-US" dirty="0"/>
-              <a:t>BUSINESS OPPORTUNITIES ARE LIKE BUSES. THERE'S ALWAYS ANOTHER ONE COMING.​</a:t>
-            </a:r>
-          </a:p>
-        </p:txBody>
-      </p:sp>
-      <p:sp>
-        <p:nvSpPr>
-          <p:cNvPr id="3" name="Subtitle 2">
-            <a:extLst>
-              <a:ext uri="{FF2B5EF4-FFF2-40B4-BE49-F238E27FC236}">
-                <a16:creationId xmlns:a16="http://schemas.microsoft.com/office/drawing/2014/main" id="{45FD0450-A909-4CD9-8912-96A19ACEB7CB}"/>
-              </a:ext>
-            </a:extLst>
-          </p:cNvPr>
-          <p:cNvSpPr>
-            <a:spLocks noGrp="1"/>
-          </p:cNvSpPr>
-          <p:nvPr>
-            <p:ph type="subTitle" idx="1"/>
-          </p:nvPr>
-        </p:nvSpPr>
-        <p:spPr>
-          <a:xfrm>
-            <a:off x="4657725" y="5028803"/>
-            <a:ext cx="6696074" cy="365125"/>
+              <a:t>Example: 2-Bit adder</a:t>
+            </a:r>
+          </a:p>
+        </p:txBody>
+      </p:sp>
+      <p:sp>
+        <p:nvSpPr>
+          <p:cNvPr id="24" name="Footer Placeholder 23">
+            <a:extLst>
+              <a:ext uri="{FF2B5EF4-FFF2-40B4-BE49-F238E27FC236}">
+                <a16:creationId xmlns:a16="http://schemas.microsoft.com/office/drawing/2014/main" id="{918C3C97-444D-4600-8553-B9C4C1F8483B}"/>
+              </a:ext>
+            </a:extLst>
+          </p:cNvPr>
+          <p:cNvSpPr>
+            <a:spLocks noGrp="1"/>
+          </p:cNvSpPr>
+          <p:nvPr>
+            <p:ph type="ftr" sz="quarter" idx="11"/>
+          </p:nvPr>
+        </p:nvSpPr>
+        <p:spPr>
+          <a:xfrm>
+            <a:off x="4038600" y="6356350"/>
+            <a:ext cx="4114800" cy="365125"/>
           </a:xfrm>
         </p:spPr>
         <p:txBody>
@@ -17865,50 +13306,17 @@
           <a:p>
             <a:r>
               <a:rPr lang="en-US" dirty="0"/>
-              <a:t>Richard Branson</a:t>
-            </a:r>
-          </a:p>
-        </p:txBody>
-      </p:sp>
-      <p:sp>
-        <p:nvSpPr>
-          <p:cNvPr id="5" name="Footer Placeholder 4">
-            <a:extLst>
-              <a:ext uri="{FF2B5EF4-FFF2-40B4-BE49-F238E27FC236}">
-                <a16:creationId xmlns:a16="http://schemas.microsoft.com/office/drawing/2014/main" id="{3555A49C-96F4-440D-B89E-A0AE94F70108}"/>
-              </a:ext>
-            </a:extLst>
-          </p:cNvPr>
-          <p:cNvSpPr>
-            <a:spLocks noGrp="1"/>
-          </p:cNvSpPr>
-          <p:nvPr>
-            <p:ph type="ftr" sz="quarter" idx="11"/>
-          </p:nvPr>
-        </p:nvSpPr>
-        <p:spPr>
-          <a:xfrm>
-            <a:off x="6743699" y="6356350"/>
-            <a:ext cx="2543175" cy="365125"/>
-          </a:xfrm>
-        </p:spPr>
-        <p:txBody>
-          <a:bodyPr/>
-          <a:lstStyle/>
-          <a:p>
-            <a:r>
-              <a:rPr lang="en-US" dirty="0"/>
-              <a:t>PRESENTATION TITLE</a:t>
-            </a:r>
-          </a:p>
-        </p:txBody>
-      </p:sp>
-      <p:sp>
-        <p:nvSpPr>
-          <p:cNvPr id="6" name="Slide Number Placeholder 5">
-            <a:extLst>
-              <a:ext uri="{FF2B5EF4-FFF2-40B4-BE49-F238E27FC236}">
-                <a16:creationId xmlns:a16="http://schemas.microsoft.com/office/drawing/2014/main" id="{F2A39FA3-9AE3-4689-A469-B7D2DFCCC2D9}"/>
+              <a:t>UFM: Unusually Formal Method</a:t>
+            </a:r>
+          </a:p>
+        </p:txBody>
+      </p:sp>
+      <p:sp>
+        <p:nvSpPr>
+          <p:cNvPr id="25" name="Slide Number Placeholder 24">
+            <a:extLst>
+              <a:ext uri="{FF2B5EF4-FFF2-40B4-BE49-F238E27FC236}">
+                <a16:creationId xmlns:a16="http://schemas.microsoft.com/office/drawing/2014/main" id="{148E9129-4CC6-47BA-ACD8-2C632A8660EC}"/>
               </a:ext>
             </a:extLst>
           </p:cNvPr>
@@ -17921,8 +13329,8 @@
         </p:nvSpPr>
         <p:spPr>
           <a:xfrm>
-            <a:off x="9658350" y="6356350"/>
-            <a:ext cx="1695450" cy="365125"/>
+            <a:off x="8610600" y="6356350"/>
+            <a:ext cx="2743200" cy="365125"/>
           </a:xfrm>
         </p:spPr>
         <p:txBody>
@@ -17938,10 +13346,122 @@
           </a:p>
         </p:txBody>
       </p:sp>
+      <p:pic>
+        <p:nvPicPr>
+          <p:cNvPr id="41" name="Picture 40">
+            <a:extLst>
+              <a:ext uri="{FF2B5EF4-FFF2-40B4-BE49-F238E27FC236}">
+                <a16:creationId xmlns:a16="http://schemas.microsoft.com/office/drawing/2014/main" id="{8487006D-B211-8FE6-F700-94EFC7EEB185}"/>
+              </a:ext>
+            </a:extLst>
+          </p:cNvPr>
+          <p:cNvPicPr>
+            <a:picLocks noChangeAspect="1"/>
+          </p:cNvPicPr>
+          <p:nvPr/>
+        </p:nvPicPr>
+        <p:blipFill>
+          <a:blip r:embed="rId2"/>
+          <a:stretch>
+            <a:fillRect/>
+          </a:stretch>
+        </p:blipFill>
+        <p:spPr>
+          <a:xfrm>
+            <a:off x="6544053" y="2982154"/>
+            <a:ext cx="4374625" cy="1937882"/>
+          </a:xfrm>
+          <a:prstGeom prst="rect">
+            <a:avLst/>
+          </a:prstGeom>
+        </p:spPr>
+      </p:pic>
+      <p:pic>
+        <p:nvPicPr>
+          <p:cNvPr id="42" name="Picture 41">
+            <a:extLst>
+              <a:ext uri="{FF2B5EF4-FFF2-40B4-BE49-F238E27FC236}">
+                <a16:creationId xmlns:a16="http://schemas.microsoft.com/office/drawing/2014/main" id="{F9AF012B-7BB0-6BDD-53CE-3D8B881E2076}"/>
+              </a:ext>
+            </a:extLst>
+          </p:cNvPr>
+          <p:cNvPicPr>
+            <a:picLocks noChangeAspect="1"/>
+          </p:cNvPicPr>
+          <p:nvPr/>
+        </p:nvPicPr>
+        <p:blipFill>
+          <a:blip r:embed="rId3"/>
+          <a:stretch>
+            <a:fillRect/>
+          </a:stretch>
+        </p:blipFill>
+        <p:spPr>
+          <a:xfrm>
+            <a:off x="1276180" y="2903351"/>
+            <a:ext cx="3553218" cy="2095488"/>
+          </a:xfrm>
+          <a:prstGeom prst="rect">
+            <a:avLst/>
+          </a:prstGeom>
+        </p:spPr>
+      </p:pic>
+      <p:sp>
+        <p:nvSpPr>
+          <p:cNvPr id="43" name="Arrow: Right 42">
+            <a:extLst>
+              <a:ext uri="{FF2B5EF4-FFF2-40B4-BE49-F238E27FC236}">
+                <a16:creationId xmlns:a16="http://schemas.microsoft.com/office/drawing/2014/main" id="{931EBADE-AB1C-36EB-F6FE-FCC6AD95858E}"/>
+              </a:ext>
+            </a:extLst>
+          </p:cNvPr>
+          <p:cNvSpPr/>
+          <p:nvPr/>
+        </p:nvSpPr>
+        <p:spPr>
+          <a:xfrm>
+            <a:off x="4829398" y="3575251"/>
+            <a:ext cx="1714655" cy="519545"/>
+          </a:xfrm>
+          <a:prstGeom prst="rightArrow">
+            <a:avLst/>
+          </a:prstGeom>
+          <a:solidFill>
+            <a:schemeClr val="accent3">
+              <a:lumMod val="60000"/>
+              <a:lumOff val="40000"/>
+            </a:schemeClr>
+          </a:solidFill>
+        </p:spPr>
+        <p:style>
+          <a:lnRef idx="2">
+            <a:schemeClr val="accent2">
+              <a:shade val="15000"/>
+            </a:schemeClr>
+          </a:lnRef>
+          <a:fillRef idx="1">
+            <a:schemeClr val="accent2"/>
+          </a:fillRef>
+          <a:effectRef idx="0">
+            <a:schemeClr val="accent2"/>
+          </a:effectRef>
+          <a:fontRef idx="minor">
+            <a:schemeClr val="lt1"/>
+          </a:fontRef>
+        </p:style>
+        <p:txBody>
+          <a:bodyPr rtlCol="0" anchor="ctr"/>
+          <a:lstStyle/>
+          <a:p>
+            <a:pPr algn="ctr"/>
+            <a:endParaRPr lang="en-US" dirty="0"/>
+          </a:p>
+        </p:txBody>
+      </p:sp>
     </p:spTree>
     <p:extLst>
       <p:ext uri="{BB962C8B-B14F-4D97-AF65-F5344CB8AC3E}">
-        <p14:creationId xmlns:p14="http://schemas.microsoft.com/office/powerpoint/2010/main" val="744379741"/>
+        <p14:creationId xmlns:p14="http://schemas.microsoft.com/office/powerpoint/2010/main" val="2619301236"/>
       </p:ext>
     </p:extLst>
   </p:cSld>
@@ -17996,65 +13516,31 @@
           <a:p>
             <a:r>
               <a:rPr lang="en-US" dirty="0"/>
-              <a:t>MEET OUR TEAM</a:t>
-            </a:r>
-          </a:p>
-        </p:txBody>
-      </p:sp>
-      <p:pic>
-        <p:nvPicPr>
-          <p:cNvPr id="16" name="Picture Placeholder 15" descr="Headshot for team slides ">
-            <a:extLst>
-              <a:ext uri="{FF2B5EF4-FFF2-40B4-BE49-F238E27FC236}">
-                <a16:creationId xmlns:a16="http://schemas.microsoft.com/office/drawing/2014/main" id="{788ADF35-7762-4E85-BE67-27FDB5522B9D}"/>
-              </a:ext>
-            </a:extLst>
-          </p:cNvPr>
-          <p:cNvPicPr>
-            <a:picLocks noGrp="1" noChangeAspect="1"/>
-          </p:cNvPicPr>
-          <p:nvPr>
-            <p:ph type="pic" sz="quarter" idx="14"/>
-          </p:nvPr>
-        </p:nvPicPr>
-        <p:blipFill rotWithShape="1">
-          <a:blip r:embed="rId2" cstate="screen">
-            <a:extLst>
-              <a:ext uri="{28A0092B-C50C-407E-A947-70E740481C1C}">
-                <a14:useLocalDpi xmlns:a14="http://schemas.microsoft.com/office/drawing/2010/main" val="0"/>
-              </a:ext>
-            </a:extLst>
-          </a:blip>
-          <a:srcRect/>
-          <a:stretch/>
-        </p:blipFill>
-        <p:spPr>
-          <a:xfrm>
-            <a:off x="1487181" y="2886074"/>
-            <a:ext cx="1845511" cy="1845511"/>
-          </a:xfrm>
-        </p:spPr>
-      </p:pic>
-      <p:sp>
-        <p:nvSpPr>
-          <p:cNvPr id="3" name="Text Placeholder 2">
-            <a:extLst>
-              <a:ext uri="{FF2B5EF4-FFF2-40B4-BE49-F238E27FC236}">
-                <a16:creationId xmlns:a16="http://schemas.microsoft.com/office/drawing/2014/main" id="{78BCC184-1096-457B-AB72-BD49E6E54117}"/>
-              </a:ext>
-            </a:extLst>
-          </p:cNvPr>
-          <p:cNvSpPr>
-            <a:spLocks noGrp="1"/>
-          </p:cNvSpPr>
-          <p:nvPr>
-            <p:ph type="body" idx="1"/>
-          </p:nvPr>
-        </p:nvSpPr>
-        <p:spPr>
-          <a:xfrm>
-            <a:off x="1228568" y="5084524"/>
-            <a:ext cx="2317707" cy="343061"/>
+              <a:t>Example: 2-Bit adder</a:t>
+            </a:r>
+          </a:p>
+        </p:txBody>
+      </p:sp>
+      <p:sp>
+        <p:nvSpPr>
+          <p:cNvPr id="24" name="Footer Placeholder 23">
+            <a:extLst>
+              <a:ext uri="{FF2B5EF4-FFF2-40B4-BE49-F238E27FC236}">
+                <a16:creationId xmlns:a16="http://schemas.microsoft.com/office/drawing/2014/main" id="{918C3C97-444D-4600-8553-B9C4C1F8483B}"/>
+              </a:ext>
+            </a:extLst>
+          </p:cNvPr>
+          <p:cNvSpPr>
+            <a:spLocks noGrp="1"/>
+          </p:cNvSpPr>
+          <p:nvPr>
+            <p:ph type="ftr" sz="quarter" idx="11"/>
+          </p:nvPr>
+        </p:nvSpPr>
+        <p:spPr>
+          <a:xfrm>
+            <a:off x="4038600" y="6356350"/>
+            <a:ext cx="4114800" cy="365125"/>
           </a:xfrm>
         </p:spPr>
         <p:txBody>
@@ -18063,373 +13549,7 @@
           <a:p>
             <a:r>
               <a:rPr lang="en-US" dirty="0"/>
-              <a:t>TAKUMA HAYASHI</a:t>
-            </a:r>
-          </a:p>
-        </p:txBody>
-      </p:sp>
-      <p:sp>
-        <p:nvSpPr>
-          <p:cNvPr id="11" name="Text Placeholder 10">
-            <a:extLst>
-              <a:ext uri="{FF2B5EF4-FFF2-40B4-BE49-F238E27FC236}">
-                <a16:creationId xmlns:a16="http://schemas.microsoft.com/office/drawing/2014/main" id="{DB420882-1CC0-49B4-8DDE-24EC26687506}"/>
-              </a:ext>
-            </a:extLst>
-          </p:cNvPr>
-          <p:cNvSpPr>
-            <a:spLocks noGrp="1"/>
-          </p:cNvSpPr>
-          <p:nvPr>
-            <p:ph type="body" idx="21"/>
-          </p:nvPr>
-        </p:nvSpPr>
-        <p:spPr>
-          <a:xfrm>
-            <a:off x="1487181" y="5464114"/>
-            <a:ext cx="1845511" cy="343061"/>
-          </a:xfrm>
-        </p:spPr>
-        <p:txBody>
-          <a:bodyPr/>
-          <a:lstStyle/>
-          <a:p>
-            <a:r>
-              <a:rPr lang="en-US" dirty="0"/>
-              <a:t>President</a:t>
-            </a:r>
-          </a:p>
-        </p:txBody>
-      </p:sp>
-      <p:pic>
-        <p:nvPicPr>
-          <p:cNvPr id="18" name="Picture Placeholder 17" descr="Headshot for team slides ">
-            <a:extLst>
-              <a:ext uri="{FF2B5EF4-FFF2-40B4-BE49-F238E27FC236}">
-                <a16:creationId xmlns:a16="http://schemas.microsoft.com/office/drawing/2014/main" id="{F2557ABA-5037-481D-8C54-94B63E80E2EC}"/>
-              </a:ext>
-            </a:extLst>
-          </p:cNvPr>
-          <p:cNvPicPr>
-            <a:picLocks noGrp="1" noChangeAspect="1"/>
-          </p:cNvPicPr>
-          <p:nvPr>
-            <p:ph type="pic" sz="quarter" idx="15"/>
-          </p:nvPr>
-        </p:nvPicPr>
-        <p:blipFill rotWithShape="1">
-          <a:blip r:embed="rId3" cstate="screen">
-            <a:extLst>
-              <a:ext uri="{28A0092B-C50C-407E-A947-70E740481C1C}">
-                <a14:useLocalDpi xmlns:a14="http://schemas.microsoft.com/office/drawing/2010/main" val="0"/>
-              </a:ext>
-            </a:extLst>
-          </a:blip>
-          <a:srcRect/>
-          <a:stretch/>
-        </p:blipFill>
-        <p:spPr>
-          <a:xfrm>
-            <a:off x="3836914" y="2886074"/>
-            <a:ext cx="1845511" cy="1845511"/>
-          </a:xfrm>
-        </p:spPr>
-      </p:pic>
-      <p:sp>
-        <p:nvSpPr>
-          <p:cNvPr id="8" name="Text Placeholder 7">
-            <a:extLst>
-              <a:ext uri="{FF2B5EF4-FFF2-40B4-BE49-F238E27FC236}">
-                <a16:creationId xmlns:a16="http://schemas.microsoft.com/office/drawing/2014/main" id="{8F0714D4-1A7C-4D7F-A5C0-4F766382B6A9}"/>
-              </a:ext>
-            </a:extLst>
-          </p:cNvPr>
-          <p:cNvSpPr>
-            <a:spLocks noGrp="1"/>
-          </p:cNvSpPr>
-          <p:nvPr>
-            <p:ph type="body" idx="18"/>
-          </p:nvPr>
-        </p:nvSpPr>
-        <p:spPr>
-          <a:xfrm>
-            <a:off x="3578300" y="5084524"/>
-            <a:ext cx="2330816" cy="343061"/>
-          </a:xfrm>
-        </p:spPr>
-        <p:txBody>
-          <a:bodyPr/>
-          <a:lstStyle/>
-          <a:p>
-            <a:r>
-              <a:rPr lang="en-US" dirty="0"/>
-              <a:t>MIRJAM NILSSON</a:t>
-            </a:r>
-          </a:p>
-        </p:txBody>
-      </p:sp>
-      <p:sp>
-        <p:nvSpPr>
-          <p:cNvPr id="12" name="Text Placeholder 11">
-            <a:extLst>
-              <a:ext uri="{FF2B5EF4-FFF2-40B4-BE49-F238E27FC236}">
-                <a16:creationId xmlns:a16="http://schemas.microsoft.com/office/drawing/2014/main" id="{E017101B-2009-4267-8513-19000E37B1F0}"/>
-              </a:ext>
-            </a:extLst>
-          </p:cNvPr>
-          <p:cNvSpPr>
-            <a:spLocks noGrp="1"/>
-          </p:cNvSpPr>
-          <p:nvPr>
-            <p:ph type="body" idx="22"/>
-          </p:nvPr>
-        </p:nvSpPr>
-        <p:spPr>
-          <a:xfrm>
-            <a:off x="3836913" y="5478796"/>
-            <a:ext cx="1855949" cy="343061"/>
-          </a:xfrm>
-        </p:spPr>
-        <p:txBody>
-          <a:bodyPr/>
-          <a:lstStyle/>
-          <a:p>
-            <a:r>
-              <a:rPr lang="en-US" dirty="0"/>
-              <a:t>Chief Executive Officer</a:t>
-            </a:r>
-          </a:p>
-        </p:txBody>
-      </p:sp>
-      <p:pic>
-        <p:nvPicPr>
-          <p:cNvPr id="20" name="Picture Placeholder 19" descr="Headshot for team slides ">
-            <a:extLst>
-              <a:ext uri="{FF2B5EF4-FFF2-40B4-BE49-F238E27FC236}">
-                <a16:creationId xmlns:a16="http://schemas.microsoft.com/office/drawing/2014/main" id="{618E88B2-D607-4D3C-9519-A591A729DCC9}"/>
-              </a:ext>
-            </a:extLst>
-          </p:cNvPr>
-          <p:cNvPicPr>
-            <a:picLocks noGrp="1" noChangeAspect="1"/>
-          </p:cNvPicPr>
-          <p:nvPr>
-            <p:ph type="pic" sz="quarter" idx="16"/>
-          </p:nvPr>
-        </p:nvPicPr>
-        <p:blipFill rotWithShape="1">
-          <a:blip r:embed="rId4" cstate="screen">
-            <a:extLst>
-              <a:ext uri="{28A0092B-C50C-407E-A947-70E740481C1C}">
-                <a14:useLocalDpi xmlns:a14="http://schemas.microsoft.com/office/drawing/2010/main" val="0"/>
-              </a:ext>
-            </a:extLst>
-          </a:blip>
-          <a:srcRect/>
-          <a:stretch/>
-        </p:blipFill>
-        <p:spPr>
-          <a:xfrm>
-            <a:off x="6327578" y="2886074"/>
-            <a:ext cx="1845511" cy="1845511"/>
-          </a:xfrm>
-        </p:spPr>
-      </p:pic>
-      <p:sp>
-        <p:nvSpPr>
-          <p:cNvPr id="9" name="Text Placeholder 8">
-            <a:extLst>
-              <a:ext uri="{FF2B5EF4-FFF2-40B4-BE49-F238E27FC236}">
-                <a16:creationId xmlns:a16="http://schemas.microsoft.com/office/drawing/2014/main" id="{36AEE506-9967-4592-BC98-D3FD3028A8E5}"/>
-              </a:ext>
-            </a:extLst>
-          </p:cNvPr>
-          <p:cNvSpPr>
-            <a:spLocks noGrp="1"/>
-          </p:cNvSpPr>
-          <p:nvPr>
-            <p:ph type="body" idx="19"/>
-          </p:nvPr>
-        </p:nvSpPr>
-        <p:spPr>
-          <a:xfrm>
-            <a:off x="6068964" y="5084524"/>
-            <a:ext cx="2317707" cy="343061"/>
-          </a:xfrm>
-        </p:spPr>
-        <p:txBody>
-          <a:bodyPr/>
-          <a:lstStyle/>
-          <a:p>
-            <a:r>
-              <a:rPr lang="en-US" dirty="0"/>
-              <a:t>FLORA BERGGREN</a:t>
-            </a:r>
-          </a:p>
-        </p:txBody>
-      </p:sp>
-      <p:sp>
-        <p:nvSpPr>
-          <p:cNvPr id="13" name="Text Placeholder 12">
-            <a:extLst>
-              <a:ext uri="{FF2B5EF4-FFF2-40B4-BE49-F238E27FC236}">
-                <a16:creationId xmlns:a16="http://schemas.microsoft.com/office/drawing/2014/main" id="{D40B843D-6615-46EB-A813-BEBD624EC685}"/>
-              </a:ext>
-            </a:extLst>
-          </p:cNvPr>
-          <p:cNvSpPr>
-            <a:spLocks noGrp="1"/>
-          </p:cNvSpPr>
-          <p:nvPr>
-            <p:ph type="body" idx="23"/>
-          </p:nvPr>
-        </p:nvSpPr>
-        <p:spPr>
-          <a:xfrm>
-            <a:off x="6327577" y="5478796"/>
-            <a:ext cx="1845511" cy="343061"/>
-          </a:xfrm>
-        </p:spPr>
-        <p:txBody>
-          <a:bodyPr/>
-          <a:lstStyle/>
-          <a:p>
-            <a:r>
-              <a:rPr lang="en-US" dirty="0"/>
-              <a:t>Chief Operations Officer</a:t>
-            </a:r>
-          </a:p>
-        </p:txBody>
-      </p:sp>
-      <p:pic>
-        <p:nvPicPr>
-          <p:cNvPr id="22" name="Picture Placeholder 21" descr="Headshot for team slides ">
-            <a:extLst>
-              <a:ext uri="{FF2B5EF4-FFF2-40B4-BE49-F238E27FC236}">
-                <a16:creationId xmlns:a16="http://schemas.microsoft.com/office/drawing/2014/main" id="{82AF3253-9767-4EC7-B0DB-3A850BEFB035}"/>
-              </a:ext>
-            </a:extLst>
-          </p:cNvPr>
-          <p:cNvPicPr>
-            <a:picLocks noGrp="1" noChangeAspect="1"/>
-          </p:cNvPicPr>
-          <p:nvPr>
-            <p:ph type="pic" sz="quarter" idx="17"/>
-          </p:nvPr>
-        </p:nvPicPr>
-        <p:blipFill rotWithShape="1">
-          <a:blip r:embed="rId5" cstate="screen">
-            <a:extLst>
-              <a:ext uri="{28A0092B-C50C-407E-A947-70E740481C1C}">
-                <a14:useLocalDpi xmlns:a14="http://schemas.microsoft.com/office/drawing/2010/main" val="0"/>
-              </a:ext>
-            </a:extLst>
-          </a:blip>
-          <a:srcRect/>
-          <a:stretch/>
-        </p:blipFill>
-        <p:spPr>
-          <a:xfrm>
-            <a:off x="8747458" y="2886074"/>
-            <a:ext cx="1845511" cy="1845511"/>
-          </a:xfrm>
-        </p:spPr>
-      </p:pic>
-      <p:sp>
-        <p:nvSpPr>
-          <p:cNvPr id="10" name="Text Placeholder 9">
-            <a:extLst>
-              <a:ext uri="{FF2B5EF4-FFF2-40B4-BE49-F238E27FC236}">
-                <a16:creationId xmlns:a16="http://schemas.microsoft.com/office/drawing/2014/main" id="{F5F1AEEC-D56B-4D10-B1F5-63AA91152B53}"/>
-              </a:ext>
-            </a:extLst>
-          </p:cNvPr>
-          <p:cNvSpPr>
-            <a:spLocks noGrp="1"/>
-          </p:cNvSpPr>
-          <p:nvPr>
-            <p:ph type="body" idx="20"/>
-          </p:nvPr>
-        </p:nvSpPr>
-        <p:spPr>
-          <a:xfrm>
-            <a:off x="8488845" y="5084524"/>
-            <a:ext cx="2317706" cy="343061"/>
-          </a:xfrm>
-        </p:spPr>
-        <p:txBody>
-          <a:bodyPr/>
-          <a:lstStyle/>
-          <a:p>
-            <a:r>
-              <a:rPr lang="en-US" dirty="0"/>
-              <a:t>RAJESH SANTOSHI</a:t>
-            </a:r>
-          </a:p>
-        </p:txBody>
-      </p:sp>
-      <p:sp>
-        <p:nvSpPr>
-          <p:cNvPr id="14" name="Text Placeholder 13">
-            <a:extLst>
-              <a:ext uri="{FF2B5EF4-FFF2-40B4-BE49-F238E27FC236}">
-                <a16:creationId xmlns:a16="http://schemas.microsoft.com/office/drawing/2014/main" id="{3099A0B0-BDD0-48DA-AA3E-13153E65129F}"/>
-              </a:ext>
-            </a:extLst>
-          </p:cNvPr>
-          <p:cNvSpPr>
-            <a:spLocks noGrp="1"/>
-          </p:cNvSpPr>
-          <p:nvPr>
-            <p:ph type="body" idx="24"/>
-          </p:nvPr>
-        </p:nvSpPr>
-        <p:spPr>
-          <a:xfrm>
-            <a:off x="8747458" y="5464114"/>
-            <a:ext cx="1845510" cy="343061"/>
-          </a:xfrm>
-        </p:spPr>
-        <p:txBody>
-          <a:bodyPr/>
-          <a:lstStyle/>
-          <a:p>
-            <a:r>
-              <a:rPr lang="en-US" dirty="0"/>
-              <a:t>VP Marketing</a:t>
-            </a:r>
-          </a:p>
-        </p:txBody>
-      </p:sp>
-      <p:sp>
-        <p:nvSpPr>
-          <p:cNvPr id="24" name="Footer Placeholder 23">
-            <a:extLst>
-              <a:ext uri="{FF2B5EF4-FFF2-40B4-BE49-F238E27FC236}">
-                <a16:creationId xmlns:a16="http://schemas.microsoft.com/office/drawing/2014/main" id="{918C3C97-444D-4600-8553-B9C4C1F8483B}"/>
-              </a:ext>
-            </a:extLst>
-          </p:cNvPr>
-          <p:cNvSpPr>
-            <a:spLocks noGrp="1"/>
-          </p:cNvSpPr>
-          <p:nvPr>
-            <p:ph type="ftr" sz="quarter" idx="11"/>
-          </p:nvPr>
-        </p:nvSpPr>
-        <p:spPr>
-          <a:xfrm>
-            <a:off x="4038600" y="6356350"/>
-            <a:ext cx="4114800" cy="365125"/>
-          </a:xfrm>
-        </p:spPr>
-        <p:txBody>
-          <a:bodyPr/>
-          <a:lstStyle/>
-          <a:p>
-            <a:r>
-              <a:rPr lang="en-US" dirty="0"/>
-              <a:t>PRESENTATION TITLE</a:t>
+              <a:t>UFM: Unusually Formal Method</a:t>
             </a:r>
           </a:p>
         </p:txBody>
@@ -18469,10 +13589,40 @@
           </a:p>
         </p:txBody>
       </p:sp>
+      <p:pic>
+        <p:nvPicPr>
+          <p:cNvPr id="4" name="Picture 3">
+            <a:extLst>
+              <a:ext uri="{FF2B5EF4-FFF2-40B4-BE49-F238E27FC236}">
+                <a16:creationId xmlns:a16="http://schemas.microsoft.com/office/drawing/2014/main" id="{19526A60-EF03-F278-89D5-AE600F7CDF37}"/>
+              </a:ext>
+            </a:extLst>
+          </p:cNvPr>
+          <p:cNvPicPr>
+            <a:picLocks noChangeAspect="1"/>
+          </p:cNvPicPr>
+          <p:nvPr/>
+        </p:nvPicPr>
+        <p:blipFill>
+          <a:blip r:embed="rId2"/>
+          <a:stretch>
+            <a:fillRect/>
+          </a:stretch>
+        </p:blipFill>
+        <p:spPr>
+          <a:xfrm>
+            <a:off x="3877909" y="2778766"/>
+            <a:ext cx="4436182" cy="2375125"/>
+          </a:xfrm>
+          <a:prstGeom prst="rect">
+            <a:avLst/>
+          </a:prstGeom>
+        </p:spPr>
+      </p:pic>
     </p:spTree>
     <p:extLst>
       <p:ext uri="{BB962C8B-B14F-4D97-AF65-F5344CB8AC3E}">
-        <p14:creationId xmlns:p14="http://schemas.microsoft.com/office/powerpoint/2010/main" val="2619301236"/>
+        <p14:creationId xmlns:p14="http://schemas.microsoft.com/office/powerpoint/2010/main" val="2743654609"/>
       </p:ext>
     </p:extLst>
   </p:cSld>

--- a/Unusually Formal Method.pptx
+++ b/Unusually Formal Method.pptx
@@ -5,26 +5,25 @@
     <p:sldMasterId id="2147483648" r:id="rId4"/>
   </p:sldMasterIdLst>
   <p:notesMasterIdLst>
-    <p:notesMasterId r:id="rId19"/>
+    <p:notesMasterId r:id="rId18"/>
   </p:notesMasterIdLst>
   <p:handoutMasterIdLst>
-    <p:handoutMasterId r:id="rId20"/>
+    <p:handoutMasterId r:id="rId19"/>
   </p:handoutMasterIdLst>
   <p:sldIdLst>
     <p:sldId id="256" r:id="rId5"/>
-    <p:sldId id="257" r:id="rId6"/>
-    <p:sldId id="258" r:id="rId7"/>
+    <p:sldId id="258" r:id="rId6"/>
+    <p:sldId id="280" r:id="rId7"/>
     <p:sldId id="273" r:id="rId8"/>
-    <p:sldId id="274" r:id="rId9"/>
-    <p:sldId id="276" r:id="rId10"/>
+    <p:sldId id="276" r:id="rId9"/>
+    <p:sldId id="274" r:id="rId10"/>
     <p:sldId id="269" r:id="rId11"/>
-    <p:sldId id="264" r:id="rId12"/>
-    <p:sldId id="275" r:id="rId13"/>
-    <p:sldId id="277" r:id="rId14"/>
-    <p:sldId id="278" r:id="rId15"/>
-    <p:sldId id="279" r:id="rId16"/>
-    <p:sldId id="260" r:id="rId17"/>
-    <p:sldId id="266" r:id="rId18"/>
+    <p:sldId id="275" r:id="rId12"/>
+    <p:sldId id="277" r:id="rId13"/>
+    <p:sldId id="278" r:id="rId14"/>
+    <p:sldId id="281" r:id="rId15"/>
+    <p:sldId id="260" r:id="rId16"/>
+    <p:sldId id="266" r:id="rId17"/>
   </p:sldIdLst>
   <p:sldSz cx="12192000" cy="6858000"/>
   <p:notesSz cx="6858000" cy="9144000"/>
@@ -670,6 +669,96 @@
     </a:lvl9pPr>
   </p:notesStyle>
 </p:notesMaster>
+</file>
+
+<file path=ppt/notesSlides/notesSlide1.xml><?xml version="1.0" encoding="utf-8"?>
+<p:notes xmlns:a="http://schemas.openxmlformats.org/drawingml/2006/main" xmlns:r="http://schemas.openxmlformats.org/officeDocument/2006/relationships" xmlns:p="http://schemas.openxmlformats.org/presentationml/2006/main">
+  <p:cSld>
+    <p:spTree>
+      <p:nvGrpSpPr>
+        <p:cNvPr id="1" name=""/>
+        <p:cNvGrpSpPr/>
+        <p:nvPr/>
+      </p:nvGrpSpPr>
+      <p:grpSpPr>
+        <a:xfrm>
+          <a:off x="0" y="0"/>
+          <a:ext cx="0" cy="0"/>
+          <a:chOff x="0" y="0"/>
+          <a:chExt cx="0" cy="0"/>
+        </a:xfrm>
+      </p:grpSpPr>
+      <p:sp>
+        <p:nvSpPr>
+          <p:cNvPr id="2" name="Slide Image Placeholder 1"/>
+          <p:cNvSpPr>
+            <a:spLocks noGrp="1" noRot="1" noChangeAspect="1"/>
+          </p:cNvSpPr>
+          <p:nvPr>
+            <p:ph type="sldImg"/>
+          </p:nvPr>
+        </p:nvSpPr>
+        <p:spPr/>
+      </p:sp>
+      <p:sp>
+        <p:nvSpPr>
+          <p:cNvPr id="3" name="Notes Placeholder 2"/>
+          <p:cNvSpPr>
+            <a:spLocks noGrp="1"/>
+          </p:cNvSpPr>
+          <p:nvPr>
+            <p:ph type="body" idx="1"/>
+          </p:nvPr>
+        </p:nvSpPr>
+        <p:spPr/>
+        <p:txBody>
+          <a:bodyPr/>
+          <a:lstStyle/>
+          <a:p>
+            <a:r>
+              <a:rPr lang="en-US" dirty="0"/>
+              <a:t>Mention was unable to find a suitable Verilog parser so had to somewhat implement own</a:t>
+            </a:r>
+          </a:p>
+          <a:p>
+            <a:endParaRPr lang="en-US" dirty="0"/>
+          </a:p>
+        </p:txBody>
+      </p:sp>
+      <p:sp>
+        <p:nvSpPr>
+          <p:cNvPr id="4" name="Slide Number Placeholder 3"/>
+          <p:cNvSpPr>
+            <a:spLocks noGrp="1"/>
+          </p:cNvSpPr>
+          <p:nvPr>
+            <p:ph type="sldNum" sz="quarter" idx="5"/>
+          </p:nvPr>
+        </p:nvSpPr>
+        <p:spPr/>
+        <p:txBody>
+          <a:bodyPr/>
+          <a:lstStyle/>
+          <a:p>
+            <a:fld id="{22289C57-55D7-40A4-A101-E74FAC7A092B}" type="slidenum">
+              <a:rPr lang="en-US" smtClean="0"/>
+              <a:t>7</a:t>
+            </a:fld>
+            <a:endParaRPr lang="en-US" dirty="0"/>
+          </a:p>
+        </p:txBody>
+      </p:sp>
+    </p:spTree>
+    <p:extLst>
+      <p:ext uri="{BB962C8B-B14F-4D97-AF65-F5344CB8AC3E}">
+        <p14:creationId xmlns:p14="http://schemas.microsoft.com/office/powerpoint/2010/main" val="3210555852"/>
+      </p:ext>
+    </p:extLst>
+  </p:cSld>
+  <p:clrMapOvr>
+    <a:masterClrMapping/>
+  </p:clrMapOvr>
+</p:notes>
 </file>
 
 <file path=ppt/slideLayouts/slideLayout1.xml><?xml version="1.0" encoding="utf-8"?>
@@ -9739,70 +9828,1378 @@
           </a:p>
         </p:txBody>
       </p:sp>
+      <p:sp>
+        <p:nvSpPr>
+          <p:cNvPr id="6" name="Arrow: Right 5">
+            <a:extLst>
+              <a:ext uri="{FF2B5EF4-FFF2-40B4-BE49-F238E27FC236}">
+                <a16:creationId xmlns:a16="http://schemas.microsoft.com/office/drawing/2014/main" id="{73D4C4D6-A69A-3885-B55E-6697A63B3B90}"/>
+              </a:ext>
+            </a:extLst>
+          </p:cNvPr>
+          <p:cNvSpPr/>
+          <p:nvPr/>
+        </p:nvSpPr>
+        <p:spPr>
+          <a:xfrm>
+            <a:off x="3859764" y="3169226"/>
+            <a:ext cx="887727" cy="519545"/>
+          </a:xfrm>
+          <a:prstGeom prst="rightArrow">
+            <a:avLst/>
+          </a:prstGeom>
+          <a:solidFill>
+            <a:schemeClr val="accent3">
+              <a:lumMod val="60000"/>
+              <a:lumOff val="40000"/>
+            </a:schemeClr>
+          </a:solidFill>
+        </p:spPr>
+        <p:style>
+          <a:lnRef idx="2">
+            <a:schemeClr val="accent2">
+              <a:shade val="15000"/>
+            </a:schemeClr>
+          </a:lnRef>
+          <a:fillRef idx="1">
+            <a:schemeClr val="accent2"/>
+          </a:fillRef>
+          <a:effectRef idx="0">
+            <a:schemeClr val="accent2"/>
+          </a:effectRef>
+          <a:fontRef idx="minor">
+            <a:schemeClr val="lt1"/>
+          </a:fontRef>
+        </p:style>
+        <p:txBody>
+          <a:bodyPr rtlCol="0" anchor="ctr"/>
+          <a:lstStyle/>
+          <a:p>
+            <a:pPr algn="ctr"/>
+            <a:endParaRPr lang="en-US" dirty="0"/>
+          </a:p>
+        </p:txBody>
+      </p:sp>
       <p:pic>
         <p:nvPicPr>
-          <p:cNvPr id="5" name="Picture 4">
-            <a:extLst>
-              <a:ext uri="{FF2B5EF4-FFF2-40B4-BE49-F238E27FC236}">
-                <a16:creationId xmlns:a16="http://schemas.microsoft.com/office/drawing/2014/main" id="{BC8CF25B-B012-86AC-DB2B-56025E8845B7}"/>
+          <p:cNvPr id="2050" name="Picture 2">
+            <a:extLst>
+              <a:ext uri="{FF2B5EF4-FFF2-40B4-BE49-F238E27FC236}">
+                <a16:creationId xmlns:a16="http://schemas.microsoft.com/office/drawing/2014/main" id="{BB1AAEF9-BD0A-8191-C146-FB693FF6A60A}"/>
               </a:ext>
             </a:extLst>
           </p:cNvPr>
           <p:cNvPicPr>
-            <a:picLocks noChangeAspect="1"/>
+            <a:picLocks noChangeAspect="1" noChangeArrowheads="1"/>
           </p:cNvPicPr>
           <p:nvPr/>
         </p:nvPicPr>
         <p:blipFill>
-          <a:blip r:embed="rId2"/>
+          <a:blip r:embed="rId2">
+            <a:extLst>
+              <a:ext uri="{28A0092B-C50C-407E-A947-70E740481C1C}">
+                <a14:useLocalDpi xmlns:a14="http://schemas.microsoft.com/office/drawing/2010/main" val="0"/>
+              </a:ext>
+            </a:extLst>
+          </a:blip>
+          <a:srcRect/>
           <a:stretch>
             <a:fillRect/>
           </a:stretch>
         </p:blipFill>
-        <p:spPr>
-          <a:xfrm>
-            <a:off x="674771" y="2324567"/>
-            <a:ext cx="4579478" cy="2653832"/>
+        <p:spPr bwMode="auto">
+          <a:xfrm>
+            <a:off x="9936055" y="1328881"/>
+            <a:ext cx="1840345" cy="1840345"/>
           </a:xfrm>
           <a:prstGeom prst="rect">
             <a:avLst/>
           </a:prstGeom>
+          <a:noFill/>
+          <a:extLst>
+            <a:ext uri="{909E8E84-426E-40DD-AFC4-6F175D3DCCD1}">
+              <a14:hiddenFill xmlns:a14="http://schemas.microsoft.com/office/drawing/2010/main">
+                <a:solidFill>
+                  <a:srgbClr val="FFFFFF"/>
+                </a:solidFill>
+              </a14:hiddenFill>
+            </a:ext>
+          </a:extLst>
         </p:spPr>
       </p:pic>
-      <p:pic>
-        <p:nvPicPr>
-          <p:cNvPr id="7" name="Picture 6">
-            <a:extLst>
-              <a:ext uri="{FF2B5EF4-FFF2-40B4-BE49-F238E27FC236}">
-                <a16:creationId xmlns:a16="http://schemas.microsoft.com/office/drawing/2014/main" id="{7B68A81D-591D-86BD-5D93-06059DAC1CA6}"/>
-              </a:ext>
-            </a:extLst>
-          </p:cNvPr>
-          <p:cNvPicPr>
-            <a:picLocks noChangeAspect="1"/>
-          </p:cNvPicPr>
+      <p:sp>
+        <p:nvSpPr>
+          <p:cNvPr id="15" name="TextBox 14">
+            <a:extLst>
+              <a:ext uri="{FF2B5EF4-FFF2-40B4-BE49-F238E27FC236}">
+                <a16:creationId xmlns:a16="http://schemas.microsoft.com/office/drawing/2014/main" id="{EF97EB7F-CED9-EC5F-661F-92A48A5E6CC8}"/>
+              </a:ext>
+            </a:extLst>
+          </p:cNvPr>
+          <p:cNvSpPr txBox="1"/>
           <p:nvPr/>
-        </p:nvPicPr>
-        <p:blipFill>
-          <a:blip r:embed="rId3"/>
-          <a:stretch>
-            <a:fillRect/>
-          </a:stretch>
-        </p:blipFill>
-        <p:spPr>
-          <a:xfrm>
-            <a:off x="7294236" y="2071666"/>
-            <a:ext cx="3091813" cy="3842031"/>
+        </p:nvSpPr>
+        <p:spPr>
+          <a:xfrm>
+            <a:off x="222502" y="2537817"/>
+            <a:ext cx="3693661" cy="1938992"/>
           </a:xfrm>
           <a:prstGeom prst="rect">
             <a:avLst/>
           </a:prstGeom>
-        </p:spPr>
-      </p:pic>
+          <a:solidFill>
+            <a:schemeClr val="tx1"/>
+          </a:solidFill>
+        </p:spPr>
+        <p:txBody>
+          <a:bodyPr wrap="square">
+            <a:spAutoFit/>
+          </a:bodyPr>
+          <a:lstStyle/>
+          <a:p>
+            <a:r>
+              <a:rPr lang="en-US" sz="1200" b="0" dirty="0">
+                <a:solidFill>
+                  <a:srgbClr val="569CD6"/>
+                </a:solidFill>
+                <a:effectLst/>
+                <a:latin typeface="Consolas" panose="020B0609020204030204" pitchFamily="49" charset="0"/>
+              </a:rPr>
+              <a:t>module</a:t>
+            </a:r>
+            <a:r>
+              <a:rPr lang="en-US" sz="1200" b="0" dirty="0">
+                <a:solidFill>
+                  <a:srgbClr val="CCCCCC"/>
+                </a:solidFill>
+                <a:effectLst/>
+                <a:latin typeface="Consolas" panose="020B0609020204030204" pitchFamily="49" charset="0"/>
+              </a:rPr>
+              <a:t> </a:t>
+            </a:r>
+            <a:r>
+              <a:rPr lang="en-US" sz="1200" b="0" dirty="0">
+                <a:solidFill>
+                  <a:srgbClr val="4EC9B0"/>
+                </a:solidFill>
+                <a:effectLst/>
+                <a:latin typeface="Consolas" panose="020B0609020204030204" pitchFamily="49" charset="0"/>
+              </a:rPr>
+              <a:t>adder</a:t>
+            </a:r>
+            <a:r>
+              <a:rPr lang="en-US" sz="1200" b="0" dirty="0">
+                <a:solidFill>
+                  <a:srgbClr val="CCCCCC"/>
+                </a:solidFill>
+                <a:effectLst/>
+                <a:latin typeface="Consolas" panose="020B0609020204030204" pitchFamily="49" charset="0"/>
+              </a:rPr>
+              <a:t>(a0, a1, b0, b1,</a:t>
+            </a:r>
+            <a:endParaRPr lang="en-US" sz="1200" dirty="0">
+              <a:solidFill>
+                <a:srgbClr val="CCCCCC"/>
+              </a:solidFill>
+              <a:latin typeface="Consolas" panose="020B0609020204030204" pitchFamily="49" charset="0"/>
+            </a:endParaRPr>
+          </a:p>
+          <a:p>
+            <a:r>
+              <a:rPr lang="en-US" sz="1200" b="0" dirty="0">
+                <a:solidFill>
+                  <a:srgbClr val="CCCCCC"/>
+                </a:solidFill>
+                <a:effectLst/>
+                <a:latin typeface="Consolas" panose="020B0609020204030204" pitchFamily="49" charset="0"/>
+              </a:rPr>
+              <a:t>	      cout0, cout1);</a:t>
+            </a:r>
+          </a:p>
+          <a:p>
+            <a:r>
+              <a:rPr lang="en-US" sz="1200" b="0" dirty="0">
+                <a:solidFill>
+                  <a:srgbClr val="CCCCCC"/>
+                </a:solidFill>
+                <a:effectLst/>
+                <a:latin typeface="Consolas" panose="020B0609020204030204" pitchFamily="49" charset="0"/>
+              </a:rPr>
+              <a:t>    </a:t>
+            </a:r>
+            <a:r>
+              <a:rPr lang="en-US" sz="1200" b="0" dirty="0">
+                <a:solidFill>
+                  <a:srgbClr val="569CD6"/>
+                </a:solidFill>
+                <a:effectLst/>
+                <a:latin typeface="Consolas" panose="020B0609020204030204" pitchFamily="49" charset="0"/>
+              </a:rPr>
+              <a:t>input</a:t>
+            </a:r>
+            <a:r>
+              <a:rPr lang="en-US" sz="1200" b="0" dirty="0">
+                <a:solidFill>
+                  <a:srgbClr val="CCCCCC"/>
+                </a:solidFill>
+                <a:effectLst/>
+                <a:latin typeface="Consolas" panose="020B0609020204030204" pitchFamily="49" charset="0"/>
+              </a:rPr>
+              <a:t> a0, a1, b0, b1;</a:t>
+            </a:r>
+          </a:p>
+          <a:p>
+            <a:r>
+              <a:rPr lang="en-US" sz="1200" b="0" dirty="0">
+                <a:solidFill>
+                  <a:srgbClr val="CCCCCC"/>
+                </a:solidFill>
+                <a:effectLst/>
+                <a:latin typeface="Consolas" panose="020B0609020204030204" pitchFamily="49" charset="0"/>
+              </a:rPr>
+              <a:t>    </a:t>
+            </a:r>
+            <a:r>
+              <a:rPr lang="en-US" sz="1200" b="0" dirty="0">
+                <a:solidFill>
+                  <a:srgbClr val="569CD6"/>
+                </a:solidFill>
+                <a:effectLst/>
+                <a:latin typeface="Consolas" panose="020B0609020204030204" pitchFamily="49" charset="0"/>
+              </a:rPr>
+              <a:t>output</a:t>
+            </a:r>
+            <a:r>
+              <a:rPr lang="en-US" sz="1200" b="0" dirty="0">
+                <a:solidFill>
+                  <a:srgbClr val="CCCCCC"/>
+                </a:solidFill>
+                <a:effectLst/>
+                <a:latin typeface="Consolas" panose="020B0609020204030204" pitchFamily="49" charset="0"/>
+              </a:rPr>
+              <a:t> cout0, cout1;</a:t>
+            </a:r>
+          </a:p>
+          <a:p>
+            <a:br>
+              <a:rPr lang="en-US" sz="1200" b="0" dirty="0">
+                <a:solidFill>
+                  <a:srgbClr val="CCCCCC"/>
+                </a:solidFill>
+                <a:effectLst/>
+                <a:latin typeface="Consolas" panose="020B0609020204030204" pitchFamily="49" charset="0"/>
+              </a:rPr>
+            </a:br>
+            <a:r>
+              <a:rPr lang="en-US" sz="1200" b="0" dirty="0">
+                <a:solidFill>
+                  <a:srgbClr val="CCCCCC"/>
+                </a:solidFill>
+                <a:effectLst/>
+                <a:latin typeface="Consolas" panose="020B0609020204030204" pitchFamily="49" charset="0"/>
+              </a:rPr>
+              <a:t>    </a:t>
+            </a:r>
+            <a:r>
+              <a:rPr lang="en-US" sz="1200" b="0" dirty="0">
+                <a:solidFill>
+                  <a:srgbClr val="569CD6"/>
+                </a:solidFill>
+                <a:effectLst/>
+                <a:latin typeface="Consolas" panose="020B0609020204030204" pitchFamily="49" charset="0"/>
+              </a:rPr>
+              <a:t>assign</a:t>
+            </a:r>
+            <a:r>
+              <a:rPr lang="en-US" sz="1200" b="0" dirty="0">
+                <a:solidFill>
+                  <a:srgbClr val="CCCCCC"/>
+                </a:solidFill>
+                <a:effectLst/>
+                <a:latin typeface="Consolas" panose="020B0609020204030204" pitchFamily="49" charset="0"/>
+              </a:rPr>
+              <a:t> cout0 </a:t>
+            </a:r>
+            <a:r>
+              <a:rPr lang="en-US" sz="1200" b="0" dirty="0">
+                <a:solidFill>
+                  <a:srgbClr val="D4D4D4"/>
+                </a:solidFill>
+                <a:effectLst/>
+                <a:latin typeface="Consolas" panose="020B0609020204030204" pitchFamily="49" charset="0"/>
+              </a:rPr>
+              <a:t>=</a:t>
+            </a:r>
+            <a:r>
+              <a:rPr lang="en-US" sz="1200" b="0" dirty="0">
+                <a:solidFill>
+                  <a:srgbClr val="CCCCCC"/>
+                </a:solidFill>
+                <a:effectLst/>
+                <a:latin typeface="Consolas" panose="020B0609020204030204" pitchFamily="49" charset="0"/>
+              </a:rPr>
+              <a:t> a0 ^ b0;</a:t>
+            </a:r>
+          </a:p>
+          <a:p>
+            <a:r>
+              <a:rPr lang="en-US" sz="1200" b="0" dirty="0">
+                <a:solidFill>
+                  <a:srgbClr val="CCCCCC"/>
+                </a:solidFill>
+                <a:effectLst/>
+                <a:latin typeface="Consolas" panose="020B0609020204030204" pitchFamily="49" charset="0"/>
+              </a:rPr>
+              <a:t>    </a:t>
+            </a:r>
+            <a:r>
+              <a:rPr lang="en-US" sz="1200" b="0" dirty="0">
+                <a:solidFill>
+                  <a:srgbClr val="569CD6"/>
+                </a:solidFill>
+                <a:effectLst/>
+                <a:latin typeface="Consolas" panose="020B0609020204030204" pitchFamily="49" charset="0"/>
+              </a:rPr>
+              <a:t>assign</a:t>
+            </a:r>
+            <a:r>
+              <a:rPr lang="en-US" sz="1200" b="0" dirty="0">
+                <a:solidFill>
+                  <a:srgbClr val="CCCCCC"/>
+                </a:solidFill>
+                <a:effectLst/>
+                <a:latin typeface="Consolas" panose="020B0609020204030204" pitchFamily="49" charset="0"/>
+              </a:rPr>
+              <a:t> cout1 </a:t>
+            </a:r>
+            <a:r>
+              <a:rPr lang="en-US" sz="1200" b="0" dirty="0">
+                <a:solidFill>
+                  <a:srgbClr val="D4D4D4"/>
+                </a:solidFill>
+                <a:effectLst/>
+                <a:latin typeface="Consolas" panose="020B0609020204030204" pitchFamily="49" charset="0"/>
+              </a:rPr>
+              <a:t>=</a:t>
+            </a:r>
+            <a:r>
+              <a:rPr lang="en-US" sz="1200" b="0" dirty="0">
+                <a:solidFill>
+                  <a:srgbClr val="CCCCCC"/>
+                </a:solidFill>
+                <a:effectLst/>
+                <a:latin typeface="Consolas" panose="020B0609020204030204" pitchFamily="49" charset="0"/>
+              </a:rPr>
+              <a:t> (a1 ^ b1) </a:t>
+            </a:r>
+            <a:r>
+              <a:rPr lang="en-US" sz="1200" dirty="0">
+                <a:solidFill>
+                  <a:srgbClr val="D4D4D4"/>
+                </a:solidFill>
+                <a:latin typeface="Consolas" panose="020B0609020204030204" pitchFamily="49" charset="0"/>
+              </a:rPr>
+              <a:t>^</a:t>
+            </a:r>
+            <a:r>
+              <a:rPr lang="en-US" sz="1200" b="0" dirty="0">
+                <a:solidFill>
+                  <a:srgbClr val="CCCCCC"/>
+                </a:solidFill>
+                <a:effectLst/>
+                <a:latin typeface="Consolas" panose="020B0609020204030204" pitchFamily="49" charset="0"/>
+              </a:rPr>
+              <a:t> (a0 </a:t>
+            </a:r>
+            <a:r>
+              <a:rPr lang="en-US" sz="1200" b="0" dirty="0">
+                <a:solidFill>
+                  <a:srgbClr val="D4D4D4"/>
+                </a:solidFill>
+                <a:effectLst/>
+                <a:latin typeface="Consolas" panose="020B0609020204030204" pitchFamily="49" charset="0"/>
+              </a:rPr>
+              <a:t>&amp;</a:t>
+            </a:r>
+            <a:r>
+              <a:rPr lang="en-US" sz="1200" b="0" dirty="0">
+                <a:solidFill>
+                  <a:srgbClr val="CCCCCC"/>
+                </a:solidFill>
+                <a:effectLst/>
+                <a:latin typeface="Consolas" panose="020B0609020204030204" pitchFamily="49" charset="0"/>
+              </a:rPr>
+              <a:t> b0);</a:t>
+            </a:r>
+          </a:p>
+          <a:p>
+            <a:endParaRPr lang="en-US" sz="1200" b="0" dirty="0">
+              <a:solidFill>
+                <a:srgbClr val="CCCCCC"/>
+              </a:solidFill>
+              <a:effectLst/>
+              <a:latin typeface="Consolas" panose="020B0609020204030204" pitchFamily="49" charset="0"/>
+            </a:endParaRPr>
+          </a:p>
+          <a:p>
+            <a:r>
+              <a:rPr lang="en-US" sz="1200" b="0" dirty="0">
+                <a:solidFill>
+                  <a:srgbClr val="CCCCCC"/>
+                </a:solidFill>
+                <a:effectLst/>
+                <a:latin typeface="Consolas" panose="020B0609020204030204" pitchFamily="49" charset="0"/>
+              </a:rPr>
+              <a:t>    </a:t>
+            </a:r>
+            <a:r>
+              <a:rPr lang="en-US" sz="1200" b="0" dirty="0">
+                <a:solidFill>
+                  <a:schemeClr val="accent6">
+                    <a:lumMod val="75000"/>
+                  </a:schemeClr>
+                </a:solidFill>
+                <a:effectLst/>
+                <a:latin typeface="Consolas" panose="020B0609020204030204" pitchFamily="49" charset="0"/>
+              </a:rPr>
+              <a:t>//@ensures cout0 == a0 ^ b0</a:t>
+            </a:r>
+            <a:br>
+              <a:rPr lang="en-US" sz="1200" b="0" dirty="0">
+                <a:solidFill>
+                  <a:srgbClr val="CCCCCC"/>
+                </a:solidFill>
+                <a:effectLst/>
+                <a:latin typeface="Consolas" panose="020B0609020204030204" pitchFamily="49" charset="0"/>
+              </a:rPr>
+            </a:br>
+            <a:r>
+              <a:rPr lang="en-US" sz="1200" b="0" dirty="0" err="1">
+                <a:solidFill>
+                  <a:srgbClr val="569CD6"/>
+                </a:solidFill>
+                <a:effectLst/>
+                <a:latin typeface="Consolas" panose="020B0609020204030204" pitchFamily="49" charset="0"/>
+              </a:rPr>
+              <a:t>endmodule</a:t>
+            </a:r>
+            <a:endParaRPr lang="en-US" sz="1200" b="0" dirty="0">
+              <a:solidFill>
+                <a:srgbClr val="CCCCCC"/>
+              </a:solidFill>
+              <a:effectLst/>
+              <a:latin typeface="Consolas" panose="020B0609020204030204" pitchFamily="49" charset="0"/>
+            </a:endParaRPr>
+          </a:p>
+        </p:txBody>
+      </p:sp>
+      <p:sp>
+        <p:nvSpPr>
+          <p:cNvPr id="16" name="TextBox 15">
+            <a:extLst>
+              <a:ext uri="{FF2B5EF4-FFF2-40B4-BE49-F238E27FC236}">
+                <a16:creationId xmlns:a16="http://schemas.microsoft.com/office/drawing/2014/main" id="{8528D150-EACB-F8C6-B7F5-551C2717EAC2}"/>
+              </a:ext>
+            </a:extLst>
+          </p:cNvPr>
+          <p:cNvSpPr txBox="1"/>
+          <p:nvPr/>
+        </p:nvSpPr>
+        <p:spPr>
+          <a:xfrm>
+            <a:off x="4747491" y="1778719"/>
+            <a:ext cx="4315689" cy="4339650"/>
+          </a:xfrm>
+          <a:prstGeom prst="rect">
+            <a:avLst/>
+          </a:prstGeom>
+          <a:solidFill>
+            <a:schemeClr val="tx1">
+              <a:lumMod val="95000"/>
+              <a:lumOff val="5000"/>
+            </a:schemeClr>
+          </a:solidFill>
+        </p:spPr>
+        <p:txBody>
+          <a:bodyPr wrap="square">
+            <a:spAutoFit/>
+          </a:bodyPr>
+          <a:lstStyle/>
+          <a:p>
+            <a:r>
+              <a:rPr lang="en-US" sz="1200" b="0" dirty="0">
+                <a:solidFill>
+                  <a:srgbClr val="C586C0"/>
+                </a:solidFill>
+                <a:effectLst/>
+                <a:latin typeface="Consolas" panose="020B0609020204030204" pitchFamily="49" charset="0"/>
+              </a:rPr>
+              <a:t>from</a:t>
+            </a:r>
+            <a:r>
+              <a:rPr lang="en-US" sz="1200" b="0" dirty="0">
+                <a:solidFill>
+                  <a:srgbClr val="CCCCCC"/>
+                </a:solidFill>
+                <a:effectLst/>
+                <a:latin typeface="Consolas" panose="020B0609020204030204" pitchFamily="49" charset="0"/>
+              </a:rPr>
+              <a:t> z3 </a:t>
+            </a:r>
+            <a:r>
+              <a:rPr lang="en-US" sz="1200" b="0" dirty="0">
+                <a:solidFill>
+                  <a:srgbClr val="C586C0"/>
+                </a:solidFill>
+                <a:effectLst/>
+                <a:latin typeface="Consolas" panose="020B0609020204030204" pitchFamily="49" charset="0"/>
+              </a:rPr>
+              <a:t>import</a:t>
+            </a:r>
+            <a:r>
+              <a:rPr lang="en-US" sz="1200" b="0" dirty="0">
+                <a:solidFill>
+                  <a:srgbClr val="CCCCCC"/>
+                </a:solidFill>
+                <a:effectLst/>
+                <a:latin typeface="Consolas" panose="020B0609020204030204" pitchFamily="49" charset="0"/>
+              </a:rPr>
+              <a:t> </a:t>
+            </a:r>
+            <a:r>
+              <a:rPr lang="en-US" sz="1200" b="0" dirty="0">
+                <a:solidFill>
+                  <a:srgbClr val="D4D4D4"/>
+                </a:solidFill>
+                <a:effectLst/>
+                <a:latin typeface="Consolas" panose="020B0609020204030204" pitchFamily="49" charset="0"/>
+              </a:rPr>
+              <a:t>*</a:t>
+            </a:r>
+            <a:endParaRPr lang="en-US" sz="1200" b="0" dirty="0">
+              <a:solidFill>
+                <a:srgbClr val="CCCCCC"/>
+              </a:solidFill>
+              <a:effectLst/>
+              <a:latin typeface="Consolas" panose="020B0609020204030204" pitchFamily="49" charset="0"/>
+            </a:endParaRPr>
+          </a:p>
+          <a:p>
+            <a:br>
+              <a:rPr lang="en-US" sz="1200" b="0" dirty="0">
+                <a:solidFill>
+                  <a:srgbClr val="CCCCCC"/>
+                </a:solidFill>
+                <a:effectLst/>
+                <a:latin typeface="Consolas" panose="020B0609020204030204" pitchFamily="49" charset="0"/>
+              </a:rPr>
+            </a:br>
+            <a:r>
+              <a:rPr lang="en-US" sz="1200" b="0" dirty="0">
+                <a:solidFill>
+                  <a:srgbClr val="CCCCCC"/>
+                </a:solidFill>
+                <a:effectLst/>
+                <a:latin typeface="Consolas" panose="020B0609020204030204" pitchFamily="49" charset="0"/>
+              </a:rPr>
+              <a:t>a0 ,a1 ,b0 ,b1 </a:t>
+            </a:r>
+            <a:r>
+              <a:rPr lang="en-US" sz="1200" b="0" dirty="0">
+                <a:solidFill>
+                  <a:srgbClr val="D4D4D4"/>
+                </a:solidFill>
+                <a:effectLst/>
+                <a:latin typeface="Consolas" panose="020B0609020204030204" pitchFamily="49" charset="0"/>
+              </a:rPr>
+              <a:t>=</a:t>
+            </a:r>
+            <a:r>
+              <a:rPr lang="en-US" sz="1200" b="0" dirty="0">
+                <a:solidFill>
+                  <a:srgbClr val="CCCCCC"/>
+                </a:solidFill>
+                <a:effectLst/>
+                <a:latin typeface="Consolas" panose="020B0609020204030204" pitchFamily="49" charset="0"/>
+              </a:rPr>
+              <a:t> Bools(</a:t>
+            </a:r>
+            <a:r>
+              <a:rPr lang="en-US" sz="1200" b="0" dirty="0">
+                <a:solidFill>
+                  <a:srgbClr val="CE9178"/>
+                </a:solidFill>
+                <a:effectLst/>
+                <a:latin typeface="Consolas" panose="020B0609020204030204" pitchFamily="49" charset="0"/>
+              </a:rPr>
+              <a:t>'a0 a1 b0 b1'</a:t>
+            </a:r>
+            <a:r>
+              <a:rPr lang="en-US" sz="1200" b="0" dirty="0">
+                <a:solidFill>
+                  <a:srgbClr val="CCCCCC"/>
+                </a:solidFill>
+                <a:effectLst/>
+                <a:latin typeface="Consolas" panose="020B0609020204030204" pitchFamily="49" charset="0"/>
+              </a:rPr>
+              <a:t>)</a:t>
+            </a:r>
+          </a:p>
+          <a:p>
+            <a:br>
+              <a:rPr lang="en-US" sz="1200" b="0" dirty="0">
+                <a:solidFill>
+                  <a:srgbClr val="CCCCCC"/>
+                </a:solidFill>
+                <a:effectLst/>
+                <a:latin typeface="Consolas" panose="020B0609020204030204" pitchFamily="49" charset="0"/>
+              </a:rPr>
+            </a:br>
+            <a:r>
+              <a:rPr lang="en-US" sz="1200" b="0" dirty="0">
+                <a:solidFill>
+                  <a:srgbClr val="CCCCCC"/>
+                </a:solidFill>
+                <a:effectLst/>
+                <a:latin typeface="Consolas" panose="020B0609020204030204" pitchFamily="49" charset="0"/>
+              </a:rPr>
+              <a:t>cout0 ,cout1 </a:t>
+            </a:r>
+            <a:r>
+              <a:rPr lang="en-US" sz="1200" b="0" dirty="0">
+                <a:solidFill>
+                  <a:srgbClr val="D4D4D4"/>
+                </a:solidFill>
+                <a:effectLst/>
+                <a:latin typeface="Consolas" panose="020B0609020204030204" pitchFamily="49" charset="0"/>
+              </a:rPr>
+              <a:t>=</a:t>
+            </a:r>
+            <a:r>
+              <a:rPr lang="en-US" sz="1200" b="0" dirty="0">
+                <a:solidFill>
+                  <a:srgbClr val="CCCCCC"/>
+                </a:solidFill>
+                <a:effectLst/>
+                <a:latin typeface="Consolas" panose="020B0609020204030204" pitchFamily="49" charset="0"/>
+              </a:rPr>
+              <a:t> Bools(</a:t>
+            </a:r>
+            <a:r>
+              <a:rPr lang="en-US" sz="1200" b="0" dirty="0">
+                <a:solidFill>
+                  <a:srgbClr val="CE9178"/>
+                </a:solidFill>
+                <a:effectLst/>
+                <a:latin typeface="Consolas" panose="020B0609020204030204" pitchFamily="49" charset="0"/>
+              </a:rPr>
+              <a:t>'cout0 cout1'</a:t>
+            </a:r>
+            <a:r>
+              <a:rPr lang="en-US" sz="1200" b="0" dirty="0">
+                <a:solidFill>
+                  <a:srgbClr val="CCCCCC"/>
+                </a:solidFill>
+                <a:effectLst/>
+                <a:latin typeface="Consolas" panose="020B0609020204030204" pitchFamily="49" charset="0"/>
+              </a:rPr>
+              <a:t>)</a:t>
+            </a:r>
+          </a:p>
+          <a:p>
+            <a:br>
+              <a:rPr lang="en-US" sz="1200" b="0" dirty="0">
+                <a:solidFill>
+                  <a:srgbClr val="CCCCCC"/>
+                </a:solidFill>
+                <a:effectLst/>
+                <a:latin typeface="Consolas" panose="020B0609020204030204" pitchFamily="49" charset="0"/>
+              </a:rPr>
+            </a:br>
+            <a:r>
+              <a:rPr lang="en-US" sz="1200" b="0" dirty="0">
+                <a:solidFill>
+                  <a:srgbClr val="CCCCCC"/>
+                </a:solidFill>
+                <a:effectLst/>
+                <a:latin typeface="Consolas" panose="020B0609020204030204" pitchFamily="49" charset="0"/>
+              </a:rPr>
+              <a:t>cout0 </a:t>
+            </a:r>
+            <a:r>
+              <a:rPr lang="en-US" sz="1200" b="0" dirty="0">
+                <a:solidFill>
+                  <a:srgbClr val="D4D4D4"/>
+                </a:solidFill>
+                <a:effectLst/>
+                <a:latin typeface="Consolas" panose="020B0609020204030204" pitchFamily="49" charset="0"/>
+              </a:rPr>
+              <a:t>=</a:t>
+            </a:r>
+            <a:r>
+              <a:rPr lang="en-US" sz="1200" b="0" dirty="0">
+                <a:solidFill>
+                  <a:srgbClr val="CCCCCC"/>
+                </a:solidFill>
+                <a:effectLst/>
+                <a:latin typeface="Consolas" panose="020B0609020204030204" pitchFamily="49" charset="0"/>
+              </a:rPr>
+              <a:t> </a:t>
+            </a:r>
+            <a:r>
+              <a:rPr lang="en-US" sz="1200" b="0" dirty="0" err="1">
+                <a:solidFill>
+                  <a:srgbClr val="CCCCCC"/>
+                </a:solidFill>
+                <a:effectLst/>
+                <a:latin typeface="Consolas" panose="020B0609020204030204" pitchFamily="49" charset="0"/>
+              </a:rPr>
+              <a:t>Xor</a:t>
+            </a:r>
+            <a:r>
+              <a:rPr lang="en-US" sz="1200" b="0" dirty="0">
+                <a:solidFill>
+                  <a:srgbClr val="CCCCCC"/>
+                </a:solidFill>
+                <a:effectLst/>
+                <a:latin typeface="Consolas" panose="020B0609020204030204" pitchFamily="49" charset="0"/>
+              </a:rPr>
+              <a:t>((a0),(b0),)</a:t>
+            </a:r>
+          </a:p>
+          <a:p>
+            <a:r>
+              <a:rPr lang="en-US" sz="1200" b="0" dirty="0">
+                <a:solidFill>
+                  <a:srgbClr val="CCCCCC"/>
+                </a:solidFill>
+                <a:effectLst/>
+                <a:latin typeface="Consolas" panose="020B0609020204030204" pitchFamily="49" charset="0"/>
+              </a:rPr>
+              <a:t>cout1 </a:t>
+            </a:r>
+            <a:r>
+              <a:rPr lang="en-US" sz="1200" b="0" dirty="0">
+                <a:solidFill>
+                  <a:srgbClr val="D4D4D4"/>
+                </a:solidFill>
+                <a:effectLst/>
+                <a:latin typeface="Consolas" panose="020B0609020204030204" pitchFamily="49" charset="0"/>
+              </a:rPr>
+              <a:t>=</a:t>
+            </a:r>
+            <a:r>
+              <a:rPr lang="en-US" sz="1200" b="0" dirty="0">
+                <a:solidFill>
+                  <a:srgbClr val="CCCCCC"/>
+                </a:solidFill>
+                <a:effectLst/>
+                <a:latin typeface="Consolas" panose="020B0609020204030204" pitchFamily="49" charset="0"/>
+              </a:rPr>
+              <a:t> </a:t>
+            </a:r>
+            <a:r>
+              <a:rPr lang="en-US" sz="1200" b="0" dirty="0" err="1">
+                <a:solidFill>
+                  <a:srgbClr val="CCCCCC"/>
+                </a:solidFill>
+                <a:effectLst/>
+                <a:latin typeface="Consolas" panose="020B0609020204030204" pitchFamily="49" charset="0"/>
+              </a:rPr>
+              <a:t>Xor</a:t>
+            </a:r>
+            <a:r>
+              <a:rPr lang="en-US" sz="1200" b="0" dirty="0">
+                <a:solidFill>
+                  <a:srgbClr val="CCCCCC"/>
+                </a:solidFill>
+                <a:effectLst/>
+                <a:latin typeface="Consolas" panose="020B0609020204030204" pitchFamily="49" charset="0"/>
+              </a:rPr>
+              <a:t>((</a:t>
+            </a:r>
+            <a:r>
+              <a:rPr lang="en-US" sz="1200" b="0" dirty="0" err="1">
+                <a:solidFill>
+                  <a:srgbClr val="CCCCCC"/>
+                </a:solidFill>
+                <a:effectLst/>
+                <a:latin typeface="Consolas" panose="020B0609020204030204" pitchFamily="49" charset="0"/>
+              </a:rPr>
+              <a:t>Xor</a:t>
+            </a:r>
+            <a:r>
+              <a:rPr lang="en-US" sz="1200" b="0" dirty="0">
+                <a:solidFill>
+                  <a:srgbClr val="CCCCCC"/>
+                </a:solidFill>
+                <a:effectLst/>
+                <a:latin typeface="Consolas" panose="020B0609020204030204" pitchFamily="49" charset="0"/>
+              </a:rPr>
+              <a:t>((a1),(b1),)),(And((a0),(b0),)),)</a:t>
+            </a:r>
+          </a:p>
+          <a:p>
+            <a:br>
+              <a:rPr lang="en-US" sz="1200" b="0" dirty="0">
+                <a:solidFill>
+                  <a:srgbClr val="CCCCCC"/>
+                </a:solidFill>
+                <a:effectLst/>
+                <a:latin typeface="Consolas" panose="020B0609020204030204" pitchFamily="49" charset="0"/>
+              </a:rPr>
+            </a:br>
+            <a:r>
+              <a:rPr lang="en-US" sz="1200" b="0" dirty="0">
+                <a:solidFill>
+                  <a:srgbClr val="CCCCCC"/>
+                </a:solidFill>
+                <a:effectLst/>
+                <a:latin typeface="Consolas" panose="020B0609020204030204" pitchFamily="49" charset="0"/>
+              </a:rPr>
+              <a:t>ensures </a:t>
+            </a:r>
+            <a:r>
+              <a:rPr lang="en-US" sz="1200" b="0" dirty="0">
+                <a:solidFill>
+                  <a:srgbClr val="D4D4D4"/>
+                </a:solidFill>
+                <a:effectLst/>
+                <a:latin typeface="Consolas" panose="020B0609020204030204" pitchFamily="49" charset="0"/>
+              </a:rPr>
+              <a:t>=</a:t>
+            </a:r>
+            <a:r>
+              <a:rPr lang="en-US" sz="1200" b="0" dirty="0">
+                <a:solidFill>
+                  <a:srgbClr val="CCCCCC"/>
+                </a:solidFill>
+                <a:effectLst/>
+                <a:latin typeface="Consolas" panose="020B0609020204030204" pitchFamily="49" charset="0"/>
+              </a:rPr>
+              <a:t> Not(cout0</a:t>
+            </a:r>
+            <a:r>
+              <a:rPr lang="en-US" sz="1200" b="0" dirty="0">
+                <a:solidFill>
+                  <a:srgbClr val="D4D4D4"/>
+                </a:solidFill>
+                <a:effectLst/>
+                <a:latin typeface="Consolas" panose="020B0609020204030204" pitchFamily="49" charset="0"/>
+              </a:rPr>
+              <a:t>==</a:t>
+            </a:r>
+            <a:r>
+              <a:rPr lang="en-US" sz="1200" b="0" dirty="0" err="1">
+                <a:solidFill>
+                  <a:srgbClr val="CCCCCC"/>
+                </a:solidFill>
+                <a:effectLst/>
+                <a:latin typeface="Consolas" panose="020B0609020204030204" pitchFamily="49" charset="0"/>
+              </a:rPr>
+              <a:t>Xor</a:t>
+            </a:r>
+            <a:r>
+              <a:rPr lang="en-US" sz="1200" b="0" dirty="0">
+                <a:solidFill>
+                  <a:srgbClr val="CCCCCC"/>
+                </a:solidFill>
+                <a:effectLst/>
+                <a:latin typeface="Consolas" panose="020B0609020204030204" pitchFamily="49" charset="0"/>
+              </a:rPr>
+              <a:t>((a0),(b0)))</a:t>
+            </a:r>
+          </a:p>
+          <a:p>
+            <a:br>
+              <a:rPr lang="en-US" sz="1200" b="0" dirty="0">
+                <a:solidFill>
+                  <a:srgbClr val="CCCCCC"/>
+                </a:solidFill>
+                <a:effectLst/>
+                <a:latin typeface="Consolas" panose="020B0609020204030204" pitchFamily="49" charset="0"/>
+              </a:rPr>
+            </a:br>
+            <a:r>
+              <a:rPr lang="en-US" sz="1200" b="0" dirty="0">
+                <a:solidFill>
+                  <a:srgbClr val="CCCCCC"/>
+                </a:solidFill>
+                <a:effectLst/>
+                <a:latin typeface="Consolas" panose="020B0609020204030204" pitchFamily="49" charset="0"/>
+              </a:rPr>
+              <a:t>s </a:t>
+            </a:r>
+            <a:r>
+              <a:rPr lang="en-US" sz="1200" b="0" dirty="0">
+                <a:solidFill>
+                  <a:srgbClr val="D4D4D4"/>
+                </a:solidFill>
+                <a:effectLst/>
+                <a:latin typeface="Consolas" panose="020B0609020204030204" pitchFamily="49" charset="0"/>
+              </a:rPr>
+              <a:t>=</a:t>
+            </a:r>
+            <a:r>
+              <a:rPr lang="en-US" sz="1200" b="0" dirty="0">
+                <a:solidFill>
+                  <a:srgbClr val="CCCCCC"/>
+                </a:solidFill>
+                <a:effectLst/>
+                <a:latin typeface="Consolas" panose="020B0609020204030204" pitchFamily="49" charset="0"/>
+              </a:rPr>
+              <a:t> Solver()</a:t>
+            </a:r>
+          </a:p>
+          <a:p>
+            <a:br>
+              <a:rPr lang="en-US" sz="1200" b="0" dirty="0">
+                <a:solidFill>
+                  <a:srgbClr val="CCCCCC"/>
+                </a:solidFill>
+                <a:effectLst/>
+                <a:latin typeface="Consolas" panose="020B0609020204030204" pitchFamily="49" charset="0"/>
+              </a:rPr>
+            </a:br>
+            <a:r>
+              <a:rPr lang="en-US" sz="1200" b="0" dirty="0" err="1">
+                <a:solidFill>
+                  <a:srgbClr val="CCCCCC"/>
+                </a:solidFill>
+                <a:effectLst/>
+                <a:latin typeface="Consolas" panose="020B0609020204030204" pitchFamily="49" charset="0"/>
+              </a:rPr>
+              <a:t>s.add</a:t>
+            </a:r>
+            <a:r>
+              <a:rPr lang="en-US" sz="1200" b="0" dirty="0">
+                <a:solidFill>
+                  <a:srgbClr val="CCCCCC"/>
+                </a:solidFill>
+                <a:effectLst/>
+                <a:latin typeface="Consolas" panose="020B0609020204030204" pitchFamily="49" charset="0"/>
+              </a:rPr>
+              <a:t>(cout0)</a:t>
+            </a:r>
+          </a:p>
+          <a:p>
+            <a:r>
+              <a:rPr lang="en-US" sz="1200" b="0" dirty="0" err="1">
+                <a:solidFill>
+                  <a:srgbClr val="CCCCCC"/>
+                </a:solidFill>
+                <a:effectLst/>
+                <a:latin typeface="Consolas" panose="020B0609020204030204" pitchFamily="49" charset="0"/>
+              </a:rPr>
+              <a:t>s.add</a:t>
+            </a:r>
+            <a:r>
+              <a:rPr lang="en-US" sz="1200" b="0" dirty="0">
+                <a:solidFill>
+                  <a:srgbClr val="CCCCCC"/>
+                </a:solidFill>
+                <a:effectLst/>
+                <a:latin typeface="Consolas" panose="020B0609020204030204" pitchFamily="49" charset="0"/>
+              </a:rPr>
+              <a:t>(cout1)</a:t>
+            </a:r>
+          </a:p>
+          <a:p>
+            <a:r>
+              <a:rPr lang="en-US" sz="1200" b="0" dirty="0" err="1">
+                <a:solidFill>
+                  <a:srgbClr val="CCCCCC"/>
+                </a:solidFill>
+                <a:effectLst/>
+                <a:latin typeface="Consolas" panose="020B0609020204030204" pitchFamily="49" charset="0"/>
+              </a:rPr>
+              <a:t>s.add</a:t>
+            </a:r>
+            <a:r>
+              <a:rPr lang="en-US" sz="1200" b="0" dirty="0">
+                <a:solidFill>
+                  <a:srgbClr val="CCCCCC"/>
+                </a:solidFill>
+                <a:effectLst/>
+                <a:latin typeface="Consolas" panose="020B0609020204030204" pitchFamily="49" charset="0"/>
+              </a:rPr>
+              <a:t>(ensures)</a:t>
+            </a:r>
+          </a:p>
+          <a:p>
+            <a:br>
+              <a:rPr lang="en-US" sz="1200" b="0" dirty="0">
+                <a:solidFill>
+                  <a:srgbClr val="CCCCCC"/>
+                </a:solidFill>
+                <a:effectLst/>
+                <a:latin typeface="Consolas" panose="020B0609020204030204" pitchFamily="49" charset="0"/>
+              </a:rPr>
+            </a:br>
+            <a:r>
+              <a:rPr lang="en-US" sz="1200" b="0" dirty="0">
+                <a:solidFill>
+                  <a:srgbClr val="C586C0"/>
+                </a:solidFill>
+                <a:effectLst/>
+                <a:latin typeface="Consolas" panose="020B0609020204030204" pitchFamily="49" charset="0"/>
+              </a:rPr>
+              <a:t>if</a:t>
+            </a:r>
+            <a:r>
+              <a:rPr lang="en-US" sz="1200" b="0" dirty="0">
+                <a:solidFill>
+                  <a:srgbClr val="CCCCCC"/>
+                </a:solidFill>
+                <a:effectLst/>
+                <a:latin typeface="Consolas" panose="020B0609020204030204" pitchFamily="49" charset="0"/>
+              </a:rPr>
+              <a:t> </a:t>
+            </a:r>
+            <a:r>
+              <a:rPr lang="en-US" sz="1200" b="0" dirty="0" err="1">
+                <a:solidFill>
+                  <a:srgbClr val="CCCCCC"/>
+                </a:solidFill>
+                <a:effectLst/>
+                <a:latin typeface="Consolas" panose="020B0609020204030204" pitchFamily="49" charset="0"/>
+              </a:rPr>
+              <a:t>s.check</a:t>
+            </a:r>
+            <a:r>
+              <a:rPr lang="en-US" sz="1200" b="0" dirty="0">
+                <a:solidFill>
+                  <a:srgbClr val="CCCCCC"/>
+                </a:solidFill>
+                <a:effectLst/>
+                <a:latin typeface="Consolas" panose="020B0609020204030204" pitchFamily="49" charset="0"/>
+              </a:rPr>
+              <a:t>() </a:t>
+            </a:r>
+            <a:r>
+              <a:rPr lang="en-US" sz="1200" b="0" dirty="0">
+                <a:solidFill>
+                  <a:srgbClr val="D4D4D4"/>
+                </a:solidFill>
+                <a:effectLst/>
+                <a:latin typeface="Consolas" panose="020B0609020204030204" pitchFamily="49" charset="0"/>
+              </a:rPr>
+              <a:t>==</a:t>
+            </a:r>
+            <a:r>
+              <a:rPr lang="en-US" sz="1200" b="0" dirty="0">
+                <a:solidFill>
+                  <a:srgbClr val="CCCCCC"/>
+                </a:solidFill>
+                <a:effectLst/>
+                <a:latin typeface="Consolas" panose="020B0609020204030204" pitchFamily="49" charset="0"/>
+              </a:rPr>
+              <a:t> sat:</a:t>
+            </a:r>
+          </a:p>
+          <a:p>
+            <a:r>
+              <a:rPr lang="en-US" sz="1200" b="0" dirty="0">
+                <a:solidFill>
+                  <a:srgbClr val="CCCCCC"/>
+                </a:solidFill>
+                <a:effectLst/>
+                <a:latin typeface="Consolas" panose="020B0609020204030204" pitchFamily="49" charset="0"/>
+              </a:rPr>
+              <a:t>        m </a:t>
+            </a:r>
+            <a:r>
+              <a:rPr lang="en-US" sz="1200" b="0" dirty="0">
+                <a:solidFill>
+                  <a:srgbClr val="D4D4D4"/>
+                </a:solidFill>
+                <a:effectLst/>
+                <a:latin typeface="Consolas" panose="020B0609020204030204" pitchFamily="49" charset="0"/>
+              </a:rPr>
+              <a:t>=</a:t>
+            </a:r>
+            <a:r>
+              <a:rPr lang="en-US" sz="1200" b="0" dirty="0">
+                <a:solidFill>
+                  <a:srgbClr val="CCCCCC"/>
+                </a:solidFill>
+                <a:effectLst/>
+                <a:latin typeface="Consolas" panose="020B0609020204030204" pitchFamily="49" charset="0"/>
+              </a:rPr>
+              <a:t> </a:t>
+            </a:r>
+            <a:r>
+              <a:rPr lang="en-US" sz="1200" b="0" dirty="0" err="1">
+                <a:solidFill>
+                  <a:srgbClr val="CCCCCC"/>
+                </a:solidFill>
+                <a:effectLst/>
+                <a:latin typeface="Consolas" panose="020B0609020204030204" pitchFamily="49" charset="0"/>
+              </a:rPr>
+              <a:t>s.model</a:t>
+            </a:r>
+            <a:r>
+              <a:rPr lang="en-US" sz="1200" b="0" dirty="0">
+                <a:solidFill>
+                  <a:srgbClr val="CCCCCC"/>
+                </a:solidFill>
+                <a:effectLst/>
+                <a:latin typeface="Consolas" panose="020B0609020204030204" pitchFamily="49" charset="0"/>
+              </a:rPr>
+              <a:t>()</a:t>
+            </a:r>
+          </a:p>
+          <a:p>
+            <a:r>
+              <a:rPr lang="en-US" sz="1200" b="0" dirty="0">
+                <a:solidFill>
+                  <a:srgbClr val="CCCCCC"/>
+                </a:solidFill>
+                <a:effectLst/>
+                <a:latin typeface="Consolas" panose="020B0609020204030204" pitchFamily="49" charset="0"/>
+              </a:rPr>
+              <a:t>        </a:t>
+            </a:r>
+            <a:r>
+              <a:rPr lang="en-US" sz="1200" b="0">
+                <a:solidFill>
+                  <a:srgbClr val="DCDCAA"/>
+                </a:solidFill>
+                <a:effectLst/>
+                <a:latin typeface="Consolas" panose="020B0609020204030204" pitchFamily="49" charset="0"/>
+              </a:rPr>
+              <a:t>print</a:t>
+            </a:r>
+            <a:r>
+              <a:rPr lang="en-US" sz="1200" b="0">
+                <a:solidFill>
+                  <a:srgbClr val="CCCCCC"/>
+                </a:solidFill>
+                <a:effectLst/>
+                <a:latin typeface="Consolas" panose="020B0609020204030204" pitchFamily="49" charset="0"/>
+              </a:rPr>
+              <a:t>(</a:t>
+            </a:r>
+            <a:r>
+              <a:rPr lang="en-US" sz="1200" b="0">
+                <a:solidFill>
+                  <a:srgbClr val="CE9178"/>
+                </a:solidFill>
+                <a:effectLst/>
+                <a:latin typeface="Consolas" panose="020B0609020204030204" pitchFamily="49" charset="0"/>
+              </a:rPr>
+              <a:t>"SAT, exists a counterexample!"</a:t>
+            </a:r>
+            <a:r>
+              <a:rPr lang="en-US" sz="1200" b="0">
+                <a:solidFill>
+                  <a:srgbClr val="CCCCCC"/>
+                </a:solidFill>
+                <a:effectLst/>
+                <a:latin typeface="Consolas" panose="020B0609020204030204" pitchFamily="49" charset="0"/>
+              </a:rPr>
+              <a:t>)</a:t>
+            </a:r>
+            <a:endParaRPr lang="en-US" sz="1200" b="0" dirty="0">
+              <a:solidFill>
+                <a:srgbClr val="CCCCCC"/>
+              </a:solidFill>
+              <a:effectLst/>
+              <a:latin typeface="Consolas" panose="020B0609020204030204" pitchFamily="49" charset="0"/>
+            </a:endParaRPr>
+          </a:p>
+          <a:p>
+            <a:r>
+              <a:rPr lang="en-US" sz="1200" b="0" dirty="0">
+                <a:solidFill>
+                  <a:srgbClr val="C586C0"/>
+                </a:solidFill>
+                <a:effectLst/>
+                <a:latin typeface="Consolas" panose="020B0609020204030204" pitchFamily="49" charset="0"/>
+              </a:rPr>
+              <a:t>else</a:t>
+            </a:r>
+            <a:r>
+              <a:rPr lang="en-US" sz="1200" b="0" dirty="0">
+                <a:solidFill>
+                  <a:srgbClr val="CCCCCC"/>
+                </a:solidFill>
+                <a:effectLst/>
+                <a:latin typeface="Consolas" panose="020B0609020204030204" pitchFamily="49" charset="0"/>
+              </a:rPr>
+              <a:t>:</a:t>
+            </a:r>
+          </a:p>
+          <a:p>
+            <a:r>
+              <a:rPr lang="en-US" sz="1200" b="0" dirty="0">
+                <a:solidFill>
+                  <a:srgbClr val="CCCCCC"/>
+                </a:solidFill>
+                <a:effectLst/>
+                <a:latin typeface="Consolas" panose="020B0609020204030204" pitchFamily="49" charset="0"/>
+              </a:rPr>
+              <a:t>        </a:t>
+            </a:r>
+            <a:r>
+              <a:rPr lang="en-US" sz="1200" b="0" dirty="0">
+                <a:solidFill>
+                  <a:srgbClr val="DCDCAA"/>
+                </a:solidFill>
+                <a:effectLst/>
+                <a:latin typeface="Consolas" panose="020B0609020204030204" pitchFamily="49" charset="0"/>
+              </a:rPr>
+              <a:t>print</a:t>
+            </a:r>
+            <a:r>
+              <a:rPr lang="en-US" sz="1200" b="0" dirty="0">
+                <a:solidFill>
+                  <a:srgbClr val="CCCCCC"/>
+                </a:solidFill>
+                <a:effectLst/>
+                <a:latin typeface="Consolas" panose="020B0609020204030204" pitchFamily="49" charset="0"/>
+              </a:rPr>
+              <a:t>(</a:t>
+            </a:r>
+            <a:r>
+              <a:rPr lang="en-US" sz="1200" b="0" dirty="0">
+                <a:solidFill>
+                  <a:srgbClr val="CE9178"/>
+                </a:solidFill>
+                <a:effectLst/>
+                <a:latin typeface="Consolas" panose="020B0609020204030204" pitchFamily="49" charset="0"/>
+              </a:rPr>
+              <a:t>"UNSAT so satisfied"</a:t>
+            </a:r>
+            <a:r>
+              <a:rPr lang="en-US" sz="1200" b="0" dirty="0">
+                <a:solidFill>
+                  <a:srgbClr val="CCCCCC"/>
+                </a:solidFill>
+                <a:effectLst/>
+                <a:latin typeface="Consolas" panose="020B0609020204030204" pitchFamily="49" charset="0"/>
+              </a:rPr>
+              <a:t>)</a:t>
+            </a:r>
+          </a:p>
+          <a:p>
+            <a:endParaRPr lang="en-US" sz="1200" b="0" dirty="0">
+              <a:solidFill>
+                <a:srgbClr val="CCCCCC"/>
+              </a:solidFill>
+              <a:effectLst/>
+              <a:latin typeface="Consolas" panose="020B0609020204030204" pitchFamily="49" charset="0"/>
+            </a:endParaRPr>
+          </a:p>
+        </p:txBody>
+      </p:sp>
+      <p:sp>
+        <p:nvSpPr>
+          <p:cNvPr id="17" name="Arrow: Right 16">
+            <a:extLst>
+              <a:ext uri="{FF2B5EF4-FFF2-40B4-BE49-F238E27FC236}">
+                <a16:creationId xmlns:a16="http://schemas.microsoft.com/office/drawing/2014/main" id="{70BCDA38-9FC3-2DEF-AB0F-DA9F29AD00C0}"/>
+              </a:ext>
+            </a:extLst>
+          </p:cNvPr>
+          <p:cNvSpPr/>
+          <p:nvPr/>
+        </p:nvSpPr>
+        <p:spPr>
+          <a:xfrm>
+            <a:off x="9063180" y="3247540"/>
+            <a:ext cx="887727" cy="519545"/>
+          </a:xfrm>
+          <a:prstGeom prst="rightArrow">
+            <a:avLst/>
+          </a:prstGeom>
+          <a:solidFill>
+            <a:schemeClr val="accent3">
+              <a:lumMod val="60000"/>
+              <a:lumOff val="40000"/>
+            </a:schemeClr>
+          </a:solidFill>
+        </p:spPr>
+        <p:style>
+          <a:lnRef idx="2">
+            <a:schemeClr val="accent2">
+              <a:shade val="15000"/>
+            </a:schemeClr>
+          </a:lnRef>
+          <a:fillRef idx="1">
+            <a:schemeClr val="accent2"/>
+          </a:fillRef>
+          <a:effectRef idx="0">
+            <a:schemeClr val="accent2"/>
+          </a:effectRef>
+          <a:fontRef idx="minor">
+            <a:schemeClr val="lt1"/>
+          </a:fontRef>
+        </p:style>
+        <p:txBody>
+          <a:bodyPr rtlCol="0" anchor="ctr"/>
+          <a:lstStyle/>
+          <a:p>
+            <a:pPr algn="ctr"/>
+            <a:endParaRPr lang="en-US" dirty="0"/>
+          </a:p>
+        </p:txBody>
+      </p:sp>
+      <p:sp>
+        <p:nvSpPr>
+          <p:cNvPr id="19" name="TextBox 18">
+            <a:extLst>
+              <a:ext uri="{FF2B5EF4-FFF2-40B4-BE49-F238E27FC236}">
+                <a16:creationId xmlns:a16="http://schemas.microsoft.com/office/drawing/2014/main" id="{91E921A5-3DE5-69BB-3F6F-C7F07902B4B3}"/>
+              </a:ext>
+            </a:extLst>
+          </p:cNvPr>
+          <p:cNvSpPr txBox="1"/>
+          <p:nvPr/>
+        </p:nvSpPr>
+        <p:spPr>
+          <a:xfrm>
+            <a:off x="9982201" y="3169226"/>
+            <a:ext cx="1987298" cy="523220"/>
+          </a:xfrm>
+          <a:prstGeom prst="rect">
+            <a:avLst/>
+          </a:prstGeom>
+          <a:solidFill>
+            <a:schemeClr val="tx1"/>
+          </a:solidFill>
+        </p:spPr>
+        <p:txBody>
+          <a:bodyPr wrap="square">
+            <a:spAutoFit/>
+          </a:bodyPr>
+          <a:lstStyle/>
+          <a:p>
+            <a:r>
+              <a:rPr lang="en-US" sz="1400" dirty="0">
+                <a:solidFill>
+                  <a:schemeClr val="bg1"/>
+                </a:solidFill>
+              </a:rPr>
+              <a:t>$python adder_v1.v.py </a:t>
+            </a:r>
+          </a:p>
+          <a:p>
+            <a:r>
+              <a:rPr lang="en-US" sz="1400" dirty="0">
+                <a:solidFill>
+                  <a:schemeClr val="bg1"/>
+                </a:solidFill>
+              </a:rPr>
+              <a:t>UNSAT so satisfied</a:t>
+            </a:r>
+          </a:p>
+        </p:txBody>
+      </p:sp>
     </p:spTree>
     <p:extLst>
       <p:ext uri="{BB962C8B-B14F-4D97-AF65-F5344CB8AC3E}">
-        <p14:creationId xmlns:p14="http://schemas.microsoft.com/office/powerpoint/2010/main" val="50301944"/>
+        <p14:creationId xmlns:p14="http://schemas.microsoft.com/office/powerpoint/2010/main" val="4049921646"/>
       </p:ext>
     </p:extLst>
   </p:cSld>
@@ -9930,36 +11327,6 @@
           </a:p>
         </p:txBody>
       </p:sp>
-      <p:pic>
-        <p:nvPicPr>
-          <p:cNvPr id="4" name="Picture 3">
-            <a:extLst>
-              <a:ext uri="{FF2B5EF4-FFF2-40B4-BE49-F238E27FC236}">
-                <a16:creationId xmlns:a16="http://schemas.microsoft.com/office/drawing/2014/main" id="{83F81B06-9016-9E00-7E36-3E7E2A17A433}"/>
-              </a:ext>
-            </a:extLst>
-          </p:cNvPr>
-          <p:cNvPicPr>
-            <a:picLocks noChangeAspect="1"/>
-          </p:cNvPicPr>
-          <p:nvPr/>
-        </p:nvPicPr>
-        <p:blipFill>
-          <a:blip r:embed="rId2"/>
-          <a:stretch>
-            <a:fillRect/>
-          </a:stretch>
-        </p:blipFill>
-        <p:spPr>
-          <a:xfrm>
-            <a:off x="232569" y="2596115"/>
-            <a:ext cx="3861451" cy="2098614"/>
-          </a:xfrm>
-          <a:prstGeom prst="rect">
-            <a:avLst/>
-          </a:prstGeom>
-        </p:spPr>
-      </p:pic>
       <p:sp>
         <p:nvSpPr>
           <p:cNvPr id="6" name="Arrow: Right 5">
@@ -9974,8 +11341,8 @@
         </p:nvSpPr>
         <p:spPr>
           <a:xfrm>
-            <a:off x="4094020" y="3429000"/>
-            <a:ext cx="1235364" cy="519545"/>
+            <a:off x="3859764" y="3169226"/>
+            <a:ext cx="887727" cy="519545"/>
           </a:xfrm>
           <a:prstGeom prst="rightArrow">
             <a:avLst/>
@@ -10012,42 +11379,1170 @@
           </a:p>
         </p:txBody>
       </p:sp>
-      <p:pic>
-        <p:nvPicPr>
-          <p:cNvPr id="8" name="Picture 7">
-            <a:extLst>
-              <a:ext uri="{FF2B5EF4-FFF2-40B4-BE49-F238E27FC236}">
-                <a16:creationId xmlns:a16="http://schemas.microsoft.com/office/drawing/2014/main" id="{C125B717-6892-6A4F-3E3C-0618E1226558}"/>
-              </a:ext>
-            </a:extLst>
-          </p:cNvPr>
-          <p:cNvPicPr>
-            <a:picLocks noChangeAspect="1"/>
-          </p:cNvPicPr>
+      <p:sp>
+        <p:nvSpPr>
+          <p:cNvPr id="15" name="TextBox 14">
+            <a:extLst>
+              <a:ext uri="{FF2B5EF4-FFF2-40B4-BE49-F238E27FC236}">
+                <a16:creationId xmlns:a16="http://schemas.microsoft.com/office/drawing/2014/main" id="{EF97EB7F-CED9-EC5F-661F-92A48A5E6CC8}"/>
+              </a:ext>
+            </a:extLst>
+          </p:cNvPr>
+          <p:cNvSpPr txBox="1"/>
           <p:nvPr/>
-        </p:nvPicPr>
-        <p:blipFill>
-          <a:blip r:embed="rId3"/>
-          <a:stretch>
-            <a:fillRect/>
-          </a:stretch>
-        </p:blipFill>
-        <p:spPr>
-          <a:xfrm>
-            <a:off x="5329384" y="1788191"/>
-            <a:ext cx="3091813" cy="3842031"/>
+        </p:nvSpPr>
+        <p:spPr>
+          <a:xfrm>
+            <a:off x="222502" y="2537817"/>
+            <a:ext cx="3693661" cy="1938992"/>
           </a:xfrm>
           <a:prstGeom prst="rect">
             <a:avLst/>
           </a:prstGeom>
-        </p:spPr>
-      </p:pic>
-      <p:sp>
-        <p:nvSpPr>
-          <p:cNvPr id="9" name="Arrow: Right 8">
-            <a:extLst>
-              <a:ext uri="{FF2B5EF4-FFF2-40B4-BE49-F238E27FC236}">
-                <a16:creationId xmlns:a16="http://schemas.microsoft.com/office/drawing/2014/main" id="{39A11108-F7BE-25B6-FD5B-09D6F5564363}"/>
+          <a:solidFill>
+            <a:schemeClr val="tx1"/>
+          </a:solidFill>
+        </p:spPr>
+        <p:txBody>
+          <a:bodyPr wrap="square">
+            <a:spAutoFit/>
+          </a:bodyPr>
+          <a:lstStyle/>
+          <a:p>
+            <a:r>
+              <a:rPr lang="en-US" sz="1200" b="0" dirty="0">
+                <a:solidFill>
+                  <a:srgbClr val="569CD6"/>
+                </a:solidFill>
+                <a:effectLst/>
+                <a:latin typeface="Consolas" panose="020B0609020204030204" pitchFamily="49" charset="0"/>
+              </a:rPr>
+              <a:t>module</a:t>
+            </a:r>
+            <a:r>
+              <a:rPr lang="en-US" sz="1200" b="0" dirty="0">
+                <a:solidFill>
+                  <a:srgbClr val="CCCCCC"/>
+                </a:solidFill>
+                <a:effectLst/>
+                <a:latin typeface="Consolas" panose="020B0609020204030204" pitchFamily="49" charset="0"/>
+              </a:rPr>
+              <a:t> </a:t>
+            </a:r>
+            <a:r>
+              <a:rPr lang="en-US" sz="1200" b="0" dirty="0">
+                <a:solidFill>
+                  <a:srgbClr val="4EC9B0"/>
+                </a:solidFill>
+                <a:effectLst/>
+                <a:latin typeface="Consolas" panose="020B0609020204030204" pitchFamily="49" charset="0"/>
+              </a:rPr>
+              <a:t>adder</a:t>
+            </a:r>
+            <a:r>
+              <a:rPr lang="en-US" sz="1200" b="0" dirty="0">
+                <a:solidFill>
+                  <a:srgbClr val="CCCCCC"/>
+                </a:solidFill>
+                <a:effectLst/>
+                <a:latin typeface="Consolas" panose="020B0609020204030204" pitchFamily="49" charset="0"/>
+              </a:rPr>
+              <a:t>(a0, a1, b0, b1,</a:t>
+            </a:r>
+            <a:endParaRPr lang="en-US" sz="1200" dirty="0">
+              <a:solidFill>
+                <a:srgbClr val="CCCCCC"/>
+              </a:solidFill>
+              <a:latin typeface="Consolas" panose="020B0609020204030204" pitchFamily="49" charset="0"/>
+            </a:endParaRPr>
+          </a:p>
+          <a:p>
+            <a:r>
+              <a:rPr lang="en-US" sz="1200" b="0" dirty="0">
+                <a:solidFill>
+                  <a:srgbClr val="CCCCCC"/>
+                </a:solidFill>
+                <a:effectLst/>
+                <a:latin typeface="Consolas" panose="020B0609020204030204" pitchFamily="49" charset="0"/>
+              </a:rPr>
+              <a:t>	      cout0, cout1);</a:t>
+            </a:r>
+          </a:p>
+          <a:p>
+            <a:r>
+              <a:rPr lang="en-US" sz="1200" b="0" dirty="0">
+                <a:solidFill>
+                  <a:srgbClr val="CCCCCC"/>
+                </a:solidFill>
+                <a:effectLst/>
+                <a:latin typeface="Consolas" panose="020B0609020204030204" pitchFamily="49" charset="0"/>
+              </a:rPr>
+              <a:t>    </a:t>
+            </a:r>
+            <a:r>
+              <a:rPr lang="en-US" sz="1200" b="0" dirty="0">
+                <a:solidFill>
+                  <a:srgbClr val="569CD6"/>
+                </a:solidFill>
+                <a:effectLst/>
+                <a:latin typeface="Consolas" panose="020B0609020204030204" pitchFamily="49" charset="0"/>
+              </a:rPr>
+              <a:t>input</a:t>
+            </a:r>
+            <a:r>
+              <a:rPr lang="en-US" sz="1200" b="0" dirty="0">
+                <a:solidFill>
+                  <a:srgbClr val="CCCCCC"/>
+                </a:solidFill>
+                <a:effectLst/>
+                <a:latin typeface="Consolas" panose="020B0609020204030204" pitchFamily="49" charset="0"/>
+              </a:rPr>
+              <a:t> a0, a1, b0, b1;</a:t>
+            </a:r>
+          </a:p>
+          <a:p>
+            <a:r>
+              <a:rPr lang="en-US" sz="1200" b="0" dirty="0">
+                <a:solidFill>
+                  <a:srgbClr val="CCCCCC"/>
+                </a:solidFill>
+                <a:effectLst/>
+                <a:latin typeface="Consolas" panose="020B0609020204030204" pitchFamily="49" charset="0"/>
+              </a:rPr>
+              <a:t>    </a:t>
+            </a:r>
+            <a:r>
+              <a:rPr lang="en-US" sz="1200" b="0" dirty="0">
+                <a:solidFill>
+                  <a:srgbClr val="569CD6"/>
+                </a:solidFill>
+                <a:effectLst/>
+                <a:latin typeface="Consolas" panose="020B0609020204030204" pitchFamily="49" charset="0"/>
+              </a:rPr>
+              <a:t>output</a:t>
+            </a:r>
+            <a:r>
+              <a:rPr lang="en-US" sz="1200" b="0" dirty="0">
+                <a:solidFill>
+                  <a:srgbClr val="CCCCCC"/>
+                </a:solidFill>
+                <a:effectLst/>
+                <a:latin typeface="Consolas" panose="020B0609020204030204" pitchFamily="49" charset="0"/>
+              </a:rPr>
+              <a:t> cout0, cout1;</a:t>
+            </a:r>
+          </a:p>
+          <a:p>
+            <a:br>
+              <a:rPr lang="en-US" sz="1200" b="0" dirty="0">
+                <a:solidFill>
+                  <a:srgbClr val="CCCCCC"/>
+                </a:solidFill>
+                <a:effectLst/>
+                <a:latin typeface="Consolas" panose="020B0609020204030204" pitchFamily="49" charset="0"/>
+              </a:rPr>
+            </a:br>
+            <a:r>
+              <a:rPr lang="en-US" sz="1200" b="0" dirty="0">
+                <a:solidFill>
+                  <a:srgbClr val="CCCCCC"/>
+                </a:solidFill>
+                <a:effectLst/>
+                <a:latin typeface="Consolas" panose="020B0609020204030204" pitchFamily="49" charset="0"/>
+              </a:rPr>
+              <a:t>    </a:t>
+            </a:r>
+            <a:r>
+              <a:rPr lang="en-US" sz="1200" b="0" dirty="0">
+                <a:solidFill>
+                  <a:srgbClr val="569CD6"/>
+                </a:solidFill>
+                <a:effectLst/>
+                <a:latin typeface="Consolas" panose="020B0609020204030204" pitchFamily="49" charset="0"/>
+              </a:rPr>
+              <a:t>assign</a:t>
+            </a:r>
+            <a:r>
+              <a:rPr lang="en-US" sz="1200" b="0" dirty="0">
+                <a:solidFill>
+                  <a:srgbClr val="CCCCCC"/>
+                </a:solidFill>
+                <a:effectLst/>
+                <a:latin typeface="Consolas" panose="020B0609020204030204" pitchFamily="49" charset="0"/>
+              </a:rPr>
+              <a:t> cout0 </a:t>
+            </a:r>
+            <a:r>
+              <a:rPr lang="en-US" sz="1200" b="0" dirty="0">
+                <a:solidFill>
+                  <a:srgbClr val="D4D4D4"/>
+                </a:solidFill>
+                <a:effectLst/>
+                <a:latin typeface="Consolas" panose="020B0609020204030204" pitchFamily="49" charset="0"/>
+              </a:rPr>
+              <a:t>=</a:t>
+            </a:r>
+            <a:r>
+              <a:rPr lang="en-US" sz="1200" b="0" dirty="0">
+                <a:solidFill>
+                  <a:srgbClr val="CCCCCC"/>
+                </a:solidFill>
+                <a:effectLst/>
+                <a:latin typeface="Consolas" panose="020B0609020204030204" pitchFamily="49" charset="0"/>
+              </a:rPr>
+              <a:t> a0 &amp; b0;</a:t>
+            </a:r>
+          </a:p>
+          <a:p>
+            <a:r>
+              <a:rPr lang="en-US" sz="1200" b="0" dirty="0">
+                <a:solidFill>
+                  <a:srgbClr val="CCCCCC"/>
+                </a:solidFill>
+                <a:effectLst/>
+                <a:latin typeface="Consolas" panose="020B0609020204030204" pitchFamily="49" charset="0"/>
+              </a:rPr>
+              <a:t>    </a:t>
+            </a:r>
+            <a:r>
+              <a:rPr lang="en-US" sz="1200" b="0" dirty="0">
+                <a:solidFill>
+                  <a:srgbClr val="569CD6"/>
+                </a:solidFill>
+                <a:effectLst/>
+                <a:latin typeface="Consolas" panose="020B0609020204030204" pitchFamily="49" charset="0"/>
+              </a:rPr>
+              <a:t>assign</a:t>
+            </a:r>
+            <a:r>
+              <a:rPr lang="en-US" sz="1200" b="0" dirty="0">
+                <a:solidFill>
+                  <a:srgbClr val="CCCCCC"/>
+                </a:solidFill>
+                <a:effectLst/>
+                <a:latin typeface="Consolas" panose="020B0609020204030204" pitchFamily="49" charset="0"/>
+              </a:rPr>
+              <a:t> cout1 </a:t>
+            </a:r>
+            <a:r>
+              <a:rPr lang="en-US" sz="1200" b="0" dirty="0">
+                <a:solidFill>
+                  <a:srgbClr val="D4D4D4"/>
+                </a:solidFill>
+                <a:effectLst/>
+                <a:latin typeface="Consolas" panose="020B0609020204030204" pitchFamily="49" charset="0"/>
+              </a:rPr>
+              <a:t>=</a:t>
+            </a:r>
+            <a:r>
+              <a:rPr lang="en-US" sz="1200" b="0" dirty="0">
+                <a:solidFill>
+                  <a:srgbClr val="CCCCCC"/>
+                </a:solidFill>
+                <a:effectLst/>
+                <a:latin typeface="Consolas" panose="020B0609020204030204" pitchFamily="49" charset="0"/>
+              </a:rPr>
+              <a:t> (a1 ^ b1) </a:t>
+            </a:r>
+            <a:r>
+              <a:rPr lang="en-US" sz="1200" dirty="0">
+                <a:solidFill>
+                  <a:srgbClr val="D4D4D4"/>
+                </a:solidFill>
+                <a:latin typeface="Consolas" panose="020B0609020204030204" pitchFamily="49" charset="0"/>
+              </a:rPr>
+              <a:t>^</a:t>
+            </a:r>
+            <a:r>
+              <a:rPr lang="en-US" sz="1200" b="0" dirty="0">
+                <a:solidFill>
+                  <a:srgbClr val="CCCCCC"/>
+                </a:solidFill>
+                <a:effectLst/>
+                <a:latin typeface="Consolas" panose="020B0609020204030204" pitchFamily="49" charset="0"/>
+              </a:rPr>
+              <a:t> (a0 </a:t>
+            </a:r>
+            <a:r>
+              <a:rPr lang="en-US" sz="1200" b="0" dirty="0">
+                <a:solidFill>
+                  <a:srgbClr val="D4D4D4"/>
+                </a:solidFill>
+                <a:effectLst/>
+                <a:latin typeface="Consolas" panose="020B0609020204030204" pitchFamily="49" charset="0"/>
+              </a:rPr>
+              <a:t>&amp;</a:t>
+            </a:r>
+            <a:r>
+              <a:rPr lang="en-US" sz="1200" b="0" dirty="0">
+                <a:solidFill>
+                  <a:srgbClr val="CCCCCC"/>
+                </a:solidFill>
+                <a:effectLst/>
+                <a:latin typeface="Consolas" panose="020B0609020204030204" pitchFamily="49" charset="0"/>
+              </a:rPr>
+              <a:t> b0);</a:t>
+            </a:r>
+          </a:p>
+          <a:p>
+            <a:endParaRPr lang="en-US" sz="1200" b="0" dirty="0">
+              <a:solidFill>
+                <a:srgbClr val="CCCCCC"/>
+              </a:solidFill>
+              <a:effectLst/>
+              <a:latin typeface="Consolas" panose="020B0609020204030204" pitchFamily="49" charset="0"/>
+            </a:endParaRPr>
+          </a:p>
+          <a:p>
+            <a:r>
+              <a:rPr lang="en-US" sz="1200" b="0" dirty="0">
+                <a:solidFill>
+                  <a:srgbClr val="CCCCCC"/>
+                </a:solidFill>
+                <a:effectLst/>
+                <a:latin typeface="Consolas" panose="020B0609020204030204" pitchFamily="49" charset="0"/>
+              </a:rPr>
+              <a:t>    </a:t>
+            </a:r>
+            <a:r>
+              <a:rPr lang="en-US" sz="1200" b="0" dirty="0">
+                <a:solidFill>
+                  <a:schemeClr val="accent6">
+                    <a:lumMod val="75000"/>
+                  </a:schemeClr>
+                </a:solidFill>
+                <a:effectLst/>
+                <a:latin typeface="Consolas" panose="020B0609020204030204" pitchFamily="49" charset="0"/>
+              </a:rPr>
+              <a:t>//@ensures cout0 == a0 ^ a1</a:t>
+            </a:r>
+            <a:br>
+              <a:rPr lang="en-US" sz="1200" b="0" dirty="0">
+                <a:solidFill>
+                  <a:srgbClr val="CCCCCC"/>
+                </a:solidFill>
+                <a:effectLst/>
+                <a:latin typeface="Consolas" panose="020B0609020204030204" pitchFamily="49" charset="0"/>
+              </a:rPr>
+            </a:br>
+            <a:r>
+              <a:rPr lang="en-US" sz="1200" b="0" dirty="0" err="1">
+                <a:solidFill>
+                  <a:srgbClr val="569CD6"/>
+                </a:solidFill>
+                <a:effectLst/>
+                <a:latin typeface="Consolas" panose="020B0609020204030204" pitchFamily="49" charset="0"/>
+              </a:rPr>
+              <a:t>endmodule</a:t>
+            </a:r>
+            <a:endParaRPr lang="en-US" sz="1200" b="0" dirty="0">
+              <a:solidFill>
+                <a:srgbClr val="CCCCCC"/>
+              </a:solidFill>
+              <a:effectLst/>
+              <a:latin typeface="Consolas" panose="020B0609020204030204" pitchFamily="49" charset="0"/>
+            </a:endParaRPr>
+          </a:p>
+        </p:txBody>
+      </p:sp>
+      <p:sp>
+        <p:nvSpPr>
+          <p:cNvPr id="16" name="TextBox 15">
+            <a:extLst>
+              <a:ext uri="{FF2B5EF4-FFF2-40B4-BE49-F238E27FC236}">
+                <a16:creationId xmlns:a16="http://schemas.microsoft.com/office/drawing/2014/main" id="{8528D150-EACB-F8C6-B7F5-551C2717EAC2}"/>
+              </a:ext>
+            </a:extLst>
+          </p:cNvPr>
+          <p:cNvSpPr txBox="1"/>
+          <p:nvPr/>
+        </p:nvSpPr>
+        <p:spPr>
+          <a:xfrm>
+            <a:off x="4747491" y="1778719"/>
+            <a:ext cx="4315689" cy="4339650"/>
+          </a:xfrm>
+          <a:prstGeom prst="rect">
+            <a:avLst/>
+          </a:prstGeom>
+          <a:solidFill>
+            <a:schemeClr val="tx1">
+              <a:lumMod val="95000"/>
+              <a:lumOff val="5000"/>
+            </a:schemeClr>
+          </a:solidFill>
+        </p:spPr>
+        <p:txBody>
+          <a:bodyPr wrap="square">
+            <a:spAutoFit/>
+          </a:bodyPr>
+          <a:lstStyle/>
+          <a:p>
+            <a:r>
+              <a:rPr lang="en-US" sz="1200" b="0" dirty="0">
+                <a:solidFill>
+                  <a:srgbClr val="C586C0"/>
+                </a:solidFill>
+                <a:effectLst/>
+                <a:latin typeface="Consolas" panose="020B0609020204030204" pitchFamily="49" charset="0"/>
+              </a:rPr>
+              <a:t>from</a:t>
+            </a:r>
+            <a:r>
+              <a:rPr lang="en-US" sz="1200" b="0" dirty="0">
+                <a:solidFill>
+                  <a:srgbClr val="CCCCCC"/>
+                </a:solidFill>
+                <a:effectLst/>
+                <a:latin typeface="Consolas" panose="020B0609020204030204" pitchFamily="49" charset="0"/>
+              </a:rPr>
+              <a:t> z3 </a:t>
+            </a:r>
+            <a:r>
+              <a:rPr lang="en-US" sz="1200" b="0" dirty="0">
+                <a:solidFill>
+                  <a:srgbClr val="C586C0"/>
+                </a:solidFill>
+                <a:effectLst/>
+                <a:latin typeface="Consolas" panose="020B0609020204030204" pitchFamily="49" charset="0"/>
+              </a:rPr>
+              <a:t>import</a:t>
+            </a:r>
+            <a:r>
+              <a:rPr lang="en-US" sz="1200" b="0" dirty="0">
+                <a:solidFill>
+                  <a:srgbClr val="CCCCCC"/>
+                </a:solidFill>
+                <a:effectLst/>
+                <a:latin typeface="Consolas" panose="020B0609020204030204" pitchFamily="49" charset="0"/>
+              </a:rPr>
+              <a:t> </a:t>
+            </a:r>
+            <a:r>
+              <a:rPr lang="en-US" sz="1200" b="0" dirty="0">
+                <a:solidFill>
+                  <a:srgbClr val="D4D4D4"/>
+                </a:solidFill>
+                <a:effectLst/>
+                <a:latin typeface="Consolas" panose="020B0609020204030204" pitchFamily="49" charset="0"/>
+              </a:rPr>
+              <a:t>*</a:t>
+            </a:r>
+            <a:endParaRPr lang="en-US" sz="1200" b="0" dirty="0">
+              <a:solidFill>
+                <a:srgbClr val="CCCCCC"/>
+              </a:solidFill>
+              <a:effectLst/>
+              <a:latin typeface="Consolas" panose="020B0609020204030204" pitchFamily="49" charset="0"/>
+            </a:endParaRPr>
+          </a:p>
+          <a:p>
+            <a:br>
+              <a:rPr lang="en-US" sz="1200" b="0" dirty="0">
+                <a:solidFill>
+                  <a:srgbClr val="CCCCCC"/>
+                </a:solidFill>
+                <a:effectLst/>
+                <a:latin typeface="Consolas" panose="020B0609020204030204" pitchFamily="49" charset="0"/>
+              </a:rPr>
+            </a:br>
+            <a:r>
+              <a:rPr lang="en-US" sz="1200" b="0" dirty="0">
+                <a:solidFill>
+                  <a:srgbClr val="CCCCCC"/>
+                </a:solidFill>
+                <a:effectLst/>
+                <a:latin typeface="Consolas" panose="020B0609020204030204" pitchFamily="49" charset="0"/>
+              </a:rPr>
+              <a:t>a0 ,a1 ,b0 ,b1 </a:t>
+            </a:r>
+            <a:r>
+              <a:rPr lang="en-US" sz="1200" b="0" dirty="0">
+                <a:solidFill>
+                  <a:srgbClr val="D4D4D4"/>
+                </a:solidFill>
+                <a:effectLst/>
+                <a:latin typeface="Consolas" panose="020B0609020204030204" pitchFamily="49" charset="0"/>
+              </a:rPr>
+              <a:t>=</a:t>
+            </a:r>
+            <a:r>
+              <a:rPr lang="en-US" sz="1200" b="0" dirty="0">
+                <a:solidFill>
+                  <a:srgbClr val="CCCCCC"/>
+                </a:solidFill>
+                <a:effectLst/>
+                <a:latin typeface="Consolas" panose="020B0609020204030204" pitchFamily="49" charset="0"/>
+              </a:rPr>
+              <a:t> Bools(</a:t>
+            </a:r>
+            <a:r>
+              <a:rPr lang="en-US" sz="1200" b="0" dirty="0">
+                <a:solidFill>
+                  <a:srgbClr val="CE9178"/>
+                </a:solidFill>
+                <a:effectLst/>
+                <a:latin typeface="Consolas" panose="020B0609020204030204" pitchFamily="49" charset="0"/>
+              </a:rPr>
+              <a:t>'a0 a1 b0 b1'</a:t>
+            </a:r>
+            <a:r>
+              <a:rPr lang="en-US" sz="1200" b="0" dirty="0">
+                <a:solidFill>
+                  <a:srgbClr val="CCCCCC"/>
+                </a:solidFill>
+                <a:effectLst/>
+                <a:latin typeface="Consolas" panose="020B0609020204030204" pitchFamily="49" charset="0"/>
+              </a:rPr>
+              <a:t>)</a:t>
+            </a:r>
+          </a:p>
+          <a:p>
+            <a:br>
+              <a:rPr lang="en-US" sz="1200" b="0" dirty="0">
+                <a:solidFill>
+                  <a:srgbClr val="CCCCCC"/>
+                </a:solidFill>
+                <a:effectLst/>
+                <a:latin typeface="Consolas" panose="020B0609020204030204" pitchFamily="49" charset="0"/>
+              </a:rPr>
+            </a:br>
+            <a:r>
+              <a:rPr lang="en-US" sz="1200" b="0" dirty="0">
+                <a:solidFill>
+                  <a:srgbClr val="CCCCCC"/>
+                </a:solidFill>
+                <a:effectLst/>
+                <a:latin typeface="Consolas" panose="020B0609020204030204" pitchFamily="49" charset="0"/>
+              </a:rPr>
+              <a:t>cout0 ,cout1 </a:t>
+            </a:r>
+            <a:r>
+              <a:rPr lang="en-US" sz="1200" b="0" dirty="0">
+                <a:solidFill>
+                  <a:srgbClr val="D4D4D4"/>
+                </a:solidFill>
+                <a:effectLst/>
+                <a:latin typeface="Consolas" panose="020B0609020204030204" pitchFamily="49" charset="0"/>
+              </a:rPr>
+              <a:t>=</a:t>
+            </a:r>
+            <a:r>
+              <a:rPr lang="en-US" sz="1200" b="0" dirty="0">
+                <a:solidFill>
+                  <a:srgbClr val="CCCCCC"/>
+                </a:solidFill>
+                <a:effectLst/>
+                <a:latin typeface="Consolas" panose="020B0609020204030204" pitchFamily="49" charset="0"/>
+              </a:rPr>
+              <a:t> Bools(</a:t>
+            </a:r>
+            <a:r>
+              <a:rPr lang="en-US" sz="1200" b="0" dirty="0">
+                <a:solidFill>
+                  <a:srgbClr val="CE9178"/>
+                </a:solidFill>
+                <a:effectLst/>
+                <a:latin typeface="Consolas" panose="020B0609020204030204" pitchFamily="49" charset="0"/>
+              </a:rPr>
+              <a:t>'cout0 cout1'</a:t>
+            </a:r>
+            <a:r>
+              <a:rPr lang="en-US" sz="1200" b="0" dirty="0">
+                <a:solidFill>
+                  <a:srgbClr val="CCCCCC"/>
+                </a:solidFill>
+                <a:effectLst/>
+                <a:latin typeface="Consolas" panose="020B0609020204030204" pitchFamily="49" charset="0"/>
+              </a:rPr>
+              <a:t>)</a:t>
+            </a:r>
+          </a:p>
+          <a:p>
+            <a:br>
+              <a:rPr lang="en-US" sz="1200" b="0" dirty="0">
+                <a:solidFill>
+                  <a:srgbClr val="CCCCCC"/>
+                </a:solidFill>
+                <a:effectLst/>
+                <a:latin typeface="Consolas" panose="020B0609020204030204" pitchFamily="49" charset="0"/>
+              </a:rPr>
+            </a:br>
+            <a:r>
+              <a:rPr lang="en-US" sz="1200" b="0" dirty="0">
+                <a:solidFill>
+                  <a:srgbClr val="CCCCCC"/>
+                </a:solidFill>
+                <a:effectLst/>
+                <a:latin typeface="Consolas" panose="020B0609020204030204" pitchFamily="49" charset="0"/>
+              </a:rPr>
+              <a:t>cout0 </a:t>
+            </a:r>
+            <a:r>
+              <a:rPr lang="en-US" sz="1200" b="0" dirty="0">
+                <a:solidFill>
+                  <a:srgbClr val="D4D4D4"/>
+                </a:solidFill>
+                <a:effectLst/>
+                <a:latin typeface="Consolas" panose="020B0609020204030204" pitchFamily="49" charset="0"/>
+              </a:rPr>
+              <a:t>=</a:t>
+            </a:r>
+            <a:r>
+              <a:rPr lang="en-US" sz="1200" b="0" dirty="0">
+                <a:solidFill>
+                  <a:srgbClr val="CCCCCC"/>
+                </a:solidFill>
+                <a:effectLst/>
+                <a:latin typeface="Consolas" panose="020B0609020204030204" pitchFamily="49" charset="0"/>
+              </a:rPr>
+              <a:t> </a:t>
+            </a:r>
+            <a:r>
+              <a:rPr lang="en-US" sz="1200" dirty="0">
+                <a:solidFill>
+                  <a:srgbClr val="CCCCCC"/>
+                </a:solidFill>
+                <a:latin typeface="Consolas" panose="020B0609020204030204" pitchFamily="49" charset="0"/>
+              </a:rPr>
+              <a:t>And</a:t>
+            </a:r>
+            <a:r>
+              <a:rPr lang="en-US" sz="1200" b="0" dirty="0">
+                <a:solidFill>
+                  <a:srgbClr val="CCCCCC"/>
+                </a:solidFill>
+                <a:effectLst/>
+                <a:latin typeface="Consolas" panose="020B0609020204030204" pitchFamily="49" charset="0"/>
+              </a:rPr>
+              <a:t>((a0),(b0),)</a:t>
+            </a:r>
+          </a:p>
+          <a:p>
+            <a:r>
+              <a:rPr lang="en-US" sz="1200" b="0" dirty="0">
+                <a:solidFill>
+                  <a:srgbClr val="CCCCCC"/>
+                </a:solidFill>
+                <a:effectLst/>
+                <a:latin typeface="Consolas" panose="020B0609020204030204" pitchFamily="49" charset="0"/>
+              </a:rPr>
+              <a:t>cout1 </a:t>
+            </a:r>
+            <a:r>
+              <a:rPr lang="en-US" sz="1200" b="0" dirty="0">
+                <a:solidFill>
+                  <a:srgbClr val="D4D4D4"/>
+                </a:solidFill>
+                <a:effectLst/>
+                <a:latin typeface="Consolas" panose="020B0609020204030204" pitchFamily="49" charset="0"/>
+              </a:rPr>
+              <a:t>=</a:t>
+            </a:r>
+            <a:r>
+              <a:rPr lang="en-US" sz="1200" b="0" dirty="0">
+                <a:solidFill>
+                  <a:srgbClr val="CCCCCC"/>
+                </a:solidFill>
+                <a:effectLst/>
+                <a:latin typeface="Consolas" panose="020B0609020204030204" pitchFamily="49" charset="0"/>
+              </a:rPr>
+              <a:t> </a:t>
+            </a:r>
+            <a:r>
+              <a:rPr lang="en-US" sz="1200" b="0" dirty="0" err="1">
+                <a:solidFill>
+                  <a:srgbClr val="CCCCCC"/>
+                </a:solidFill>
+                <a:effectLst/>
+                <a:latin typeface="Consolas" panose="020B0609020204030204" pitchFamily="49" charset="0"/>
+              </a:rPr>
+              <a:t>Xor</a:t>
+            </a:r>
+            <a:r>
+              <a:rPr lang="en-US" sz="1200" b="0" dirty="0">
+                <a:solidFill>
+                  <a:srgbClr val="CCCCCC"/>
+                </a:solidFill>
+                <a:effectLst/>
+                <a:latin typeface="Consolas" panose="020B0609020204030204" pitchFamily="49" charset="0"/>
+              </a:rPr>
+              <a:t>((</a:t>
+            </a:r>
+            <a:r>
+              <a:rPr lang="en-US" sz="1200" b="0" dirty="0" err="1">
+                <a:solidFill>
+                  <a:srgbClr val="CCCCCC"/>
+                </a:solidFill>
+                <a:effectLst/>
+                <a:latin typeface="Consolas" panose="020B0609020204030204" pitchFamily="49" charset="0"/>
+              </a:rPr>
+              <a:t>Xor</a:t>
+            </a:r>
+            <a:r>
+              <a:rPr lang="en-US" sz="1200" b="0" dirty="0">
+                <a:solidFill>
+                  <a:srgbClr val="CCCCCC"/>
+                </a:solidFill>
+                <a:effectLst/>
+                <a:latin typeface="Consolas" panose="020B0609020204030204" pitchFamily="49" charset="0"/>
+              </a:rPr>
+              <a:t>((a1),(b1),)),(And((a0),(b0),)),)</a:t>
+            </a:r>
+          </a:p>
+          <a:p>
+            <a:br>
+              <a:rPr lang="en-US" sz="1200" b="0" dirty="0">
+                <a:solidFill>
+                  <a:srgbClr val="CCCCCC"/>
+                </a:solidFill>
+                <a:effectLst/>
+                <a:latin typeface="Consolas" panose="020B0609020204030204" pitchFamily="49" charset="0"/>
+              </a:rPr>
+            </a:br>
+            <a:r>
+              <a:rPr lang="en-US" sz="1200" b="0" dirty="0">
+                <a:solidFill>
+                  <a:srgbClr val="CCCCCC"/>
+                </a:solidFill>
+                <a:effectLst/>
+                <a:latin typeface="Consolas" panose="020B0609020204030204" pitchFamily="49" charset="0"/>
+              </a:rPr>
+              <a:t>ensures </a:t>
+            </a:r>
+            <a:r>
+              <a:rPr lang="en-US" sz="1200" b="0" dirty="0">
+                <a:solidFill>
+                  <a:srgbClr val="D4D4D4"/>
+                </a:solidFill>
+                <a:effectLst/>
+                <a:latin typeface="Consolas" panose="020B0609020204030204" pitchFamily="49" charset="0"/>
+              </a:rPr>
+              <a:t>=</a:t>
+            </a:r>
+            <a:r>
+              <a:rPr lang="en-US" sz="1200" b="0" dirty="0">
+                <a:solidFill>
+                  <a:srgbClr val="CCCCCC"/>
+                </a:solidFill>
+                <a:effectLst/>
+                <a:latin typeface="Consolas" panose="020B0609020204030204" pitchFamily="49" charset="0"/>
+              </a:rPr>
+              <a:t> Not(cout0</a:t>
+            </a:r>
+            <a:r>
+              <a:rPr lang="en-US" sz="1200" b="0" dirty="0">
+                <a:solidFill>
+                  <a:srgbClr val="D4D4D4"/>
+                </a:solidFill>
+                <a:effectLst/>
+                <a:latin typeface="Consolas" panose="020B0609020204030204" pitchFamily="49" charset="0"/>
+              </a:rPr>
+              <a:t>==</a:t>
+            </a:r>
+            <a:r>
+              <a:rPr lang="en-US" sz="1200" b="0" dirty="0" err="1">
+                <a:solidFill>
+                  <a:srgbClr val="CCCCCC"/>
+                </a:solidFill>
+                <a:effectLst/>
+                <a:latin typeface="Consolas" panose="020B0609020204030204" pitchFamily="49" charset="0"/>
+              </a:rPr>
+              <a:t>Xor</a:t>
+            </a:r>
+            <a:r>
+              <a:rPr lang="en-US" sz="1200" b="0" dirty="0">
+                <a:solidFill>
+                  <a:srgbClr val="CCCCCC"/>
+                </a:solidFill>
+                <a:effectLst/>
+                <a:latin typeface="Consolas" panose="020B0609020204030204" pitchFamily="49" charset="0"/>
+              </a:rPr>
+              <a:t>((a0),(b0)))</a:t>
+            </a:r>
+          </a:p>
+          <a:p>
+            <a:br>
+              <a:rPr lang="en-US" sz="1200" b="0" dirty="0">
+                <a:solidFill>
+                  <a:srgbClr val="CCCCCC"/>
+                </a:solidFill>
+                <a:effectLst/>
+                <a:latin typeface="Consolas" panose="020B0609020204030204" pitchFamily="49" charset="0"/>
+              </a:rPr>
+            </a:br>
+            <a:r>
+              <a:rPr lang="en-US" sz="1200" b="0" dirty="0">
+                <a:solidFill>
+                  <a:srgbClr val="CCCCCC"/>
+                </a:solidFill>
+                <a:effectLst/>
+                <a:latin typeface="Consolas" panose="020B0609020204030204" pitchFamily="49" charset="0"/>
+              </a:rPr>
+              <a:t>s </a:t>
+            </a:r>
+            <a:r>
+              <a:rPr lang="en-US" sz="1200" b="0" dirty="0">
+                <a:solidFill>
+                  <a:srgbClr val="D4D4D4"/>
+                </a:solidFill>
+                <a:effectLst/>
+                <a:latin typeface="Consolas" panose="020B0609020204030204" pitchFamily="49" charset="0"/>
+              </a:rPr>
+              <a:t>=</a:t>
+            </a:r>
+            <a:r>
+              <a:rPr lang="en-US" sz="1200" b="0" dirty="0">
+                <a:solidFill>
+                  <a:srgbClr val="CCCCCC"/>
+                </a:solidFill>
+                <a:effectLst/>
+                <a:latin typeface="Consolas" panose="020B0609020204030204" pitchFamily="49" charset="0"/>
+              </a:rPr>
+              <a:t> Solver()</a:t>
+            </a:r>
+          </a:p>
+          <a:p>
+            <a:br>
+              <a:rPr lang="en-US" sz="1200" b="0" dirty="0">
+                <a:solidFill>
+                  <a:srgbClr val="CCCCCC"/>
+                </a:solidFill>
+                <a:effectLst/>
+                <a:latin typeface="Consolas" panose="020B0609020204030204" pitchFamily="49" charset="0"/>
+              </a:rPr>
+            </a:br>
+            <a:r>
+              <a:rPr lang="en-US" sz="1200" b="0" dirty="0" err="1">
+                <a:solidFill>
+                  <a:srgbClr val="CCCCCC"/>
+                </a:solidFill>
+                <a:effectLst/>
+                <a:latin typeface="Consolas" panose="020B0609020204030204" pitchFamily="49" charset="0"/>
+              </a:rPr>
+              <a:t>s.add</a:t>
+            </a:r>
+            <a:r>
+              <a:rPr lang="en-US" sz="1200" b="0" dirty="0">
+                <a:solidFill>
+                  <a:srgbClr val="CCCCCC"/>
+                </a:solidFill>
+                <a:effectLst/>
+                <a:latin typeface="Consolas" panose="020B0609020204030204" pitchFamily="49" charset="0"/>
+              </a:rPr>
+              <a:t>(cout0)</a:t>
+            </a:r>
+          </a:p>
+          <a:p>
+            <a:r>
+              <a:rPr lang="en-US" sz="1200" b="0" dirty="0" err="1">
+                <a:solidFill>
+                  <a:srgbClr val="CCCCCC"/>
+                </a:solidFill>
+                <a:effectLst/>
+                <a:latin typeface="Consolas" panose="020B0609020204030204" pitchFamily="49" charset="0"/>
+              </a:rPr>
+              <a:t>s.add</a:t>
+            </a:r>
+            <a:r>
+              <a:rPr lang="en-US" sz="1200" b="0" dirty="0">
+                <a:solidFill>
+                  <a:srgbClr val="CCCCCC"/>
+                </a:solidFill>
+                <a:effectLst/>
+                <a:latin typeface="Consolas" panose="020B0609020204030204" pitchFamily="49" charset="0"/>
+              </a:rPr>
+              <a:t>(cout1)</a:t>
+            </a:r>
+          </a:p>
+          <a:p>
+            <a:r>
+              <a:rPr lang="en-US" sz="1200" b="0" dirty="0" err="1">
+                <a:solidFill>
+                  <a:srgbClr val="CCCCCC"/>
+                </a:solidFill>
+                <a:effectLst/>
+                <a:latin typeface="Consolas" panose="020B0609020204030204" pitchFamily="49" charset="0"/>
+              </a:rPr>
+              <a:t>s.add</a:t>
+            </a:r>
+            <a:r>
+              <a:rPr lang="en-US" sz="1200" b="0" dirty="0">
+                <a:solidFill>
+                  <a:srgbClr val="CCCCCC"/>
+                </a:solidFill>
+                <a:effectLst/>
+                <a:latin typeface="Consolas" panose="020B0609020204030204" pitchFamily="49" charset="0"/>
+              </a:rPr>
+              <a:t>(ensures)</a:t>
+            </a:r>
+          </a:p>
+          <a:p>
+            <a:br>
+              <a:rPr lang="en-US" sz="1200" b="0" dirty="0">
+                <a:solidFill>
+                  <a:srgbClr val="CCCCCC"/>
+                </a:solidFill>
+                <a:effectLst/>
+                <a:latin typeface="Consolas" panose="020B0609020204030204" pitchFamily="49" charset="0"/>
+              </a:rPr>
+            </a:br>
+            <a:r>
+              <a:rPr lang="en-US" sz="1200" b="0" dirty="0">
+                <a:solidFill>
+                  <a:srgbClr val="C586C0"/>
+                </a:solidFill>
+                <a:effectLst/>
+                <a:latin typeface="Consolas" panose="020B0609020204030204" pitchFamily="49" charset="0"/>
+              </a:rPr>
+              <a:t>if</a:t>
+            </a:r>
+            <a:r>
+              <a:rPr lang="en-US" sz="1200" b="0" dirty="0">
+                <a:solidFill>
+                  <a:srgbClr val="CCCCCC"/>
+                </a:solidFill>
+                <a:effectLst/>
+                <a:latin typeface="Consolas" panose="020B0609020204030204" pitchFamily="49" charset="0"/>
+              </a:rPr>
+              <a:t> </a:t>
+            </a:r>
+            <a:r>
+              <a:rPr lang="en-US" sz="1200" b="0" dirty="0" err="1">
+                <a:solidFill>
+                  <a:srgbClr val="CCCCCC"/>
+                </a:solidFill>
+                <a:effectLst/>
+                <a:latin typeface="Consolas" panose="020B0609020204030204" pitchFamily="49" charset="0"/>
+              </a:rPr>
+              <a:t>s.check</a:t>
+            </a:r>
+            <a:r>
+              <a:rPr lang="en-US" sz="1200" b="0" dirty="0">
+                <a:solidFill>
+                  <a:srgbClr val="CCCCCC"/>
+                </a:solidFill>
+                <a:effectLst/>
+                <a:latin typeface="Consolas" panose="020B0609020204030204" pitchFamily="49" charset="0"/>
+              </a:rPr>
+              <a:t>() </a:t>
+            </a:r>
+            <a:r>
+              <a:rPr lang="en-US" sz="1200" b="0" dirty="0">
+                <a:solidFill>
+                  <a:srgbClr val="D4D4D4"/>
+                </a:solidFill>
+                <a:effectLst/>
+                <a:latin typeface="Consolas" panose="020B0609020204030204" pitchFamily="49" charset="0"/>
+              </a:rPr>
+              <a:t>==</a:t>
+            </a:r>
+            <a:r>
+              <a:rPr lang="en-US" sz="1200" b="0" dirty="0">
+                <a:solidFill>
+                  <a:srgbClr val="CCCCCC"/>
+                </a:solidFill>
+                <a:effectLst/>
+                <a:latin typeface="Consolas" panose="020B0609020204030204" pitchFamily="49" charset="0"/>
+              </a:rPr>
+              <a:t> sat:</a:t>
+            </a:r>
+          </a:p>
+          <a:p>
+            <a:r>
+              <a:rPr lang="en-US" sz="1200" b="0" dirty="0">
+                <a:solidFill>
+                  <a:srgbClr val="CCCCCC"/>
+                </a:solidFill>
+                <a:effectLst/>
+                <a:latin typeface="Consolas" panose="020B0609020204030204" pitchFamily="49" charset="0"/>
+              </a:rPr>
+              <a:t>        m </a:t>
+            </a:r>
+            <a:r>
+              <a:rPr lang="en-US" sz="1200" b="0" dirty="0">
+                <a:solidFill>
+                  <a:srgbClr val="D4D4D4"/>
+                </a:solidFill>
+                <a:effectLst/>
+                <a:latin typeface="Consolas" panose="020B0609020204030204" pitchFamily="49" charset="0"/>
+              </a:rPr>
+              <a:t>=</a:t>
+            </a:r>
+            <a:r>
+              <a:rPr lang="en-US" sz="1200" b="0" dirty="0">
+                <a:solidFill>
+                  <a:srgbClr val="CCCCCC"/>
+                </a:solidFill>
+                <a:effectLst/>
+                <a:latin typeface="Consolas" panose="020B0609020204030204" pitchFamily="49" charset="0"/>
+              </a:rPr>
+              <a:t> </a:t>
+            </a:r>
+            <a:r>
+              <a:rPr lang="en-US" sz="1200" b="0" dirty="0" err="1">
+                <a:solidFill>
+                  <a:srgbClr val="CCCCCC"/>
+                </a:solidFill>
+                <a:effectLst/>
+                <a:latin typeface="Consolas" panose="020B0609020204030204" pitchFamily="49" charset="0"/>
+              </a:rPr>
+              <a:t>s.model</a:t>
+            </a:r>
+            <a:r>
+              <a:rPr lang="en-US" sz="1200" b="0" dirty="0">
+                <a:solidFill>
+                  <a:srgbClr val="CCCCCC"/>
+                </a:solidFill>
+                <a:effectLst/>
+                <a:latin typeface="Consolas" panose="020B0609020204030204" pitchFamily="49" charset="0"/>
+              </a:rPr>
+              <a:t>()</a:t>
+            </a:r>
+          </a:p>
+          <a:p>
+            <a:r>
+              <a:rPr lang="en-US" sz="1200" b="0" dirty="0">
+                <a:solidFill>
+                  <a:srgbClr val="CCCCCC"/>
+                </a:solidFill>
+                <a:effectLst/>
+                <a:latin typeface="Consolas" panose="020B0609020204030204" pitchFamily="49" charset="0"/>
+              </a:rPr>
+              <a:t>        </a:t>
+            </a:r>
+            <a:r>
+              <a:rPr lang="en-US" sz="1200" b="0" dirty="0">
+                <a:solidFill>
+                  <a:srgbClr val="DCDCAA"/>
+                </a:solidFill>
+                <a:effectLst/>
+                <a:latin typeface="Consolas" panose="020B0609020204030204" pitchFamily="49" charset="0"/>
+              </a:rPr>
+              <a:t>print</a:t>
+            </a:r>
+            <a:r>
+              <a:rPr lang="en-US" sz="1200" b="0" dirty="0">
+                <a:solidFill>
+                  <a:srgbClr val="CCCCCC"/>
+                </a:solidFill>
+                <a:effectLst/>
+                <a:latin typeface="Consolas" panose="020B0609020204030204" pitchFamily="49" charset="0"/>
+              </a:rPr>
+              <a:t>(</a:t>
+            </a:r>
+            <a:r>
+              <a:rPr lang="en-US" sz="1200" b="0" dirty="0">
+                <a:solidFill>
+                  <a:srgbClr val="CE9178"/>
+                </a:solidFill>
+                <a:effectLst/>
+                <a:latin typeface="Consolas" panose="020B0609020204030204" pitchFamily="49" charset="0"/>
+              </a:rPr>
+              <a:t>“SAT, exists a counterexample!"</a:t>
+            </a:r>
+            <a:r>
+              <a:rPr lang="en-US" sz="1200" b="0" dirty="0">
+                <a:solidFill>
+                  <a:srgbClr val="CCCCCC"/>
+                </a:solidFill>
+                <a:effectLst/>
+                <a:latin typeface="Consolas" panose="020B0609020204030204" pitchFamily="49" charset="0"/>
+              </a:rPr>
+              <a:t>)</a:t>
+            </a:r>
+          </a:p>
+          <a:p>
+            <a:r>
+              <a:rPr lang="en-US" sz="1200" b="0" dirty="0">
+                <a:solidFill>
+                  <a:srgbClr val="C586C0"/>
+                </a:solidFill>
+                <a:effectLst/>
+                <a:latin typeface="Consolas" panose="020B0609020204030204" pitchFamily="49" charset="0"/>
+              </a:rPr>
+              <a:t>else</a:t>
+            </a:r>
+            <a:r>
+              <a:rPr lang="en-US" sz="1200" b="0" dirty="0">
+                <a:solidFill>
+                  <a:srgbClr val="CCCCCC"/>
+                </a:solidFill>
+                <a:effectLst/>
+                <a:latin typeface="Consolas" panose="020B0609020204030204" pitchFamily="49" charset="0"/>
+              </a:rPr>
+              <a:t>:</a:t>
+            </a:r>
+          </a:p>
+          <a:p>
+            <a:r>
+              <a:rPr lang="en-US" sz="1200" b="0" dirty="0">
+                <a:solidFill>
+                  <a:srgbClr val="CCCCCC"/>
+                </a:solidFill>
+                <a:effectLst/>
+                <a:latin typeface="Consolas" panose="020B0609020204030204" pitchFamily="49" charset="0"/>
+              </a:rPr>
+              <a:t>        </a:t>
+            </a:r>
+            <a:r>
+              <a:rPr lang="en-US" sz="1200" b="0" dirty="0">
+                <a:solidFill>
+                  <a:srgbClr val="DCDCAA"/>
+                </a:solidFill>
+                <a:effectLst/>
+                <a:latin typeface="Consolas" panose="020B0609020204030204" pitchFamily="49" charset="0"/>
+              </a:rPr>
+              <a:t>print</a:t>
+            </a:r>
+            <a:r>
+              <a:rPr lang="en-US" sz="1200" b="0" dirty="0">
+                <a:solidFill>
+                  <a:srgbClr val="CCCCCC"/>
+                </a:solidFill>
+                <a:effectLst/>
+                <a:latin typeface="Consolas" panose="020B0609020204030204" pitchFamily="49" charset="0"/>
+              </a:rPr>
+              <a:t>(</a:t>
+            </a:r>
+            <a:r>
+              <a:rPr lang="en-US" sz="1200" b="0" dirty="0">
+                <a:solidFill>
+                  <a:srgbClr val="CE9178"/>
+                </a:solidFill>
+                <a:effectLst/>
+                <a:latin typeface="Consolas" panose="020B0609020204030204" pitchFamily="49" charset="0"/>
+              </a:rPr>
+              <a:t>"UNSAT so satisfied"</a:t>
+            </a:r>
+            <a:r>
+              <a:rPr lang="en-US" sz="1200" b="0" dirty="0">
+                <a:solidFill>
+                  <a:srgbClr val="CCCCCC"/>
+                </a:solidFill>
+                <a:effectLst/>
+                <a:latin typeface="Consolas" panose="020B0609020204030204" pitchFamily="49" charset="0"/>
+              </a:rPr>
+              <a:t>)</a:t>
+            </a:r>
+          </a:p>
+          <a:p>
+            <a:endParaRPr lang="en-US" sz="1200" b="0" dirty="0">
+              <a:solidFill>
+                <a:srgbClr val="CCCCCC"/>
+              </a:solidFill>
+              <a:effectLst/>
+              <a:latin typeface="Consolas" panose="020B0609020204030204" pitchFamily="49" charset="0"/>
+            </a:endParaRPr>
+          </a:p>
+        </p:txBody>
+      </p:sp>
+      <p:sp>
+        <p:nvSpPr>
+          <p:cNvPr id="17" name="Arrow: Right 16">
+            <a:extLst>
+              <a:ext uri="{FF2B5EF4-FFF2-40B4-BE49-F238E27FC236}">
+                <a16:creationId xmlns:a16="http://schemas.microsoft.com/office/drawing/2014/main" id="{70BCDA38-9FC3-2DEF-AB0F-DA9F29AD00C0}"/>
               </a:ext>
             </a:extLst>
           </p:cNvPr>
@@ -10056,8 +12551,8 @@
         </p:nvSpPr>
         <p:spPr>
           <a:xfrm>
-            <a:off x="8421197" y="3449433"/>
-            <a:ext cx="1235364" cy="519545"/>
+            <a:off x="9063180" y="3247540"/>
+            <a:ext cx="887727" cy="519545"/>
           </a:xfrm>
           <a:prstGeom prst="rightArrow">
             <a:avLst/>
@@ -10094,42 +12589,63 @@
           </a:p>
         </p:txBody>
       </p:sp>
-      <p:pic>
-        <p:nvPicPr>
-          <p:cNvPr id="13" name="Picture 12">
-            <a:extLst>
-              <a:ext uri="{FF2B5EF4-FFF2-40B4-BE49-F238E27FC236}">
-                <a16:creationId xmlns:a16="http://schemas.microsoft.com/office/drawing/2014/main" id="{ECE748F5-0825-6870-944F-303410B67193}"/>
-              </a:ext>
-            </a:extLst>
-          </p:cNvPr>
-          <p:cNvPicPr>
-            <a:picLocks noChangeAspect="1"/>
-          </p:cNvPicPr>
+      <p:sp>
+        <p:nvSpPr>
+          <p:cNvPr id="19" name="TextBox 18">
+            <a:extLst>
+              <a:ext uri="{FF2B5EF4-FFF2-40B4-BE49-F238E27FC236}">
+                <a16:creationId xmlns:a16="http://schemas.microsoft.com/office/drawing/2014/main" id="{91E921A5-3DE5-69BB-3F6F-C7F07902B4B3}"/>
+              </a:ext>
+            </a:extLst>
+          </p:cNvPr>
+          <p:cNvSpPr txBox="1"/>
           <p:nvPr/>
-        </p:nvPicPr>
-        <p:blipFill>
-          <a:blip r:embed="rId4"/>
-          <a:stretch>
-            <a:fillRect/>
-          </a:stretch>
-        </p:blipFill>
-        <p:spPr>
-          <a:xfrm>
-            <a:off x="9656561" y="3428999"/>
-            <a:ext cx="2357931" cy="519545"/>
+        </p:nvSpPr>
+        <p:spPr>
+          <a:xfrm>
+            <a:off x="9982201" y="3169226"/>
+            <a:ext cx="1987298" cy="738664"/>
           </a:xfrm>
           <a:prstGeom prst="rect">
             <a:avLst/>
           </a:prstGeom>
-        </p:spPr>
-      </p:pic>
+          <a:solidFill>
+            <a:schemeClr val="tx1"/>
+          </a:solidFill>
+        </p:spPr>
+        <p:txBody>
+          <a:bodyPr wrap="square">
+            <a:spAutoFit/>
+          </a:bodyPr>
+          <a:lstStyle/>
+          <a:p>
+            <a:r>
+              <a:rPr lang="en-US" sz="1400" dirty="0">
+                <a:solidFill>
+                  <a:schemeClr val="bg1"/>
+                </a:solidFill>
+              </a:rPr>
+              <a:t>$ python adder_v1.v.py </a:t>
+            </a:r>
+          </a:p>
+          <a:p>
+            <a:r>
+              <a:rPr lang="en-US" sz="1400" dirty="0">
+                <a:solidFill>
+                  <a:schemeClr val="bg1"/>
+                </a:solidFill>
+              </a:rPr>
+              <a:t>SAT, exists a counterexample!</a:t>
+            </a:r>
+          </a:p>
+        </p:txBody>
+      </p:sp>
       <p:pic>
         <p:nvPicPr>
-          <p:cNvPr id="2050" name="Picture 2">
-            <a:extLst>
-              <a:ext uri="{FF2B5EF4-FFF2-40B4-BE49-F238E27FC236}">
-                <a16:creationId xmlns:a16="http://schemas.microsoft.com/office/drawing/2014/main" id="{BB1AAEF9-BD0A-8191-C146-FB693FF6A60A}"/>
+          <p:cNvPr id="20" name="Picture 2">
+            <a:extLst>
+              <a:ext uri="{FF2B5EF4-FFF2-40B4-BE49-F238E27FC236}">
+                <a16:creationId xmlns:a16="http://schemas.microsoft.com/office/drawing/2014/main" id="{5C0824C4-F82A-0387-F207-2E97A322208A}"/>
               </a:ext>
             </a:extLst>
           </p:cNvPr>
@@ -10139,7 +12655,7 @@
           <p:nvPr/>
         </p:nvPicPr>
         <p:blipFill>
-          <a:blip r:embed="rId5">
+          <a:blip r:embed="rId2">
             <a:extLst>
               <a:ext uri="{28A0092B-C50C-407E-A947-70E740481C1C}">
                 <a14:useLocalDpi xmlns:a14="http://schemas.microsoft.com/office/drawing/2010/main" val="0"/>
@@ -10153,8 +12669,8 @@
         </p:blipFill>
         <p:spPr bwMode="auto">
           <a:xfrm>
-            <a:off x="9834418" y="1568220"/>
-            <a:ext cx="1840345" cy="1840345"/>
+            <a:off x="10235830" y="2007292"/>
+            <a:ext cx="1061049" cy="1061049"/>
           </a:xfrm>
           <a:prstGeom prst="rect">
             <a:avLst/>
@@ -10174,7 +12690,7 @@
     </p:spTree>
     <p:extLst>
       <p:ext uri="{BB962C8B-B14F-4D97-AF65-F5344CB8AC3E}">
-        <p14:creationId xmlns:p14="http://schemas.microsoft.com/office/powerpoint/2010/main" val="4049921646"/>
+        <p14:creationId xmlns:p14="http://schemas.microsoft.com/office/powerpoint/2010/main" val="1709150656"/>
       </p:ext>
     </p:extLst>
   </p:cSld>
@@ -10206,7 +12722,7 @@
           <p:cNvPr id="2" name="Title 1">
             <a:extLst>
               <a:ext uri="{FF2B5EF4-FFF2-40B4-BE49-F238E27FC236}">
-                <a16:creationId xmlns:a16="http://schemas.microsoft.com/office/drawing/2014/main" id="{4F6A2D15-4D68-4BF7-9421-032AE6C8852C}"/>
+                <a16:creationId xmlns:a16="http://schemas.microsoft.com/office/drawing/2014/main" id="{09140014-73D5-419B-8867-972BB18D52D4}"/>
               </a:ext>
             </a:extLst>
           </p:cNvPr>
@@ -10219,7 +12735,7 @@
         </p:nvSpPr>
         <p:spPr>
           <a:xfrm>
-            <a:off x="1885156" y="892177"/>
+            <a:off x="2933700" y="892177"/>
             <a:ext cx="8421688" cy="1325563"/>
           </a:xfrm>
         </p:spPr>
@@ -10229,17 +12745,171 @@
           <a:p>
             <a:r>
               <a:rPr lang="en-US" dirty="0"/>
-              <a:t>Example: 2-Bit adder</a:t>
-            </a:r>
-          </a:p>
-        </p:txBody>
-      </p:sp>
-      <p:sp>
-        <p:nvSpPr>
-          <p:cNvPr id="24" name="Footer Placeholder 23">
-            <a:extLst>
-              <a:ext uri="{FF2B5EF4-FFF2-40B4-BE49-F238E27FC236}">
-                <a16:creationId xmlns:a16="http://schemas.microsoft.com/office/drawing/2014/main" id="{918C3C97-444D-4600-8553-B9C4C1F8483B}"/>
+              <a:t>Next Steps</a:t>
+            </a:r>
+          </a:p>
+        </p:txBody>
+      </p:sp>
+      <p:sp>
+        <p:nvSpPr>
+          <p:cNvPr id="3" name="Text Placeholder 2">
+            <a:extLst>
+              <a:ext uri="{FF2B5EF4-FFF2-40B4-BE49-F238E27FC236}">
+                <a16:creationId xmlns:a16="http://schemas.microsoft.com/office/drawing/2014/main" id="{A45AD8B9-3719-4696-A80F-16A618C5D134}"/>
+              </a:ext>
+            </a:extLst>
+          </p:cNvPr>
+          <p:cNvSpPr>
+            <a:spLocks noGrp="1"/>
+          </p:cNvSpPr>
+          <p:nvPr>
+            <p:ph type="body" idx="1"/>
+          </p:nvPr>
+        </p:nvSpPr>
+        <p:spPr>
+          <a:xfrm>
+            <a:off x="2425700" y="2486817"/>
+            <a:ext cx="3924300" cy="823912"/>
+          </a:xfrm>
+        </p:spPr>
+        <p:txBody>
+          <a:bodyPr/>
+          <a:lstStyle/>
+          <a:p>
+            <a:r>
+              <a:rPr lang="en-US" dirty="0"/>
+              <a:t>Must Accomplish</a:t>
+            </a:r>
+          </a:p>
+        </p:txBody>
+      </p:sp>
+      <p:sp>
+        <p:nvSpPr>
+          <p:cNvPr id="4" name="Content Placeholder 3">
+            <a:extLst>
+              <a:ext uri="{FF2B5EF4-FFF2-40B4-BE49-F238E27FC236}">
+                <a16:creationId xmlns:a16="http://schemas.microsoft.com/office/drawing/2014/main" id="{33D8731E-4977-402E-8BFD-895B4D0544CC}"/>
+              </a:ext>
+            </a:extLst>
+          </p:cNvPr>
+          <p:cNvSpPr>
+            <a:spLocks noGrp="1"/>
+          </p:cNvSpPr>
+          <p:nvPr>
+            <p:ph sz="half" idx="2"/>
+          </p:nvPr>
+        </p:nvSpPr>
+        <p:spPr>
+          <a:xfrm>
+            <a:off x="2425700" y="3547272"/>
+            <a:ext cx="3924300" cy="1997867"/>
+          </a:xfrm>
+        </p:spPr>
+        <p:txBody>
+          <a:bodyPr>
+            <a:normAutofit/>
+          </a:bodyPr>
+          <a:lstStyle/>
+          <a:p>
+            <a:r>
+              <a:rPr lang="en-US" dirty="0"/>
+              <a:t>Automate the ensures clause in verification</a:t>
+            </a:r>
+          </a:p>
+          <a:p>
+            <a:r>
+              <a:rPr lang="en-US" dirty="0"/>
+              <a:t>Allow for multiple ensures</a:t>
+            </a:r>
+          </a:p>
+        </p:txBody>
+      </p:sp>
+      <p:sp>
+        <p:nvSpPr>
+          <p:cNvPr id="5" name="Text Placeholder 4">
+            <a:extLst>
+              <a:ext uri="{FF2B5EF4-FFF2-40B4-BE49-F238E27FC236}">
+                <a16:creationId xmlns:a16="http://schemas.microsoft.com/office/drawing/2014/main" id="{91CDEC5F-B8EE-4BC1-843F-13135E6E7AB2}"/>
+              </a:ext>
+            </a:extLst>
+          </p:cNvPr>
+          <p:cNvSpPr>
+            <a:spLocks noGrp="1"/>
+          </p:cNvSpPr>
+          <p:nvPr>
+            <p:ph type="body" sz="quarter" idx="3"/>
+          </p:nvPr>
+        </p:nvSpPr>
+        <p:spPr>
+          <a:xfrm>
+            <a:off x="7144544" y="2486817"/>
+            <a:ext cx="3943627" cy="823912"/>
+          </a:xfrm>
+        </p:spPr>
+        <p:txBody>
+          <a:bodyPr/>
+          <a:lstStyle/>
+          <a:p>
+            <a:r>
+              <a:rPr lang="en-US" dirty="0"/>
+              <a:t>Future Directions</a:t>
+            </a:r>
+          </a:p>
+        </p:txBody>
+      </p:sp>
+      <p:sp>
+        <p:nvSpPr>
+          <p:cNvPr id="6" name="Content Placeholder 5">
+            <a:extLst>
+              <a:ext uri="{FF2B5EF4-FFF2-40B4-BE49-F238E27FC236}">
+                <a16:creationId xmlns:a16="http://schemas.microsoft.com/office/drawing/2014/main" id="{50B65871-FA95-449A-B8BC-90486DE532EF}"/>
+              </a:ext>
+            </a:extLst>
+          </p:cNvPr>
+          <p:cNvSpPr>
+            <a:spLocks noGrp="1"/>
+          </p:cNvSpPr>
+          <p:nvPr>
+            <p:ph sz="quarter" idx="4"/>
+          </p:nvPr>
+        </p:nvSpPr>
+        <p:spPr>
+          <a:xfrm>
+            <a:off x="7144543" y="3429000"/>
+            <a:ext cx="3943627" cy="1997867"/>
+          </a:xfrm>
+        </p:spPr>
+        <p:txBody>
+          <a:bodyPr>
+            <a:normAutofit/>
+          </a:bodyPr>
+          <a:lstStyle/>
+          <a:p>
+            <a:r>
+              <a:rPr lang="en-US" dirty="0"/>
+              <a:t>Expand beyond single bit abstraction</a:t>
+            </a:r>
+          </a:p>
+          <a:p>
+            <a:r>
+              <a:rPr lang="en-US" dirty="0"/>
+              <a:t>Expand to sequential logic</a:t>
+            </a:r>
+          </a:p>
+          <a:p>
+            <a:r>
+              <a:rPr lang="en-US" dirty="0"/>
+              <a:t>Expand the abstraction to beyond gate level</a:t>
+            </a:r>
+          </a:p>
+        </p:txBody>
+      </p:sp>
+      <p:sp>
+        <p:nvSpPr>
+          <p:cNvPr id="8" name="Footer Placeholder 7">
+            <a:extLst>
+              <a:ext uri="{FF2B5EF4-FFF2-40B4-BE49-F238E27FC236}">
+                <a16:creationId xmlns:a16="http://schemas.microsoft.com/office/drawing/2014/main" id="{905F172A-5D5D-43CD-A187-DA0D303F4144}"/>
               </a:ext>
             </a:extLst>
           </p:cNvPr>
@@ -10269,10 +12939,10 @@
       </p:sp>
       <p:sp>
         <p:nvSpPr>
-          <p:cNvPr id="25" name="Slide Number Placeholder 24">
-            <a:extLst>
-              <a:ext uri="{FF2B5EF4-FFF2-40B4-BE49-F238E27FC236}">
-                <a16:creationId xmlns:a16="http://schemas.microsoft.com/office/drawing/2014/main" id="{148E9129-4CC6-47BA-ACD8-2C632A8660EC}"/>
+          <p:cNvPr id="9" name="Slide Number Placeholder 8">
+            <a:extLst>
+              <a:ext uri="{FF2B5EF4-FFF2-40B4-BE49-F238E27FC236}">
+                <a16:creationId xmlns:a16="http://schemas.microsoft.com/office/drawing/2014/main" id="{C396FFDC-ADE8-4009-A466-A81787258E88}"/>
               </a:ext>
             </a:extLst>
           </p:cNvPr>
@@ -10302,251 +12972,10 @@
           </a:p>
         </p:txBody>
       </p:sp>
-      <p:sp>
-        <p:nvSpPr>
-          <p:cNvPr id="6" name="Arrow: Right 5">
-            <a:extLst>
-              <a:ext uri="{FF2B5EF4-FFF2-40B4-BE49-F238E27FC236}">
-                <a16:creationId xmlns:a16="http://schemas.microsoft.com/office/drawing/2014/main" id="{73D4C4D6-A69A-3885-B55E-6697A63B3B90}"/>
-              </a:ext>
-            </a:extLst>
-          </p:cNvPr>
-          <p:cNvSpPr/>
-          <p:nvPr/>
-        </p:nvSpPr>
-        <p:spPr>
-          <a:xfrm>
-            <a:off x="4094020" y="3429000"/>
-            <a:ext cx="1235364" cy="519545"/>
-          </a:xfrm>
-          <a:prstGeom prst="rightArrow">
-            <a:avLst/>
-          </a:prstGeom>
-          <a:solidFill>
-            <a:schemeClr val="accent3">
-              <a:lumMod val="60000"/>
-              <a:lumOff val="40000"/>
-            </a:schemeClr>
-          </a:solidFill>
-        </p:spPr>
-        <p:style>
-          <a:lnRef idx="2">
-            <a:schemeClr val="accent2">
-              <a:shade val="15000"/>
-            </a:schemeClr>
-          </a:lnRef>
-          <a:fillRef idx="1">
-            <a:schemeClr val="accent2"/>
-          </a:fillRef>
-          <a:effectRef idx="0">
-            <a:schemeClr val="accent2"/>
-          </a:effectRef>
-          <a:fontRef idx="minor">
-            <a:schemeClr val="lt1"/>
-          </a:fontRef>
-        </p:style>
-        <p:txBody>
-          <a:bodyPr rtlCol="0" anchor="ctr"/>
-          <a:lstStyle/>
-          <a:p>
-            <a:pPr algn="ctr"/>
-            <a:endParaRPr lang="en-US" dirty="0"/>
-          </a:p>
-        </p:txBody>
-      </p:sp>
-      <p:sp>
-        <p:nvSpPr>
-          <p:cNvPr id="9" name="Arrow: Right 8">
-            <a:extLst>
-              <a:ext uri="{FF2B5EF4-FFF2-40B4-BE49-F238E27FC236}">
-                <a16:creationId xmlns:a16="http://schemas.microsoft.com/office/drawing/2014/main" id="{39A11108-F7BE-25B6-FD5B-09D6F5564363}"/>
-              </a:ext>
-            </a:extLst>
-          </p:cNvPr>
-          <p:cNvSpPr/>
-          <p:nvPr/>
-        </p:nvSpPr>
-        <p:spPr>
-          <a:xfrm>
-            <a:off x="8421197" y="3449433"/>
-            <a:ext cx="1235364" cy="519545"/>
-          </a:xfrm>
-          <a:prstGeom prst="rightArrow">
-            <a:avLst/>
-          </a:prstGeom>
-          <a:solidFill>
-            <a:schemeClr val="accent3">
-              <a:lumMod val="60000"/>
-              <a:lumOff val="40000"/>
-            </a:schemeClr>
-          </a:solidFill>
-        </p:spPr>
-        <p:style>
-          <a:lnRef idx="2">
-            <a:schemeClr val="accent2">
-              <a:shade val="15000"/>
-            </a:schemeClr>
-          </a:lnRef>
-          <a:fillRef idx="1">
-            <a:schemeClr val="accent2"/>
-          </a:fillRef>
-          <a:effectRef idx="0">
-            <a:schemeClr val="accent2"/>
-          </a:effectRef>
-          <a:fontRef idx="minor">
-            <a:schemeClr val="lt1"/>
-          </a:fontRef>
-        </p:style>
-        <p:txBody>
-          <a:bodyPr rtlCol="0" anchor="ctr"/>
-          <a:lstStyle/>
-          <a:p>
-            <a:pPr algn="ctr"/>
-            <a:endParaRPr lang="en-US" dirty="0"/>
-          </a:p>
-        </p:txBody>
-      </p:sp>
-      <p:pic>
-        <p:nvPicPr>
-          <p:cNvPr id="5" name="Picture 4">
-            <a:extLst>
-              <a:ext uri="{FF2B5EF4-FFF2-40B4-BE49-F238E27FC236}">
-                <a16:creationId xmlns:a16="http://schemas.microsoft.com/office/drawing/2014/main" id="{94A5B27C-E849-7E11-AF6C-C41C830B1CB9}"/>
-              </a:ext>
-            </a:extLst>
-          </p:cNvPr>
-          <p:cNvPicPr>
-            <a:picLocks noChangeAspect="1"/>
-          </p:cNvPicPr>
-          <p:nvPr/>
-        </p:nvPicPr>
-        <p:blipFill>
-          <a:blip r:embed="rId2"/>
-          <a:stretch>
-            <a:fillRect/>
-          </a:stretch>
-        </p:blipFill>
-        <p:spPr>
-          <a:xfrm>
-            <a:off x="9656561" y="3524602"/>
-            <a:ext cx="2363622" cy="476390"/>
-          </a:xfrm>
-          <a:prstGeom prst="rect">
-            <a:avLst/>
-          </a:prstGeom>
-        </p:spPr>
-      </p:pic>
-      <p:pic>
-        <p:nvPicPr>
-          <p:cNvPr id="10" name="Picture 9">
-            <a:extLst>
-              <a:ext uri="{FF2B5EF4-FFF2-40B4-BE49-F238E27FC236}">
-                <a16:creationId xmlns:a16="http://schemas.microsoft.com/office/drawing/2014/main" id="{4BED07F4-D4D0-1090-7F5C-B0F30059554F}"/>
-              </a:ext>
-            </a:extLst>
-          </p:cNvPr>
-          <p:cNvPicPr>
-            <a:picLocks noChangeAspect="1"/>
-          </p:cNvPicPr>
-          <p:nvPr/>
-        </p:nvPicPr>
-        <p:blipFill>
-          <a:blip r:embed="rId3"/>
-          <a:stretch>
-            <a:fillRect/>
-          </a:stretch>
-        </p:blipFill>
-        <p:spPr>
-          <a:xfrm>
-            <a:off x="202188" y="2585801"/>
-            <a:ext cx="3898542" cy="2039744"/>
-          </a:xfrm>
-          <a:prstGeom prst="rect">
-            <a:avLst/>
-          </a:prstGeom>
-        </p:spPr>
-      </p:pic>
-      <p:pic>
-        <p:nvPicPr>
-          <p:cNvPr id="12" name="Picture 11">
-            <a:extLst>
-              <a:ext uri="{FF2B5EF4-FFF2-40B4-BE49-F238E27FC236}">
-                <a16:creationId xmlns:a16="http://schemas.microsoft.com/office/drawing/2014/main" id="{879F9252-AE1D-FC29-5C08-E5389470B020}"/>
-              </a:ext>
-            </a:extLst>
-          </p:cNvPr>
-          <p:cNvPicPr>
-            <a:picLocks noChangeAspect="1"/>
-          </p:cNvPicPr>
-          <p:nvPr/>
-        </p:nvPicPr>
-        <p:blipFill>
-          <a:blip r:embed="rId4"/>
-          <a:stretch>
-            <a:fillRect/>
-          </a:stretch>
-        </p:blipFill>
-        <p:spPr>
-          <a:xfrm>
-            <a:off x="5329383" y="2027303"/>
-            <a:ext cx="3080861" cy="3699241"/>
-          </a:xfrm>
-          <a:prstGeom prst="rect">
-            <a:avLst/>
-          </a:prstGeom>
-        </p:spPr>
-      </p:pic>
-      <p:pic>
-        <p:nvPicPr>
-          <p:cNvPr id="4098" name="Picture 2">
-            <a:extLst>
-              <a:ext uri="{FF2B5EF4-FFF2-40B4-BE49-F238E27FC236}">
-                <a16:creationId xmlns:a16="http://schemas.microsoft.com/office/drawing/2014/main" id="{2F035E56-D3CF-3C4E-1123-94619B7A1ACB}"/>
-              </a:ext>
-            </a:extLst>
-          </p:cNvPr>
-          <p:cNvPicPr>
-            <a:picLocks noChangeAspect="1" noChangeArrowheads="1"/>
-          </p:cNvPicPr>
-          <p:nvPr/>
-        </p:nvPicPr>
-        <p:blipFill>
-          <a:blip r:embed="rId5">
-            <a:extLst>
-              <a:ext uri="{28A0092B-C50C-407E-A947-70E740481C1C}">
-                <a14:useLocalDpi xmlns:a14="http://schemas.microsoft.com/office/drawing/2010/main" val="0"/>
-              </a:ext>
-            </a:extLst>
-          </a:blip>
-          <a:srcRect/>
-          <a:stretch>
-            <a:fillRect/>
-          </a:stretch>
-        </p:blipFill>
-        <p:spPr bwMode="auto">
-          <a:xfrm>
-            <a:off x="10137475" y="2388384"/>
-            <a:ext cx="1061049" cy="1061049"/>
-          </a:xfrm>
-          <a:prstGeom prst="rect">
-            <a:avLst/>
-          </a:prstGeom>
-          <a:noFill/>
-          <a:extLst>
-            <a:ext uri="{909E8E84-426E-40DD-AFC4-6F175D3DCCD1}">
-              <a14:hiddenFill xmlns:a14="http://schemas.microsoft.com/office/drawing/2010/main">
-                <a:solidFill>
-                  <a:srgbClr val="FFFFFF"/>
-                </a:solidFill>
-              </a14:hiddenFill>
-            </a:ext>
-          </a:extLst>
-        </p:spPr>
-      </p:pic>
     </p:spTree>
     <p:extLst>
       <p:ext uri="{BB962C8B-B14F-4D97-AF65-F5344CB8AC3E}">
-        <p14:creationId xmlns:p14="http://schemas.microsoft.com/office/powerpoint/2010/main" val="2811860633"/>
+        <p14:creationId xmlns:p14="http://schemas.microsoft.com/office/powerpoint/2010/main" val="1663780162"/>
       </p:ext>
     </p:extLst>
   </p:cSld>
@@ -10578,7 +13007,7 @@
           <p:cNvPr id="2" name="Title 1">
             <a:extLst>
               <a:ext uri="{FF2B5EF4-FFF2-40B4-BE49-F238E27FC236}">
-                <a16:creationId xmlns:a16="http://schemas.microsoft.com/office/drawing/2014/main" id="{09140014-73D5-419B-8867-972BB18D52D4}"/>
+                <a16:creationId xmlns:a16="http://schemas.microsoft.com/office/drawing/2014/main" id="{4518FC28-E0BD-4387-B8BE-9965D1A57FF1}"/>
               </a:ext>
             </a:extLst>
           </p:cNvPr>
@@ -10591,8 +13020,8 @@
         </p:nvSpPr>
         <p:spPr>
           <a:xfrm>
-            <a:off x="2933700" y="892177"/>
-            <a:ext cx="8421688" cy="1325563"/>
+            <a:off x="5476875" y="1671639"/>
+            <a:ext cx="5111750" cy="1204912"/>
           </a:xfrm>
         </p:spPr>
         <p:txBody>
@@ -10601,7 +13030,7 @@
           <a:p>
             <a:r>
               <a:rPr lang="en-US" dirty="0"/>
-              <a:t>Next Steps</a:t>
+              <a:t>SUMMARY</a:t>
             </a:r>
           </a:p>
         </p:txBody>
@@ -10611,7 +13040,7 @@
           <p:cNvPr id="3" name="Text Placeholder 2">
             <a:extLst>
               <a:ext uri="{FF2B5EF4-FFF2-40B4-BE49-F238E27FC236}">
-                <a16:creationId xmlns:a16="http://schemas.microsoft.com/office/drawing/2014/main" id="{A45AD8B9-3719-4696-A80F-16A618C5D134}"/>
+                <a16:creationId xmlns:a16="http://schemas.microsoft.com/office/drawing/2014/main" id="{FED19BCA-B61F-4EA6-A1FB-CCA3BD8506FB}"/>
               </a:ext>
             </a:extLst>
           </p:cNvPr>
@@ -10624,41 +13053,8 @@
         </p:nvSpPr>
         <p:spPr>
           <a:xfrm>
-            <a:off x="2425700" y="2486817"/>
-            <a:ext cx="3924300" cy="823912"/>
-          </a:xfrm>
-        </p:spPr>
-        <p:txBody>
-          <a:bodyPr/>
-          <a:lstStyle/>
-          <a:p>
-            <a:r>
-              <a:rPr lang="en-US" dirty="0"/>
-              <a:t>Must Accomplish</a:t>
-            </a:r>
-          </a:p>
-        </p:txBody>
-      </p:sp>
-      <p:sp>
-        <p:nvSpPr>
-          <p:cNvPr id="4" name="Content Placeholder 3">
-            <a:extLst>
-              <a:ext uri="{FF2B5EF4-FFF2-40B4-BE49-F238E27FC236}">
-                <a16:creationId xmlns:a16="http://schemas.microsoft.com/office/drawing/2014/main" id="{33D8731E-4977-402E-8BFD-895B4D0544CC}"/>
-              </a:ext>
-            </a:extLst>
-          </p:cNvPr>
-          <p:cNvSpPr>
-            <a:spLocks noGrp="1"/>
-          </p:cNvSpPr>
-          <p:nvPr>
-            <p:ph sz="half" idx="2"/>
-          </p:nvPr>
-        </p:nvSpPr>
-        <p:spPr>
-          <a:xfrm>
-            <a:off x="2425700" y="3547272"/>
-            <a:ext cx="3924300" cy="1997867"/>
+            <a:off x="5476875" y="3660774"/>
+            <a:ext cx="5111750" cy="1525588"/>
           </a:xfrm>
         </p:spPr>
         <p:txBody>
@@ -10669,91 +13065,17 @@
           <a:p>
             <a:r>
               <a:rPr lang="en-US" dirty="0"/>
-              <a:t>Automate the ensures clause in verification</a:t>
-            </a:r>
-          </a:p>
-        </p:txBody>
-      </p:sp>
-      <p:sp>
-        <p:nvSpPr>
-          <p:cNvPr id="5" name="Text Placeholder 4">
-            <a:extLst>
-              <a:ext uri="{FF2B5EF4-FFF2-40B4-BE49-F238E27FC236}">
-                <a16:creationId xmlns:a16="http://schemas.microsoft.com/office/drawing/2014/main" id="{91CDEC5F-B8EE-4BC1-843F-13135E6E7AB2}"/>
-              </a:ext>
-            </a:extLst>
-          </p:cNvPr>
-          <p:cNvSpPr>
-            <a:spLocks noGrp="1"/>
-          </p:cNvSpPr>
-          <p:nvPr>
-            <p:ph type="body" sz="quarter" idx="3"/>
-          </p:nvPr>
-        </p:nvSpPr>
-        <p:spPr>
-          <a:xfrm>
-            <a:off x="7144544" y="2486817"/>
-            <a:ext cx="3943627" cy="823912"/>
-          </a:xfrm>
-        </p:spPr>
-        <p:txBody>
-          <a:bodyPr/>
-          <a:lstStyle/>
-          <a:p>
-            <a:r>
-              <a:rPr lang="en-US" dirty="0"/>
-              <a:t>Future Directions</a:t>
-            </a:r>
-          </a:p>
-        </p:txBody>
-      </p:sp>
-      <p:sp>
-        <p:nvSpPr>
-          <p:cNvPr id="6" name="Content Placeholder 5">
-            <a:extLst>
-              <a:ext uri="{FF2B5EF4-FFF2-40B4-BE49-F238E27FC236}">
-                <a16:creationId xmlns:a16="http://schemas.microsoft.com/office/drawing/2014/main" id="{50B65871-FA95-449A-B8BC-90486DE532EF}"/>
-              </a:ext>
-            </a:extLst>
-          </p:cNvPr>
-          <p:cNvSpPr>
-            <a:spLocks noGrp="1"/>
-          </p:cNvSpPr>
-          <p:nvPr>
-            <p:ph sz="quarter" idx="4"/>
-          </p:nvPr>
-        </p:nvSpPr>
-        <p:spPr>
-          <a:xfrm>
-            <a:off x="7144543" y="3429000"/>
-            <a:ext cx="3943627" cy="1997867"/>
-          </a:xfrm>
-        </p:spPr>
-        <p:txBody>
-          <a:bodyPr>
-            <a:normAutofit/>
-          </a:bodyPr>
-          <a:lstStyle/>
-          <a:p>
-            <a:r>
-              <a:rPr lang="en-US" dirty="0"/>
-              <a:t>Expand to sequential logic</a:t>
-            </a:r>
-          </a:p>
-          <a:p>
-            <a:r>
-              <a:rPr lang="en-US" dirty="0"/>
-              <a:t>Expand the abstraction to beyond gate level</a:t>
-            </a:r>
-          </a:p>
-        </p:txBody>
-      </p:sp>
-      <p:sp>
-        <p:nvSpPr>
-          <p:cNvPr id="8" name="Footer Placeholder 7">
-            <a:extLst>
-              <a:ext uri="{FF2B5EF4-FFF2-40B4-BE49-F238E27FC236}">
-                <a16:creationId xmlns:a16="http://schemas.microsoft.com/office/drawing/2014/main" id="{905F172A-5D5D-43CD-A187-DA0D303F4144}"/>
+              <a:t>UFM: Unusually formal method a formal program verifier for a subset of the Verilog language</a:t>
+            </a:r>
+          </a:p>
+        </p:txBody>
+      </p:sp>
+      <p:sp>
+        <p:nvSpPr>
+          <p:cNvPr id="5" name="Footer Placeholder 4">
+            <a:extLst>
+              <a:ext uri="{FF2B5EF4-FFF2-40B4-BE49-F238E27FC236}">
+                <a16:creationId xmlns:a16="http://schemas.microsoft.com/office/drawing/2014/main" id="{4135E32A-1A8C-43D2-9C6E-12887B4DEDFB}"/>
               </a:ext>
             </a:extLst>
           </p:cNvPr>
@@ -10783,10 +13105,10 @@
       </p:sp>
       <p:sp>
         <p:nvSpPr>
-          <p:cNvPr id="9" name="Slide Number Placeholder 8">
-            <a:extLst>
-              <a:ext uri="{FF2B5EF4-FFF2-40B4-BE49-F238E27FC236}">
-                <a16:creationId xmlns:a16="http://schemas.microsoft.com/office/drawing/2014/main" id="{C396FFDC-ADE8-4009-A466-A81787258E88}"/>
+          <p:cNvPr id="6" name="Slide Number Placeholder 5">
+            <a:extLst>
+              <a:ext uri="{FF2B5EF4-FFF2-40B4-BE49-F238E27FC236}">
+                <a16:creationId xmlns:a16="http://schemas.microsoft.com/office/drawing/2014/main" id="{7C4B8313-9270-4128-8674-3A3E42B806BC}"/>
               </a:ext>
             </a:extLst>
           </p:cNvPr>
@@ -10811,172 +13133,6 @@
               <a:rPr lang="en-US" smtClean="0"/>
               <a:pPr/>
               <a:t>13</a:t>
-            </a:fld>
-            <a:endParaRPr lang="en-US" dirty="0"/>
-          </a:p>
-        </p:txBody>
-      </p:sp>
-    </p:spTree>
-    <p:extLst>
-      <p:ext uri="{BB962C8B-B14F-4D97-AF65-F5344CB8AC3E}">
-        <p14:creationId xmlns:p14="http://schemas.microsoft.com/office/powerpoint/2010/main" val="1663780162"/>
-      </p:ext>
-    </p:extLst>
-  </p:cSld>
-  <p:clrMapOvr>
-    <a:masterClrMapping/>
-  </p:clrMapOvr>
-</p:sld>
-</file>
-
-<file path=ppt/slides/slide14.xml><?xml version="1.0" encoding="utf-8"?>
-<p:sld xmlns:a="http://schemas.openxmlformats.org/drawingml/2006/main" xmlns:r="http://schemas.openxmlformats.org/officeDocument/2006/relationships" xmlns:p="http://schemas.openxmlformats.org/presentationml/2006/main">
-  <p:cSld>
-    <p:spTree>
-      <p:nvGrpSpPr>
-        <p:cNvPr id="1" name=""/>
-        <p:cNvGrpSpPr/>
-        <p:nvPr/>
-      </p:nvGrpSpPr>
-      <p:grpSpPr>
-        <a:xfrm>
-          <a:off x="0" y="0"/>
-          <a:ext cx="0" cy="0"/>
-          <a:chOff x="0" y="0"/>
-          <a:chExt cx="0" cy="0"/>
-        </a:xfrm>
-      </p:grpSpPr>
-      <p:sp>
-        <p:nvSpPr>
-          <p:cNvPr id="2" name="Title 1">
-            <a:extLst>
-              <a:ext uri="{FF2B5EF4-FFF2-40B4-BE49-F238E27FC236}">
-                <a16:creationId xmlns:a16="http://schemas.microsoft.com/office/drawing/2014/main" id="{4518FC28-E0BD-4387-B8BE-9965D1A57FF1}"/>
-              </a:ext>
-            </a:extLst>
-          </p:cNvPr>
-          <p:cNvSpPr>
-            <a:spLocks noGrp="1"/>
-          </p:cNvSpPr>
-          <p:nvPr>
-            <p:ph type="title"/>
-          </p:nvPr>
-        </p:nvSpPr>
-        <p:spPr>
-          <a:xfrm>
-            <a:off x="5476875" y="1671639"/>
-            <a:ext cx="5111750" cy="1204912"/>
-          </a:xfrm>
-        </p:spPr>
-        <p:txBody>
-          <a:bodyPr/>
-          <a:lstStyle/>
-          <a:p>
-            <a:r>
-              <a:rPr lang="en-US" dirty="0"/>
-              <a:t>SUMMARY</a:t>
-            </a:r>
-          </a:p>
-        </p:txBody>
-      </p:sp>
-      <p:sp>
-        <p:nvSpPr>
-          <p:cNvPr id="3" name="Text Placeholder 2">
-            <a:extLst>
-              <a:ext uri="{FF2B5EF4-FFF2-40B4-BE49-F238E27FC236}">
-                <a16:creationId xmlns:a16="http://schemas.microsoft.com/office/drawing/2014/main" id="{FED19BCA-B61F-4EA6-A1FB-CCA3BD8506FB}"/>
-              </a:ext>
-            </a:extLst>
-          </p:cNvPr>
-          <p:cNvSpPr>
-            <a:spLocks noGrp="1"/>
-          </p:cNvSpPr>
-          <p:nvPr>
-            <p:ph type="body" idx="1"/>
-          </p:nvPr>
-        </p:nvSpPr>
-        <p:spPr>
-          <a:xfrm>
-            <a:off x="5476875" y="3660774"/>
-            <a:ext cx="5111750" cy="1525588"/>
-          </a:xfrm>
-        </p:spPr>
-        <p:txBody>
-          <a:bodyPr>
-            <a:normAutofit/>
-          </a:bodyPr>
-          <a:lstStyle/>
-          <a:p>
-            <a:r>
-              <a:rPr lang="en-US" dirty="0"/>
-              <a:t>UFM: Unusually formal method a formal program verifier for a subset of the Verilog language</a:t>
-            </a:r>
-          </a:p>
-        </p:txBody>
-      </p:sp>
-      <p:sp>
-        <p:nvSpPr>
-          <p:cNvPr id="5" name="Footer Placeholder 4">
-            <a:extLst>
-              <a:ext uri="{FF2B5EF4-FFF2-40B4-BE49-F238E27FC236}">
-                <a16:creationId xmlns:a16="http://schemas.microsoft.com/office/drawing/2014/main" id="{4135E32A-1A8C-43D2-9C6E-12887B4DEDFB}"/>
-              </a:ext>
-            </a:extLst>
-          </p:cNvPr>
-          <p:cNvSpPr>
-            <a:spLocks noGrp="1"/>
-          </p:cNvSpPr>
-          <p:nvPr>
-            <p:ph type="ftr" sz="quarter" idx="11"/>
-          </p:nvPr>
-        </p:nvSpPr>
-        <p:spPr>
-          <a:xfrm>
-            <a:off x="4038600" y="6356350"/>
-            <a:ext cx="4114800" cy="365125"/>
-          </a:xfrm>
-        </p:spPr>
-        <p:txBody>
-          <a:bodyPr/>
-          <a:lstStyle/>
-          <a:p>
-            <a:r>
-              <a:rPr lang="en-US" dirty="0"/>
-              <a:t>UFM: Unusually Formal Method</a:t>
-            </a:r>
-          </a:p>
-        </p:txBody>
-      </p:sp>
-      <p:sp>
-        <p:nvSpPr>
-          <p:cNvPr id="6" name="Slide Number Placeholder 5">
-            <a:extLst>
-              <a:ext uri="{FF2B5EF4-FFF2-40B4-BE49-F238E27FC236}">
-                <a16:creationId xmlns:a16="http://schemas.microsoft.com/office/drawing/2014/main" id="{7C4B8313-9270-4128-8674-3A3E42B806BC}"/>
-              </a:ext>
-            </a:extLst>
-          </p:cNvPr>
-          <p:cNvSpPr>
-            <a:spLocks noGrp="1"/>
-          </p:cNvSpPr>
-          <p:nvPr>
-            <p:ph type="sldNum" sz="quarter" idx="12"/>
-          </p:nvPr>
-        </p:nvSpPr>
-        <p:spPr>
-          <a:xfrm>
-            <a:off x="8610600" y="6356350"/>
-            <a:ext cx="2743200" cy="365125"/>
-          </a:xfrm>
-        </p:spPr>
-        <p:txBody>
-          <a:bodyPr/>
-          <a:lstStyle/>
-          <a:p>
-            <a:fld id="{A49DFD55-3C28-40EF-9E31-A92D2E4017FF}" type="slidenum">
-              <a:rPr lang="en-US" smtClean="0"/>
-              <a:pPr/>
-              <a:t>14</a:t>
             </a:fld>
             <a:endParaRPr lang="en-US" dirty="0"/>
           </a:p>
@@ -11017,7 +13173,7 @@
           <p:cNvPr id="2" name="Title 1">
             <a:extLst>
               <a:ext uri="{FF2B5EF4-FFF2-40B4-BE49-F238E27FC236}">
-                <a16:creationId xmlns:a16="http://schemas.microsoft.com/office/drawing/2014/main" id="{1BEF5859-10C9-4588-9727-B9362E26C29D}"/>
+                <a16:creationId xmlns:a16="http://schemas.microsoft.com/office/drawing/2014/main" id="{0A32731C-311B-46F7-A865-6C3AF6B09A47}"/>
               </a:ext>
             </a:extLst>
           </p:cNvPr>
@@ -11030,8 +13186,8 @@
         </p:nvSpPr>
         <p:spPr>
           <a:xfrm>
-            <a:off x="1333500" y="1020445"/>
-            <a:ext cx="2895600" cy="1325563"/>
+            <a:off x="984250" y="231028"/>
+            <a:ext cx="5111750" cy="1204912"/>
           </a:xfrm>
         </p:spPr>
         <p:txBody>
@@ -11040,17 +13196,17 @@
           <a:p>
             <a:r>
               <a:rPr lang="en-US" dirty="0"/>
-              <a:t>Outline</a:t>
-            </a:r>
-          </a:p>
-        </p:txBody>
-      </p:sp>
-      <p:sp>
-        <p:nvSpPr>
-          <p:cNvPr id="3" name="Content Placeholder 2">
-            <a:extLst>
-              <a:ext uri="{FF2B5EF4-FFF2-40B4-BE49-F238E27FC236}">
-                <a16:creationId xmlns:a16="http://schemas.microsoft.com/office/drawing/2014/main" id="{5671D7E5-EF66-4BCD-8DAA-E9061157F0BE}"/>
+              <a:t>INTRODUCTION: HDLs</a:t>
+            </a:r>
+          </a:p>
+        </p:txBody>
+      </p:sp>
+      <p:sp>
+        <p:nvSpPr>
+          <p:cNvPr id="3" name="Text Placeholder 2">
+            <a:extLst>
+              <a:ext uri="{FF2B5EF4-FFF2-40B4-BE49-F238E27FC236}">
+                <a16:creationId xmlns:a16="http://schemas.microsoft.com/office/drawing/2014/main" id="{9D5232F9-FD00-464A-9F17-619C91AEF8F3}"/>
               </a:ext>
             </a:extLst>
           </p:cNvPr>
@@ -11058,64 +13214,70 @@
             <a:spLocks noGrp="1"/>
           </p:cNvSpPr>
           <p:nvPr>
-            <p:ph idx="1"/>
+            <p:ph type="body" idx="1"/>
           </p:nvPr>
         </p:nvSpPr>
         <p:spPr>
           <a:xfrm>
-            <a:off x="1333500" y="2924175"/>
-            <a:ext cx="2895600" cy="2519363"/>
+            <a:off x="984249" y="1719830"/>
+            <a:ext cx="6606995" cy="3939097"/>
           </a:xfrm>
         </p:spPr>
         <p:txBody>
           <a:bodyPr>
-            <a:normAutofit lnSpcReduction="10000"/>
+            <a:normAutofit/>
           </a:bodyPr>
           <a:lstStyle/>
           <a:p>
-            <a:r>
-              <a:rPr lang="en-US" dirty="0"/>
-              <a:t>Introduction</a:t>
-            </a:r>
-          </a:p>
-          <a:p>
-            <a:r>
-              <a:rPr lang="en-US" dirty="0"/>
-              <a:t>Motivation</a:t>
-            </a:r>
-          </a:p>
-          <a:p>
-            <a:r>
-              <a:rPr lang="en-US" dirty="0"/>
-              <a:t>Project Goals</a:t>
-            </a:r>
-          </a:p>
-          <a:p>
-            <a:r>
-              <a:rPr lang="en-US" dirty="0"/>
-              <a:t>Implementation Details</a:t>
-            </a:r>
-          </a:p>
-          <a:p>
-            <a:r>
-              <a:rPr lang="en-US" dirty="0"/>
-              <a:t>Example</a:t>
-            </a:r>
-          </a:p>
-          <a:p>
-            <a:r>
-              <a:rPr lang="en-US" dirty="0"/>
-              <a:t>Summary and Next Steps</a:t>
-            </a:r>
-          </a:p>
-        </p:txBody>
-      </p:sp>
-      <p:sp>
-        <p:nvSpPr>
-          <p:cNvPr id="4" name="Footer Placeholder 3">
-            <a:extLst>
-              <a:ext uri="{FF2B5EF4-FFF2-40B4-BE49-F238E27FC236}">
-                <a16:creationId xmlns:a16="http://schemas.microsoft.com/office/drawing/2014/main" id="{36C19884-873C-4D13-BE6D-318CF07B0D12}"/>
+            <a:pPr marL="285750" indent="-285750">
+              <a:buFont typeface="Arial" panose="020B0604020202020204" pitchFamily="34" charset="0"/>
+              <a:buChar char="•"/>
+            </a:pPr>
+            <a:r>
+              <a:rPr lang="en-US" sz="1800" dirty="0"/>
+              <a:t>Hardware Description Language: language used to describe digital logic circuits</a:t>
+            </a:r>
+            <a:endParaRPr lang="en-US" sz="2400" dirty="0"/>
+          </a:p>
+          <a:p>
+            <a:pPr marL="285750" indent="-285750">
+              <a:buFont typeface="Arial" panose="020B0604020202020204" pitchFamily="34" charset="0"/>
+              <a:buChar char="•"/>
+            </a:pPr>
+            <a:r>
+              <a:rPr lang="en-US" sz="1800" dirty="0"/>
+              <a:t>Gate level and higher-level abstractions</a:t>
+            </a:r>
+          </a:p>
+          <a:p>
+            <a:pPr marL="285750" indent="-285750">
+              <a:buFont typeface="Arial" panose="020B0604020202020204" pitchFamily="34" charset="0"/>
+              <a:buChar char="•"/>
+            </a:pPr>
+            <a:r>
+              <a:rPr lang="en-US" sz="1800" dirty="0"/>
+              <a:t>For simple and complex designs</a:t>
+            </a:r>
+            <a:endParaRPr lang="en-US" sz="2400" dirty="0"/>
+          </a:p>
+          <a:p>
+            <a:pPr marL="742950" lvl="1" indent="-285750">
+              <a:buFont typeface="Arial" panose="020B0604020202020204" pitchFamily="34" charset="0"/>
+              <a:buChar char="•"/>
+            </a:pPr>
+            <a:endParaRPr lang="en-US" sz="2400" dirty="0"/>
+          </a:p>
+          <a:p>
+            <a:endParaRPr lang="en-US" sz="1800" dirty="0"/>
+          </a:p>
+        </p:txBody>
+      </p:sp>
+      <p:sp>
+        <p:nvSpPr>
+          <p:cNvPr id="5" name="Footer Placeholder 4">
+            <a:extLst>
+              <a:ext uri="{FF2B5EF4-FFF2-40B4-BE49-F238E27FC236}">
+                <a16:creationId xmlns:a16="http://schemas.microsoft.com/office/drawing/2014/main" id="{8D51ED20-04D4-4894-B0C2-9C541A61A734}"/>
               </a:ext>
             </a:extLst>
           </p:cNvPr>
@@ -11128,8 +13290,8 @@
         </p:nvSpPr>
         <p:spPr>
           <a:xfrm>
-            <a:off x="2669886" y="6356349"/>
-            <a:ext cx="2482842" cy="365125"/>
+            <a:off x="2463800" y="6356350"/>
+            <a:ext cx="3479800" cy="365125"/>
           </a:xfrm>
         </p:spPr>
         <p:txBody>
@@ -11148,7 +13310,7 @@
           <p:cNvPr id="6" name="Slide Number Placeholder 5">
             <a:extLst>
               <a:ext uri="{FF2B5EF4-FFF2-40B4-BE49-F238E27FC236}">
-                <a16:creationId xmlns:a16="http://schemas.microsoft.com/office/drawing/2014/main" id="{7C991F00-87A7-45A6-8029-B097FA72498D}"/>
+                <a16:creationId xmlns:a16="http://schemas.microsoft.com/office/drawing/2014/main" id="{7BC1787E-7110-4989-B0B8-DD4E0ACC09DF}"/>
               </a:ext>
             </a:extLst>
           </p:cNvPr>
@@ -11161,8 +13323,8 @@
         </p:nvSpPr>
         <p:spPr>
           <a:xfrm>
-            <a:off x="5536305" y="6356350"/>
-            <a:ext cx="987552" cy="365125"/>
+            <a:off x="8610600" y="6356350"/>
+            <a:ext cx="2743200" cy="365125"/>
           </a:xfrm>
         </p:spPr>
         <p:txBody>
@@ -11178,10 +13340,729 @@
           </a:p>
         </p:txBody>
       </p:sp>
+      <p:sp>
+        <p:nvSpPr>
+          <p:cNvPr id="11" name="TextBox 10">
+            <a:extLst>
+              <a:ext uri="{FF2B5EF4-FFF2-40B4-BE49-F238E27FC236}">
+                <a16:creationId xmlns:a16="http://schemas.microsoft.com/office/drawing/2014/main" id="{9F6A2546-0CD2-AFF0-834A-2AD97415677A}"/>
+              </a:ext>
+            </a:extLst>
+          </p:cNvPr>
+          <p:cNvSpPr txBox="1"/>
+          <p:nvPr/>
+        </p:nvSpPr>
+        <p:spPr>
+          <a:xfrm>
+            <a:off x="6060532" y="3429000"/>
+            <a:ext cx="5497902" cy="2585323"/>
+          </a:xfrm>
+          <a:prstGeom prst="rect">
+            <a:avLst/>
+          </a:prstGeom>
+          <a:solidFill>
+            <a:schemeClr val="tx1"/>
+          </a:solidFill>
+        </p:spPr>
+        <p:txBody>
+          <a:bodyPr wrap="square">
+            <a:spAutoFit/>
+          </a:bodyPr>
+          <a:lstStyle/>
+          <a:p>
+            <a:r>
+              <a:rPr lang="en-US" b="0" dirty="0">
+                <a:solidFill>
+                  <a:srgbClr val="569CD6"/>
+                </a:solidFill>
+                <a:effectLst/>
+                <a:latin typeface="Consolas" panose="020B0609020204030204" pitchFamily="49" charset="0"/>
+              </a:rPr>
+              <a:t>module</a:t>
+            </a:r>
+            <a:r>
+              <a:rPr lang="en-US" b="0" dirty="0">
+                <a:solidFill>
+                  <a:srgbClr val="CCCCCC"/>
+                </a:solidFill>
+                <a:effectLst/>
+                <a:latin typeface="Consolas" panose="020B0609020204030204" pitchFamily="49" charset="0"/>
+              </a:rPr>
+              <a:t> </a:t>
+            </a:r>
+            <a:r>
+              <a:rPr lang="en-US" b="0" dirty="0">
+                <a:solidFill>
+                  <a:srgbClr val="4EC9B0"/>
+                </a:solidFill>
+                <a:effectLst/>
+                <a:latin typeface="Consolas" panose="020B0609020204030204" pitchFamily="49" charset="0"/>
+              </a:rPr>
+              <a:t>adder</a:t>
+            </a:r>
+            <a:r>
+              <a:rPr lang="en-US" b="0" dirty="0">
+                <a:solidFill>
+                  <a:srgbClr val="CCCCCC"/>
+                </a:solidFill>
+                <a:effectLst/>
+                <a:latin typeface="Consolas" panose="020B0609020204030204" pitchFamily="49" charset="0"/>
+              </a:rPr>
+              <a:t>(a0, a1, b0, b1,</a:t>
+            </a:r>
+            <a:endParaRPr lang="en-US" dirty="0">
+              <a:solidFill>
+                <a:srgbClr val="CCCCCC"/>
+              </a:solidFill>
+              <a:latin typeface="Consolas" panose="020B0609020204030204" pitchFamily="49" charset="0"/>
+            </a:endParaRPr>
+          </a:p>
+          <a:p>
+            <a:r>
+              <a:rPr lang="en-US" b="0" dirty="0">
+                <a:solidFill>
+                  <a:srgbClr val="CCCCCC"/>
+                </a:solidFill>
+                <a:effectLst/>
+                <a:latin typeface="Consolas" panose="020B0609020204030204" pitchFamily="49" charset="0"/>
+              </a:rPr>
+              <a:t>	      cout0, cout1);</a:t>
+            </a:r>
+          </a:p>
+          <a:p>
+            <a:r>
+              <a:rPr lang="en-US" b="0" dirty="0">
+                <a:solidFill>
+                  <a:srgbClr val="CCCCCC"/>
+                </a:solidFill>
+                <a:effectLst/>
+                <a:latin typeface="Consolas" panose="020B0609020204030204" pitchFamily="49" charset="0"/>
+              </a:rPr>
+              <a:t>    </a:t>
+            </a:r>
+            <a:r>
+              <a:rPr lang="en-US" b="0" dirty="0">
+                <a:solidFill>
+                  <a:srgbClr val="569CD6"/>
+                </a:solidFill>
+                <a:effectLst/>
+                <a:latin typeface="Consolas" panose="020B0609020204030204" pitchFamily="49" charset="0"/>
+              </a:rPr>
+              <a:t>input</a:t>
+            </a:r>
+            <a:r>
+              <a:rPr lang="en-US" b="0" dirty="0">
+                <a:solidFill>
+                  <a:srgbClr val="CCCCCC"/>
+                </a:solidFill>
+                <a:effectLst/>
+                <a:latin typeface="Consolas" panose="020B0609020204030204" pitchFamily="49" charset="0"/>
+              </a:rPr>
+              <a:t> a0, a1, b0, b1;</a:t>
+            </a:r>
+          </a:p>
+          <a:p>
+            <a:r>
+              <a:rPr lang="en-US" b="0" dirty="0">
+                <a:solidFill>
+                  <a:srgbClr val="CCCCCC"/>
+                </a:solidFill>
+                <a:effectLst/>
+                <a:latin typeface="Consolas" panose="020B0609020204030204" pitchFamily="49" charset="0"/>
+              </a:rPr>
+              <a:t>    </a:t>
+            </a:r>
+            <a:r>
+              <a:rPr lang="en-US" b="0" dirty="0">
+                <a:solidFill>
+                  <a:srgbClr val="569CD6"/>
+                </a:solidFill>
+                <a:effectLst/>
+                <a:latin typeface="Consolas" panose="020B0609020204030204" pitchFamily="49" charset="0"/>
+              </a:rPr>
+              <a:t>output</a:t>
+            </a:r>
+            <a:r>
+              <a:rPr lang="en-US" b="0" dirty="0">
+                <a:solidFill>
+                  <a:srgbClr val="CCCCCC"/>
+                </a:solidFill>
+                <a:effectLst/>
+                <a:latin typeface="Consolas" panose="020B0609020204030204" pitchFamily="49" charset="0"/>
+              </a:rPr>
+              <a:t> cout0, cout1;</a:t>
+            </a:r>
+          </a:p>
+          <a:p>
+            <a:br>
+              <a:rPr lang="en-US" b="0" dirty="0">
+                <a:solidFill>
+                  <a:srgbClr val="CCCCCC"/>
+                </a:solidFill>
+                <a:effectLst/>
+                <a:latin typeface="Consolas" panose="020B0609020204030204" pitchFamily="49" charset="0"/>
+              </a:rPr>
+            </a:br>
+            <a:r>
+              <a:rPr lang="en-US" b="0" dirty="0">
+                <a:solidFill>
+                  <a:srgbClr val="CCCCCC"/>
+                </a:solidFill>
+                <a:effectLst/>
+                <a:latin typeface="Consolas" panose="020B0609020204030204" pitchFamily="49" charset="0"/>
+              </a:rPr>
+              <a:t>    </a:t>
+            </a:r>
+            <a:r>
+              <a:rPr lang="en-US" b="0" dirty="0">
+                <a:solidFill>
+                  <a:srgbClr val="569CD6"/>
+                </a:solidFill>
+                <a:effectLst/>
+                <a:latin typeface="Consolas" panose="020B0609020204030204" pitchFamily="49" charset="0"/>
+              </a:rPr>
+              <a:t>assign</a:t>
+            </a:r>
+            <a:r>
+              <a:rPr lang="en-US" b="0" dirty="0">
+                <a:solidFill>
+                  <a:srgbClr val="CCCCCC"/>
+                </a:solidFill>
+                <a:effectLst/>
+                <a:latin typeface="Consolas" panose="020B0609020204030204" pitchFamily="49" charset="0"/>
+              </a:rPr>
+              <a:t> cout0 </a:t>
+            </a:r>
+            <a:r>
+              <a:rPr lang="en-US" b="0" dirty="0">
+                <a:solidFill>
+                  <a:srgbClr val="D4D4D4"/>
+                </a:solidFill>
+                <a:effectLst/>
+                <a:latin typeface="Consolas" panose="020B0609020204030204" pitchFamily="49" charset="0"/>
+              </a:rPr>
+              <a:t>=</a:t>
+            </a:r>
+            <a:r>
+              <a:rPr lang="en-US" b="0" dirty="0">
+                <a:solidFill>
+                  <a:srgbClr val="CCCCCC"/>
+                </a:solidFill>
+                <a:effectLst/>
+                <a:latin typeface="Consolas" panose="020B0609020204030204" pitchFamily="49" charset="0"/>
+              </a:rPr>
+              <a:t> a0 ^ b0;</a:t>
+            </a:r>
+          </a:p>
+          <a:p>
+            <a:r>
+              <a:rPr lang="en-US" b="0" dirty="0">
+                <a:solidFill>
+                  <a:srgbClr val="CCCCCC"/>
+                </a:solidFill>
+                <a:effectLst/>
+                <a:latin typeface="Consolas" panose="020B0609020204030204" pitchFamily="49" charset="0"/>
+              </a:rPr>
+              <a:t>    </a:t>
+            </a:r>
+            <a:r>
+              <a:rPr lang="en-US" b="0" dirty="0">
+                <a:solidFill>
+                  <a:srgbClr val="569CD6"/>
+                </a:solidFill>
+                <a:effectLst/>
+                <a:latin typeface="Consolas" panose="020B0609020204030204" pitchFamily="49" charset="0"/>
+              </a:rPr>
+              <a:t>assign</a:t>
+            </a:r>
+            <a:r>
+              <a:rPr lang="en-US" b="0" dirty="0">
+                <a:solidFill>
+                  <a:srgbClr val="CCCCCC"/>
+                </a:solidFill>
+                <a:effectLst/>
+                <a:latin typeface="Consolas" panose="020B0609020204030204" pitchFamily="49" charset="0"/>
+              </a:rPr>
+              <a:t> cout1 </a:t>
+            </a:r>
+            <a:r>
+              <a:rPr lang="en-US" b="0" dirty="0">
+                <a:solidFill>
+                  <a:srgbClr val="D4D4D4"/>
+                </a:solidFill>
+                <a:effectLst/>
+                <a:latin typeface="Consolas" panose="020B0609020204030204" pitchFamily="49" charset="0"/>
+              </a:rPr>
+              <a:t>=</a:t>
+            </a:r>
+            <a:r>
+              <a:rPr lang="en-US" b="0" dirty="0">
+                <a:solidFill>
+                  <a:srgbClr val="CCCCCC"/>
+                </a:solidFill>
+                <a:effectLst/>
+                <a:latin typeface="Consolas" panose="020B0609020204030204" pitchFamily="49" charset="0"/>
+              </a:rPr>
+              <a:t> (a1 ^ b1) </a:t>
+            </a:r>
+            <a:r>
+              <a:rPr lang="en-US" dirty="0">
+                <a:solidFill>
+                  <a:srgbClr val="D4D4D4"/>
+                </a:solidFill>
+                <a:latin typeface="Consolas" panose="020B0609020204030204" pitchFamily="49" charset="0"/>
+              </a:rPr>
+              <a:t>^</a:t>
+            </a:r>
+            <a:r>
+              <a:rPr lang="en-US" b="0" dirty="0">
+                <a:solidFill>
+                  <a:srgbClr val="CCCCCC"/>
+                </a:solidFill>
+                <a:effectLst/>
+                <a:latin typeface="Consolas" panose="020B0609020204030204" pitchFamily="49" charset="0"/>
+              </a:rPr>
+              <a:t> (a0 </a:t>
+            </a:r>
+            <a:r>
+              <a:rPr lang="en-US" b="0" dirty="0">
+                <a:solidFill>
+                  <a:srgbClr val="D4D4D4"/>
+                </a:solidFill>
+                <a:effectLst/>
+                <a:latin typeface="Consolas" panose="020B0609020204030204" pitchFamily="49" charset="0"/>
+              </a:rPr>
+              <a:t>&amp;</a:t>
+            </a:r>
+            <a:r>
+              <a:rPr lang="en-US" b="0" dirty="0">
+                <a:solidFill>
+                  <a:srgbClr val="CCCCCC"/>
+                </a:solidFill>
+                <a:effectLst/>
+                <a:latin typeface="Consolas" panose="020B0609020204030204" pitchFamily="49" charset="0"/>
+              </a:rPr>
+              <a:t> b0);</a:t>
+            </a:r>
+          </a:p>
+          <a:p>
+            <a:br>
+              <a:rPr lang="en-US" b="0" dirty="0">
+                <a:solidFill>
+                  <a:srgbClr val="CCCCCC"/>
+                </a:solidFill>
+                <a:effectLst/>
+                <a:latin typeface="Consolas" panose="020B0609020204030204" pitchFamily="49" charset="0"/>
+              </a:rPr>
+            </a:br>
+            <a:r>
+              <a:rPr lang="en-US" b="0" dirty="0" err="1">
+                <a:solidFill>
+                  <a:srgbClr val="569CD6"/>
+                </a:solidFill>
+                <a:effectLst/>
+                <a:latin typeface="Consolas" panose="020B0609020204030204" pitchFamily="49" charset="0"/>
+              </a:rPr>
+              <a:t>endmodule</a:t>
+            </a:r>
+            <a:endParaRPr lang="en-US" b="0" dirty="0">
+              <a:solidFill>
+                <a:srgbClr val="CCCCCC"/>
+              </a:solidFill>
+              <a:effectLst/>
+              <a:latin typeface="Consolas" panose="020B0609020204030204" pitchFamily="49" charset="0"/>
+            </a:endParaRPr>
+          </a:p>
+        </p:txBody>
+      </p:sp>
+      <p:sp>
+        <p:nvSpPr>
+          <p:cNvPr id="13" name="TextBox 12">
+            <a:extLst>
+              <a:ext uri="{FF2B5EF4-FFF2-40B4-BE49-F238E27FC236}">
+                <a16:creationId xmlns:a16="http://schemas.microsoft.com/office/drawing/2014/main" id="{1E210096-39B8-8C38-3EE1-E22372244E57}"/>
+              </a:ext>
+            </a:extLst>
+          </p:cNvPr>
+          <p:cNvSpPr txBox="1"/>
+          <p:nvPr/>
+        </p:nvSpPr>
+        <p:spPr>
+          <a:xfrm>
+            <a:off x="984249" y="3457518"/>
+            <a:ext cx="3479800" cy="2585323"/>
+          </a:xfrm>
+          <a:prstGeom prst="rect">
+            <a:avLst/>
+          </a:prstGeom>
+          <a:solidFill>
+            <a:schemeClr val="tx1"/>
+          </a:solidFill>
+        </p:spPr>
+        <p:txBody>
+          <a:bodyPr wrap="square">
+            <a:spAutoFit/>
+          </a:bodyPr>
+          <a:lstStyle/>
+          <a:p>
+            <a:r>
+              <a:rPr lang="en-US" b="0" dirty="0">
+                <a:solidFill>
+                  <a:srgbClr val="569CD6"/>
+                </a:solidFill>
+                <a:effectLst/>
+                <a:latin typeface="Consolas" panose="020B0609020204030204" pitchFamily="49" charset="0"/>
+              </a:rPr>
+              <a:t>module</a:t>
+            </a:r>
+            <a:r>
+              <a:rPr lang="en-US" b="0" dirty="0">
+                <a:solidFill>
+                  <a:srgbClr val="CCCCCC"/>
+                </a:solidFill>
+                <a:effectLst/>
+                <a:latin typeface="Consolas" panose="020B0609020204030204" pitchFamily="49" charset="0"/>
+              </a:rPr>
+              <a:t> </a:t>
+            </a:r>
+            <a:r>
+              <a:rPr lang="en-US" b="0" dirty="0">
+                <a:solidFill>
+                  <a:srgbClr val="4EC9B0"/>
+                </a:solidFill>
+                <a:effectLst/>
+                <a:latin typeface="Consolas" panose="020B0609020204030204" pitchFamily="49" charset="0"/>
+              </a:rPr>
+              <a:t>adder</a:t>
+            </a:r>
+            <a:r>
+              <a:rPr lang="en-US" b="0" dirty="0">
+                <a:solidFill>
+                  <a:srgbClr val="CCCCCC"/>
+                </a:solidFill>
+                <a:effectLst/>
+                <a:latin typeface="Consolas" panose="020B0609020204030204" pitchFamily="49" charset="0"/>
+              </a:rPr>
+              <a:t>(a, b, out);</a:t>
+            </a:r>
+          </a:p>
+          <a:p>
+            <a:r>
+              <a:rPr lang="en-US" b="0" dirty="0">
+                <a:solidFill>
+                  <a:srgbClr val="CCCCCC"/>
+                </a:solidFill>
+                <a:effectLst/>
+                <a:latin typeface="Consolas" panose="020B0609020204030204" pitchFamily="49" charset="0"/>
+              </a:rPr>
+              <a:t>    </a:t>
+            </a:r>
+            <a:r>
+              <a:rPr lang="en-US" b="0" dirty="0">
+                <a:solidFill>
+                  <a:srgbClr val="569CD6"/>
+                </a:solidFill>
+                <a:effectLst/>
+                <a:latin typeface="Consolas" panose="020B0609020204030204" pitchFamily="49" charset="0"/>
+              </a:rPr>
+              <a:t>input</a:t>
+            </a:r>
+            <a:r>
+              <a:rPr lang="en-US" b="0" dirty="0">
+                <a:solidFill>
+                  <a:srgbClr val="CCCCCC"/>
+                </a:solidFill>
+                <a:effectLst/>
+                <a:latin typeface="Consolas" panose="020B0609020204030204" pitchFamily="49" charset="0"/>
+              </a:rPr>
+              <a:t> [</a:t>
+            </a:r>
+            <a:r>
+              <a:rPr lang="en-US" b="0" dirty="0">
+                <a:solidFill>
+                  <a:srgbClr val="B5CEA8"/>
+                </a:solidFill>
+                <a:effectLst/>
+                <a:latin typeface="Consolas" panose="020B0609020204030204" pitchFamily="49" charset="0"/>
+              </a:rPr>
+              <a:t>1</a:t>
+            </a:r>
+            <a:r>
+              <a:rPr lang="en-US" b="0" dirty="0">
+                <a:solidFill>
+                  <a:srgbClr val="CCCCCC"/>
+                </a:solidFill>
+                <a:effectLst/>
+                <a:latin typeface="Consolas" panose="020B0609020204030204" pitchFamily="49" charset="0"/>
+              </a:rPr>
+              <a:t>:</a:t>
+            </a:r>
+            <a:r>
+              <a:rPr lang="en-US" b="0" dirty="0">
+                <a:solidFill>
+                  <a:srgbClr val="B5CEA8"/>
+                </a:solidFill>
+                <a:effectLst/>
+                <a:latin typeface="Consolas" panose="020B0609020204030204" pitchFamily="49" charset="0"/>
+              </a:rPr>
+              <a:t>0</a:t>
+            </a:r>
+            <a:r>
+              <a:rPr lang="en-US" b="0" dirty="0">
+                <a:solidFill>
+                  <a:srgbClr val="CCCCCC"/>
+                </a:solidFill>
+                <a:effectLst/>
+                <a:latin typeface="Consolas" panose="020B0609020204030204" pitchFamily="49" charset="0"/>
+              </a:rPr>
+              <a:t>] a, b;</a:t>
+            </a:r>
+          </a:p>
+          <a:p>
+            <a:r>
+              <a:rPr lang="en-US" b="0" dirty="0">
+                <a:solidFill>
+                  <a:srgbClr val="CCCCCC"/>
+                </a:solidFill>
+                <a:effectLst/>
+                <a:latin typeface="Consolas" panose="020B0609020204030204" pitchFamily="49" charset="0"/>
+              </a:rPr>
+              <a:t>    </a:t>
+            </a:r>
+            <a:r>
+              <a:rPr lang="en-US" b="0" dirty="0">
+                <a:solidFill>
+                  <a:srgbClr val="569CD6"/>
+                </a:solidFill>
+                <a:effectLst/>
+                <a:latin typeface="Consolas" panose="020B0609020204030204" pitchFamily="49" charset="0"/>
+              </a:rPr>
+              <a:t>output</a:t>
+            </a:r>
+            <a:r>
+              <a:rPr lang="en-US" b="0" dirty="0">
+                <a:solidFill>
+                  <a:srgbClr val="CCCCCC"/>
+                </a:solidFill>
+                <a:effectLst/>
+                <a:latin typeface="Consolas" panose="020B0609020204030204" pitchFamily="49" charset="0"/>
+              </a:rPr>
+              <a:t> [</a:t>
+            </a:r>
+            <a:r>
+              <a:rPr lang="en-US" b="0" dirty="0">
+                <a:solidFill>
+                  <a:srgbClr val="B5CEA8"/>
+                </a:solidFill>
+                <a:effectLst/>
+                <a:latin typeface="Consolas" panose="020B0609020204030204" pitchFamily="49" charset="0"/>
+              </a:rPr>
+              <a:t>1</a:t>
+            </a:r>
+            <a:r>
+              <a:rPr lang="en-US" b="0" dirty="0">
+                <a:solidFill>
+                  <a:srgbClr val="CCCCCC"/>
+                </a:solidFill>
+                <a:effectLst/>
+                <a:latin typeface="Consolas" panose="020B0609020204030204" pitchFamily="49" charset="0"/>
+              </a:rPr>
+              <a:t>:</a:t>
+            </a:r>
+            <a:r>
+              <a:rPr lang="en-US" b="0" dirty="0">
+                <a:solidFill>
+                  <a:srgbClr val="B5CEA8"/>
+                </a:solidFill>
+                <a:effectLst/>
+                <a:latin typeface="Consolas" panose="020B0609020204030204" pitchFamily="49" charset="0"/>
+              </a:rPr>
+              <a:t>0</a:t>
+            </a:r>
+            <a:r>
+              <a:rPr lang="en-US" b="0" dirty="0">
+                <a:solidFill>
+                  <a:srgbClr val="CCCCCC"/>
+                </a:solidFill>
+                <a:effectLst/>
+                <a:latin typeface="Consolas" panose="020B0609020204030204" pitchFamily="49" charset="0"/>
+              </a:rPr>
+              <a:t>] </a:t>
+            </a:r>
+            <a:r>
+              <a:rPr lang="en-US" b="0" dirty="0" err="1">
+                <a:solidFill>
+                  <a:srgbClr val="CCCCCC"/>
+                </a:solidFill>
+                <a:effectLst/>
+                <a:latin typeface="Consolas" panose="020B0609020204030204" pitchFamily="49" charset="0"/>
+              </a:rPr>
+              <a:t>cout</a:t>
+            </a:r>
+            <a:r>
+              <a:rPr lang="en-US" b="0" dirty="0">
+                <a:solidFill>
+                  <a:srgbClr val="CCCCCC"/>
+                </a:solidFill>
+                <a:effectLst/>
+                <a:latin typeface="Consolas" panose="020B0609020204030204" pitchFamily="49" charset="0"/>
+              </a:rPr>
+              <a:t>;</a:t>
+            </a:r>
+          </a:p>
+          <a:p>
+            <a:br>
+              <a:rPr lang="en-US" b="0" dirty="0">
+                <a:solidFill>
+                  <a:srgbClr val="CCCCCC"/>
+                </a:solidFill>
+                <a:effectLst/>
+                <a:latin typeface="Consolas" panose="020B0609020204030204" pitchFamily="49" charset="0"/>
+              </a:rPr>
+            </a:br>
+            <a:r>
+              <a:rPr lang="en-US" b="0" dirty="0">
+                <a:solidFill>
+                  <a:srgbClr val="CCCCCC"/>
+                </a:solidFill>
+                <a:effectLst/>
+                <a:latin typeface="Consolas" panose="020B0609020204030204" pitchFamily="49" charset="0"/>
+              </a:rPr>
+              <a:t>    </a:t>
+            </a:r>
+            <a:r>
+              <a:rPr lang="en-US" b="0" dirty="0">
+                <a:solidFill>
+                  <a:srgbClr val="569CD6"/>
+                </a:solidFill>
+                <a:effectLst/>
+                <a:latin typeface="Consolas" panose="020B0609020204030204" pitchFamily="49" charset="0"/>
+              </a:rPr>
+              <a:t>assign</a:t>
+            </a:r>
+            <a:r>
+              <a:rPr lang="en-US" b="0" dirty="0">
+                <a:solidFill>
+                  <a:srgbClr val="CCCCCC"/>
+                </a:solidFill>
+                <a:effectLst/>
+                <a:latin typeface="Consolas" panose="020B0609020204030204" pitchFamily="49" charset="0"/>
+              </a:rPr>
+              <a:t> </a:t>
+            </a:r>
+            <a:r>
+              <a:rPr lang="en-US" b="0" dirty="0" err="1">
+                <a:solidFill>
+                  <a:srgbClr val="CCCCCC"/>
+                </a:solidFill>
+                <a:effectLst/>
+                <a:latin typeface="Consolas" panose="020B0609020204030204" pitchFamily="49" charset="0"/>
+              </a:rPr>
+              <a:t>cout</a:t>
+            </a:r>
+            <a:r>
+              <a:rPr lang="en-US" b="0" dirty="0">
+                <a:solidFill>
+                  <a:srgbClr val="CCCCCC"/>
+                </a:solidFill>
+                <a:effectLst/>
+                <a:latin typeface="Consolas" panose="020B0609020204030204" pitchFamily="49" charset="0"/>
+              </a:rPr>
+              <a:t> </a:t>
+            </a:r>
+            <a:r>
+              <a:rPr lang="en-US" b="0" dirty="0">
+                <a:solidFill>
+                  <a:srgbClr val="D4D4D4"/>
+                </a:solidFill>
+                <a:effectLst/>
+                <a:latin typeface="Consolas" panose="020B0609020204030204" pitchFamily="49" charset="0"/>
+              </a:rPr>
+              <a:t>=</a:t>
+            </a:r>
+            <a:r>
+              <a:rPr lang="en-US" b="0" dirty="0">
+                <a:solidFill>
+                  <a:srgbClr val="CCCCCC"/>
+                </a:solidFill>
+                <a:effectLst/>
+                <a:latin typeface="Consolas" panose="020B0609020204030204" pitchFamily="49" charset="0"/>
+              </a:rPr>
+              <a:t> a </a:t>
+            </a:r>
+            <a:r>
+              <a:rPr lang="en-US" b="0" dirty="0">
+                <a:solidFill>
+                  <a:srgbClr val="D4D4D4"/>
+                </a:solidFill>
+                <a:effectLst/>
+                <a:latin typeface="Consolas" panose="020B0609020204030204" pitchFamily="49" charset="0"/>
+              </a:rPr>
+              <a:t>+</a:t>
+            </a:r>
+            <a:r>
+              <a:rPr lang="en-US" b="0" dirty="0">
+                <a:solidFill>
+                  <a:srgbClr val="CCCCCC"/>
+                </a:solidFill>
+                <a:effectLst/>
+                <a:latin typeface="Consolas" panose="020B0609020204030204" pitchFamily="49" charset="0"/>
+              </a:rPr>
+              <a:t> b; </a:t>
+            </a:r>
+          </a:p>
+          <a:p>
+            <a:br>
+              <a:rPr lang="en-US" b="0" dirty="0">
+                <a:solidFill>
+                  <a:srgbClr val="CCCCCC"/>
+                </a:solidFill>
+                <a:effectLst/>
+                <a:latin typeface="Consolas" panose="020B0609020204030204" pitchFamily="49" charset="0"/>
+              </a:rPr>
+            </a:br>
+            <a:r>
+              <a:rPr lang="en-US" b="0" dirty="0" err="1">
+                <a:solidFill>
+                  <a:srgbClr val="569CD6"/>
+                </a:solidFill>
+                <a:effectLst/>
+                <a:latin typeface="Consolas" panose="020B0609020204030204" pitchFamily="49" charset="0"/>
+              </a:rPr>
+              <a:t>endmodule</a:t>
+            </a:r>
+            <a:endParaRPr lang="en-US" b="0" dirty="0">
+              <a:solidFill>
+                <a:srgbClr val="CCCCCC"/>
+              </a:solidFill>
+              <a:effectLst/>
+              <a:latin typeface="Consolas" panose="020B0609020204030204" pitchFamily="49" charset="0"/>
+            </a:endParaRPr>
+          </a:p>
+          <a:p>
+            <a:br>
+              <a:rPr lang="en-US" b="0" dirty="0">
+                <a:solidFill>
+                  <a:srgbClr val="CCCCCC"/>
+                </a:solidFill>
+                <a:effectLst/>
+                <a:latin typeface="Consolas" panose="020B0609020204030204" pitchFamily="49" charset="0"/>
+              </a:rPr>
+            </a:br>
+            <a:endParaRPr lang="en-US" b="0" dirty="0">
+              <a:solidFill>
+                <a:srgbClr val="CCCCCC"/>
+              </a:solidFill>
+              <a:effectLst/>
+              <a:latin typeface="Consolas" panose="020B0609020204030204" pitchFamily="49" charset="0"/>
+            </a:endParaRPr>
+          </a:p>
+        </p:txBody>
+      </p:sp>
     </p:spTree>
     <p:extLst>
       <p:ext uri="{BB962C8B-B14F-4D97-AF65-F5344CB8AC3E}">
-        <p14:creationId xmlns:p14="http://schemas.microsoft.com/office/powerpoint/2010/main" val="1713219598"/>
+        <p14:creationId xmlns:p14="http://schemas.microsoft.com/office/powerpoint/2010/main" val="3571516367"/>
       </p:ext>
     </p:extLst>
   </p:cSld>
@@ -11227,7 +14108,7 @@
         <p:spPr>
           <a:xfrm>
             <a:off x="984250" y="231028"/>
-            <a:ext cx="5111750" cy="1204912"/>
+            <a:ext cx="5564468" cy="1204912"/>
           </a:xfrm>
         </p:spPr>
         <p:txBody>
@@ -11236,7 +14117,7 @@
           <a:p>
             <a:r>
               <a:rPr lang="en-US" dirty="0"/>
-              <a:t>INTRODUCTION: HDLs</a:t>
+              <a:t>INTRODUCTION: Verification</a:t>
             </a:r>
           </a:p>
         </p:txBody>
@@ -11275,7 +14156,7 @@
             </a:pPr>
             <a:r>
               <a:rPr lang="en-US" sz="1800" dirty="0"/>
-              <a:t>Hardware Description Language: language used to describe digital logic circuits</a:t>
+              <a:t>Pre-silicon testing</a:t>
             </a:r>
           </a:p>
           <a:p>
@@ -11285,7 +14166,7 @@
             </a:pPr>
             <a:r>
               <a:rPr lang="en-US" sz="1800" dirty="0"/>
-              <a:t>Gate level and higher-level abstractions</a:t>
+              <a:t>Unit tests through UVM</a:t>
             </a:r>
           </a:p>
           <a:p>
@@ -11295,8 +14176,30 @@
             </a:pPr>
             <a:r>
               <a:rPr lang="en-US" sz="1800" dirty="0"/>
-              <a:t>For simple logic and complex designs</a:t>
-            </a:r>
+              <a:t>Coverage tests</a:t>
+            </a:r>
+          </a:p>
+          <a:p>
+            <a:pPr marL="285750" indent="-285750">
+              <a:buFont typeface="Arial" panose="020B0604020202020204" pitchFamily="34" charset="0"/>
+              <a:buChar char="•"/>
+            </a:pPr>
+            <a:r>
+              <a:rPr lang="en-US" sz="1800" dirty="0"/>
+              <a:t>Profiling</a:t>
+            </a:r>
+          </a:p>
+          <a:p>
+            <a:pPr marL="285750" indent="-285750">
+              <a:buFont typeface="Arial" panose="020B0604020202020204" pitchFamily="34" charset="0"/>
+              <a:buChar char="•"/>
+            </a:pPr>
+            <a:r>
+              <a:rPr lang="en-US" sz="1800" dirty="0"/>
+              <a:t>Formal methods like model checking</a:t>
+            </a:r>
+          </a:p>
+          <a:p>
             <a:endParaRPr lang="en-US" sz="2400" dirty="0"/>
           </a:p>
           <a:p>
@@ -11379,70 +14282,10 @@
           </a:p>
         </p:txBody>
       </p:sp>
-      <p:pic>
-        <p:nvPicPr>
-          <p:cNvPr id="7" name="Picture 6">
-            <a:extLst>
-              <a:ext uri="{FF2B5EF4-FFF2-40B4-BE49-F238E27FC236}">
-                <a16:creationId xmlns:a16="http://schemas.microsoft.com/office/drawing/2014/main" id="{75C7BE54-E246-C632-DA0A-D571B6AAE895}"/>
-              </a:ext>
-            </a:extLst>
-          </p:cNvPr>
-          <p:cNvPicPr>
-            <a:picLocks noChangeAspect="1"/>
-          </p:cNvPicPr>
-          <p:nvPr/>
-        </p:nvPicPr>
-        <p:blipFill>
-          <a:blip r:embed="rId2"/>
-          <a:stretch>
-            <a:fillRect/>
-          </a:stretch>
-        </p:blipFill>
-        <p:spPr>
-          <a:xfrm>
-            <a:off x="6227618" y="3563439"/>
-            <a:ext cx="4765964" cy="2111238"/>
-          </a:xfrm>
-          <a:prstGeom prst="rect">
-            <a:avLst/>
-          </a:prstGeom>
-        </p:spPr>
-      </p:pic>
-      <p:pic>
-        <p:nvPicPr>
-          <p:cNvPr id="9" name="Picture 8">
-            <a:extLst>
-              <a:ext uri="{FF2B5EF4-FFF2-40B4-BE49-F238E27FC236}">
-                <a16:creationId xmlns:a16="http://schemas.microsoft.com/office/drawing/2014/main" id="{916A8932-B159-A2C1-46E0-539844339CCD}"/>
-              </a:ext>
-            </a:extLst>
-          </p:cNvPr>
-          <p:cNvPicPr>
-            <a:picLocks noChangeAspect="1"/>
-          </p:cNvPicPr>
-          <p:nvPr/>
-        </p:nvPicPr>
-        <p:blipFill>
-          <a:blip r:embed="rId3"/>
-          <a:stretch>
-            <a:fillRect/>
-          </a:stretch>
-        </p:blipFill>
-        <p:spPr>
-          <a:xfrm>
-            <a:off x="1258928" y="3563439"/>
-            <a:ext cx="3553218" cy="2095488"/>
-          </a:xfrm>
-          <a:prstGeom prst="rect">
-            <a:avLst/>
-          </a:prstGeom>
-        </p:spPr>
-      </p:pic>
     </p:spTree>
     <p:extLst>
       <p:ext uri="{BB962C8B-B14F-4D97-AF65-F5344CB8AC3E}">
-        <p14:creationId xmlns:p14="http://schemas.microsoft.com/office/powerpoint/2010/main" val="3571516367"/>
+        <p14:creationId xmlns:p14="http://schemas.microsoft.com/office/powerpoint/2010/main" val="387068522"/>
       </p:ext>
     </p:extLst>
   </p:cSld>
@@ -11644,16 +14487,15 @@
           </p:cNvPicPr>
           <p:nvPr/>
         </p:nvPicPr>
-        <p:blipFill>
+        <p:blipFill rotWithShape="1">
           <a:blip r:embed="rId4"/>
-          <a:stretch>
-            <a:fillRect/>
-          </a:stretch>
+          <a:srcRect b="72307"/>
+          <a:stretch/>
         </p:blipFill>
         <p:spPr>
           <a:xfrm>
-            <a:off x="7255160" y="1291437"/>
-            <a:ext cx="4936840" cy="4742045"/>
+            <a:off x="6868891" y="1506694"/>
+            <a:ext cx="4936840" cy="1313218"/>
           </a:xfrm>
           <a:prstGeom prst="rect">
             <a:avLst/>
@@ -11714,6 +14556,53 @@
           </a:p>
         </p:txBody>
       </p:sp>
+      <p:pic>
+        <p:nvPicPr>
+          <p:cNvPr id="5122" name="Picture 2" descr="No description available.">
+            <a:extLst>
+              <a:ext uri="{FF2B5EF4-FFF2-40B4-BE49-F238E27FC236}">
+                <a16:creationId xmlns:a16="http://schemas.microsoft.com/office/drawing/2014/main" id="{62705847-E558-1CC6-543B-D0C491B1E28C}"/>
+              </a:ext>
+            </a:extLst>
+          </p:cNvPr>
+          <p:cNvPicPr>
+            <a:picLocks noChangeAspect="1" noChangeArrowheads="1"/>
+          </p:cNvPicPr>
+          <p:nvPr/>
+        </p:nvPicPr>
+        <p:blipFill>
+          <a:blip r:embed="rId5">
+            <a:extLst>
+              <a:ext uri="{28A0092B-C50C-407E-A947-70E740481C1C}">
+                <a14:useLocalDpi xmlns:a14="http://schemas.microsoft.com/office/drawing/2010/main" val="0"/>
+              </a:ext>
+            </a:extLst>
+          </a:blip>
+          <a:srcRect/>
+          <a:stretch>
+            <a:fillRect/>
+          </a:stretch>
+        </p:blipFill>
+        <p:spPr bwMode="auto">
+          <a:xfrm>
+            <a:off x="6981391" y="2961857"/>
+            <a:ext cx="5046663" cy="3535774"/>
+          </a:xfrm>
+          <a:prstGeom prst="rect">
+            <a:avLst/>
+          </a:prstGeom>
+          <a:noFill/>
+          <a:extLst>
+            <a:ext uri="{909E8E84-426E-40DD-AFC4-6F175D3DCCD1}">
+              <a14:hiddenFill xmlns:a14="http://schemas.microsoft.com/office/drawing/2010/main">
+                <a:solidFill>
+                  <a:srgbClr val="FFFFFF"/>
+                </a:solidFill>
+              </a14:hiddenFill>
+            </a:ext>
+          </a:extLst>
+        </p:spPr>
+      </p:pic>
     </p:spTree>
     <p:extLst>
       <p:ext uri="{BB962C8B-B14F-4D97-AF65-F5344CB8AC3E}">
@@ -11772,7 +14661,7 @@
           <a:p>
             <a:r>
               <a:rPr lang="en-US" dirty="0"/>
-              <a:t>Project Goals</a:t>
+              <a:t>Motivation</a:t>
             </a:r>
           </a:p>
         </p:txBody>
@@ -11932,28 +14821,36 @@
               <a:buChar char="•"/>
             </a:pPr>
             <a:r>
+              <a:rPr lang="en-US" sz="1800" dirty="0"/>
+              <a:t>Writing unit and coverage tests</a:t>
+            </a:r>
+          </a:p>
+          <a:p>
+            <a:pPr marL="742950" lvl="1" indent="-285750">
+              <a:buFont typeface="Arial" panose="020B0604020202020204" pitchFamily="34" charset="0"/>
+              <a:buChar char="•"/>
+            </a:pPr>
+            <a:r>
               <a:rPr lang="en-US" sz="1800" dirty="0">
                 <a:solidFill>
                   <a:schemeClr val="tx1"/>
                 </a:solidFill>
               </a:rPr>
-              <a:t>A program verifier similar to </a:t>
-            </a:r>
-            <a:r>
-              <a:rPr lang="en-US" sz="1800" dirty="0" err="1">
+              <a:t>Lots of programming effort</a:t>
+            </a:r>
+          </a:p>
+          <a:p>
+            <a:pPr marL="742950" lvl="1" indent="-285750">
+              <a:buFont typeface="Arial" panose="020B0604020202020204" pitchFamily="34" charset="0"/>
+              <a:buChar char="•"/>
+            </a:pPr>
+            <a:r>
+              <a:rPr lang="en-US" sz="1800" dirty="0">
                 <a:solidFill>
                   <a:schemeClr val="tx1"/>
                 </a:solidFill>
               </a:rPr>
-              <a:t>Dafny</a:t>
-            </a:r>
-            <a:r>
-              <a:rPr lang="en-US" sz="1800" dirty="0">
-                <a:solidFill>
-                  <a:schemeClr val="tx1"/>
-                </a:solidFill>
-              </a:rPr>
-              <a:t> </a:t>
+              <a:t>May not cover all test cases!</a:t>
             </a:r>
           </a:p>
           <a:p>
@@ -11963,17 +14860,49 @@
             </a:pPr>
             <a:r>
               <a:rPr lang="en-US" sz="1800" dirty="0"/>
-              <a:t>Supports formal verification through annotated post conditions</a:t>
-            </a:r>
-          </a:p>
-          <a:p>
-            <a:pPr marL="285750" indent="-285750">
+              <a:t>Formal verification</a:t>
+            </a:r>
+          </a:p>
+          <a:p>
+            <a:pPr marL="742950" lvl="1" indent="-285750">
               <a:buFont typeface="Arial" panose="020B0604020202020204" pitchFamily="34" charset="0"/>
               <a:buChar char="•"/>
             </a:pPr>
             <a:r>
-              <a:rPr lang="en-US" sz="1800" dirty="0"/>
-              <a:t>Supports formal verification of combinational logic</a:t>
+              <a:rPr lang="en-US" sz="1800" dirty="0">
+                <a:solidFill>
+                  <a:schemeClr val="tx1"/>
+                </a:solidFill>
+              </a:rPr>
+              <a:t>Model checking and program abstraction</a:t>
+            </a:r>
+          </a:p>
+          <a:p>
+            <a:pPr marL="742950" lvl="1" indent="-285750">
+              <a:buFont typeface="Arial" panose="020B0604020202020204" pitchFamily="34" charset="0"/>
+              <a:buChar char="•"/>
+            </a:pPr>
+            <a:r>
+              <a:rPr lang="en-US" sz="1800" dirty="0">
+                <a:solidFill>
+                  <a:schemeClr val="tx1"/>
+                </a:solidFill>
+              </a:rPr>
+              <a:t>Lots of programmer effort + knowledge needed</a:t>
+            </a:r>
+          </a:p>
+          <a:p>
+            <a:pPr marL="742950" lvl="1" indent="-285750">
+              <a:buFont typeface="Arial" panose="020B0604020202020204" pitchFamily="34" charset="0"/>
+              <a:buChar char="•"/>
+            </a:pPr>
+            <a:r>
+              <a:rPr lang="en-US" sz="1800" dirty="0">
+                <a:solidFill>
+                  <a:schemeClr val="tx1"/>
+                </a:solidFill>
+              </a:rPr>
+              <a:t>Lots of resources + time </a:t>
             </a:r>
           </a:p>
         </p:txBody>
@@ -11981,7 +14910,7 @@
     </p:spTree>
     <p:extLst>
       <p:ext uri="{BB962C8B-B14F-4D97-AF65-F5344CB8AC3E}">
-        <p14:creationId xmlns:p14="http://schemas.microsoft.com/office/powerpoint/2010/main" val="3692017439"/>
+        <p14:creationId xmlns:p14="http://schemas.microsoft.com/office/powerpoint/2010/main" val="3812311105"/>
       </p:ext>
     </p:extLst>
   </p:cSld>
@@ -12036,7 +14965,7 @@
           <a:p>
             <a:r>
               <a:rPr lang="en-US" dirty="0"/>
-              <a:t>Motivation</a:t>
+              <a:t>Project Goals</a:t>
             </a:r>
           </a:p>
         </p:txBody>
@@ -12196,8 +15125,48 @@
               <a:buChar char="•"/>
             </a:pPr>
             <a:r>
+              <a:rPr lang="en-US" sz="1800" dirty="0">
+                <a:solidFill>
+                  <a:schemeClr val="tx1"/>
+                </a:solidFill>
+              </a:rPr>
+              <a:t>A program verifier similar to </a:t>
+            </a:r>
+            <a:r>
+              <a:rPr lang="en-US" sz="1800" dirty="0" err="1">
+                <a:solidFill>
+                  <a:schemeClr val="tx1"/>
+                </a:solidFill>
+              </a:rPr>
+              <a:t>Dafny</a:t>
+            </a:r>
+            <a:r>
+              <a:rPr lang="en-US" sz="1800" dirty="0">
+                <a:solidFill>
+                  <a:schemeClr val="tx1"/>
+                </a:solidFill>
+              </a:rPr>
+              <a:t> </a:t>
+            </a:r>
+          </a:p>
+          <a:p>
+            <a:pPr marL="285750" indent="-285750">
+              <a:buFont typeface="Arial" panose="020B0604020202020204" pitchFamily="34" charset="0"/>
+              <a:buChar char="•"/>
+            </a:pPr>
+            <a:r>
               <a:rPr lang="en-US" sz="1800" dirty="0"/>
-              <a:t>Writing unit and coverage tests</a:t>
+              <a:t>Supports formal verification through annotated post conditions within the Verilog language</a:t>
+            </a:r>
+          </a:p>
+          <a:p>
+            <a:pPr marL="285750" indent="-285750">
+              <a:buFont typeface="Arial" panose="020B0604020202020204" pitchFamily="34" charset="0"/>
+              <a:buChar char="•"/>
+            </a:pPr>
+            <a:r>
+              <a:rPr lang="en-US" sz="1800" dirty="0"/>
+              <a:t>Supports formal verification of bit-level combinational logic</a:t>
             </a:r>
           </a:p>
           <a:p>
@@ -12206,78 +15175,12 @@
               <a:buChar char="•"/>
             </a:pPr>
             <a:r>
-              <a:rPr lang="en-US" sz="1800" dirty="0">
+              <a:rPr lang="en-US" sz="1600" dirty="0">
                 <a:solidFill>
                   <a:schemeClr val="tx1"/>
                 </a:solidFill>
               </a:rPr>
-              <a:t>Lots of programming effort</a:t>
-            </a:r>
-          </a:p>
-          <a:p>
-            <a:pPr marL="742950" lvl="1" indent="-285750">
-              <a:buFont typeface="Arial" panose="020B0604020202020204" pitchFamily="34" charset="0"/>
-              <a:buChar char="•"/>
-            </a:pPr>
-            <a:r>
-              <a:rPr lang="en-US" sz="1800" dirty="0">
-                <a:solidFill>
-                  <a:schemeClr val="tx1"/>
-                </a:solidFill>
-              </a:rPr>
-              <a:t>May not cover all test cases!</a:t>
-            </a:r>
-          </a:p>
-          <a:p>
-            <a:pPr marL="285750" indent="-285750">
-              <a:buFont typeface="Arial" panose="020B0604020202020204" pitchFamily="34" charset="0"/>
-              <a:buChar char="•"/>
-            </a:pPr>
-            <a:r>
-              <a:rPr lang="en-US" sz="1800" dirty="0"/>
-              <a:t>Formal verification</a:t>
-            </a:r>
-          </a:p>
-          <a:p>
-            <a:pPr marL="742950" lvl="1" indent="-285750">
-              <a:buFont typeface="Arial" panose="020B0604020202020204" pitchFamily="34" charset="0"/>
-              <a:buChar char="•"/>
-            </a:pPr>
-            <a:r>
-              <a:rPr lang="en-US" sz="1800" dirty="0">
-                <a:solidFill>
-                  <a:schemeClr val="tx1"/>
-                </a:solidFill>
-              </a:rPr>
-              <a:t>Model checking and program abstraction</a:t>
-            </a:r>
-          </a:p>
-          <a:p>
-            <a:pPr marL="742950" lvl="1" indent="-285750">
-              <a:buFont typeface="Arial" panose="020B0604020202020204" pitchFamily="34" charset="0"/>
-              <a:buChar char="•"/>
-            </a:pPr>
-            <a:r>
-              <a:rPr lang="en-US" sz="1800" dirty="0">
-                <a:solidFill>
-                  <a:schemeClr val="tx1"/>
-                </a:solidFill>
-              </a:rPr>
-              <a:t>Lots of programmer effort + knowledge needed</a:t>
-            </a:r>
-          </a:p>
-          <a:p>
-            <a:pPr marL="742950" lvl="1" indent="-285750">
-              <a:buFont typeface="Arial" panose="020B0604020202020204" pitchFamily="34" charset="0"/>
-              <a:buChar char="•"/>
-            </a:pPr>
-            <a:r>
-              <a:rPr lang="en-US" sz="1800" dirty="0">
-                <a:solidFill>
-                  <a:schemeClr val="tx1"/>
-                </a:solidFill>
-              </a:rPr>
-              <a:t>Lots of resources + time </a:t>
+              <a:t>Outputs only involve the inputs no concept of state</a:t>
             </a:r>
           </a:p>
         </p:txBody>
@@ -12285,7 +15188,7 @@
     </p:spTree>
     <p:extLst>
       <p:ext uri="{BB962C8B-B14F-4D97-AF65-F5344CB8AC3E}">
-        <p14:creationId xmlns:p14="http://schemas.microsoft.com/office/powerpoint/2010/main" val="3812311105"/>
+        <p14:creationId xmlns:p14="http://schemas.microsoft.com/office/powerpoint/2010/main" val="3692017439"/>
       </p:ext>
     </p:extLst>
   </p:cSld>
@@ -12550,7 +15453,7 @@
           <p:nvPr/>
         </p:nvPicPr>
         <p:blipFill>
-          <a:blip r:embed="rId2"/>
+          <a:blip r:embed="rId3"/>
           <a:stretch>
             <a:fillRect/>
           </a:stretch>
@@ -12615,7 +15518,7 @@
         <p:spPr>
           <a:xfrm>
             <a:off x="6095199" y="3698144"/>
-            <a:ext cx="1404666" cy="553998"/>
+            <a:ext cx="1404666" cy="784830"/>
           </a:xfrm>
           <a:prstGeom prst="rect">
             <a:avLst/>
@@ -12630,7 +15533,7 @@
           <a:p>
             <a:r>
               <a:rPr lang="en-US" sz="1500" dirty="0"/>
-              <a:t>Z3 Boolean Converter </a:t>
+              <a:t>Custom Z3 Boolean Converter </a:t>
             </a:r>
           </a:p>
         </p:txBody>
@@ -12650,7 +15553,7 @@
           <p:nvPr/>
         </p:nvPicPr>
         <p:blipFill>
-          <a:blip r:embed="rId3">
+          <a:blip r:embed="rId4">
             <a:extLst>
               <a:ext uri="{28A0092B-C50C-407E-A947-70E740481C1C}">
                 <a14:useLocalDpi xmlns:a14="http://schemas.microsoft.com/office/drawing/2010/main" val="0"/>
@@ -12784,7 +15687,7 @@
           <p:nvPr/>
         </p:nvPicPr>
         <p:blipFill>
-          <a:blip r:embed="rId4">
+          <a:blip r:embed="rId5">
             <a:extLst>
               <a:ext uri="{28A0092B-C50C-407E-A947-70E740481C1C}">
                 <a14:useLocalDpi xmlns:a14="http://schemas.microsoft.com/office/drawing/2010/main" val="0"/>
@@ -13016,7 +15919,7 @@
           <p:nvPr/>
         </p:nvPicPr>
         <p:blipFill>
-          <a:blip r:embed="rId5">
+          <a:blip r:embed="rId6">
             <a:extLst>
               <a:ext uri="{28A0092B-C50C-407E-A947-70E740481C1C}">
                 <a14:useLocalDpi xmlns:a14="http://schemas.microsoft.com/office/drawing/2010/main" val="0"/>
@@ -13063,7 +15966,7 @@
           <p:nvPr/>
         </p:nvPicPr>
         <p:blipFill>
-          <a:blip r:embed="rId6">
+          <a:blip r:embed="rId7">
             <a:extLst>
               <a:ext uri="{28A0092B-C50C-407E-A947-70E740481C1C}">
                 <a14:useLocalDpi xmlns:a14="http://schemas.microsoft.com/office/drawing/2010/main" val="0"/>
@@ -13212,6 +16115,93 @@
               <a:rPr lang="en-US" sz="1000" dirty="0"/>
               <a:t>#ensures(10+20*30==610)</a:t>
             </a:r>
+          </a:p>
+        </p:txBody>
+      </p:sp>
+      <p:sp>
+        <p:nvSpPr>
+          <p:cNvPr id="31" name="TextBox 30">
+            <a:extLst>
+              <a:ext uri="{FF2B5EF4-FFF2-40B4-BE49-F238E27FC236}">
+                <a16:creationId xmlns:a16="http://schemas.microsoft.com/office/drawing/2014/main" id="{66C0F46F-EE2E-179D-F29F-E1EC3CE2D147}"/>
+              </a:ext>
+            </a:extLst>
+          </p:cNvPr>
+          <p:cNvSpPr txBox="1"/>
+          <p:nvPr/>
+        </p:nvSpPr>
+        <p:spPr>
+          <a:xfrm>
+            <a:off x="1777313" y="1860921"/>
+            <a:ext cx="1069185" cy="323165"/>
+          </a:xfrm>
+          <a:prstGeom prst="rect">
+            <a:avLst/>
+          </a:prstGeom>
+          <a:noFill/>
+        </p:spPr>
+        <p:txBody>
+          <a:bodyPr wrap="square" rtlCol="0">
+            <a:spAutoFit/>
+          </a:bodyPr>
+          <a:lstStyle/>
+          <a:p>
+            <a:r>
+              <a:rPr lang="en-US" sz="1500" dirty="0"/>
+              <a:t>Verilog.g4</a:t>
+            </a:r>
+          </a:p>
+        </p:txBody>
+      </p:sp>
+      <p:sp>
+        <p:nvSpPr>
+          <p:cNvPr id="32" name="Arrow: Right 31">
+            <a:extLst>
+              <a:ext uri="{FF2B5EF4-FFF2-40B4-BE49-F238E27FC236}">
+                <a16:creationId xmlns:a16="http://schemas.microsoft.com/office/drawing/2014/main" id="{CA910EAD-2DC1-D750-E52A-00E6AC73B24D}"/>
+              </a:ext>
+            </a:extLst>
+          </p:cNvPr>
+          <p:cNvSpPr/>
+          <p:nvPr/>
+        </p:nvSpPr>
+        <p:spPr>
+          <a:xfrm rot="5400000">
+            <a:off x="1929429" y="2307251"/>
+            <a:ext cx="822614" cy="557068"/>
+          </a:xfrm>
+          <a:prstGeom prst="rightArrow">
+            <a:avLst/>
+          </a:prstGeom>
+          <a:solidFill>
+            <a:schemeClr val="accent3">
+              <a:lumMod val="60000"/>
+              <a:lumOff val="40000"/>
+            </a:schemeClr>
+          </a:solidFill>
+        </p:spPr>
+        <p:style>
+          <a:lnRef idx="2">
+            <a:schemeClr val="accent2">
+              <a:shade val="15000"/>
+            </a:schemeClr>
+          </a:lnRef>
+          <a:fillRef idx="1">
+            <a:schemeClr val="accent2"/>
+          </a:fillRef>
+          <a:effectRef idx="0">
+            <a:schemeClr val="accent2"/>
+          </a:effectRef>
+          <a:fontRef idx="minor">
+            <a:schemeClr val="lt1"/>
+          </a:fontRef>
+        </p:style>
+        <p:txBody>
+          <a:bodyPr rtlCol="0" anchor="ctr"/>
+          <a:lstStyle/>
+          <a:p>
+            <a:pPr algn="ctr"/>
+            <a:endParaRPr lang="en-US"/>
           </a:p>
         </p:txBody>
       </p:sp>
@@ -13346,122 +16336,376 @@
           </a:p>
         </p:txBody>
       </p:sp>
-      <p:pic>
-        <p:nvPicPr>
-          <p:cNvPr id="41" name="Picture 40">
-            <a:extLst>
-              <a:ext uri="{FF2B5EF4-FFF2-40B4-BE49-F238E27FC236}">
-                <a16:creationId xmlns:a16="http://schemas.microsoft.com/office/drawing/2014/main" id="{8487006D-B211-8FE6-F700-94EFC7EEB185}"/>
-              </a:ext>
-            </a:extLst>
-          </p:cNvPr>
-          <p:cNvPicPr>
-            <a:picLocks noChangeAspect="1"/>
-          </p:cNvPicPr>
+      <p:sp>
+        <p:nvSpPr>
+          <p:cNvPr id="5" name="TextBox 4">
+            <a:extLst>
+              <a:ext uri="{FF2B5EF4-FFF2-40B4-BE49-F238E27FC236}">
+                <a16:creationId xmlns:a16="http://schemas.microsoft.com/office/drawing/2014/main" id="{1D5E19F1-9C8B-5B40-2086-350884D63E2B}"/>
+              </a:ext>
+            </a:extLst>
+          </p:cNvPr>
+          <p:cNvSpPr txBox="1"/>
           <p:nvPr/>
-        </p:nvPicPr>
-        <p:blipFill>
-          <a:blip r:embed="rId2"/>
-          <a:stretch>
-            <a:fillRect/>
-          </a:stretch>
-        </p:blipFill>
-        <p:spPr>
-          <a:xfrm>
-            <a:off x="6544053" y="2982154"/>
-            <a:ext cx="4374625" cy="1937882"/>
+        </p:nvSpPr>
+        <p:spPr>
+          <a:xfrm>
+            <a:off x="3347049" y="2606963"/>
+            <a:ext cx="5497902" cy="2862322"/>
           </a:xfrm>
           <a:prstGeom prst="rect">
             <a:avLst/>
           </a:prstGeom>
-        </p:spPr>
-      </p:pic>
-      <p:pic>
-        <p:nvPicPr>
-          <p:cNvPr id="42" name="Picture 41">
-            <a:extLst>
-              <a:ext uri="{FF2B5EF4-FFF2-40B4-BE49-F238E27FC236}">
-                <a16:creationId xmlns:a16="http://schemas.microsoft.com/office/drawing/2014/main" id="{F9AF012B-7BB0-6BDD-53CE-3D8B881E2076}"/>
-              </a:ext>
-            </a:extLst>
-          </p:cNvPr>
-          <p:cNvPicPr>
-            <a:picLocks noChangeAspect="1"/>
-          </p:cNvPicPr>
-          <p:nvPr/>
-        </p:nvPicPr>
-        <p:blipFill>
-          <a:blip r:embed="rId3"/>
-          <a:stretch>
-            <a:fillRect/>
-          </a:stretch>
-        </p:blipFill>
-        <p:spPr>
-          <a:xfrm>
-            <a:off x="1276180" y="2903351"/>
-            <a:ext cx="3553218" cy="2095488"/>
-          </a:xfrm>
-          <a:prstGeom prst="rect">
-            <a:avLst/>
-          </a:prstGeom>
-        </p:spPr>
-      </p:pic>
-      <p:sp>
-        <p:nvSpPr>
-          <p:cNvPr id="43" name="Arrow: Right 42">
-            <a:extLst>
-              <a:ext uri="{FF2B5EF4-FFF2-40B4-BE49-F238E27FC236}">
-                <a16:creationId xmlns:a16="http://schemas.microsoft.com/office/drawing/2014/main" id="{931EBADE-AB1C-36EB-F6FE-FCC6AD95858E}"/>
-              </a:ext>
-            </a:extLst>
-          </p:cNvPr>
-          <p:cNvSpPr/>
-          <p:nvPr/>
-        </p:nvSpPr>
-        <p:spPr>
-          <a:xfrm>
-            <a:off x="4829398" y="3575251"/>
-            <a:ext cx="1714655" cy="519545"/>
-          </a:xfrm>
-          <a:prstGeom prst="rightArrow">
-            <a:avLst/>
-          </a:prstGeom>
           <a:solidFill>
-            <a:schemeClr val="accent3">
-              <a:lumMod val="60000"/>
-              <a:lumOff val="40000"/>
-            </a:schemeClr>
+            <a:schemeClr val="tx1"/>
           </a:solidFill>
         </p:spPr>
-        <p:style>
-          <a:lnRef idx="2">
-            <a:schemeClr val="accent2">
-              <a:shade val="15000"/>
-            </a:schemeClr>
-          </a:lnRef>
-          <a:fillRef idx="1">
-            <a:schemeClr val="accent2"/>
-          </a:fillRef>
-          <a:effectRef idx="0">
-            <a:schemeClr val="accent2"/>
-          </a:effectRef>
-          <a:fontRef idx="minor">
-            <a:schemeClr val="lt1"/>
-          </a:fontRef>
-        </p:style>
-        <p:txBody>
-          <a:bodyPr rtlCol="0" anchor="ctr"/>
+        <p:txBody>
+          <a:bodyPr wrap="square">
+            <a:spAutoFit/>
+          </a:bodyPr>
           <a:lstStyle/>
           <a:p>
-            <a:pPr algn="ctr"/>
-            <a:endParaRPr lang="en-US" dirty="0"/>
+            <a:r>
+              <a:rPr lang="en-US" b="0" dirty="0">
+                <a:solidFill>
+                  <a:srgbClr val="569CD6"/>
+                </a:solidFill>
+                <a:effectLst/>
+                <a:latin typeface="Consolas" panose="020B0609020204030204" pitchFamily="49" charset="0"/>
+              </a:rPr>
+              <a:t>module</a:t>
+            </a:r>
+            <a:r>
+              <a:rPr lang="en-US" b="0" dirty="0">
+                <a:solidFill>
+                  <a:srgbClr val="CCCCCC"/>
+                </a:solidFill>
+                <a:effectLst/>
+                <a:latin typeface="Consolas" panose="020B0609020204030204" pitchFamily="49" charset="0"/>
+              </a:rPr>
+              <a:t> </a:t>
+            </a:r>
+            <a:r>
+              <a:rPr lang="en-US" b="0" dirty="0">
+                <a:solidFill>
+                  <a:srgbClr val="4EC9B0"/>
+                </a:solidFill>
+                <a:effectLst/>
+                <a:latin typeface="Consolas" panose="020B0609020204030204" pitchFamily="49" charset="0"/>
+              </a:rPr>
+              <a:t>adder</a:t>
+            </a:r>
+            <a:r>
+              <a:rPr lang="en-US" b="0" dirty="0">
+                <a:solidFill>
+                  <a:srgbClr val="CCCCCC"/>
+                </a:solidFill>
+                <a:effectLst/>
+                <a:latin typeface="Consolas" panose="020B0609020204030204" pitchFamily="49" charset="0"/>
+              </a:rPr>
+              <a:t>(a0, a1, b0, b1,</a:t>
+            </a:r>
+            <a:endParaRPr lang="en-US" dirty="0">
+              <a:solidFill>
+                <a:srgbClr val="CCCCCC"/>
+              </a:solidFill>
+              <a:latin typeface="Consolas" panose="020B0609020204030204" pitchFamily="49" charset="0"/>
+            </a:endParaRPr>
+          </a:p>
+          <a:p>
+            <a:r>
+              <a:rPr lang="en-US" b="0" dirty="0">
+                <a:solidFill>
+                  <a:srgbClr val="CCCCCC"/>
+                </a:solidFill>
+                <a:effectLst/>
+                <a:latin typeface="Consolas" panose="020B0609020204030204" pitchFamily="49" charset="0"/>
+              </a:rPr>
+              <a:t>	      cout0, cout1);</a:t>
+            </a:r>
+          </a:p>
+          <a:p>
+            <a:r>
+              <a:rPr lang="en-US" b="0" dirty="0">
+                <a:solidFill>
+                  <a:srgbClr val="CCCCCC"/>
+                </a:solidFill>
+                <a:effectLst/>
+                <a:latin typeface="Consolas" panose="020B0609020204030204" pitchFamily="49" charset="0"/>
+              </a:rPr>
+              <a:t>    </a:t>
+            </a:r>
+            <a:r>
+              <a:rPr lang="en-US" b="0" dirty="0">
+                <a:solidFill>
+                  <a:srgbClr val="569CD6"/>
+                </a:solidFill>
+                <a:effectLst/>
+                <a:latin typeface="Consolas" panose="020B0609020204030204" pitchFamily="49" charset="0"/>
+              </a:rPr>
+              <a:t>input</a:t>
+            </a:r>
+            <a:r>
+              <a:rPr lang="en-US" b="0" dirty="0">
+                <a:solidFill>
+                  <a:srgbClr val="CCCCCC"/>
+                </a:solidFill>
+                <a:effectLst/>
+                <a:latin typeface="Consolas" panose="020B0609020204030204" pitchFamily="49" charset="0"/>
+              </a:rPr>
+              <a:t> a0, a1, b0, b1;</a:t>
+            </a:r>
+          </a:p>
+          <a:p>
+            <a:r>
+              <a:rPr lang="en-US" b="0" dirty="0">
+                <a:solidFill>
+                  <a:srgbClr val="CCCCCC"/>
+                </a:solidFill>
+                <a:effectLst/>
+                <a:latin typeface="Consolas" panose="020B0609020204030204" pitchFamily="49" charset="0"/>
+              </a:rPr>
+              <a:t>    </a:t>
+            </a:r>
+            <a:r>
+              <a:rPr lang="en-US" b="0" dirty="0">
+                <a:solidFill>
+                  <a:srgbClr val="569CD6"/>
+                </a:solidFill>
+                <a:effectLst/>
+                <a:latin typeface="Consolas" panose="020B0609020204030204" pitchFamily="49" charset="0"/>
+              </a:rPr>
+              <a:t>output</a:t>
+            </a:r>
+            <a:r>
+              <a:rPr lang="en-US" b="0" dirty="0">
+                <a:solidFill>
+                  <a:srgbClr val="CCCCCC"/>
+                </a:solidFill>
+                <a:effectLst/>
+                <a:latin typeface="Consolas" panose="020B0609020204030204" pitchFamily="49" charset="0"/>
+              </a:rPr>
+              <a:t> cout0, cout1;</a:t>
+            </a:r>
+          </a:p>
+          <a:p>
+            <a:br>
+              <a:rPr lang="en-US" b="0" dirty="0">
+                <a:solidFill>
+                  <a:srgbClr val="CCCCCC"/>
+                </a:solidFill>
+                <a:effectLst/>
+                <a:latin typeface="Consolas" panose="020B0609020204030204" pitchFamily="49" charset="0"/>
+              </a:rPr>
+            </a:br>
+            <a:r>
+              <a:rPr lang="en-US" b="0" dirty="0">
+                <a:solidFill>
+                  <a:srgbClr val="CCCCCC"/>
+                </a:solidFill>
+                <a:effectLst/>
+                <a:latin typeface="Consolas" panose="020B0609020204030204" pitchFamily="49" charset="0"/>
+              </a:rPr>
+              <a:t>    </a:t>
+            </a:r>
+            <a:r>
+              <a:rPr lang="en-US" b="0" dirty="0">
+                <a:solidFill>
+                  <a:srgbClr val="569CD6"/>
+                </a:solidFill>
+                <a:effectLst/>
+                <a:latin typeface="Consolas" panose="020B0609020204030204" pitchFamily="49" charset="0"/>
+              </a:rPr>
+              <a:t>assign</a:t>
+            </a:r>
+            <a:r>
+              <a:rPr lang="en-US" b="0" dirty="0">
+                <a:solidFill>
+                  <a:srgbClr val="CCCCCC"/>
+                </a:solidFill>
+                <a:effectLst/>
+                <a:latin typeface="Consolas" panose="020B0609020204030204" pitchFamily="49" charset="0"/>
+              </a:rPr>
+              <a:t> cout0 </a:t>
+            </a:r>
+            <a:r>
+              <a:rPr lang="en-US" b="0" dirty="0">
+                <a:solidFill>
+                  <a:srgbClr val="D4D4D4"/>
+                </a:solidFill>
+                <a:effectLst/>
+                <a:latin typeface="Consolas" panose="020B0609020204030204" pitchFamily="49" charset="0"/>
+              </a:rPr>
+              <a:t>=</a:t>
+            </a:r>
+            <a:r>
+              <a:rPr lang="en-US" b="0" dirty="0">
+                <a:solidFill>
+                  <a:srgbClr val="CCCCCC"/>
+                </a:solidFill>
+                <a:effectLst/>
+                <a:latin typeface="Consolas" panose="020B0609020204030204" pitchFamily="49" charset="0"/>
+              </a:rPr>
+              <a:t> a0 ^ b0;</a:t>
+            </a:r>
+          </a:p>
+          <a:p>
+            <a:r>
+              <a:rPr lang="en-US" b="0" dirty="0">
+                <a:solidFill>
+                  <a:srgbClr val="CCCCCC"/>
+                </a:solidFill>
+                <a:effectLst/>
+                <a:latin typeface="Consolas" panose="020B0609020204030204" pitchFamily="49" charset="0"/>
+              </a:rPr>
+              <a:t>    </a:t>
+            </a:r>
+            <a:r>
+              <a:rPr lang="en-US" b="0" dirty="0">
+                <a:solidFill>
+                  <a:srgbClr val="569CD6"/>
+                </a:solidFill>
+                <a:effectLst/>
+                <a:latin typeface="Consolas" panose="020B0609020204030204" pitchFamily="49" charset="0"/>
+              </a:rPr>
+              <a:t>assign</a:t>
+            </a:r>
+            <a:r>
+              <a:rPr lang="en-US" b="0" dirty="0">
+                <a:solidFill>
+                  <a:srgbClr val="CCCCCC"/>
+                </a:solidFill>
+                <a:effectLst/>
+                <a:latin typeface="Consolas" panose="020B0609020204030204" pitchFamily="49" charset="0"/>
+              </a:rPr>
+              <a:t> cout1 </a:t>
+            </a:r>
+            <a:r>
+              <a:rPr lang="en-US" b="0" dirty="0">
+                <a:solidFill>
+                  <a:srgbClr val="D4D4D4"/>
+                </a:solidFill>
+                <a:effectLst/>
+                <a:latin typeface="Consolas" panose="020B0609020204030204" pitchFamily="49" charset="0"/>
+              </a:rPr>
+              <a:t>=</a:t>
+            </a:r>
+            <a:r>
+              <a:rPr lang="en-US" b="0" dirty="0">
+                <a:solidFill>
+                  <a:srgbClr val="CCCCCC"/>
+                </a:solidFill>
+                <a:effectLst/>
+                <a:latin typeface="Consolas" panose="020B0609020204030204" pitchFamily="49" charset="0"/>
+              </a:rPr>
+              <a:t> (a1 ^ b1) </a:t>
+            </a:r>
+            <a:r>
+              <a:rPr lang="en-US" dirty="0">
+                <a:solidFill>
+                  <a:srgbClr val="D4D4D4"/>
+                </a:solidFill>
+                <a:latin typeface="Consolas" panose="020B0609020204030204" pitchFamily="49" charset="0"/>
+              </a:rPr>
+              <a:t>^</a:t>
+            </a:r>
+            <a:r>
+              <a:rPr lang="en-US" b="0" dirty="0">
+                <a:solidFill>
+                  <a:srgbClr val="CCCCCC"/>
+                </a:solidFill>
+                <a:effectLst/>
+                <a:latin typeface="Consolas" panose="020B0609020204030204" pitchFamily="49" charset="0"/>
+              </a:rPr>
+              <a:t> (a0 </a:t>
+            </a:r>
+            <a:r>
+              <a:rPr lang="en-US" b="0" dirty="0">
+                <a:solidFill>
+                  <a:srgbClr val="D4D4D4"/>
+                </a:solidFill>
+                <a:effectLst/>
+                <a:latin typeface="Consolas" panose="020B0609020204030204" pitchFamily="49" charset="0"/>
+              </a:rPr>
+              <a:t>&amp;</a:t>
+            </a:r>
+            <a:r>
+              <a:rPr lang="en-US" b="0" dirty="0">
+                <a:solidFill>
+                  <a:srgbClr val="CCCCCC"/>
+                </a:solidFill>
+                <a:effectLst/>
+                <a:latin typeface="Consolas" panose="020B0609020204030204" pitchFamily="49" charset="0"/>
+              </a:rPr>
+              <a:t> b0);</a:t>
+            </a:r>
+          </a:p>
+          <a:p>
+            <a:endParaRPr lang="en-US" b="0" dirty="0">
+              <a:solidFill>
+                <a:srgbClr val="CCCCCC"/>
+              </a:solidFill>
+              <a:effectLst/>
+              <a:latin typeface="Consolas" panose="020B0609020204030204" pitchFamily="49" charset="0"/>
+            </a:endParaRPr>
+          </a:p>
+          <a:p>
+            <a:r>
+              <a:rPr lang="en-US" b="0" dirty="0">
+                <a:solidFill>
+                  <a:srgbClr val="CCCCCC"/>
+                </a:solidFill>
+                <a:effectLst/>
+                <a:latin typeface="Consolas" panose="020B0609020204030204" pitchFamily="49" charset="0"/>
+              </a:rPr>
+              <a:t>    </a:t>
+            </a:r>
+            <a:r>
+              <a:rPr lang="en-US" b="0" dirty="0">
+                <a:solidFill>
+                  <a:schemeClr val="accent6">
+                    <a:lumMod val="75000"/>
+                  </a:schemeClr>
+                </a:solidFill>
+                <a:effectLst/>
+                <a:latin typeface="Consolas" panose="020B0609020204030204" pitchFamily="49" charset="0"/>
+              </a:rPr>
+              <a:t>//@ensures cout0 == a0 ^ b0</a:t>
+            </a:r>
+            <a:br>
+              <a:rPr lang="en-US" b="0" dirty="0">
+                <a:solidFill>
+                  <a:srgbClr val="CCCCCC"/>
+                </a:solidFill>
+                <a:effectLst/>
+                <a:latin typeface="Consolas" panose="020B0609020204030204" pitchFamily="49" charset="0"/>
+              </a:rPr>
+            </a:br>
+            <a:r>
+              <a:rPr lang="en-US" b="0" dirty="0" err="1">
+                <a:solidFill>
+                  <a:srgbClr val="569CD6"/>
+                </a:solidFill>
+                <a:effectLst/>
+                <a:latin typeface="Consolas" panose="020B0609020204030204" pitchFamily="49" charset="0"/>
+              </a:rPr>
+              <a:t>endmodule</a:t>
+            </a:r>
+            <a:endParaRPr lang="en-US" b="0" dirty="0">
+              <a:solidFill>
+                <a:srgbClr val="CCCCCC"/>
+              </a:solidFill>
+              <a:effectLst/>
+              <a:latin typeface="Consolas" panose="020B0609020204030204" pitchFamily="49" charset="0"/>
+            </a:endParaRPr>
           </a:p>
         </p:txBody>
       </p:sp>
     </p:spTree>
     <p:extLst>
       <p:ext uri="{BB962C8B-B14F-4D97-AF65-F5344CB8AC3E}">
-        <p14:creationId xmlns:p14="http://schemas.microsoft.com/office/powerpoint/2010/main" val="2619301236"/>
+        <p14:creationId xmlns:p14="http://schemas.microsoft.com/office/powerpoint/2010/main" val="2743654609"/>
       </p:ext>
     </p:extLst>
   </p:cSld>
@@ -13589,40 +16833,1151 @@
           </a:p>
         </p:txBody>
       </p:sp>
-      <p:pic>
-        <p:nvPicPr>
-          <p:cNvPr id="4" name="Picture 3">
-            <a:extLst>
-              <a:ext uri="{FF2B5EF4-FFF2-40B4-BE49-F238E27FC236}">
-                <a16:creationId xmlns:a16="http://schemas.microsoft.com/office/drawing/2014/main" id="{19526A60-EF03-F278-89D5-AE600F7CDF37}"/>
-              </a:ext>
-            </a:extLst>
-          </p:cNvPr>
-          <p:cNvPicPr>
-            <a:picLocks noChangeAspect="1"/>
-          </p:cNvPicPr>
+      <p:sp>
+        <p:nvSpPr>
+          <p:cNvPr id="9" name="TextBox 8">
+            <a:extLst>
+              <a:ext uri="{FF2B5EF4-FFF2-40B4-BE49-F238E27FC236}">
+                <a16:creationId xmlns:a16="http://schemas.microsoft.com/office/drawing/2014/main" id="{77087E96-F2AB-3049-E3EA-55ED015E8789}"/>
+              </a:ext>
+            </a:extLst>
+          </p:cNvPr>
+          <p:cNvSpPr txBox="1"/>
           <p:nvPr/>
-        </p:nvPicPr>
-        <p:blipFill>
-          <a:blip r:embed="rId2"/>
-          <a:stretch>
-            <a:fillRect/>
-          </a:stretch>
-        </p:blipFill>
-        <p:spPr>
-          <a:xfrm>
-            <a:off x="3877909" y="2778766"/>
-            <a:ext cx="4436182" cy="2375125"/>
+        </p:nvSpPr>
+        <p:spPr>
+          <a:xfrm>
+            <a:off x="651162" y="3028151"/>
+            <a:ext cx="5684983" cy="2062103"/>
           </a:xfrm>
           <a:prstGeom prst="rect">
             <a:avLst/>
           </a:prstGeom>
-        </p:spPr>
-      </p:pic>
+          <a:solidFill>
+            <a:schemeClr val="tx1">
+              <a:lumMod val="95000"/>
+              <a:lumOff val="5000"/>
+            </a:schemeClr>
+          </a:solidFill>
+        </p:spPr>
+        <p:txBody>
+          <a:bodyPr wrap="square">
+            <a:spAutoFit/>
+          </a:bodyPr>
+          <a:lstStyle/>
+          <a:p>
+            <a:r>
+              <a:rPr lang="en-US" sz="1600" b="0" dirty="0">
+                <a:solidFill>
+                  <a:srgbClr val="C586C0"/>
+                </a:solidFill>
+                <a:effectLst/>
+                <a:latin typeface="Consolas" panose="020B0609020204030204" pitchFamily="49" charset="0"/>
+              </a:rPr>
+              <a:t>from</a:t>
+            </a:r>
+            <a:r>
+              <a:rPr lang="en-US" sz="1600" b="0" dirty="0">
+                <a:solidFill>
+                  <a:srgbClr val="CCCCCC"/>
+                </a:solidFill>
+                <a:effectLst/>
+                <a:latin typeface="Consolas" panose="020B0609020204030204" pitchFamily="49" charset="0"/>
+              </a:rPr>
+              <a:t> z3 </a:t>
+            </a:r>
+            <a:r>
+              <a:rPr lang="en-US" sz="1600" b="0" dirty="0">
+                <a:solidFill>
+                  <a:srgbClr val="C586C0"/>
+                </a:solidFill>
+                <a:effectLst/>
+                <a:latin typeface="Consolas" panose="020B0609020204030204" pitchFamily="49" charset="0"/>
+              </a:rPr>
+              <a:t>import</a:t>
+            </a:r>
+            <a:r>
+              <a:rPr lang="en-US" sz="1600" b="0" dirty="0">
+                <a:solidFill>
+                  <a:srgbClr val="CCCCCC"/>
+                </a:solidFill>
+                <a:effectLst/>
+                <a:latin typeface="Consolas" panose="020B0609020204030204" pitchFamily="49" charset="0"/>
+              </a:rPr>
+              <a:t> </a:t>
+            </a:r>
+            <a:r>
+              <a:rPr lang="en-US" sz="1600" b="0" dirty="0">
+                <a:solidFill>
+                  <a:srgbClr val="D4D4D4"/>
+                </a:solidFill>
+                <a:effectLst/>
+                <a:latin typeface="Consolas" panose="020B0609020204030204" pitchFamily="49" charset="0"/>
+              </a:rPr>
+              <a:t>*</a:t>
+            </a:r>
+            <a:endParaRPr lang="en-US" sz="1600" b="0" dirty="0">
+              <a:solidFill>
+                <a:srgbClr val="CCCCCC"/>
+              </a:solidFill>
+              <a:effectLst/>
+              <a:latin typeface="Consolas" panose="020B0609020204030204" pitchFamily="49" charset="0"/>
+            </a:endParaRPr>
+          </a:p>
+          <a:p>
+            <a:br>
+              <a:rPr lang="en-US" sz="1600" b="0" dirty="0">
+                <a:solidFill>
+                  <a:srgbClr val="CCCCCC"/>
+                </a:solidFill>
+                <a:effectLst/>
+                <a:latin typeface="Consolas" panose="020B0609020204030204" pitchFamily="49" charset="0"/>
+              </a:rPr>
+            </a:br>
+            <a:r>
+              <a:rPr lang="en-US" sz="1600" b="0" dirty="0">
+                <a:solidFill>
+                  <a:srgbClr val="CCCCCC"/>
+                </a:solidFill>
+                <a:effectLst/>
+                <a:latin typeface="Consolas" panose="020B0609020204030204" pitchFamily="49" charset="0"/>
+              </a:rPr>
+              <a:t>a0 ,a1 ,b0 ,b1 </a:t>
+            </a:r>
+            <a:r>
+              <a:rPr lang="en-US" sz="1600" b="0" dirty="0">
+                <a:solidFill>
+                  <a:srgbClr val="D4D4D4"/>
+                </a:solidFill>
+                <a:effectLst/>
+                <a:latin typeface="Consolas" panose="020B0609020204030204" pitchFamily="49" charset="0"/>
+              </a:rPr>
+              <a:t>=</a:t>
+            </a:r>
+            <a:r>
+              <a:rPr lang="en-US" sz="1600" b="0" dirty="0">
+                <a:solidFill>
+                  <a:srgbClr val="CCCCCC"/>
+                </a:solidFill>
+                <a:effectLst/>
+                <a:latin typeface="Consolas" panose="020B0609020204030204" pitchFamily="49" charset="0"/>
+              </a:rPr>
+              <a:t> Bools(</a:t>
+            </a:r>
+            <a:r>
+              <a:rPr lang="en-US" sz="1600" b="0" dirty="0">
+                <a:solidFill>
+                  <a:srgbClr val="CE9178"/>
+                </a:solidFill>
+                <a:effectLst/>
+                <a:latin typeface="Consolas" panose="020B0609020204030204" pitchFamily="49" charset="0"/>
+              </a:rPr>
+              <a:t>'a0 a1 b0 b1'</a:t>
+            </a:r>
+            <a:r>
+              <a:rPr lang="en-US" sz="1600" b="0" dirty="0">
+                <a:solidFill>
+                  <a:srgbClr val="CCCCCC"/>
+                </a:solidFill>
+                <a:effectLst/>
+                <a:latin typeface="Consolas" panose="020B0609020204030204" pitchFamily="49" charset="0"/>
+              </a:rPr>
+              <a:t>)</a:t>
+            </a:r>
+          </a:p>
+          <a:p>
+            <a:br>
+              <a:rPr lang="en-US" sz="1600" b="0" dirty="0">
+                <a:solidFill>
+                  <a:srgbClr val="CCCCCC"/>
+                </a:solidFill>
+                <a:effectLst/>
+                <a:latin typeface="Consolas" panose="020B0609020204030204" pitchFamily="49" charset="0"/>
+              </a:rPr>
+            </a:br>
+            <a:r>
+              <a:rPr lang="en-US" sz="1600" b="0" dirty="0">
+                <a:solidFill>
+                  <a:srgbClr val="CCCCCC"/>
+                </a:solidFill>
+                <a:effectLst/>
+                <a:latin typeface="Consolas" panose="020B0609020204030204" pitchFamily="49" charset="0"/>
+              </a:rPr>
+              <a:t>cout0 ,cout1 </a:t>
+            </a:r>
+            <a:r>
+              <a:rPr lang="en-US" sz="1600" b="0" dirty="0">
+                <a:solidFill>
+                  <a:srgbClr val="D4D4D4"/>
+                </a:solidFill>
+                <a:effectLst/>
+                <a:latin typeface="Consolas" panose="020B0609020204030204" pitchFamily="49" charset="0"/>
+              </a:rPr>
+              <a:t>=</a:t>
+            </a:r>
+            <a:r>
+              <a:rPr lang="en-US" sz="1600" b="0" dirty="0">
+                <a:solidFill>
+                  <a:srgbClr val="CCCCCC"/>
+                </a:solidFill>
+                <a:effectLst/>
+                <a:latin typeface="Consolas" panose="020B0609020204030204" pitchFamily="49" charset="0"/>
+              </a:rPr>
+              <a:t> Bools(</a:t>
+            </a:r>
+            <a:r>
+              <a:rPr lang="en-US" sz="1600" b="0" dirty="0">
+                <a:solidFill>
+                  <a:srgbClr val="CE9178"/>
+                </a:solidFill>
+                <a:effectLst/>
+                <a:latin typeface="Consolas" panose="020B0609020204030204" pitchFamily="49" charset="0"/>
+              </a:rPr>
+              <a:t>'cout0 cout1'</a:t>
+            </a:r>
+            <a:r>
+              <a:rPr lang="en-US" sz="1600" b="0" dirty="0">
+                <a:solidFill>
+                  <a:srgbClr val="CCCCCC"/>
+                </a:solidFill>
+                <a:effectLst/>
+                <a:latin typeface="Consolas" panose="020B0609020204030204" pitchFamily="49" charset="0"/>
+              </a:rPr>
+              <a:t>)</a:t>
+            </a:r>
+          </a:p>
+          <a:p>
+            <a:br>
+              <a:rPr lang="en-US" sz="1600" b="0" dirty="0">
+                <a:solidFill>
+                  <a:srgbClr val="CCCCCC"/>
+                </a:solidFill>
+                <a:effectLst/>
+                <a:latin typeface="Consolas" panose="020B0609020204030204" pitchFamily="49" charset="0"/>
+              </a:rPr>
+            </a:br>
+            <a:r>
+              <a:rPr lang="en-US" sz="1600" b="0" dirty="0">
+                <a:solidFill>
+                  <a:srgbClr val="CCCCCC"/>
+                </a:solidFill>
+                <a:effectLst/>
+                <a:latin typeface="Consolas" panose="020B0609020204030204" pitchFamily="49" charset="0"/>
+              </a:rPr>
+              <a:t>cout0 </a:t>
+            </a:r>
+            <a:r>
+              <a:rPr lang="en-US" sz="1600" b="0" dirty="0">
+                <a:solidFill>
+                  <a:srgbClr val="D4D4D4"/>
+                </a:solidFill>
+                <a:effectLst/>
+                <a:latin typeface="Consolas" panose="020B0609020204030204" pitchFamily="49" charset="0"/>
+              </a:rPr>
+              <a:t>=</a:t>
+            </a:r>
+            <a:r>
+              <a:rPr lang="en-US" sz="1600" b="0" dirty="0">
+                <a:solidFill>
+                  <a:srgbClr val="CCCCCC"/>
+                </a:solidFill>
+                <a:effectLst/>
+                <a:latin typeface="Consolas" panose="020B0609020204030204" pitchFamily="49" charset="0"/>
+              </a:rPr>
+              <a:t> </a:t>
+            </a:r>
+            <a:r>
+              <a:rPr lang="en-US" sz="1600" b="0" dirty="0" err="1">
+                <a:solidFill>
+                  <a:srgbClr val="CCCCCC"/>
+                </a:solidFill>
+                <a:effectLst/>
+                <a:latin typeface="Consolas" panose="020B0609020204030204" pitchFamily="49" charset="0"/>
+              </a:rPr>
+              <a:t>Xor</a:t>
+            </a:r>
+            <a:r>
+              <a:rPr lang="en-US" sz="1600" b="0" dirty="0">
+                <a:solidFill>
+                  <a:srgbClr val="CCCCCC"/>
+                </a:solidFill>
+                <a:effectLst/>
+                <a:latin typeface="Consolas" panose="020B0609020204030204" pitchFamily="49" charset="0"/>
+              </a:rPr>
+              <a:t>((a0),(b0),)</a:t>
+            </a:r>
+          </a:p>
+          <a:p>
+            <a:r>
+              <a:rPr lang="en-US" sz="1600" b="0" dirty="0">
+                <a:solidFill>
+                  <a:srgbClr val="CCCCCC"/>
+                </a:solidFill>
+                <a:effectLst/>
+                <a:latin typeface="Consolas" panose="020B0609020204030204" pitchFamily="49" charset="0"/>
+              </a:rPr>
+              <a:t>cout1 </a:t>
+            </a:r>
+            <a:r>
+              <a:rPr lang="en-US" sz="1600" b="0" dirty="0">
+                <a:solidFill>
+                  <a:srgbClr val="D4D4D4"/>
+                </a:solidFill>
+                <a:effectLst/>
+                <a:latin typeface="Consolas" panose="020B0609020204030204" pitchFamily="49" charset="0"/>
+              </a:rPr>
+              <a:t>=</a:t>
+            </a:r>
+            <a:r>
+              <a:rPr lang="en-US" sz="1600" b="0" dirty="0">
+                <a:solidFill>
+                  <a:srgbClr val="CCCCCC"/>
+                </a:solidFill>
+                <a:effectLst/>
+                <a:latin typeface="Consolas" panose="020B0609020204030204" pitchFamily="49" charset="0"/>
+              </a:rPr>
+              <a:t> </a:t>
+            </a:r>
+            <a:r>
+              <a:rPr lang="en-US" sz="1600" b="0" dirty="0" err="1">
+                <a:solidFill>
+                  <a:srgbClr val="CCCCCC"/>
+                </a:solidFill>
+                <a:effectLst/>
+                <a:latin typeface="Consolas" panose="020B0609020204030204" pitchFamily="49" charset="0"/>
+              </a:rPr>
+              <a:t>Xor</a:t>
+            </a:r>
+            <a:r>
+              <a:rPr lang="en-US" sz="1600" b="0" dirty="0">
+                <a:solidFill>
+                  <a:srgbClr val="CCCCCC"/>
+                </a:solidFill>
+                <a:effectLst/>
+                <a:latin typeface="Consolas" panose="020B0609020204030204" pitchFamily="49" charset="0"/>
+              </a:rPr>
+              <a:t>((</a:t>
+            </a:r>
+            <a:r>
+              <a:rPr lang="en-US" sz="1600" b="0" dirty="0" err="1">
+                <a:solidFill>
+                  <a:srgbClr val="CCCCCC"/>
+                </a:solidFill>
+                <a:effectLst/>
+                <a:latin typeface="Consolas" panose="020B0609020204030204" pitchFamily="49" charset="0"/>
+              </a:rPr>
+              <a:t>Xor</a:t>
+            </a:r>
+            <a:r>
+              <a:rPr lang="en-US" sz="1600" b="0" dirty="0">
+                <a:solidFill>
+                  <a:srgbClr val="CCCCCC"/>
+                </a:solidFill>
+                <a:effectLst/>
+                <a:latin typeface="Consolas" panose="020B0609020204030204" pitchFamily="49" charset="0"/>
+              </a:rPr>
+              <a:t>((a1),(b1),)),(And((a0),(b0),)),)</a:t>
+            </a:r>
+          </a:p>
+        </p:txBody>
+      </p:sp>
+      <p:sp>
+        <p:nvSpPr>
+          <p:cNvPr id="11" name="TextBox 10">
+            <a:extLst>
+              <a:ext uri="{FF2B5EF4-FFF2-40B4-BE49-F238E27FC236}">
+                <a16:creationId xmlns:a16="http://schemas.microsoft.com/office/drawing/2014/main" id="{C80CFFD9-F5F4-41F8-FC5B-A0ABE2BF9C2C}"/>
+              </a:ext>
+            </a:extLst>
+          </p:cNvPr>
+          <p:cNvSpPr txBox="1"/>
+          <p:nvPr/>
+        </p:nvSpPr>
+        <p:spPr>
+          <a:xfrm>
+            <a:off x="6675584" y="1856509"/>
+            <a:ext cx="4315689" cy="4339650"/>
+          </a:xfrm>
+          <a:prstGeom prst="rect">
+            <a:avLst/>
+          </a:prstGeom>
+          <a:solidFill>
+            <a:schemeClr val="tx1">
+              <a:lumMod val="95000"/>
+              <a:lumOff val="5000"/>
+            </a:schemeClr>
+          </a:solidFill>
+        </p:spPr>
+        <p:txBody>
+          <a:bodyPr wrap="square">
+            <a:spAutoFit/>
+          </a:bodyPr>
+          <a:lstStyle/>
+          <a:p>
+            <a:r>
+              <a:rPr lang="en-US" sz="1200" b="0" dirty="0">
+                <a:solidFill>
+                  <a:srgbClr val="C586C0"/>
+                </a:solidFill>
+                <a:effectLst/>
+                <a:latin typeface="Consolas" panose="020B0609020204030204" pitchFamily="49" charset="0"/>
+              </a:rPr>
+              <a:t>from</a:t>
+            </a:r>
+            <a:r>
+              <a:rPr lang="en-US" sz="1200" b="0" dirty="0">
+                <a:solidFill>
+                  <a:srgbClr val="CCCCCC"/>
+                </a:solidFill>
+                <a:effectLst/>
+                <a:latin typeface="Consolas" panose="020B0609020204030204" pitchFamily="49" charset="0"/>
+              </a:rPr>
+              <a:t> z3 </a:t>
+            </a:r>
+            <a:r>
+              <a:rPr lang="en-US" sz="1200" b="0" dirty="0">
+                <a:solidFill>
+                  <a:srgbClr val="C586C0"/>
+                </a:solidFill>
+                <a:effectLst/>
+                <a:latin typeface="Consolas" panose="020B0609020204030204" pitchFamily="49" charset="0"/>
+              </a:rPr>
+              <a:t>import</a:t>
+            </a:r>
+            <a:r>
+              <a:rPr lang="en-US" sz="1200" b="0" dirty="0">
+                <a:solidFill>
+                  <a:srgbClr val="CCCCCC"/>
+                </a:solidFill>
+                <a:effectLst/>
+                <a:latin typeface="Consolas" panose="020B0609020204030204" pitchFamily="49" charset="0"/>
+              </a:rPr>
+              <a:t> </a:t>
+            </a:r>
+            <a:r>
+              <a:rPr lang="en-US" sz="1200" b="0" dirty="0">
+                <a:solidFill>
+                  <a:srgbClr val="D4D4D4"/>
+                </a:solidFill>
+                <a:effectLst/>
+                <a:latin typeface="Consolas" panose="020B0609020204030204" pitchFamily="49" charset="0"/>
+              </a:rPr>
+              <a:t>*</a:t>
+            </a:r>
+            <a:endParaRPr lang="en-US" sz="1200" b="0" dirty="0">
+              <a:solidFill>
+                <a:srgbClr val="CCCCCC"/>
+              </a:solidFill>
+              <a:effectLst/>
+              <a:latin typeface="Consolas" panose="020B0609020204030204" pitchFamily="49" charset="0"/>
+            </a:endParaRPr>
+          </a:p>
+          <a:p>
+            <a:br>
+              <a:rPr lang="en-US" sz="1200" b="0" dirty="0">
+                <a:solidFill>
+                  <a:srgbClr val="CCCCCC"/>
+                </a:solidFill>
+                <a:effectLst/>
+                <a:latin typeface="Consolas" panose="020B0609020204030204" pitchFamily="49" charset="0"/>
+              </a:rPr>
+            </a:br>
+            <a:r>
+              <a:rPr lang="en-US" sz="1200" b="0" dirty="0">
+                <a:solidFill>
+                  <a:srgbClr val="CCCCCC"/>
+                </a:solidFill>
+                <a:effectLst/>
+                <a:latin typeface="Consolas" panose="020B0609020204030204" pitchFamily="49" charset="0"/>
+              </a:rPr>
+              <a:t>a0 ,a1 ,b0 ,b1 </a:t>
+            </a:r>
+            <a:r>
+              <a:rPr lang="en-US" sz="1200" b="0" dirty="0">
+                <a:solidFill>
+                  <a:srgbClr val="D4D4D4"/>
+                </a:solidFill>
+                <a:effectLst/>
+                <a:latin typeface="Consolas" panose="020B0609020204030204" pitchFamily="49" charset="0"/>
+              </a:rPr>
+              <a:t>=</a:t>
+            </a:r>
+            <a:r>
+              <a:rPr lang="en-US" sz="1200" b="0" dirty="0">
+                <a:solidFill>
+                  <a:srgbClr val="CCCCCC"/>
+                </a:solidFill>
+                <a:effectLst/>
+                <a:latin typeface="Consolas" panose="020B0609020204030204" pitchFamily="49" charset="0"/>
+              </a:rPr>
+              <a:t> Bools(</a:t>
+            </a:r>
+            <a:r>
+              <a:rPr lang="en-US" sz="1200" b="0" dirty="0">
+                <a:solidFill>
+                  <a:srgbClr val="CE9178"/>
+                </a:solidFill>
+                <a:effectLst/>
+                <a:latin typeface="Consolas" panose="020B0609020204030204" pitchFamily="49" charset="0"/>
+              </a:rPr>
+              <a:t>'a0 a1 b0 b1'</a:t>
+            </a:r>
+            <a:r>
+              <a:rPr lang="en-US" sz="1200" b="0" dirty="0">
+                <a:solidFill>
+                  <a:srgbClr val="CCCCCC"/>
+                </a:solidFill>
+                <a:effectLst/>
+                <a:latin typeface="Consolas" panose="020B0609020204030204" pitchFamily="49" charset="0"/>
+              </a:rPr>
+              <a:t>)</a:t>
+            </a:r>
+          </a:p>
+          <a:p>
+            <a:br>
+              <a:rPr lang="en-US" sz="1200" b="0" dirty="0">
+                <a:solidFill>
+                  <a:srgbClr val="CCCCCC"/>
+                </a:solidFill>
+                <a:effectLst/>
+                <a:latin typeface="Consolas" panose="020B0609020204030204" pitchFamily="49" charset="0"/>
+              </a:rPr>
+            </a:br>
+            <a:r>
+              <a:rPr lang="en-US" sz="1200" b="0" dirty="0">
+                <a:solidFill>
+                  <a:srgbClr val="CCCCCC"/>
+                </a:solidFill>
+                <a:effectLst/>
+                <a:latin typeface="Consolas" panose="020B0609020204030204" pitchFamily="49" charset="0"/>
+              </a:rPr>
+              <a:t>cout0 ,cout1 </a:t>
+            </a:r>
+            <a:r>
+              <a:rPr lang="en-US" sz="1200" b="0" dirty="0">
+                <a:solidFill>
+                  <a:srgbClr val="D4D4D4"/>
+                </a:solidFill>
+                <a:effectLst/>
+                <a:latin typeface="Consolas" panose="020B0609020204030204" pitchFamily="49" charset="0"/>
+              </a:rPr>
+              <a:t>=</a:t>
+            </a:r>
+            <a:r>
+              <a:rPr lang="en-US" sz="1200" b="0" dirty="0">
+                <a:solidFill>
+                  <a:srgbClr val="CCCCCC"/>
+                </a:solidFill>
+                <a:effectLst/>
+                <a:latin typeface="Consolas" panose="020B0609020204030204" pitchFamily="49" charset="0"/>
+              </a:rPr>
+              <a:t> Bools(</a:t>
+            </a:r>
+            <a:r>
+              <a:rPr lang="en-US" sz="1200" b="0" dirty="0">
+                <a:solidFill>
+                  <a:srgbClr val="CE9178"/>
+                </a:solidFill>
+                <a:effectLst/>
+                <a:latin typeface="Consolas" panose="020B0609020204030204" pitchFamily="49" charset="0"/>
+              </a:rPr>
+              <a:t>'cout0 cout1'</a:t>
+            </a:r>
+            <a:r>
+              <a:rPr lang="en-US" sz="1200" b="0" dirty="0">
+                <a:solidFill>
+                  <a:srgbClr val="CCCCCC"/>
+                </a:solidFill>
+                <a:effectLst/>
+                <a:latin typeface="Consolas" panose="020B0609020204030204" pitchFamily="49" charset="0"/>
+              </a:rPr>
+              <a:t>)</a:t>
+            </a:r>
+          </a:p>
+          <a:p>
+            <a:br>
+              <a:rPr lang="en-US" sz="1200" b="0" dirty="0">
+                <a:solidFill>
+                  <a:srgbClr val="CCCCCC"/>
+                </a:solidFill>
+                <a:effectLst/>
+                <a:latin typeface="Consolas" panose="020B0609020204030204" pitchFamily="49" charset="0"/>
+              </a:rPr>
+            </a:br>
+            <a:r>
+              <a:rPr lang="en-US" sz="1200" b="0" dirty="0">
+                <a:solidFill>
+                  <a:srgbClr val="CCCCCC"/>
+                </a:solidFill>
+                <a:effectLst/>
+                <a:latin typeface="Consolas" panose="020B0609020204030204" pitchFamily="49" charset="0"/>
+              </a:rPr>
+              <a:t>cout0 </a:t>
+            </a:r>
+            <a:r>
+              <a:rPr lang="en-US" sz="1200" b="0" dirty="0">
+                <a:solidFill>
+                  <a:srgbClr val="D4D4D4"/>
+                </a:solidFill>
+                <a:effectLst/>
+                <a:latin typeface="Consolas" panose="020B0609020204030204" pitchFamily="49" charset="0"/>
+              </a:rPr>
+              <a:t>=</a:t>
+            </a:r>
+            <a:r>
+              <a:rPr lang="en-US" sz="1200" b="0" dirty="0">
+                <a:solidFill>
+                  <a:srgbClr val="CCCCCC"/>
+                </a:solidFill>
+                <a:effectLst/>
+                <a:latin typeface="Consolas" panose="020B0609020204030204" pitchFamily="49" charset="0"/>
+              </a:rPr>
+              <a:t> </a:t>
+            </a:r>
+            <a:r>
+              <a:rPr lang="en-US" sz="1200" b="0" dirty="0" err="1">
+                <a:solidFill>
+                  <a:srgbClr val="CCCCCC"/>
+                </a:solidFill>
+                <a:effectLst/>
+                <a:latin typeface="Consolas" panose="020B0609020204030204" pitchFamily="49" charset="0"/>
+              </a:rPr>
+              <a:t>Xor</a:t>
+            </a:r>
+            <a:r>
+              <a:rPr lang="en-US" sz="1200" b="0" dirty="0">
+                <a:solidFill>
+                  <a:srgbClr val="CCCCCC"/>
+                </a:solidFill>
+                <a:effectLst/>
+                <a:latin typeface="Consolas" panose="020B0609020204030204" pitchFamily="49" charset="0"/>
+              </a:rPr>
+              <a:t>((a0),(b0),)</a:t>
+            </a:r>
+          </a:p>
+          <a:p>
+            <a:r>
+              <a:rPr lang="en-US" sz="1200" b="0" dirty="0">
+                <a:solidFill>
+                  <a:srgbClr val="CCCCCC"/>
+                </a:solidFill>
+                <a:effectLst/>
+                <a:latin typeface="Consolas" panose="020B0609020204030204" pitchFamily="49" charset="0"/>
+              </a:rPr>
+              <a:t>cout1 </a:t>
+            </a:r>
+            <a:r>
+              <a:rPr lang="en-US" sz="1200" b="0" dirty="0">
+                <a:solidFill>
+                  <a:srgbClr val="D4D4D4"/>
+                </a:solidFill>
+                <a:effectLst/>
+                <a:latin typeface="Consolas" panose="020B0609020204030204" pitchFamily="49" charset="0"/>
+              </a:rPr>
+              <a:t>=</a:t>
+            </a:r>
+            <a:r>
+              <a:rPr lang="en-US" sz="1200" b="0" dirty="0">
+                <a:solidFill>
+                  <a:srgbClr val="CCCCCC"/>
+                </a:solidFill>
+                <a:effectLst/>
+                <a:latin typeface="Consolas" panose="020B0609020204030204" pitchFamily="49" charset="0"/>
+              </a:rPr>
+              <a:t> </a:t>
+            </a:r>
+            <a:r>
+              <a:rPr lang="en-US" sz="1200" b="0" dirty="0" err="1">
+                <a:solidFill>
+                  <a:srgbClr val="CCCCCC"/>
+                </a:solidFill>
+                <a:effectLst/>
+                <a:latin typeface="Consolas" panose="020B0609020204030204" pitchFamily="49" charset="0"/>
+              </a:rPr>
+              <a:t>Xor</a:t>
+            </a:r>
+            <a:r>
+              <a:rPr lang="en-US" sz="1200" b="0" dirty="0">
+                <a:solidFill>
+                  <a:srgbClr val="CCCCCC"/>
+                </a:solidFill>
+                <a:effectLst/>
+                <a:latin typeface="Consolas" panose="020B0609020204030204" pitchFamily="49" charset="0"/>
+              </a:rPr>
+              <a:t>((</a:t>
+            </a:r>
+            <a:r>
+              <a:rPr lang="en-US" sz="1200" b="0" dirty="0" err="1">
+                <a:solidFill>
+                  <a:srgbClr val="CCCCCC"/>
+                </a:solidFill>
+                <a:effectLst/>
+                <a:latin typeface="Consolas" panose="020B0609020204030204" pitchFamily="49" charset="0"/>
+              </a:rPr>
+              <a:t>Xor</a:t>
+            </a:r>
+            <a:r>
+              <a:rPr lang="en-US" sz="1200" b="0" dirty="0">
+                <a:solidFill>
+                  <a:srgbClr val="CCCCCC"/>
+                </a:solidFill>
+                <a:effectLst/>
+                <a:latin typeface="Consolas" panose="020B0609020204030204" pitchFamily="49" charset="0"/>
+              </a:rPr>
+              <a:t>((a1),(b1),)),(And((a0),(b0),)),)</a:t>
+            </a:r>
+          </a:p>
+          <a:p>
+            <a:br>
+              <a:rPr lang="en-US" sz="1200" b="0" dirty="0">
+                <a:solidFill>
+                  <a:srgbClr val="CCCCCC"/>
+                </a:solidFill>
+                <a:effectLst/>
+                <a:latin typeface="Consolas" panose="020B0609020204030204" pitchFamily="49" charset="0"/>
+              </a:rPr>
+            </a:br>
+            <a:r>
+              <a:rPr lang="en-US" sz="1200" b="0" dirty="0">
+                <a:solidFill>
+                  <a:srgbClr val="CCCCCC"/>
+                </a:solidFill>
+                <a:effectLst/>
+                <a:latin typeface="Consolas" panose="020B0609020204030204" pitchFamily="49" charset="0"/>
+              </a:rPr>
+              <a:t>ensures </a:t>
+            </a:r>
+            <a:r>
+              <a:rPr lang="en-US" sz="1200" b="0" dirty="0">
+                <a:solidFill>
+                  <a:srgbClr val="D4D4D4"/>
+                </a:solidFill>
+                <a:effectLst/>
+                <a:latin typeface="Consolas" panose="020B0609020204030204" pitchFamily="49" charset="0"/>
+              </a:rPr>
+              <a:t>=</a:t>
+            </a:r>
+            <a:r>
+              <a:rPr lang="en-US" sz="1200" b="0" dirty="0">
+                <a:solidFill>
+                  <a:srgbClr val="CCCCCC"/>
+                </a:solidFill>
+                <a:effectLst/>
+                <a:latin typeface="Consolas" panose="020B0609020204030204" pitchFamily="49" charset="0"/>
+              </a:rPr>
+              <a:t> Not(cout0</a:t>
+            </a:r>
+            <a:r>
+              <a:rPr lang="en-US" sz="1200" b="0" dirty="0">
+                <a:solidFill>
+                  <a:srgbClr val="D4D4D4"/>
+                </a:solidFill>
+                <a:effectLst/>
+                <a:latin typeface="Consolas" panose="020B0609020204030204" pitchFamily="49" charset="0"/>
+              </a:rPr>
+              <a:t>==</a:t>
+            </a:r>
+            <a:r>
+              <a:rPr lang="en-US" sz="1200" b="0" dirty="0" err="1">
+                <a:solidFill>
+                  <a:srgbClr val="CCCCCC"/>
+                </a:solidFill>
+                <a:effectLst/>
+                <a:latin typeface="Consolas" panose="020B0609020204030204" pitchFamily="49" charset="0"/>
+              </a:rPr>
+              <a:t>Xor</a:t>
+            </a:r>
+            <a:r>
+              <a:rPr lang="en-US" sz="1200" b="0" dirty="0">
+                <a:solidFill>
+                  <a:srgbClr val="CCCCCC"/>
+                </a:solidFill>
+                <a:effectLst/>
+                <a:latin typeface="Consolas" panose="020B0609020204030204" pitchFamily="49" charset="0"/>
+              </a:rPr>
+              <a:t>((a0),(b0)))</a:t>
+            </a:r>
+          </a:p>
+          <a:p>
+            <a:br>
+              <a:rPr lang="en-US" sz="1200" b="0" dirty="0">
+                <a:solidFill>
+                  <a:srgbClr val="CCCCCC"/>
+                </a:solidFill>
+                <a:effectLst/>
+                <a:latin typeface="Consolas" panose="020B0609020204030204" pitchFamily="49" charset="0"/>
+              </a:rPr>
+            </a:br>
+            <a:r>
+              <a:rPr lang="en-US" sz="1200" b="0" dirty="0">
+                <a:solidFill>
+                  <a:srgbClr val="CCCCCC"/>
+                </a:solidFill>
+                <a:effectLst/>
+                <a:latin typeface="Consolas" panose="020B0609020204030204" pitchFamily="49" charset="0"/>
+              </a:rPr>
+              <a:t>s </a:t>
+            </a:r>
+            <a:r>
+              <a:rPr lang="en-US" sz="1200" b="0" dirty="0">
+                <a:solidFill>
+                  <a:srgbClr val="D4D4D4"/>
+                </a:solidFill>
+                <a:effectLst/>
+                <a:latin typeface="Consolas" panose="020B0609020204030204" pitchFamily="49" charset="0"/>
+              </a:rPr>
+              <a:t>=</a:t>
+            </a:r>
+            <a:r>
+              <a:rPr lang="en-US" sz="1200" b="0" dirty="0">
+                <a:solidFill>
+                  <a:srgbClr val="CCCCCC"/>
+                </a:solidFill>
+                <a:effectLst/>
+                <a:latin typeface="Consolas" panose="020B0609020204030204" pitchFamily="49" charset="0"/>
+              </a:rPr>
+              <a:t> Solver()</a:t>
+            </a:r>
+          </a:p>
+          <a:p>
+            <a:br>
+              <a:rPr lang="en-US" sz="1200" b="0" dirty="0">
+                <a:solidFill>
+                  <a:srgbClr val="CCCCCC"/>
+                </a:solidFill>
+                <a:effectLst/>
+                <a:latin typeface="Consolas" panose="020B0609020204030204" pitchFamily="49" charset="0"/>
+              </a:rPr>
+            </a:br>
+            <a:r>
+              <a:rPr lang="en-US" sz="1200" b="0" dirty="0" err="1">
+                <a:solidFill>
+                  <a:srgbClr val="CCCCCC"/>
+                </a:solidFill>
+                <a:effectLst/>
+                <a:latin typeface="Consolas" panose="020B0609020204030204" pitchFamily="49" charset="0"/>
+              </a:rPr>
+              <a:t>s.add</a:t>
+            </a:r>
+            <a:r>
+              <a:rPr lang="en-US" sz="1200" b="0" dirty="0">
+                <a:solidFill>
+                  <a:srgbClr val="CCCCCC"/>
+                </a:solidFill>
+                <a:effectLst/>
+                <a:latin typeface="Consolas" panose="020B0609020204030204" pitchFamily="49" charset="0"/>
+              </a:rPr>
+              <a:t>(cout0)</a:t>
+            </a:r>
+          </a:p>
+          <a:p>
+            <a:r>
+              <a:rPr lang="en-US" sz="1200" b="0" dirty="0" err="1">
+                <a:solidFill>
+                  <a:srgbClr val="CCCCCC"/>
+                </a:solidFill>
+                <a:effectLst/>
+                <a:latin typeface="Consolas" panose="020B0609020204030204" pitchFamily="49" charset="0"/>
+              </a:rPr>
+              <a:t>s.add</a:t>
+            </a:r>
+            <a:r>
+              <a:rPr lang="en-US" sz="1200" b="0" dirty="0">
+                <a:solidFill>
+                  <a:srgbClr val="CCCCCC"/>
+                </a:solidFill>
+                <a:effectLst/>
+                <a:latin typeface="Consolas" panose="020B0609020204030204" pitchFamily="49" charset="0"/>
+              </a:rPr>
+              <a:t>(cout1)</a:t>
+            </a:r>
+          </a:p>
+          <a:p>
+            <a:r>
+              <a:rPr lang="en-US" sz="1200" b="0" dirty="0" err="1">
+                <a:solidFill>
+                  <a:srgbClr val="CCCCCC"/>
+                </a:solidFill>
+                <a:effectLst/>
+                <a:latin typeface="Consolas" panose="020B0609020204030204" pitchFamily="49" charset="0"/>
+              </a:rPr>
+              <a:t>s.add</a:t>
+            </a:r>
+            <a:r>
+              <a:rPr lang="en-US" sz="1200" b="0" dirty="0">
+                <a:solidFill>
+                  <a:srgbClr val="CCCCCC"/>
+                </a:solidFill>
+                <a:effectLst/>
+                <a:latin typeface="Consolas" panose="020B0609020204030204" pitchFamily="49" charset="0"/>
+              </a:rPr>
+              <a:t>(ensures)</a:t>
+            </a:r>
+          </a:p>
+          <a:p>
+            <a:br>
+              <a:rPr lang="en-US" sz="1200" b="0" dirty="0">
+                <a:solidFill>
+                  <a:srgbClr val="CCCCCC"/>
+                </a:solidFill>
+                <a:effectLst/>
+                <a:latin typeface="Consolas" panose="020B0609020204030204" pitchFamily="49" charset="0"/>
+              </a:rPr>
+            </a:br>
+            <a:r>
+              <a:rPr lang="en-US" sz="1200" b="0" dirty="0">
+                <a:solidFill>
+                  <a:srgbClr val="C586C0"/>
+                </a:solidFill>
+                <a:effectLst/>
+                <a:latin typeface="Consolas" panose="020B0609020204030204" pitchFamily="49" charset="0"/>
+              </a:rPr>
+              <a:t>if</a:t>
+            </a:r>
+            <a:r>
+              <a:rPr lang="en-US" sz="1200" b="0" dirty="0">
+                <a:solidFill>
+                  <a:srgbClr val="CCCCCC"/>
+                </a:solidFill>
+                <a:effectLst/>
+                <a:latin typeface="Consolas" panose="020B0609020204030204" pitchFamily="49" charset="0"/>
+              </a:rPr>
+              <a:t> </a:t>
+            </a:r>
+            <a:r>
+              <a:rPr lang="en-US" sz="1200" b="0" dirty="0" err="1">
+                <a:solidFill>
+                  <a:srgbClr val="CCCCCC"/>
+                </a:solidFill>
+                <a:effectLst/>
+                <a:latin typeface="Consolas" panose="020B0609020204030204" pitchFamily="49" charset="0"/>
+              </a:rPr>
+              <a:t>s.check</a:t>
+            </a:r>
+            <a:r>
+              <a:rPr lang="en-US" sz="1200" b="0" dirty="0">
+                <a:solidFill>
+                  <a:srgbClr val="CCCCCC"/>
+                </a:solidFill>
+                <a:effectLst/>
+                <a:latin typeface="Consolas" panose="020B0609020204030204" pitchFamily="49" charset="0"/>
+              </a:rPr>
+              <a:t>() </a:t>
+            </a:r>
+            <a:r>
+              <a:rPr lang="en-US" sz="1200" b="0" dirty="0">
+                <a:solidFill>
+                  <a:srgbClr val="D4D4D4"/>
+                </a:solidFill>
+                <a:effectLst/>
+                <a:latin typeface="Consolas" panose="020B0609020204030204" pitchFamily="49" charset="0"/>
+              </a:rPr>
+              <a:t>==</a:t>
+            </a:r>
+            <a:r>
+              <a:rPr lang="en-US" sz="1200" b="0" dirty="0">
+                <a:solidFill>
+                  <a:srgbClr val="CCCCCC"/>
+                </a:solidFill>
+                <a:effectLst/>
+                <a:latin typeface="Consolas" panose="020B0609020204030204" pitchFamily="49" charset="0"/>
+              </a:rPr>
+              <a:t> sat:</a:t>
+            </a:r>
+          </a:p>
+          <a:p>
+            <a:r>
+              <a:rPr lang="en-US" sz="1200" b="0" dirty="0">
+                <a:solidFill>
+                  <a:srgbClr val="CCCCCC"/>
+                </a:solidFill>
+                <a:effectLst/>
+                <a:latin typeface="Consolas" panose="020B0609020204030204" pitchFamily="49" charset="0"/>
+              </a:rPr>
+              <a:t>        m </a:t>
+            </a:r>
+            <a:r>
+              <a:rPr lang="en-US" sz="1200" b="0" dirty="0">
+                <a:solidFill>
+                  <a:srgbClr val="D4D4D4"/>
+                </a:solidFill>
+                <a:effectLst/>
+                <a:latin typeface="Consolas" panose="020B0609020204030204" pitchFamily="49" charset="0"/>
+              </a:rPr>
+              <a:t>=</a:t>
+            </a:r>
+            <a:r>
+              <a:rPr lang="en-US" sz="1200" b="0" dirty="0">
+                <a:solidFill>
+                  <a:srgbClr val="CCCCCC"/>
+                </a:solidFill>
+                <a:effectLst/>
+                <a:latin typeface="Consolas" panose="020B0609020204030204" pitchFamily="49" charset="0"/>
+              </a:rPr>
+              <a:t> </a:t>
+            </a:r>
+            <a:r>
+              <a:rPr lang="en-US" sz="1200" b="0" dirty="0" err="1">
+                <a:solidFill>
+                  <a:srgbClr val="CCCCCC"/>
+                </a:solidFill>
+                <a:effectLst/>
+                <a:latin typeface="Consolas" panose="020B0609020204030204" pitchFamily="49" charset="0"/>
+              </a:rPr>
+              <a:t>s.model</a:t>
+            </a:r>
+            <a:r>
+              <a:rPr lang="en-US" sz="1200" b="0" dirty="0">
+                <a:solidFill>
+                  <a:srgbClr val="CCCCCC"/>
+                </a:solidFill>
+                <a:effectLst/>
+                <a:latin typeface="Consolas" panose="020B0609020204030204" pitchFamily="49" charset="0"/>
+              </a:rPr>
+              <a:t>()</a:t>
+            </a:r>
+          </a:p>
+          <a:p>
+            <a:r>
+              <a:rPr lang="en-US" sz="1200" b="0" dirty="0">
+                <a:solidFill>
+                  <a:srgbClr val="CCCCCC"/>
+                </a:solidFill>
+                <a:effectLst/>
+                <a:latin typeface="Consolas" panose="020B0609020204030204" pitchFamily="49" charset="0"/>
+              </a:rPr>
+              <a:t>        </a:t>
+            </a:r>
+            <a:r>
+              <a:rPr lang="en-US" sz="1200" b="0" dirty="0">
+                <a:solidFill>
+                  <a:srgbClr val="DCDCAA"/>
+                </a:solidFill>
+                <a:effectLst/>
+                <a:latin typeface="Consolas" panose="020B0609020204030204" pitchFamily="49" charset="0"/>
+              </a:rPr>
+              <a:t>print</a:t>
+            </a:r>
+            <a:r>
+              <a:rPr lang="en-US" sz="1200" b="0" dirty="0">
+                <a:solidFill>
+                  <a:srgbClr val="CCCCCC"/>
+                </a:solidFill>
+                <a:effectLst/>
+                <a:latin typeface="Consolas" panose="020B0609020204030204" pitchFamily="49" charset="0"/>
+              </a:rPr>
+              <a:t>(</a:t>
+            </a:r>
+            <a:r>
+              <a:rPr lang="en-US" sz="1200" b="0" dirty="0">
+                <a:solidFill>
+                  <a:srgbClr val="CE9178"/>
+                </a:solidFill>
+                <a:effectLst/>
+                <a:latin typeface="Consolas" panose="020B0609020204030204" pitchFamily="49" charset="0"/>
+              </a:rPr>
+              <a:t>"found a counter example!"</a:t>
+            </a:r>
+            <a:r>
+              <a:rPr lang="en-US" sz="1200" b="0" dirty="0">
+                <a:solidFill>
+                  <a:srgbClr val="CCCCCC"/>
+                </a:solidFill>
+                <a:effectLst/>
+                <a:latin typeface="Consolas" panose="020B0609020204030204" pitchFamily="49" charset="0"/>
+              </a:rPr>
+              <a:t>)</a:t>
+            </a:r>
+          </a:p>
+          <a:p>
+            <a:r>
+              <a:rPr lang="en-US" sz="1200" b="0" dirty="0">
+                <a:solidFill>
+                  <a:srgbClr val="C586C0"/>
+                </a:solidFill>
+                <a:effectLst/>
+                <a:latin typeface="Consolas" panose="020B0609020204030204" pitchFamily="49" charset="0"/>
+              </a:rPr>
+              <a:t>else</a:t>
+            </a:r>
+            <a:r>
+              <a:rPr lang="en-US" sz="1200" b="0" dirty="0">
+                <a:solidFill>
+                  <a:srgbClr val="CCCCCC"/>
+                </a:solidFill>
+                <a:effectLst/>
+                <a:latin typeface="Consolas" panose="020B0609020204030204" pitchFamily="49" charset="0"/>
+              </a:rPr>
+              <a:t>:</a:t>
+            </a:r>
+          </a:p>
+          <a:p>
+            <a:r>
+              <a:rPr lang="en-US" sz="1200" b="0" dirty="0">
+                <a:solidFill>
+                  <a:srgbClr val="CCCCCC"/>
+                </a:solidFill>
+                <a:effectLst/>
+                <a:latin typeface="Consolas" panose="020B0609020204030204" pitchFamily="49" charset="0"/>
+              </a:rPr>
+              <a:t>        </a:t>
+            </a:r>
+            <a:r>
+              <a:rPr lang="en-US" sz="1200" b="0" dirty="0">
+                <a:solidFill>
+                  <a:srgbClr val="DCDCAA"/>
+                </a:solidFill>
+                <a:effectLst/>
+                <a:latin typeface="Consolas" panose="020B0609020204030204" pitchFamily="49" charset="0"/>
+              </a:rPr>
+              <a:t>print</a:t>
+            </a:r>
+            <a:r>
+              <a:rPr lang="en-US" sz="1200" b="0" dirty="0">
+                <a:solidFill>
+                  <a:srgbClr val="CCCCCC"/>
+                </a:solidFill>
+                <a:effectLst/>
+                <a:latin typeface="Consolas" panose="020B0609020204030204" pitchFamily="49" charset="0"/>
+              </a:rPr>
+              <a:t>(</a:t>
+            </a:r>
+            <a:r>
+              <a:rPr lang="en-US" sz="1200" b="0" dirty="0">
+                <a:solidFill>
+                  <a:srgbClr val="CE9178"/>
+                </a:solidFill>
+                <a:effectLst/>
+                <a:latin typeface="Consolas" panose="020B0609020204030204" pitchFamily="49" charset="0"/>
+              </a:rPr>
+              <a:t>"UNSAT so satisfied"</a:t>
+            </a:r>
+            <a:r>
+              <a:rPr lang="en-US" sz="1200" b="0" dirty="0">
+                <a:solidFill>
+                  <a:srgbClr val="CCCCCC"/>
+                </a:solidFill>
+                <a:effectLst/>
+                <a:latin typeface="Consolas" panose="020B0609020204030204" pitchFamily="49" charset="0"/>
+              </a:rPr>
+              <a:t>)</a:t>
+            </a:r>
+          </a:p>
+          <a:p>
+            <a:endParaRPr lang="en-US" sz="1200" b="0" dirty="0">
+              <a:solidFill>
+                <a:srgbClr val="CCCCCC"/>
+              </a:solidFill>
+              <a:effectLst/>
+              <a:latin typeface="Consolas" panose="020B0609020204030204" pitchFamily="49" charset="0"/>
+            </a:endParaRPr>
+          </a:p>
+        </p:txBody>
+      </p:sp>
     </p:spTree>
     <p:extLst>
       <p:ext uri="{BB962C8B-B14F-4D97-AF65-F5344CB8AC3E}">
-        <p14:creationId xmlns:p14="http://schemas.microsoft.com/office/powerpoint/2010/main" val="2743654609"/>
+        <p14:creationId xmlns:p14="http://schemas.microsoft.com/office/powerpoint/2010/main" val="50301944"/>
       </p:ext>
     </p:extLst>
   </p:cSld>
